--- a/ppt/Zeng_Can.pptx
+++ b/ppt/Zeng_Can.pptx
@@ -1,7 +1,8 @@
 
 <file path=ppt/presentation.xml><?xml version="1.0" encoding="utf-8"?>
-<p:presentation xmlns:a="http://schemas.openxmlformats.org/drawingml/2006/main" xmlns:p="http://schemas.openxmlformats.org/presentationml/2006/main" xmlns:r="http://schemas.openxmlformats.org/officeDocument/2006/relationships" xmlns:p14="http://schemas.microsoft.com/office/powerpoint/2010/main" xmlns:p15="http://schemas.microsoft.com/office/powerpoint/2012/main" xmlns:mc="http://schemas.openxmlformats.org/markup-compatibility/2006">
+<p:presentation xmlns:a="http://schemas.openxmlformats.org/drawingml/2006/main" xmlns:r="http://schemas.openxmlformats.org/officeDocument/2006/relationships" xmlns:p="http://schemas.openxmlformats.org/presentationml/2006/main">
   <p:sldMasterIdLst>
+    <p:sldMasterId id="2147483650" r:id="rId1"/>
     <p:sldMasterId id="2147483648" r:id="rId2"/>
   </p:sldMasterIdLst>
   <p:sldIdLst>
@@ -9,11 +10,402 @@
   </p:sldIdLst>
   <p:sldSz cx="10080625" cy="7559675"/>
   <p:notesSz cx="7559675" cy="10691813"/>
+  <p:defaultTextStyle>
+    <a:defPPr>
+      <a:defRPr lang="zh-CN"/>
+    </a:defPPr>
+    <a:lvl1pPr marL="0" algn="l" defTabSz="914400" rtl="0" eaLnBrk="1" latinLnBrk="0" hangingPunct="1">
+      <a:defRPr sz="1800" kern="1200">
+        <a:solidFill>
+          <a:schemeClr val="tx1"/>
+        </a:solidFill>
+        <a:latin typeface="+mn-lt"/>
+        <a:ea typeface="+mn-ea"/>
+        <a:cs typeface="+mn-cs"/>
+      </a:defRPr>
+    </a:lvl1pPr>
+    <a:lvl2pPr marL="457200" algn="l" defTabSz="914400" rtl="0" eaLnBrk="1" latinLnBrk="0" hangingPunct="1">
+      <a:defRPr sz="1800" kern="1200">
+        <a:solidFill>
+          <a:schemeClr val="tx1"/>
+        </a:solidFill>
+        <a:latin typeface="+mn-lt"/>
+        <a:ea typeface="+mn-ea"/>
+        <a:cs typeface="+mn-cs"/>
+      </a:defRPr>
+    </a:lvl2pPr>
+    <a:lvl3pPr marL="914400" algn="l" defTabSz="914400" rtl="0" eaLnBrk="1" latinLnBrk="0" hangingPunct="1">
+      <a:defRPr sz="1800" kern="1200">
+        <a:solidFill>
+          <a:schemeClr val="tx1"/>
+        </a:solidFill>
+        <a:latin typeface="+mn-lt"/>
+        <a:ea typeface="+mn-ea"/>
+        <a:cs typeface="+mn-cs"/>
+      </a:defRPr>
+    </a:lvl3pPr>
+    <a:lvl4pPr marL="1371600" algn="l" defTabSz="914400" rtl="0" eaLnBrk="1" latinLnBrk="0" hangingPunct="1">
+      <a:defRPr sz="1800" kern="1200">
+        <a:solidFill>
+          <a:schemeClr val="tx1"/>
+        </a:solidFill>
+        <a:latin typeface="+mn-lt"/>
+        <a:ea typeface="+mn-ea"/>
+        <a:cs typeface="+mn-cs"/>
+      </a:defRPr>
+    </a:lvl4pPr>
+    <a:lvl5pPr marL="1828800" algn="l" defTabSz="914400" rtl="0" eaLnBrk="1" latinLnBrk="0" hangingPunct="1">
+      <a:defRPr sz="1800" kern="1200">
+        <a:solidFill>
+          <a:schemeClr val="tx1"/>
+        </a:solidFill>
+        <a:latin typeface="+mn-lt"/>
+        <a:ea typeface="+mn-ea"/>
+        <a:cs typeface="+mn-cs"/>
+      </a:defRPr>
+    </a:lvl5pPr>
+    <a:lvl6pPr marL="2286000" algn="l" defTabSz="914400" rtl="0" eaLnBrk="1" latinLnBrk="0" hangingPunct="1">
+      <a:defRPr sz="1800" kern="1200">
+        <a:solidFill>
+          <a:schemeClr val="tx1"/>
+        </a:solidFill>
+        <a:latin typeface="+mn-lt"/>
+        <a:ea typeface="+mn-ea"/>
+        <a:cs typeface="+mn-cs"/>
+      </a:defRPr>
+    </a:lvl6pPr>
+    <a:lvl7pPr marL="2743200" algn="l" defTabSz="914400" rtl="0" eaLnBrk="1" latinLnBrk="0" hangingPunct="1">
+      <a:defRPr sz="1800" kern="1200">
+        <a:solidFill>
+          <a:schemeClr val="tx1"/>
+        </a:solidFill>
+        <a:latin typeface="+mn-lt"/>
+        <a:ea typeface="+mn-ea"/>
+        <a:cs typeface="+mn-cs"/>
+      </a:defRPr>
+    </a:lvl7pPr>
+    <a:lvl8pPr marL="3200400" algn="l" defTabSz="914400" rtl="0" eaLnBrk="1" latinLnBrk="0" hangingPunct="1">
+      <a:defRPr sz="1800" kern="1200">
+        <a:solidFill>
+          <a:schemeClr val="tx1"/>
+        </a:solidFill>
+        <a:latin typeface="+mn-lt"/>
+        <a:ea typeface="+mn-ea"/>
+        <a:cs typeface="+mn-cs"/>
+      </a:defRPr>
+    </a:lvl8pPr>
+    <a:lvl9pPr marL="3657600" algn="l" defTabSz="914400" rtl="0" eaLnBrk="1" latinLnBrk="0" hangingPunct="1">
+      <a:defRPr sz="1800" kern="1200">
+        <a:solidFill>
+          <a:schemeClr val="tx1"/>
+        </a:solidFill>
+        <a:latin typeface="+mn-lt"/>
+        <a:ea typeface="+mn-ea"/>
+        <a:cs typeface="+mn-cs"/>
+      </a:defRPr>
+    </a:lvl9pPr>
+  </p:defaultTextStyle>
 </p:presentation>
 </file>
 
 <file path=ppt/slideLayouts/slideLayout1.xml><?xml version="1.0" encoding="utf-8"?>
-<p:sldLayout xmlns:a="http://schemas.openxmlformats.org/drawingml/2006/main" xmlns:p="http://schemas.openxmlformats.org/presentationml/2006/main" xmlns:r="http://schemas.openxmlformats.org/officeDocument/2006/relationships" xmlns:p14="http://schemas.microsoft.com/office/powerpoint/2010/main" xmlns:p15="http://schemas.microsoft.com/office/powerpoint/2012/main" xmlns:mc="http://schemas.openxmlformats.org/markup-compatibility/2006" type="tx" preserve="1">
+<p:sldLayout xmlns:a="http://schemas.openxmlformats.org/drawingml/2006/main" xmlns:r="http://schemas.openxmlformats.org/officeDocument/2006/relationships" xmlns:p="http://schemas.openxmlformats.org/presentationml/2006/main" matchingName="Title, Content" type="obj" preserve="1">
+  <p:cSld name="Title, Content">
+    <p:spTree>
+      <p:nvGrpSpPr>
+        <p:cNvPr id="1" name="Shape 31"/>
+        <p:cNvGrpSpPr/>
+        <p:nvPr/>
+      </p:nvGrpSpPr>
+      <p:grpSpPr>
+        <a:xfrm>
+          <a:off x="0" y="0"/>
+          <a:ext cx="0" cy="0"/>
+          <a:chOff x="0" y="0"/>
+          <a:chExt cx="0" cy="0"/>
+        </a:xfrm>
+      </p:grpSpPr>
+      <p:sp>
+        <p:nvSpPr>
+          <p:cNvPr id="32" name="Google Shape;32;p4"/>
+          <p:cNvSpPr txBox="1">
+            <a:spLocks noGrp="1"/>
+          </p:cNvSpPr>
+          <p:nvPr>
+            <p:ph type="title"/>
+          </p:nvPr>
+        </p:nvSpPr>
+        <p:spPr>
+          <a:xfrm>
+            <a:off x="504031" y="301593"/>
+            <a:ext cx="9072166" cy="1261930"/>
+          </a:xfrm>
+          <a:prstGeom prst="rect">
+            <a:avLst/>
+          </a:prstGeom>
+          <a:noFill/>
+          <a:ln>
+            <a:noFill/>
+          </a:ln>
+        </p:spPr>
+        <p:txBody>
+          <a:bodyPr spcFirstLastPara="1" wrap="square" lIns="0" tIns="0" rIns="0" bIns="0" anchor="ctr" anchorCtr="0">
+            <a:noAutofit/>
+          </a:bodyPr>
+          <a:lstStyle>
+            <a:lvl1pPr lvl="0" algn="l">
+              <a:spcBef>
+                <a:spcPts val="0"/>
+              </a:spcBef>
+              <a:spcAft>
+                <a:spcPts val="0"/>
+              </a:spcAft>
+              <a:buSzPts val="1400"/>
+              <a:buNone/>
+              <a:defRPr/>
+            </a:lvl1pPr>
+            <a:lvl2pPr lvl="1" algn="l">
+              <a:spcBef>
+                <a:spcPts val="0"/>
+              </a:spcBef>
+              <a:spcAft>
+                <a:spcPts val="0"/>
+              </a:spcAft>
+              <a:buSzPts val="1400"/>
+              <a:buNone/>
+              <a:defRPr/>
+            </a:lvl2pPr>
+            <a:lvl3pPr lvl="2" algn="l">
+              <a:spcBef>
+                <a:spcPts val="0"/>
+              </a:spcBef>
+              <a:spcAft>
+                <a:spcPts val="0"/>
+              </a:spcAft>
+              <a:buSzPts val="1400"/>
+              <a:buNone/>
+              <a:defRPr/>
+            </a:lvl3pPr>
+            <a:lvl4pPr lvl="3" algn="l">
+              <a:spcBef>
+                <a:spcPts val="0"/>
+              </a:spcBef>
+              <a:spcAft>
+                <a:spcPts val="0"/>
+              </a:spcAft>
+              <a:buSzPts val="1400"/>
+              <a:buNone/>
+              <a:defRPr/>
+            </a:lvl4pPr>
+            <a:lvl5pPr lvl="4" algn="l">
+              <a:spcBef>
+                <a:spcPts val="0"/>
+              </a:spcBef>
+              <a:spcAft>
+                <a:spcPts val="0"/>
+              </a:spcAft>
+              <a:buSzPts val="1400"/>
+              <a:buNone/>
+              <a:defRPr/>
+            </a:lvl5pPr>
+            <a:lvl6pPr lvl="5" algn="l">
+              <a:spcBef>
+                <a:spcPts val="0"/>
+              </a:spcBef>
+              <a:spcAft>
+                <a:spcPts val="0"/>
+              </a:spcAft>
+              <a:buSzPts val="1400"/>
+              <a:buNone/>
+              <a:defRPr/>
+            </a:lvl6pPr>
+            <a:lvl7pPr lvl="6" algn="l">
+              <a:spcBef>
+                <a:spcPts val="0"/>
+              </a:spcBef>
+              <a:spcAft>
+                <a:spcPts val="0"/>
+              </a:spcAft>
+              <a:buSzPts val="1400"/>
+              <a:buNone/>
+              <a:defRPr/>
+            </a:lvl7pPr>
+            <a:lvl8pPr lvl="7" algn="l">
+              <a:spcBef>
+                <a:spcPts val="0"/>
+              </a:spcBef>
+              <a:spcAft>
+                <a:spcPts val="0"/>
+              </a:spcAft>
+              <a:buSzPts val="1400"/>
+              <a:buNone/>
+              <a:defRPr/>
+            </a:lvl8pPr>
+            <a:lvl9pPr lvl="8" algn="l">
+              <a:spcBef>
+                <a:spcPts val="0"/>
+              </a:spcBef>
+              <a:spcAft>
+                <a:spcPts val="0"/>
+              </a:spcAft>
+              <a:buSzPts val="1400"/>
+              <a:buNone/>
+              <a:defRPr/>
+            </a:lvl9pPr>
+          </a:lstStyle>
+          <a:p>
+            <a:endParaRPr/>
+          </a:p>
+        </p:txBody>
+      </p:sp>
+      <p:sp>
+        <p:nvSpPr>
+          <p:cNvPr id="33" name="Google Shape;33;p4"/>
+          <p:cNvSpPr txBox="1">
+            <a:spLocks noGrp="1"/>
+          </p:cNvSpPr>
+          <p:nvPr>
+            <p:ph type="body" idx="1"/>
+          </p:nvPr>
+        </p:nvSpPr>
+        <p:spPr>
+          <a:xfrm>
+            <a:off x="504031" y="1768686"/>
+            <a:ext cx="9072166" cy="4384215"/>
+          </a:xfrm>
+          <a:prstGeom prst="rect">
+            <a:avLst/>
+          </a:prstGeom>
+          <a:noFill/>
+          <a:ln>
+            <a:noFill/>
+          </a:ln>
+        </p:spPr>
+        <p:txBody>
+          <a:bodyPr spcFirstLastPara="1" wrap="square" lIns="0" tIns="0" rIns="0" bIns="0" anchor="t" anchorCtr="0">
+            <a:normAutofit/>
+          </a:bodyPr>
+          <a:lstStyle>
+            <a:lvl1pPr marL="503972" lvl="0" indent="-251986" algn="l">
+              <a:spcBef>
+                <a:spcPts val="0"/>
+              </a:spcBef>
+              <a:spcAft>
+                <a:spcPts val="0"/>
+              </a:spcAft>
+              <a:buSzPts val="1400"/>
+              <a:buNone/>
+              <a:defRPr/>
+            </a:lvl1pPr>
+            <a:lvl2pPr marL="1007943" lvl="1" indent="-251986" algn="l">
+              <a:spcBef>
+                <a:spcPts val="0"/>
+              </a:spcBef>
+              <a:spcAft>
+                <a:spcPts val="0"/>
+              </a:spcAft>
+              <a:buSzPts val="1400"/>
+              <a:buNone/>
+              <a:defRPr/>
+            </a:lvl2pPr>
+            <a:lvl3pPr marL="1511915" lvl="2" indent="-251986" algn="l">
+              <a:spcBef>
+                <a:spcPts val="0"/>
+              </a:spcBef>
+              <a:spcAft>
+                <a:spcPts val="0"/>
+              </a:spcAft>
+              <a:buSzPts val="1400"/>
+              <a:buNone/>
+              <a:defRPr/>
+            </a:lvl3pPr>
+            <a:lvl4pPr marL="2015886" lvl="3" indent="-251986" algn="l">
+              <a:spcBef>
+                <a:spcPts val="0"/>
+              </a:spcBef>
+              <a:spcAft>
+                <a:spcPts val="0"/>
+              </a:spcAft>
+              <a:buSzPts val="1400"/>
+              <a:buNone/>
+              <a:defRPr/>
+            </a:lvl4pPr>
+            <a:lvl5pPr marL="2519858" lvl="4" indent="-251986" algn="l">
+              <a:spcBef>
+                <a:spcPts val="0"/>
+              </a:spcBef>
+              <a:spcAft>
+                <a:spcPts val="0"/>
+              </a:spcAft>
+              <a:buSzPts val="1400"/>
+              <a:buNone/>
+              <a:defRPr/>
+            </a:lvl5pPr>
+            <a:lvl6pPr marL="3023829" lvl="5" indent="-251986" algn="l">
+              <a:spcBef>
+                <a:spcPts val="0"/>
+              </a:spcBef>
+              <a:spcAft>
+                <a:spcPts val="0"/>
+              </a:spcAft>
+              <a:buSzPts val="1400"/>
+              <a:buNone/>
+              <a:defRPr/>
+            </a:lvl6pPr>
+            <a:lvl7pPr marL="3527801" lvl="6" indent="-251986" algn="l">
+              <a:spcBef>
+                <a:spcPts val="0"/>
+              </a:spcBef>
+              <a:spcAft>
+                <a:spcPts val="0"/>
+              </a:spcAft>
+              <a:buSzPts val="1400"/>
+              <a:buNone/>
+              <a:defRPr/>
+            </a:lvl7pPr>
+            <a:lvl8pPr marL="4031772" lvl="7" indent="-251986" algn="l">
+              <a:spcBef>
+                <a:spcPts val="0"/>
+              </a:spcBef>
+              <a:spcAft>
+                <a:spcPts val="0"/>
+              </a:spcAft>
+              <a:buSzPts val="1400"/>
+              <a:buNone/>
+              <a:defRPr/>
+            </a:lvl8pPr>
+            <a:lvl9pPr marL="4535744" lvl="8" indent="-251986" algn="l">
+              <a:spcBef>
+                <a:spcPts val="0"/>
+              </a:spcBef>
+              <a:spcAft>
+                <a:spcPts val="0"/>
+              </a:spcAft>
+              <a:buSzPts val="1400"/>
+              <a:buNone/>
+              <a:defRPr/>
+            </a:lvl9pPr>
+          </a:lstStyle>
+          <a:p>
+            <a:endParaRPr/>
+          </a:p>
+        </p:txBody>
+      </p:sp>
+    </p:spTree>
+    <p:extLst>
+      <p:ext uri="{BB962C8B-B14F-4D97-AF65-F5344CB8AC3E}">
+        <p14:creationId xmlns:p14="http://schemas.microsoft.com/office/powerpoint/2010/main" val="189460217"/>
+      </p:ext>
+    </p:extLst>
+  </p:cSld>
+  <p:clrMapOvr>
+    <a:masterClrMapping/>
+  </p:clrMapOvr>
+</p:sldLayout>
+</file>
+
+<file path=ppt/slideLayouts/slideLayout2.xml><?xml version="1.0" encoding="utf-8"?>
+<p:sldLayout xmlns:a="http://schemas.openxmlformats.org/drawingml/2006/main" xmlns:r="http://schemas.openxmlformats.org/officeDocument/2006/relationships" xmlns:p="http://schemas.openxmlformats.org/presentationml/2006/main" type="tx" preserve="1">
   <p:cSld name="标题4">
     <p:spTree>
       <p:nvGrpSpPr>
@@ -53,14 +445,15 @@
           </a:ln>
         </p:spPr>
         <p:txBody>
-          <a:bodyPr lIns="0" rIns="0" tIns="0" bIns="0" anchor="ctr">
+          <a:bodyPr lIns="0" tIns="0" rIns="0" bIns="0" anchor="ctr">
             <a:noAutofit/>
           </a:bodyPr>
+          <a:lstStyle/>
           <a:p>
             <a:pPr indent="0" algn="ctr">
               <a:buNone/>
             </a:pPr>
-            <a:endParaRPr b="0" lang="en-US" sz="4400" strike="noStrike" u="none">
+            <a:endParaRPr lang="en-US" sz="4400" b="0" u="none" strike="noStrike">
               <a:solidFill>
                 <a:srgbClr val="000000"/>
               </a:solidFill>
@@ -94,9 +487,10 @@
           </a:ln>
         </p:spPr>
         <p:txBody>
-          <a:bodyPr lIns="0" rIns="0" tIns="0" bIns="0" anchor="t">
+          <a:bodyPr lIns="0" tIns="0" rIns="0" bIns="0" anchor="t">
             <a:normAutofit/>
           </a:bodyPr>
+          <a:lstStyle/>
           <a:p>
             <a:pPr indent="0">
               <a:spcBef>
@@ -104,7 +498,7 @@
               </a:spcBef>
               <a:buNone/>
             </a:pPr>
-            <a:endParaRPr b="0" lang="en-US" sz="3200" strike="noStrike" u="none">
+            <a:endParaRPr lang="en-US" sz="3200" b="0" u="none" strike="noStrike">
               <a:solidFill>
                 <a:srgbClr val="000000"/>
               </a:solidFill>
@@ -116,17 +510,1977 @@
       </p:sp>
     </p:spTree>
   </p:cSld>
+  <p:clrMapOvr>
+    <a:masterClrMapping/>
+  </p:clrMapOvr>
 </p:sldLayout>
 </file>
 
 <file path=ppt/slideMasters/slideMaster1.xml><?xml version="1.0" encoding="utf-8"?>
-<p:sldMaster xmlns:a="http://schemas.openxmlformats.org/drawingml/2006/main" xmlns:p="http://schemas.openxmlformats.org/presentationml/2006/main" xmlns:r="http://schemas.openxmlformats.org/officeDocument/2006/relationships" xmlns:p14="http://schemas.microsoft.com/office/powerpoint/2010/main" xmlns:p15="http://schemas.microsoft.com/office/powerpoint/2012/main" xmlns:mc="http://schemas.openxmlformats.org/markup-compatibility/2006">
+<p:sldMaster xmlns:a="http://schemas.openxmlformats.org/drawingml/2006/main" xmlns:r="http://schemas.openxmlformats.org/officeDocument/2006/relationships" xmlns:p="http://schemas.openxmlformats.org/presentationml/2006/main" preserve="1">
   <p:cSld>
     <p:bg>
       <p:bgPr>
         <a:solidFill>
-          <a:srgbClr val="ffffff"/>
+          <a:srgbClr val="FFFFFF"/>
         </a:solidFill>
+        <a:effectLst/>
+      </p:bgPr>
+    </p:bg>
+    <p:spTree>
+      <p:nvGrpSpPr>
+        <p:cNvPr id="1" name="Shape 9"/>
+        <p:cNvGrpSpPr/>
+        <p:nvPr/>
+      </p:nvGrpSpPr>
+      <p:grpSpPr>
+        <a:xfrm>
+          <a:off x="0" y="0"/>
+          <a:ext cx="0" cy="0"/>
+          <a:chOff x="0" y="0"/>
+          <a:chExt cx="0" cy="0"/>
+        </a:xfrm>
+      </p:grpSpPr>
+      <p:sp>
+        <p:nvSpPr>
+          <p:cNvPr id="10" name="Google Shape;10;p1"/>
+          <p:cNvSpPr/>
+          <p:nvPr/>
+        </p:nvSpPr>
+        <p:spPr>
+          <a:xfrm>
+            <a:off x="276622" y="405961"/>
+            <a:ext cx="9526191" cy="1190103"/>
+          </a:xfrm>
+          <a:prstGeom prst="rect">
+            <a:avLst/>
+          </a:prstGeom>
+          <a:noFill/>
+          <a:ln>
+            <a:noFill/>
+          </a:ln>
+        </p:spPr>
+        <p:txBody>
+          <a:bodyPr spcFirstLastPara="1" wrap="square" lIns="100779" tIns="100779" rIns="100779" bIns="100779" anchor="ctr" anchorCtr="0">
+            <a:noAutofit/>
+          </a:bodyPr>
+          <a:lstStyle/>
+          <a:p>
+            <a:pPr marL="0" lvl="0" indent="0" algn="l" rtl="0">
+              <a:spcBef>
+                <a:spcPts val="0"/>
+              </a:spcBef>
+              <a:spcAft>
+                <a:spcPts val="0"/>
+              </a:spcAft>
+              <a:buNone/>
+            </a:pPr>
+            <a:endParaRPr sz="1984"/>
+          </a:p>
+        </p:txBody>
+      </p:sp>
+      <p:sp>
+        <p:nvSpPr>
+          <p:cNvPr id="11" name="Google Shape;11;p1"/>
+          <p:cNvSpPr/>
+          <p:nvPr/>
+        </p:nvSpPr>
+        <p:spPr>
+          <a:xfrm>
+            <a:off x="276622" y="217068"/>
+            <a:ext cx="9526191" cy="157543"/>
+          </a:xfrm>
+          <a:prstGeom prst="rect">
+            <a:avLst/>
+          </a:prstGeom>
+          <a:solidFill>
+            <a:srgbClr val="99C000"/>
+          </a:solidFill>
+          <a:ln>
+            <a:noFill/>
+          </a:ln>
+        </p:spPr>
+        <p:txBody>
+          <a:bodyPr spcFirstLastPara="1" wrap="square" lIns="100779" tIns="100779" rIns="100779" bIns="100779" anchor="ctr" anchorCtr="0">
+            <a:noAutofit/>
+          </a:bodyPr>
+          <a:lstStyle/>
+          <a:p>
+            <a:pPr marL="0" lvl="0" indent="0" algn="l" rtl="0">
+              <a:spcBef>
+                <a:spcPts val="0"/>
+              </a:spcBef>
+              <a:spcAft>
+                <a:spcPts val="0"/>
+              </a:spcAft>
+              <a:buNone/>
+            </a:pPr>
+            <a:endParaRPr sz="1984"/>
+          </a:p>
+        </p:txBody>
+      </p:sp>
+      <p:pic>
+        <p:nvPicPr>
+          <p:cNvPr id="12" name="Google Shape;12;p1"/>
+          <p:cNvPicPr preferRelativeResize="0"/>
+          <p:nvPr/>
+        </p:nvPicPr>
+        <p:blipFill rotWithShape="1">
+          <a:blip r:embed="rId3">
+            <a:alphaModFix/>
+          </a:blip>
+          <a:srcRect r="5428"/>
+          <a:stretch/>
+        </p:blipFill>
+        <p:spPr>
+          <a:xfrm>
+            <a:off x="7901781" y="565091"/>
+            <a:ext cx="2063353" cy="871446"/>
+          </a:xfrm>
+          <a:prstGeom prst="rect">
+            <a:avLst/>
+          </a:prstGeom>
+          <a:noFill/>
+          <a:ln>
+            <a:noFill/>
+          </a:ln>
+        </p:spPr>
+      </p:pic>
+      <p:cxnSp>
+        <p:nvCxnSpPr>
+          <p:cNvPr id="13" name="Google Shape;13;p1"/>
+          <p:cNvCxnSpPr/>
+          <p:nvPr/>
+        </p:nvCxnSpPr>
+        <p:spPr>
+          <a:xfrm>
+            <a:off x="276225" y="1597651"/>
+            <a:ext cx="9525794" cy="0"/>
+          </a:xfrm>
+          <a:prstGeom prst="straightConnector1">
+            <a:avLst/>
+          </a:prstGeom>
+          <a:noFill/>
+          <a:ln w="9525" cap="flat" cmpd="sng">
+            <a:solidFill>
+              <a:srgbClr val="000000"/>
+            </a:solidFill>
+            <a:prstDash val="solid"/>
+            <a:round/>
+            <a:headEnd type="none" w="sm" len="sm"/>
+            <a:tailEnd type="none" w="sm" len="sm"/>
+          </a:ln>
+        </p:spPr>
+      </p:cxnSp>
+      <p:sp>
+        <p:nvSpPr>
+          <p:cNvPr id="14" name="Google Shape;14;p1"/>
+          <p:cNvSpPr/>
+          <p:nvPr/>
+        </p:nvSpPr>
+        <p:spPr>
+          <a:xfrm>
+            <a:off x="276622" y="404373"/>
+            <a:ext cx="9524206" cy="14286"/>
+          </a:xfrm>
+          <a:prstGeom prst="rect">
+            <a:avLst/>
+          </a:prstGeom>
+          <a:solidFill>
+            <a:srgbClr val="000000"/>
+          </a:solidFill>
+          <a:ln>
+            <a:noFill/>
+          </a:ln>
+        </p:spPr>
+        <p:txBody>
+          <a:bodyPr spcFirstLastPara="1" wrap="square" lIns="100779" tIns="100779" rIns="100779" bIns="100779" anchor="ctr" anchorCtr="0">
+            <a:noAutofit/>
+          </a:bodyPr>
+          <a:lstStyle/>
+          <a:p>
+            <a:pPr marL="0" lvl="0" indent="0" algn="l" rtl="0">
+              <a:spcBef>
+                <a:spcPts val="0"/>
+              </a:spcBef>
+              <a:spcAft>
+                <a:spcPts val="0"/>
+              </a:spcAft>
+              <a:buNone/>
+            </a:pPr>
+            <a:endParaRPr sz="1984"/>
+          </a:p>
+        </p:txBody>
+      </p:sp>
+      <p:cxnSp>
+        <p:nvCxnSpPr>
+          <p:cNvPr id="15" name="Google Shape;15;p1"/>
+          <p:cNvCxnSpPr/>
+          <p:nvPr/>
+        </p:nvCxnSpPr>
+        <p:spPr>
+          <a:xfrm>
+            <a:off x="278209" y="7008077"/>
+            <a:ext cx="9525794" cy="0"/>
+          </a:xfrm>
+          <a:prstGeom prst="straightConnector1">
+            <a:avLst/>
+          </a:prstGeom>
+          <a:noFill/>
+          <a:ln w="9525" cap="flat" cmpd="sng">
+            <a:solidFill>
+              <a:srgbClr val="000000"/>
+            </a:solidFill>
+            <a:prstDash val="solid"/>
+            <a:round/>
+            <a:headEnd type="none" w="sm" len="sm"/>
+            <a:tailEnd type="none" w="sm" len="sm"/>
+          </a:ln>
+        </p:spPr>
+      </p:cxnSp>
+      <p:sp>
+        <p:nvSpPr>
+          <p:cNvPr id="17" name="Google Shape;17;p1"/>
+          <p:cNvSpPr/>
+          <p:nvPr/>
+        </p:nvSpPr>
+        <p:spPr>
+          <a:xfrm>
+            <a:off x="276622" y="405960"/>
+            <a:ext cx="9526191" cy="2301237"/>
+          </a:xfrm>
+          <a:prstGeom prst="rect">
+            <a:avLst/>
+          </a:prstGeom>
+          <a:solidFill>
+            <a:srgbClr val="075578"/>
+          </a:solidFill>
+          <a:ln>
+            <a:noFill/>
+          </a:ln>
+        </p:spPr>
+        <p:txBody>
+          <a:bodyPr spcFirstLastPara="1" wrap="square" lIns="100779" tIns="100779" rIns="100779" bIns="100779" anchor="ctr" anchorCtr="0">
+            <a:noAutofit/>
+          </a:bodyPr>
+          <a:lstStyle/>
+          <a:p>
+            <a:pPr marL="0" lvl="0" indent="0" algn="l" rtl="0">
+              <a:spcBef>
+                <a:spcPts val="0"/>
+              </a:spcBef>
+              <a:spcAft>
+                <a:spcPts val="0"/>
+              </a:spcAft>
+              <a:buNone/>
+            </a:pPr>
+            <a:endParaRPr sz="1984"/>
+          </a:p>
+        </p:txBody>
+      </p:sp>
+      <p:sp>
+        <p:nvSpPr>
+          <p:cNvPr id="18" name="Google Shape;18;p1"/>
+          <p:cNvSpPr/>
+          <p:nvPr/>
+        </p:nvSpPr>
+        <p:spPr>
+          <a:xfrm>
+            <a:off x="276622" y="217068"/>
+            <a:ext cx="9526191" cy="157543"/>
+          </a:xfrm>
+          <a:prstGeom prst="rect">
+            <a:avLst/>
+          </a:prstGeom>
+          <a:solidFill>
+            <a:srgbClr val="075578"/>
+          </a:solidFill>
+          <a:ln>
+            <a:noFill/>
+          </a:ln>
+        </p:spPr>
+        <p:txBody>
+          <a:bodyPr spcFirstLastPara="1" wrap="square" lIns="100779" tIns="100779" rIns="100779" bIns="100779" anchor="ctr" anchorCtr="0">
+            <a:noAutofit/>
+          </a:bodyPr>
+          <a:lstStyle/>
+          <a:p>
+            <a:pPr marL="0" lvl="0" indent="0" algn="l" rtl="0">
+              <a:spcBef>
+                <a:spcPts val="0"/>
+              </a:spcBef>
+              <a:spcAft>
+                <a:spcPts val="0"/>
+              </a:spcAft>
+              <a:buNone/>
+            </a:pPr>
+            <a:endParaRPr sz="1984"/>
+          </a:p>
+        </p:txBody>
+      </p:sp>
+      <p:pic>
+        <p:nvPicPr>
+          <p:cNvPr id="19" name="Google Shape;19;p1"/>
+          <p:cNvPicPr preferRelativeResize="0"/>
+          <p:nvPr/>
+        </p:nvPicPr>
+        <p:blipFill rotWithShape="1">
+          <a:blip r:embed="rId3">
+            <a:alphaModFix/>
+          </a:blip>
+          <a:srcRect r="5428"/>
+          <a:stretch/>
+        </p:blipFill>
+        <p:spPr>
+          <a:xfrm>
+            <a:off x="7906941" y="724618"/>
+            <a:ext cx="2063353" cy="871446"/>
+          </a:xfrm>
+          <a:prstGeom prst="rect">
+            <a:avLst/>
+          </a:prstGeom>
+          <a:noFill/>
+          <a:ln>
+            <a:noFill/>
+          </a:ln>
+        </p:spPr>
+      </p:pic>
+      <p:cxnSp>
+        <p:nvCxnSpPr>
+          <p:cNvPr id="20" name="Google Shape;20;p1"/>
+          <p:cNvCxnSpPr/>
+          <p:nvPr/>
+        </p:nvCxnSpPr>
+        <p:spPr>
+          <a:xfrm>
+            <a:off x="278209" y="7008077"/>
+            <a:ext cx="9525794" cy="0"/>
+          </a:xfrm>
+          <a:prstGeom prst="straightConnector1">
+            <a:avLst/>
+          </a:prstGeom>
+          <a:noFill/>
+          <a:ln w="9525" cap="flat" cmpd="sng">
+            <a:solidFill>
+              <a:srgbClr val="000000"/>
+            </a:solidFill>
+            <a:prstDash val="solid"/>
+            <a:round/>
+            <a:headEnd type="none" w="sm" len="sm"/>
+            <a:tailEnd type="none" w="sm" len="sm"/>
+          </a:ln>
+        </p:spPr>
+      </p:cxnSp>
+      <p:sp>
+        <p:nvSpPr>
+          <p:cNvPr id="21" name="Google Shape;21;p1"/>
+          <p:cNvSpPr/>
+          <p:nvPr/>
+        </p:nvSpPr>
+        <p:spPr>
+          <a:xfrm>
+            <a:off x="276622" y="397230"/>
+            <a:ext cx="9524206" cy="14286"/>
+          </a:xfrm>
+          <a:prstGeom prst="rect">
+            <a:avLst/>
+          </a:prstGeom>
+          <a:solidFill>
+            <a:srgbClr val="000000"/>
+          </a:solidFill>
+          <a:ln>
+            <a:noFill/>
+          </a:ln>
+        </p:spPr>
+        <p:txBody>
+          <a:bodyPr spcFirstLastPara="1" wrap="square" lIns="100779" tIns="100779" rIns="100779" bIns="100779" anchor="ctr" anchorCtr="0">
+            <a:noAutofit/>
+          </a:bodyPr>
+          <a:lstStyle/>
+          <a:p>
+            <a:pPr marL="0" lvl="0" indent="0" algn="l" rtl="0">
+              <a:spcBef>
+                <a:spcPts val="0"/>
+              </a:spcBef>
+              <a:spcAft>
+                <a:spcPts val="0"/>
+              </a:spcAft>
+              <a:buNone/>
+            </a:pPr>
+            <a:endParaRPr sz="1984"/>
+          </a:p>
+        </p:txBody>
+      </p:sp>
+      <p:sp>
+        <p:nvSpPr>
+          <p:cNvPr id="22" name="Google Shape;22;p1"/>
+          <p:cNvSpPr/>
+          <p:nvPr/>
+        </p:nvSpPr>
+        <p:spPr>
+          <a:xfrm>
+            <a:off x="276622" y="2708784"/>
+            <a:ext cx="9524206" cy="7143"/>
+          </a:xfrm>
+          <a:prstGeom prst="rect">
+            <a:avLst/>
+          </a:prstGeom>
+          <a:solidFill>
+            <a:srgbClr val="000000"/>
+          </a:solidFill>
+          <a:ln>
+            <a:noFill/>
+          </a:ln>
+        </p:spPr>
+        <p:txBody>
+          <a:bodyPr spcFirstLastPara="1" wrap="square" lIns="100779" tIns="100779" rIns="100779" bIns="100779" anchor="ctr" anchorCtr="0">
+            <a:noAutofit/>
+          </a:bodyPr>
+          <a:lstStyle/>
+          <a:p>
+            <a:pPr marL="0" lvl="0" indent="0" algn="l" rtl="0">
+              <a:spcBef>
+                <a:spcPts val="0"/>
+              </a:spcBef>
+              <a:spcAft>
+                <a:spcPts val="0"/>
+              </a:spcAft>
+              <a:buNone/>
+            </a:pPr>
+            <a:endParaRPr sz="1984"/>
+          </a:p>
+        </p:txBody>
+      </p:sp>
+      <p:sp>
+        <p:nvSpPr>
+          <p:cNvPr id="25" name="Google Shape;25;p1"/>
+          <p:cNvSpPr txBox="1">
+            <a:spLocks noGrp="1"/>
+          </p:cNvSpPr>
+          <p:nvPr>
+            <p:ph type="title"/>
+          </p:nvPr>
+        </p:nvSpPr>
+        <p:spPr>
+          <a:xfrm>
+            <a:off x="504031" y="301593"/>
+            <a:ext cx="9072166" cy="1261930"/>
+          </a:xfrm>
+          <a:prstGeom prst="rect">
+            <a:avLst/>
+          </a:prstGeom>
+          <a:noFill/>
+          <a:ln>
+            <a:noFill/>
+          </a:ln>
+        </p:spPr>
+        <p:txBody>
+          <a:bodyPr spcFirstLastPara="1" wrap="square" lIns="0" tIns="0" rIns="0" bIns="0" anchor="ctr" anchorCtr="0">
+            <a:noAutofit/>
+          </a:bodyPr>
+          <a:lstStyle>
+            <a:lvl1pPr marR="0" lvl="0" algn="l" rtl="0">
+              <a:spcBef>
+                <a:spcPts val="0"/>
+              </a:spcBef>
+              <a:spcAft>
+                <a:spcPts val="0"/>
+              </a:spcAft>
+              <a:buSzPts val="1400"/>
+              <a:buNone/>
+              <a:defRPr sz="1800" b="0" i="0" u="none" strike="noStrike" cap="none"/>
+            </a:lvl1pPr>
+            <a:lvl2pPr marR="0" lvl="1" algn="l" rtl="0">
+              <a:spcBef>
+                <a:spcPts val="0"/>
+              </a:spcBef>
+              <a:spcAft>
+                <a:spcPts val="0"/>
+              </a:spcAft>
+              <a:buSzPts val="1400"/>
+              <a:buNone/>
+              <a:defRPr sz="1800" b="0" i="0" u="none" strike="noStrike" cap="none"/>
+            </a:lvl2pPr>
+            <a:lvl3pPr marR="0" lvl="2" algn="l" rtl="0">
+              <a:spcBef>
+                <a:spcPts val="0"/>
+              </a:spcBef>
+              <a:spcAft>
+                <a:spcPts val="0"/>
+              </a:spcAft>
+              <a:buSzPts val="1400"/>
+              <a:buNone/>
+              <a:defRPr sz="1800" b="0" i="0" u="none" strike="noStrike" cap="none"/>
+            </a:lvl3pPr>
+            <a:lvl4pPr marR="0" lvl="3" algn="l" rtl="0">
+              <a:spcBef>
+                <a:spcPts val="0"/>
+              </a:spcBef>
+              <a:spcAft>
+                <a:spcPts val="0"/>
+              </a:spcAft>
+              <a:buSzPts val="1400"/>
+              <a:buNone/>
+              <a:defRPr sz="1800" b="0" i="0" u="none" strike="noStrike" cap="none"/>
+            </a:lvl4pPr>
+            <a:lvl5pPr marR="0" lvl="4" algn="l" rtl="0">
+              <a:spcBef>
+                <a:spcPts val="0"/>
+              </a:spcBef>
+              <a:spcAft>
+                <a:spcPts val="0"/>
+              </a:spcAft>
+              <a:buSzPts val="1400"/>
+              <a:buNone/>
+              <a:defRPr sz="1800" b="0" i="0" u="none" strike="noStrike" cap="none"/>
+            </a:lvl5pPr>
+            <a:lvl6pPr marR="0" lvl="5" algn="l" rtl="0">
+              <a:spcBef>
+                <a:spcPts val="0"/>
+              </a:spcBef>
+              <a:spcAft>
+                <a:spcPts val="0"/>
+              </a:spcAft>
+              <a:buSzPts val="1400"/>
+              <a:buNone/>
+              <a:defRPr sz="1800" b="0" i="0" u="none" strike="noStrike" cap="none"/>
+            </a:lvl6pPr>
+            <a:lvl7pPr marR="0" lvl="6" algn="l" rtl="0">
+              <a:spcBef>
+                <a:spcPts val="0"/>
+              </a:spcBef>
+              <a:spcAft>
+                <a:spcPts val="0"/>
+              </a:spcAft>
+              <a:buSzPts val="1400"/>
+              <a:buNone/>
+              <a:defRPr sz="1800" b="0" i="0" u="none" strike="noStrike" cap="none"/>
+            </a:lvl7pPr>
+            <a:lvl8pPr marR="0" lvl="7" algn="l" rtl="0">
+              <a:spcBef>
+                <a:spcPts val="0"/>
+              </a:spcBef>
+              <a:spcAft>
+                <a:spcPts val="0"/>
+              </a:spcAft>
+              <a:buSzPts val="1400"/>
+              <a:buNone/>
+              <a:defRPr sz="1800" b="0" i="0" u="none" strike="noStrike" cap="none"/>
+            </a:lvl8pPr>
+            <a:lvl9pPr marR="0" lvl="8" algn="l" rtl="0">
+              <a:spcBef>
+                <a:spcPts val="0"/>
+              </a:spcBef>
+              <a:spcAft>
+                <a:spcPts val="0"/>
+              </a:spcAft>
+              <a:buSzPts val="1400"/>
+              <a:buNone/>
+              <a:defRPr sz="1800" b="0" i="0" u="none" strike="noStrike" cap="none"/>
+            </a:lvl9pPr>
+          </a:lstStyle>
+          <a:p>
+            <a:endParaRPr/>
+          </a:p>
+        </p:txBody>
+      </p:sp>
+      <p:sp>
+        <p:nvSpPr>
+          <p:cNvPr id="26" name="Google Shape;26;p1"/>
+          <p:cNvSpPr txBox="1">
+            <a:spLocks noGrp="1"/>
+          </p:cNvSpPr>
+          <p:nvPr>
+            <p:ph type="body" idx="1"/>
+          </p:nvPr>
+        </p:nvSpPr>
+        <p:spPr>
+          <a:xfrm>
+            <a:off x="504031" y="1768686"/>
+            <a:ext cx="9072166" cy="4384215"/>
+          </a:xfrm>
+          <a:prstGeom prst="rect">
+            <a:avLst/>
+          </a:prstGeom>
+          <a:noFill/>
+          <a:ln>
+            <a:noFill/>
+          </a:ln>
+        </p:spPr>
+        <p:txBody>
+          <a:bodyPr spcFirstLastPara="1" wrap="square" lIns="0" tIns="0" rIns="0" bIns="0" anchor="t" anchorCtr="0">
+            <a:normAutofit/>
+          </a:bodyPr>
+          <a:lstStyle>
+            <a:lvl1pPr marL="457200" marR="0" lvl="0" indent="-228600" algn="l" rtl="0">
+              <a:spcBef>
+                <a:spcPts val="0"/>
+              </a:spcBef>
+              <a:spcAft>
+                <a:spcPts val="0"/>
+              </a:spcAft>
+              <a:buSzPts val="1400"/>
+              <a:buNone/>
+              <a:defRPr sz="1800" b="0" i="0" u="none" strike="noStrike" cap="none"/>
+            </a:lvl1pPr>
+            <a:lvl2pPr marL="914400" marR="0" lvl="1" indent="-228600" algn="l" rtl="0">
+              <a:spcBef>
+                <a:spcPts val="0"/>
+              </a:spcBef>
+              <a:spcAft>
+                <a:spcPts val="0"/>
+              </a:spcAft>
+              <a:buSzPts val="1400"/>
+              <a:buNone/>
+              <a:defRPr sz="1800" b="0" i="0" u="none" strike="noStrike" cap="none"/>
+            </a:lvl2pPr>
+            <a:lvl3pPr marL="1371600" marR="0" lvl="2" indent="-228600" algn="l" rtl="0">
+              <a:spcBef>
+                <a:spcPts val="0"/>
+              </a:spcBef>
+              <a:spcAft>
+                <a:spcPts val="0"/>
+              </a:spcAft>
+              <a:buSzPts val="1400"/>
+              <a:buNone/>
+              <a:defRPr sz="1800" b="0" i="0" u="none" strike="noStrike" cap="none"/>
+            </a:lvl3pPr>
+            <a:lvl4pPr marL="1828800" marR="0" lvl="3" indent="-228600" algn="l" rtl="0">
+              <a:spcBef>
+                <a:spcPts val="0"/>
+              </a:spcBef>
+              <a:spcAft>
+                <a:spcPts val="0"/>
+              </a:spcAft>
+              <a:buSzPts val="1400"/>
+              <a:buNone/>
+              <a:defRPr sz="1800" b="0" i="0" u="none" strike="noStrike" cap="none"/>
+            </a:lvl4pPr>
+            <a:lvl5pPr marL="2286000" marR="0" lvl="4" indent="-228600" algn="l" rtl="0">
+              <a:spcBef>
+                <a:spcPts val="0"/>
+              </a:spcBef>
+              <a:spcAft>
+                <a:spcPts val="0"/>
+              </a:spcAft>
+              <a:buSzPts val="1400"/>
+              <a:buNone/>
+              <a:defRPr sz="1800" b="0" i="0" u="none" strike="noStrike" cap="none"/>
+            </a:lvl5pPr>
+            <a:lvl6pPr marL="2743200" marR="0" lvl="5" indent="-228600" algn="l" rtl="0">
+              <a:spcBef>
+                <a:spcPts val="0"/>
+              </a:spcBef>
+              <a:spcAft>
+                <a:spcPts val="0"/>
+              </a:spcAft>
+              <a:buSzPts val="1400"/>
+              <a:buNone/>
+              <a:defRPr sz="1800" b="0" i="0" u="none" strike="noStrike" cap="none"/>
+            </a:lvl6pPr>
+            <a:lvl7pPr marL="3200400" marR="0" lvl="6" indent="-228600" algn="l" rtl="0">
+              <a:spcBef>
+                <a:spcPts val="0"/>
+              </a:spcBef>
+              <a:spcAft>
+                <a:spcPts val="0"/>
+              </a:spcAft>
+              <a:buSzPts val="1400"/>
+              <a:buNone/>
+              <a:defRPr sz="1800" b="0" i="0" u="none" strike="noStrike" cap="none"/>
+            </a:lvl7pPr>
+            <a:lvl8pPr marL="3657600" marR="0" lvl="7" indent="-228600" algn="l" rtl="0">
+              <a:spcBef>
+                <a:spcPts val="0"/>
+              </a:spcBef>
+              <a:spcAft>
+                <a:spcPts val="0"/>
+              </a:spcAft>
+              <a:buSzPts val="1400"/>
+              <a:buNone/>
+              <a:defRPr sz="1800" b="0" i="0" u="none" strike="noStrike" cap="none"/>
+            </a:lvl8pPr>
+            <a:lvl9pPr marL="4114800" marR="0" lvl="8" indent="-228600" algn="l" rtl="0">
+              <a:spcBef>
+                <a:spcPts val="0"/>
+              </a:spcBef>
+              <a:spcAft>
+                <a:spcPts val="0"/>
+              </a:spcAft>
+              <a:buSzPts val="1400"/>
+              <a:buNone/>
+              <a:defRPr sz="1800" b="0" i="0" u="none" strike="noStrike" cap="none"/>
+            </a:lvl9pPr>
+          </a:lstStyle>
+          <a:p>
+            <a:endParaRPr dirty="0"/>
+          </a:p>
+        </p:txBody>
+      </p:sp>
+      <p:sp>
+        <p:nvSpPr>
+          <p:cNvPr id="7" name="矩形 6">
+            <a:extLst>
+              <a:ext uri="{FF2B5EF4-FFF2-40B4-BE49-F238E27FC236}">
+                <a16:creationId xmlns:a16="http://schemas.microsoft.com/office/drawing/2014/main" id="{79CD4196-B9DE-F16C-9882-1233C9313E18}"/>
+              </a:ext>
+            </a:extLst>
+          </p:cNvPr>
+          <p:cNvSpPr/>
+          <p:nvPr userDrawn="1"/>
+        </p:nvSpPr>
+        <p:spPr>
+          <a:xfrm>
+            <a:off x="6703560" y="7078680"/>
+            <a:ext cx="694440" cy="256320"/>
+          </a:xfrm>
+          <a:prstGeom prst="rect">
+            <a:avLst/>
+          </a:prstGeom>
+          <a:noFill/>
+          <a:ln w="0">
+            <a:noFill/>
+          </a:ln>
+        </p:spPr>
+        <p:style>
+          <a:lnRef idx="0">
+            <a:scrgbClr r="0" g="0" b="0"/>
+          </a:lnRef>
+          <a:fillRef idx="0">
+            <a:scrgbClr r="0" g="0" b="0"/>
+          </a:fillRef>
+          <a:effectRef idx="0">
+            <a:scrgbClr r="0" g="0" b="0"/>
+          </a:effectRef>
+          <a:fontRef idx="minor"/>
+        </p:style>
+        <p:txBody>
+          <a:bodyPr wrap="none" lIns="90000" tIns="45000" rIns="90000" bIns="45000" anchor="t">
+            <a:noAutofit/>
+          </a:bodyPr>
+          <a:lstStyle/>
+          <a:p>
+            <a:pPr>
+              <a:lnSpc>
+                <a:spcPct val="100000"/>
+              </a:lnSpc>
+              <a:spcBef>
+                <a:spcPts val="26"/>
+              </a:spcBef>
+              <a:spcAft>
+                <a:spcPts val="26"/>
+              </a:spcAft>
+              <a:tabLst>
+                <a:tab pos="0" algn="l"/>
+              </a:tabLst>
+            </a:pPr>
+            <a:fld id="{DE7B2DA1-12C3-4086-BFEA-ABBBC8034379}" type="slidenum">
+              <a:rPr lang="en-US" sz="1200" b="0" u="none" strike="noStrike">
+                <a:solidFill>
+                  <a:srgbClr val="000000"/>
+                </a:solidFill>
+                <a:uFillTx/>
+                <a:latin typeface="Arial"/>
+                <a:ea typeface="DejaVu Sans"/>
+              </a:rPr>
+              <a:t>‹#›</a:t>
+            </a:fld>
+            <a:endParaRPr lang="en-US" sz="1200" b="0" u="none" strike="noStrike">
+              <a:solidFill>
+                <a:srgbClr val="000000"/>
+              </a:solidFill>
+              <a:uFillTx/>
+              <a:latin typeface="Arial"/>
+            </a:endParaRPr>
+          </a:p>
+        </p:txBody>
+      </p:sp>
+      <p:pic>
+        <p:nvPicPr>
+          <p:cNvPr id="8" name="图片 7">
+            <a:extLst>
+              <a:ext uri="{FF2B5EF4-FFF2-40B4-BE49-F238E27FC236}">
+                <a16:creationId xmlns:a16="http://schemas.microsoft.com/office/drawing/2014/main" id="{9B257C28-D17E-EEA6-8714-F451565D4097}"/>
+              </a:ext>
+            </a:extLst>
+          </p:cNvPr>
+          <p:cNvPicPr/>
+          <p:nvPr userDrawn="1"/>
+        </p:nvPicPr>
+        <p:blipFill>
+          <a:blip r:embed="rId4"/>
+          <a:stretch/>
+        </p:blipFill>
+        <p:spPr>
+          <a:xfrm>
+            <a:off x="7365960" y="7116840"/>
+            <a:ext cx="2358360" cy="378720"/>
+          </a:xfrm>
+          <a:prstGeom prst="rect">
+            <a:avLst/>
+          </a:prstGeom>
+          <a:ln w="0">
+            <a:noFill/>
+          </a:ln>
+        </p:spPr>
+      </p:pic>
+      <p:sp>
+        <p:nvSpPr>
+          <p:cNvPr id="9" name="矩形 8">
+            <a:extLst>
+              <a:ext uri="{FF2B5EF4-FFF2-40B4-BE49-F238E27FC236}">
+                <a16:creationId xmlns:a16="http://schemas.microsoft.com/office/drawing/2014/main" id="{4614A788-6A90-BC9A-792F-F1AD8C149D3A}"/>
+              </a:ext>
+            </a:extLst>
+          </p:cNvPr>
+          <p:cNvSpPr/>
+          <p:nvPr userDrawn="1"/>
+        </p:nvSpPr>
+        <p:spPr>
+          <a:xfrm>
+            <a:off x="260280" y="7078680"/>
+            <a:ext cx="1083600" cy="266040"/>
+          </a:xfrm>
+          <a:prstGeom prst="rect">
+            <a:avLst/>
+          </a:prstGeom>
+          <a:noFill/>
+          <a:ln w="0">
+            <a:noFill/>
+          </a:ln>
+        </p:spPr>
+        <p:style>
+          <a:lnRef idx="0">
+            <a:scrgbClr r="0" g="0" b="0"/>
+          </a:lnRef>
+          <a:fillRef idx="0">
+            <a:scrgbClr r="0" g="0" b="0"/>
+          </a:fillRef>
+          <a:effectRef idx="0">
+            <a:scrgbClr r="0" g="0" b="0"/>
+          </a:effectRef>
+          <a:fontRef idx="minor"/>
+        </p:style>
+        <p:txBody>
+          <a:bodyPr lIns="90000" tIns="45000" rIns="90000" bIns="45000" anchor="t">
+            <a:noAutofit/>
+          </a:bodyPr>
+          <a:lstStyle/>
+          <a:p>
+            <a:pPr>
+              <a:lnSpc>
+                <a:spcPct val="100000"/>
+              </a:lnSpc>
+              <a:spcBef>
+                <a:spcPts val="74"/>
+              </a:spcBef>
+              <a:spcAft>
+                <a:spcPts val="26"/>
+              </a:spcAft>
+              <a:tabLst>
+                <a:tab pos="0" algn="l"/>
+                <a:tab pos="914400" algn="l"/>
+                <a:tab pos="1828800" algn="l"/>
+                <a:tab pos="2743200" algn="l"/>
+                <a:tab pos="3657600" algn="l"/>
+                <a:tab pos="4572000" algn="l"/>
+                <a:tab pos="5486400" algn="l"/>
+                <a:tab pos="6400800" algn="l"/>
+                <a:tab pos="7315200" algn="l"/>
+                <a:tab pos="8229600" algn="l"/>
+                <a:tab pos="9144000" algn="l"/>
+                <a:tab pos="10058400" algn="l"/>
+                <a:tab pos="10333080" algn="l"/>
+                <a:tab pos="10782360" algn="l"/>
+              </a:tabLst>
+            </a:pPr>
+            <a:r>
+              <a:rPr lang="en-US" sz="1200" b="0" u="none" strike="noStrike" dirty="0">
+                <a:solidFill>
+                  <a:srgbClr val="000000"/>
+                </a:solidFill>
+                <a:uFillTx/>
+                <a:latin typeface="Arial"/>
+                <a:ea typeface="DejaVu Sans"/>
+              </a:rPr>
+              <a:t>05.12.2025 | 	</a:t>
+            </a:r>
+            <a:endParaRPr lang="en-US" sz="1200" b="0" u="none" strike="noStrike" dirty="0">
+              <a:solidFill>
+                <a:srgbClr val="000000"/>
+              </a:solidFill>
+              <a:uFillTx/>
+              <a:latin typeface="Arial"/>
+            </a:endParaRPr>
+          </a:p>
+        </p:txBody>
+      </p:sp>
+      <p:sp>
+        <p:nvSpPr>
+          <p:cNvPr id="27" name="矩形 26">
+            <a:extLst>
+              <a:ext uri="{FF2B5EF4-FFF2-40B4-BE49-F238E27FC236}">
+                <a16:creationId xmlns:a16="http://schemas.microsoft.com/office/drawing/2014/main" id="{177E5557-3A38-0AF4-E564-BF0D02F6ED3D}"/>
+              </a:ext>
+            </a:extLst>
+          </p:cNvPr>
+          <p:cNvSpPr/>
+          <p:nvPr userDrawn="1"/>
+        </p:nvSpPr>
+        <p:spPr>
+          <a:xfrm>
+            <a:off x="1158840" y="7078680"/>
+            <a:ext cx="3625200" cy="435960"/>
+          </a:xfrm>
+          <a:prstGeom prst="rect">
+            <a:avLst/>
+          </a:prstGeom>
+          <a:noFill/>
+          <a:ln w="0">
+            <a:noFill/>
+          </a:ln>
+        </p:spPr>
+        <p:style>
+          <a:lnRef idx="0">
+            <a:scrgbClr r="0" g="0" b="0"/>
+          </a:lnRef>
+          <a:fillRef idx="0">
+            <a:scrgbClr r="0" g="0" b="0"/>
+          </a:fillRef>
+          <a:effectRef idx="0">
+            <a:scrgbClr r="0" g="0" b="0"/>
+          </a:effectRef>
+          <a:fontRef idx="minor"/>
+        </p:style>
+        <p:txBody>
+          <a:bodyPr lIns="90000" tIns="45000" rIns="90000" bIns="45000" anchor="t">
+            <a:noAutofit/>
+          </a:bodyPr>
+          <a:lstStyle/>
+          <a:p>
+            <a:pPr>
+              <a:lnSpc>
+                <a:spcPct val="100000"/>
+              </a:lnSpc>
+              <a:spcBef>
+                <a:spcPts val="74"/>
+              </a:spcBef>
+              <a:spcAft>
+                <a:spcPts val="26"/>
+              </a:spcAft>
+              <a:tabLst>
+                <a:tab pos="0" algn="l"/>
+                <a:tab pos="914400" algn="l"/>
+                <a:tab pos="1828800" algn="l"/>
+                <a:tab pos="2743200" algn="l"/>
+                <a:tab pos="3657600" algn="l"/>
+                <a:tab pos="4572000" algn="l"/>
+                <a:tab pos="5486400" algn="l"/>
+                <a:tab pos="6400800" algn="l"/>
+                <a:tab pos="7315200" algn="l"/>
+                <a:tab pos="8229600" algn="l"/>
+                <a:tab pos="9144000" algn="l"/>
+                <a:tab pos="10058400" algn="l"/>
+                <a:tab pos="10333080" algn="l"/>
+                <a:tab pos="10782360" algn="l"/>
+              </a:tabLst>
+            </a:pPr>
+            <a:r>
+              <a:rPr lang="en-US" sz="1200" b="0" u="none" strike="noStrike" dirty="0" err="1">
+                <a:solidFill>
+                  <a:srgbClr val="000000"/>
+                </a:solidFill>
+                <a:uFillTx/>
+                <a:latin typeface="Arial"/>
+                <a:ea typeface="DejaVu Sans"/>
+              </a:rPr>
+              <a:t>Ladesäulen-Aufrüstung</a:t>
+            </a:r>
+            <a:r>
+              <a:rPr lang="en-US" sz="1200" b="0" u="none" strike="noStrike" dirty="0">
+                <a:solidFill>
+                  <a:srgbClr val="000000"/>
+                </a:solidFill>
+                <a:uFillTx/>
+                <a:latin typeface="Arial"/>
+                <a:ea typeface="DejaVu Sans"/>
+              </a:rPr>
+              <a:t> auf OCPP-</a:t>
+            </a:r>
+            <a:r>
+              <a:rPr lang="en-US" sz="1200" b="0" u="none" strike="noStrike" dirty="0" err="1">
+                <a:solidFill>
+                  <a:srgbClr val="000000"/>
+                </a:solidFill>
+                <a:uFillTx/>
+                <a:latin typeface="Arial"/>
+                <a:ea typeface="DejaVu Sans"/>
+              </a:rPr>
+              <a:t>Kommunikation</a:t>
+            </a:r>
+            <a:r>
+              <a:rPr lang="en-US" sz="1200" b="0" u="none" strike="noStrike" dirty="0">
+                <a:solidFill>
+                  <a:srgbClr val="000000"/>
+                </a:solidFill>
+                <a:uFillTx/>
+                <a:latin typeface="Arial"/>
+                <a:ea typeface="DejaVu Sans"/>
+              </a:rPr>
+              <a:t> </a:t>
+            </a:r>
+            <a:endParaRPr lang="en-US" sz="1200" b="0" u="none" strike="noStrike" dirty="0">
+              <a:solidFill>
+                <a:srgbClr val="000000"/>
+              </a:solidFill>
+              <a:uFillTx/>
+              <a:latin typeface="Arial"/>
+            </a:endParaRPr>
+          </a:p>
+          <a:p>
+            <a:pPr>
+              <a:lnSpc>
+                <a:spcPct val="100000"/>
+              </a:lnSpc>
+              <a:spcBef>
+                <a:spcPts val="74"/>
+              </a:spcBef>
+              <a:spcAft>
+                <a:spcPts val="26"/>
+              </a:spcAft>
+              <a:tabLst>
+                <a:tab pos="0" algn="l"/>
+                <a:tab pos="914400" algn="l"/>
+                <a:tab pos="1828800" algn="l"/>
+                <a:tab pos="2743200" algn="l"/>
+                <a:tab pos="3657600" algn="l"/>
+                <a:tab pos="4572000" algn="l"/>
+                <a:tab pos="5486400" algn="l"/>
+                <a:tab pos="6400800" algn="l"/>
+                <a:tab pos="7315200" algn="l"/>
+                <a:tab pos="8229600" algn="l"/>
+                <a:tab pos="9144000" algn="l"/>
+                <a:tab pos="10058400" algn="l"/>
+                <a:tab pos="10333080" algn="l"/>
+                <a:tab pos="10782360" algn="l"/>
+              </a:tabLst>
+            </a:pPr>
+            <a:r>
+              <a:rPr lang="en-US" sz="1200" b="0" u="none" strike="noStrike" dirty="0">
+                <a:solidFill>
+                  <a:srgbClr val="000000"/>
+                </a:solidFill>
+                <a:uFillTx/>
+                <a:latin typeface="Arial"/>
+                <a:ea typeface="DejaVu Sans"/>
+              </a:rPr>
+              <a:t>für </a:t>
+            </a:r>
+            <a:r>
+              <a:rPr lang="en-US" sz="1200" b="0" u="none" strike="noStrike" dirty="0" err="1">
+                <a:solidFill>
+                  <a:srgbClr val="000000"/>
+                </a:solidFill>
+                <a:uFillTx/>
+                <a:latin typeface="Arial"/>
+                <a:ea typeface="DejaVu Sans"/>
+              </a:rPr>
+              <a:t>Intelligentes</a:t>
+            </a:r>
+            <a:r>
+              <a:rPr lang="en-US" sz="1200" b="0" u="none" strike="noStrike" dirty="0">
+                <a:solidFill>
+                  <a:srgbClr val="000000"/>
+                </a:solidFill>
+                <a:uFillTx/>
+                <a:latin typeface="Arial"/>
+                <a:ea typeface="DejaVu Sans"/>
+              </a:rPr>
+              <a:t> Laden</a:t>
+            </a:r>
+            <a:endParaRPr lang="en-US" sz="1200" b="0" u="none" strike="noStrike" dirty="0">
+              <a:solidFill>
+                <a:srgbClr val="000000"/>
+              </a:solidFill>
+              <a:uFillTx/>
+              <a:latin typeface="Arial"/>
+            </a:endParaRPr>
+          </a:p>
+        </p:txBody>
+      </p:sp>
+      <p:sp>
+        <p:nvSpPr>
+          <p:cNvPr id="28" name="矩形 27">
+            <a:extLst>
+              <a:ext uri="{FF2B5EF4-FFF2-40B4-BE49-F238E27FC236}">
+                <a16:creationId xmlns:a16="http://schemas.microsoft.com/office/drawing/2014/main" id="{6A620E4A-5223-B363-2868-1C1C48E0C351}"/>
+              </a:ext>
+            </a:extLst>
+          </p:cNvPr>
+          <p:cNvSpPr/>
+          <p:nvPr userDrawn="1"/>
+        </p:nvSpPr>
+        <p:spPr>
+          <a:xfrm>
+            <a:off x="4619520" y="7078680"/>
+            <a:ext cx="1972800" cy="418320"/>
+          </a:xfrm>
+          <a:prstGeom prst="rect">
+            <a:avLst/>
+          </a:prstGeom>
+          <a:noFill/>
+          <a:ln w="0">
+            <a:noFill/>
+          </a:ln>
+        </p:spPr>
+        <p:style>
+          <a:lnRef idx="0">
+            <a:scrgbClr r="0" g="0" b="0"/>
+          </a:lnRef>
+          <a:fillRef idx="0">
+            <a:scrgbClr r="0" g="0" b="0"/>
+          </a:fillRef>
+          <a:effectRef idx="0">
+            <a:scrgbClr r="0" g="0" b="0"/>
+          </a:effectRef>
+          <a:fontRef idx="minor"/>
+        </p:style>
+        <p:txBody>
+          <a:bodyPr wrap="none" lIns="90000" tIns="45000" rIns="90000" bIns="45000" anchor="t">
+            <a:noAutofit/>
+          </a:bodyPr>
+          <a:lstStyle/>
+          <a:p>
+            <a:pPr>
+              <a:lnSpc>
+                <a:spcPct val="100000"/>
+              </a:lnSpc>
+              <a:spcBef>
+                <a:spcPts val="26"/>
+              </a:spcBef>
+              <a:spcAft>
+                <a:spcPts val="26"/>
+              </a:spcAft>
+              <a:tabLst>
+                <a:tab pos="0" algn="l"/>
+                <a:tab pos="914400" algn="l"/>
+                <a:tab pos="1828800" algn="l"/>
+                <a:tab pos="2743200" algn="l"/>
+                <a:tab pos="3657600" algn="l"/>
+                <a:tab pos="4572000" algn="l"/>
+                <a:tab pos="5486400" algn="l"/>
+                <a:tab pos="6400800" algn="l"/>
+                <a:tab pos="7315200" algn="l"/>
+                <a:tab pos="8229600" algn="l"/>
+                <a:tab pos="9144000" algn="l"/>
+                <a:tab pos="10058400" algn="l"/>
+                <a:tab pos="10333080" algn="l"/>
+                <a:tab pos="10782360" algn="l"/>
+              </a:tabLst>
+            </a:pPr>
+            <a:r>
+              <a:rPr lang="en-US" sz="1200" b="0" u="none" strike="noStrike" dirty="0">
+                <a:solidFill>
+                  <a:srgbClr val="000000"/>
+                </a:solidFill>
+                <a:uFillTx/>
+                <a:latin typeface="Arial"/>
+                <a:ea typeface="DejaVu Sans"/>
+              </a:rPr>
+              <a:t>| </a:t>
+            </a:r>
+            <a:r>
+              <a:rPr lang="en-US" sz="1200" b="0" u="none" strike="noStrike" dirty="0" err="1">
+                <a:solidFill>
+                  <a:srgbClr val="000000"/>
+                </a:solidFill>
+                <a:uFillTx/>
+                <a:latin typeface="Arial"/>
+                <a:ea typeface="DejaVu Sans"/>
+              </a:rPr>
+              <a:t>Junfan</a:t>
+            </a:r>
+            <a:r>
+              <a:rPr lang="en-US" sz="1200" b="0" u="none" strike="noStrike" dirty="0">
+                <a:solidFill>
+                  <a:srgbClr val="000000"/>
+                </a:solidFill>
+                <a:uFillTx/>
+                <a:latin typeface="Arial"/>
+                <a:ea typeface="DejaVu Sans"/>
+              </a:rPr>
+              <a:t> Jin, Can Zeng, </a:t>
+            </a:r>
+            <a:endParaRPr lang="en-US" sz="1200" b="0" u="none" strike="noStrike" dirty="0">
+              <a:solidFill>
+                <a:srgbClr val="000000"/>
+              </a:solidFill>
+              <a:uFillTx/>
+              <a:latin typeface="Arial"/>
+            </a:endParaRPr>
+          </a:p>
+          <a:p>
+            <a:pPr>
+              <a:lnSpc>
+                <a:spcPct val="100000"/>
+              </a:lnSpc>
+              <a:spcBef>
+                <a:spcPts val="26"/>
+              </a:spcBef>
+              <a:spcAft>
+                <a:spcPts val="26"/>
+              </a:spcAft>
+              <a:tabLst>
+                <a:tab pos="0" algn="l"/>
+                <a:tab pos="914400" algn="l"/>
+                <a:tab pos="1828800" algn="l"/>
+                <a:tab pos="2743200" algn="l"/>
+                <a:tab pos="3657600" algn="l"/>
+                <a:tab pos="4572000" algn="l"/>
+                <a:tab pos="5486400" algn="l"/>
+                <a:tab pos="6400800" algn="l"/>
+                <a:tab pos="7315200" algn="l"/>
+                <a:tab pos="8229600" algn="l"/>
+                <a:tab pos="9144000" algn="l"/>
+                <a:tab pos="10058400" algn="l"/>
+                <a:tab pos="10333080" algn="l"/>
+                <a:tab pos="10782360" algn="l"/>
+              </a:tabLst>
+            </a:pPr>
+            <a:r>
+              <a:rPr lang="en-US" sz="1200" b="0" u="none" strike="noStrike" dirty="0">
+                <a:solidFill>
+                  <a:srgbClr val="000000"/>
+                </a:solidFill>
+                <a:uFillTx/>
+                <a:latin typeface="Arial"/>
+                <a:ea typeface="DejaVu Sans"/>
+              </a:rPr>
+              <a:t>  Yunan Jiang, Huang Chen</a:t>
+            </a:r>
+            <a:endParaRPr lang="en-US" sz="1200" b="0" u="none" strike="noStrike" dirty="0">
+              <a:solidFill>
+                <a:srgbClr val="000000"/>
+              </a:solidFill>
+              <a:uFillTx/>
+              <a:latin typeface="Arial"/>
+            </a:endParaRPr>
+          </a:p>
+        </p:txBody>
+      </p:sp>
+    </p:spTree>
+    <p:extLst>
+      <p:ext uri="{BB962C8B-B14F-4D97-AF65-F5344CB8AC3E}">
+        <p14:creationId xmlns:p14="http://schemas.microsoft.com/office/powerpoint/2010/main" val="3211698179"/>
+      </p:ext>
+    </p:extLst>
+  </p:cSld>
+  <p:clrMap bg1="lt1" tx1="dk1" bg2="dk2" tx2="lt2" accent1="accent1" accent2="accent2" accent3="accent3" accent4="accent4" accent5="accent5" accent6="accent6" hlink="hlink" folHlink="folHlink"/>
+  <p:sldLayoutIdLst>
+    <p:sldLayoutId id="2147483653" r:id="rId1"/>
+  </p:sldLayoutIdLst>
+  <p:hf sldNum="0" hdr="0" ftr="0" dt="0"/>
+  <p:txStyles>
+    <p:titleStyle>
+      <a:defPPr marR="0" lvl="0" algn="l" rtl="0">
+        <a:lnSpc>
+          <a:spcPct val="100000"/>
+        </a:lnSpc>
+        <a:spcBef>
+          <a:spcPts val="0"/>
+        </a:spcBef>
+        <a:spcAft>
+          <a:spcPts val="0"/>
+        </a:spcAft>
+      </a:defPPr>
+      <a:lvl1pPr marR="0" lvl="0" algn="l" rtl="0">
+        <a:lnSpc>
+          <a:spcPct val="100000"/>
+        </a:lnSpc>
+        <a:spcBef>
+          <a:spcPts val="0"/>
+        </a:spcBef>
+        <a:spcAft>
+          <a:spcPts val="0"/>
+        </a:spcAft>
+        <a:buClr>
+          <a:srgbClr val="000000"/>
+        </a:buClr>
+        <a:buFont typeface="Arial"/>
+        <a:defRPr sz="1543" b="0" i="0" u="none" strike="noStrike" cap="none">
+          <a:solidFill>
+            <a:srgbClr val="000000"/>
+          </a:solidFill>
+          <a:latin typeface="Arial"/>
+          <a:ea typeface="Arial"/>
+          <a:cs typeface="Arial"/>
+          <a:sym typeface="Arial"/>
+        </a:defRPr>
+      </a:lvl1pPr>
+      <a:lvl2pPr marR="0" lvl="1" algn="l" rtl="0">
+        <a:lnSpc>
+          <a:spcPct val="100000"/>
+        </a:lnSpc>
+        <a:spcBef>
+          <a:spcPts val="0"/>
+        </a:spcBef>
+        <a:spcAft>
+          <a:spcPts val="0"/>
+        </a:spcAft>
+        <a:buClr>
+          <a:srgbClr val="000000"/>
+        </a:buClr>
+        <a:buFont typeface="Arial"/>
+        <a:defRPr sz="1543" b="0" i="0" u="none" strike="noStrike" cap="none">
+          <a:solidFill>
+            <a:srgbClr val="000000"/>
+          </a:solidFill>
+          <a:latin typeface="Arial"/>
+          <a:ea typeface="Arial"/>
+          <a:cs typeface="Arial"/>
+          <a:sym typeface="Arial"/>
+        </a:defRPr>
+      </a:lvl2pPr>
+      <a:lvl3pPr marR="0" lvl="2" algn="l" rtl="0">
+        <a:lnSpc>
+          <a:spcPct val="100000"/>
+        </a:lnSpc>
+        <a:spcBef>
+          <a:spcPts val="0"/>
+        </a:spcBef>
+        <a:spcAft>
+          <a:spcPts val="0"/>
+        </a:spcAft>
+        <a:buClr>
+          <a:srgbClr val="000000"/>
+        </a:buClr>
+        <a:buFont typeface="Arial"/>
+        <a:defRPr sz="1543" b="0" i="0" u="none" strike="noStrike" cap="none">
+          <a:solidFill>
+            <a:srgbClr val="000000"/>
+          </a:solidFill>
+          <a:latin typeface="Arial"/>
+          <a:ea typeface="Arial"/>
+          <a:cs typeface="Arial"/>
+          <a:sym typeface="Arial"/>
+        </a:defRPr>
+      </a:lvl3pPr>
+      <a:lvl4pPr marR="0" lvl="3" algn="l" rtl="0">
+        <a:lnSpc>
+          <a:spcPct val="100000"/>
+        </a:lnSpc>
+        <a:spcBef>
+          <a:spcPts val="0"/>
+        </a:spcBef>
+        <a:spcAft>
+          <a:spcPts val="0"/>
+        </a:spcAft>
+        <a:buClr>
+          <a:srgbClr val="000000"/>
+        </a:buClr>
+        <a:buFont typeface="Arial"/>
+        <a:defRPr sz="1543" b="0" i="0" u="none" strike="noStrike" cap="none">
+          <a:solidFill>
+            <a:srgbClr val="000000"/>
+          </a:solidFill>
+          <a:latin typeface="Arial"/>
+          <a:ea typeface="Arial"/>
+          <a:cs typeface="Arial"/>
+          <a:sym typeface="Arial"/>
+        </a:defRPr>
+      </a:lvl4pPr>
+      <a:lvl5pPr marR="0" lvl="4" algn="l" rtl="0">
+        <a:lnSpc>
+          <a:spcPct val="100000"/>
+        </a:lnSpc>
+        <a:spcBef>
+          <a:spcPts val="0"/>
+        </a:spcBef>
+        <a:spcAft>
+          <a:spcPts val="0"/>
+        </a:spcAft>
+        <a:buClr>
+          <a:srgbClr val="000000"/>
+        </a:buClr>
+        <a:buFont typeface="Arial"/>
+        <a:defRPr sz="1543" b="0" i="0" u="none" strike="noStrike" cap="none">
+          <a:solidFill>
+            <a:srgbClr val="000000"/>
+          </a:solidFill>
+          <a:latin typeface="Arial"/>
+          <a:ea typeface="Arial"/>
+          <a:cs typeface="Arial"/>
+          <a:sym typeface="Arial"/>
+        </a:defRPr>
+      </a:lvl5pPr>
+      <a:lvl6pPr marR="0" lvl="5" algn="l" rtl="0">
+        <a:lnSpc>
+          <a:spcPct val="100000"/>
+        </a:lnSpc>
+        <a:spcBef>
+          <a:spcPts val="0"/>
+        </a:spcBef>
+        <a:spcAft>
+          <a:spcPts val="0"/>
+        </a:spcAft>
+        <a:buClr>
+          <a:srgbClr val="000000"/>
+        </a:buClr>
+        <a:buFont typeface="Arial"/>
+        <a:defRPr sz="1543" b="0" i="0" u="none" strike="noStrike" cap="none">
+          <a:solidFill>
+            <a:srgbClr val="000000"/>
+          </a:solidFill>
+          <a:latin typeface="Arial"/>
+          <a:ea typeface="Arial"/>
+          <a:cs typeface="Arial"/>
+          <a:sym typeface="Arial"/>
+        </a:defRPr>
+      </a:lvl6pPr>
+      <a:lvl7pPr marR="0" lvl="6" algn="l" rtl="0">
+        <a:lnSpc>
+          <a:spcPct val="100000"/>
+        </a:lnSpc>
+        <a:spcBef>
+          <a:spcPts val="0"/>
+        </a:spcBef>
+        <a:spcAft>
+          <a:spcPts val="0"/>
+        </a:spcAft>
+        <a:buClr>
+          <a:srgbClr val="000000"/>
+        </a:buClr>
+        <a:buFont typeface="Arial"/>
+        <a:defRPr sz="1543" b="0" i="0" u="none" strike="noStrike" cap="none">
+          <a:solidFill>
+            <a:srgbClr val="000000"/>
+          </a:solidFill>
+          <a:latin typeface="Arial"/>
+          <a:ea typeface="Arial"/>
+          <a:cs typeface="Arial"/>
+          <a:sym typeface="Arial"/>
+        </a:defRPr>
+      </a:lvl7pPr>
+      <a:lvl8pPr marR="0" lvl="7" algn="l" rtl="0">
+        <a:lnSpc>
+          <a:spcPct val="100000"/>
+        </a:lnSpc>
+        <a:spcBef>
+          <a:spcPts val="0"/>
+        </a:spcBef>
+        <a:spcAft>
+          <a:spcPts val="0"/>
+        </a:spcAft>
+        <a:buClr>
+          <a:srgbClr val="000000"/>
+        </a:buClr>
+        <a:buFont typeface="Arial"/>
+        <a:defRPr sz="1543" b="0" i="0" u="none" strike="noStrike" cap="none">
+          <a:solidFill>
+            <a:srgbClr val="000000"/>
+          </a:solidFill>
+          <a:latin typeface="Arial"/>
+          <a:ea typeface="Arial"/>
+          <a:cs typeface="Arial"/>
+          <a:sym typeface="Arial"/>
+        </a:defRPr>
+      </a:lvl8pPr>
+      <a:lvl9pPr marR="0" lvl="8" algn="l" rtl="0">
+        <a:lnSpc>
+          <a:spcPct val="100000"/>
+        </a:lnSpc>
+        <a:spcBef>
+          <a:spcPts val="0"/>
+        </a:spcBef>
+        <a:spcAft>
+          <a:spcPts val="0"/>
+        </a:spcAft>
+        <a:buClr>
+          <a:srgbClr val="000000"/>
+        </a:buClr>
+        <a:buFont typeface="Arial"/>
+        <a:defRPr sz="1543" b="0" i="0" u="none" strike="noStrike" cap="none">
+          <a:solidFill>
+            <a:srgbClr val="000000"/>
+          </a:solidFill>
+          <a:latin typeface="Arial"/>
+          <a:ea typeface="Arial"/>
+          <a:cs typeface="Arial"/>
+          <a:sym typeface="Arial"/>
+        </a:defRPr>
+      </a:lvl9pPr>
+    </p:titleStyle>
+    <p:bodyStyle>
+      <a:defPPr marR="0" lvl="0" algn="l" rtl="0">
+        <a:lnSpc>
+          <a:spcPct val="100000"/>
+        </a:lnSpc>
+        <a:spcBef>
+          <a:spcPts val="0"/>
+        </a:spcBef>
+        <a:spcAft>
+          <a:spcPts val="0"/>
+        </a:spcAft>
+      </a:defPPr>
+      <a:lvl1pPr marR="0" lvl="0" algn="l" rtl="0">
+        <a:lnSpc>
+          <a:spcPct val="100000"/>
+        </a:lnSpc>
+        <a:spcBef>
+          <a:spcPts val="0"/>
+        </a:spcBef>
+        <a:spcAft>
+          <a:spcPts val="0"/>
+        </a:spcAft>
+        <a:buClr>
+          <a:srgbClr val="000000"/>
+        </a:buClr>
+        <a:buFont typeface="Arial"/>
+        <a:defRPr sz="1543" b="0" i="0" u="none" strike="noStrike" cap="none">
+          <a:solidFill>
+            <a:srgbClr val="000000"/>
+          </a:solidFill>
+          <a:latin typeface="Arial"/>
+          <a:ea typeface="Arial"/>
+          <a:cs typeface="Arial"/>
+          <a:sym typeface="Arial"/>
+        </a:defRPr>
+      </a:lvl1pPr>
+      <a:lvl2pPr marR="0" lvl="1" algn="l" rtl="0">
+        <a:lnSpc>
+          <a:spcPct val="100000"/>
+        </a:lnSpc>
+        <a:spcBef>
+          <a:spcPts val="0"/>
+        </a:spcBef>
+        <a:spcAft>
+          <a:spcPts val="0"/>
+        </a:spcAft>
+        <a:buClr>
+          <a:srgbClr val="000000"/>
+        </a:buClr>
+        <a:buFont typeface="Arial"/>
+        <a:defRPr sz="1543" b="0" i="0" u="none" strike="noStrike" cap="none">
+          <a:solidFill>
+            <a:srgbClr val="000000"/>
+          </a:solidFill>
+          <a:latin typeface="Arial"/>
+          <a:ea typeface="Arial"/>
+          <a:cs typeface="Arial"/>
+          <a:sym typeface="Arial"/>
+        </a:defRPr>
+      </a:lvl2pPr>
+      <a:lvl3pPr marR="0" lvl="2" algn="l" rtl="0">
+        <a:lnSpc>
+          <a:spcPct val="100000"/>
+        </a:lnSpc>
+        <a:spcBef>
+          <a:spcPts val="0"/>
+        </a:spcBef>
+        <a:spcAft>
+          <a:spcPts val="0"/>
+        </a:spcAft>
+        <a:buClr>
+          <a:srgbClr val="000000"/>
+        </a:buClr>
+        <a:buFont typeface="Arial"/>
+        <a:defRPr sz="1543" b="0" i="0" u="none" strike="noStrike" cap="none">
+          <a:solidFill>
+            <a:srgbClr val="000000"/>
+          </a:solidFill>
+          <a:latin typeface="Arial"/>
+          <a:ea typeface="Arial"/>
+          <a:cs typeface="Arial"/>
+          <a:sym typeface="Arial"/>
+        </a:defRPr>
+      </a:lvl3pPr>
+      <a:lvl4pPr marR="0" lvl="3" algn="l" rtl="0">
+        <a:lnSpc>
+          <a:spcPct val="100000"/>
+        </a:lnSpc>
+        <a:spcBef>
+          <a:spcPts val="0"/>
+        </a:spcBef>
+        <a:spcAft>
+          <a:spcPts val="0"/>
+        </a:spcAft>
+        <a:buClr>
+          <a:srgbClr val="000000"/>
+        </a:buClr>
+        <a:buFont typeface="Arial"/>
+        <a:defRPr sz="1543" b="0" i="0" u="none" strike="noStrike" cap="none">
+          <a:solidFill>
+            <a:srgbClr val="000000"/>
+          </a:solidFill>
+          <a:latin typeface="Arial"/>
+          <a:ea typeface="Arial"/>
+          <a:cs typeface="Arial"/>
+          <a:sym typeface="Arial"/>
+        </a:defRPr>
+      </a:lvl4pPr>
+      <a:lvl5pPr marR="0" lvl="4" algn="l" rtl="0">
+        <a:lnSpc>
+          <a:spcPct val="100000"/>
+        </a:lnSpc>
+        <a:spcBef>
+          <a:spcPts val="0"/>
+        </a:spcBef>
+        <a:spcAft>
+          <a:spcPts val="0"/>
+        </a:spcAft>
+        <a:buClr>
+          <a:srgbClr val="000000"/>
+        </a:buClr>
+        <a:buFont typeface="Arial"/>
+        <a:defRPr sz="1543" b="0" i="0" u="none" strike="noStrike" cap="none">
+          <a:solidFill>
+            <a:srgbClr val="000000"/>
+          </a:solidFill>
+          <a:latin typeface="Arial"/>
+          <a:ea typeface="Arial"/>
+          <a:cs typeface="Arial"/>
+          <a:sym typeface="Arial"/>
+        </a:defRPr>
+      </a:lvl5pPr>
+      <a:lvl6pPr marR="0" lvl="5" algn="l" rtl="0">
+        <a:lnSpc>
+          <a:spcPct val="100000"/>
+        </a:lnSpc>
+        <a:spcBef>
+          <a:spcPts val="0"/>
+        </a:spcBef>
+        <a:spcAft>
+          <a:spcPts val="0"/>
+        </a:spcAft>
+        <a:buClr>
+          <a:srgbClr val="000000"/>
+        </a:buClr>
+        <a:buFont typeface="Arial"/>
+        <a:defRPr sz="1543" b="0" i="0" u="none" strike="noStrike" cap="none">
+          <a:solidFill>
+            <a:srgbClr val="000000"/>
+          </a:solidFill>
+          <a:latin typeface="Arial"/>
+          <a:ea typeface="Arial"/>
+          <a:cs typeface="Arial"/>
+          <a:sym typeface="Arial"/>
+        </a:defRPr>
+      </a:lvl6pPr>
+      <a:lvl7pPr marR="0" lvl="6" algn="l" rtl="0">
+        <a:lnSpc>
+          <a:spcPct val="100000"/>
+        </a:lnSpc>
+        <a:spcBef>
+          <a:spcPts val="0"/>
+        </a:spcBef>
+        <a:spcAft>
+          <a:spcPts val="0"/>
+        </a:spcAft>
+        <a:buClr>
+          <a:srgbClr val="000000"/>
+        </a:buClr>
+        <a:buFont typeface="Arial"/>
+        <a:defRPr sz="1543" b="0" i="0" u="none" strike="noStrike" cap="none">
+          <a:solidFill>
+            <a:srgbClr val="000000"/>
+          </a:solidFill>
+          <a:latin typeface="Arial"/>
+          <a:ea typeface="Arial"/>
+          <a:cs typeface="Arial"/>
+          <a:sym typeface="Arial"/>
+        </a:defRPr>
+      </a:lvl7pPr>
+      <a:lvl8pPr marR="0" lvl="7" algn="l" rtl="0">
+        <a:lnSpc>
+          <a:spcPct val="100000"/>
+        </a:lnSpc>
+        <a:spcBef>
+          <a:spcPts val="0"/>
+        </a:spcBef>
+        <a:spcAft>
+          <a:spcPts val="0"/>
+        </a:spcAft>
+        <a:buClr>
+          <a:srgbClr val="000000"/>
+        </a:buClr>
+        <a:buFont typeface="Arial"/>
+        <a:defRPr sz="1543" b="0" i="0" u="none" strike="noStrike" cap="none">
+          <a:solidFill>
+            <a:srgbClr val="000000"/>
+          </a:solidFill>
+          <a:latin typeface="Arial"/>
+          <a:ea typeface="Arial"/>
+          <a:cs typeface="Arial"/>
+          <a:sym typeface="Arial"/>
+        </a:defRPr>
+      </a:lvl8pPr>
+      <a:lvl9pPr marR="0" lvl="8" algn="l" rtl="0">
+        <a:lnSpc>
+          <a:spcPct val="100000"/>
+        </a:lnSpc>
+        <a:spcBef>
+          <a:spcPts val="0"/>
+        </a:spcBef>
+        <a:spcAft>
+          <a:spcPts val="0"/>
+        </a:spcAft>
+        <a:buClr>
+          <a:srgbClr val="000000"/>
+        </a:buClr>
+        <a:buFont typeface="Arial"/>
+        <a:defRPr sz="1543" b="0" i="0" u="none" strike="noStrike" cap="none">
+          <a:solidFill>
+            <a:srgbClr val="000000"/>
+          </a:solidFill>
+          <a:latin typeface="Arial"/>
+          <a:ea typeface="Arial"/>
+          <a:cs typeface="Arial"/>
+          <a:sym typeface="Arial"/>
+        </a:defRPr>
+      </a:lvl9pPr>
+    </p:bodyStyle>
+    <p:otherStyle>
+      <a:defPPr marR="0" lvl="0" algn="l" rtl="0">
+        <a:lnSpc>
+          <a:spcPct val="100000"/>
+        </a:lnSpc>
+        <a:spcBef>
+          <a:spcPts val="0"/>
+        </a:spcBef>
+        <a:spcAft>
+          <a:spcPts val="0"/>
+        </a:spcAft>
+      </a:defPPr>
+      <a:lvl1pPr marR="0" lvl="0" algn="l" rtl="0">
+        <a:lnSpc>
+          <a:spcPct val="100000"/>
+        </a:lnSpc>
+        <a:spcBef>
+          <a:spcPts val="0"/>
+        </a:spcBef>
+        <a:spcAft>
+          <a:spcPts val="0"/>
+        </a:spcAft>
+        <a:buClr>
+          <a:srgbClr val="000000"/>
+        </a:buClr>
+        <a:buFont typeface="Arial"/>
+        <a:defRPr sz="1543" b="0" i="0" u="none" strike="noStrike" cap="none">
+          <a:solidFill>
+            <a:srgbClr val="000000"/>
+          </a:solidFill>
+          <a:latin typeface="Arial"/>
+          <a:ea typeface="Arial"/>
+          <a:cs typeface="Arial"/>
+          <a:sym typeface="Arial"/>
+        </a:defRPr>
+      </a:lvl1pPr>
+      <a:lvl2pPr marR="0" lvl="1" algn="l" rtl="0">
+        <a:lnSpc>
+          <a:spcPct val="100000"/>
+        </a:lnSpc>
+        <a:spcBef>
+          <a:spcPts val="0"/>
+        </a:spcBef>
+        <a:spcAft>
+          <a:spcPts val="0"/>
+        </a:spcAft>
+        <a:buClr>
+          <a:srgbClr val="000000"/>
+        </a:buClr>
+        <a:buFont typeface="Arial"/>
+        <a:defRPr sz="1543" b="0" i="0" u="none" strike="noStrike" cap="none">
+          <a:solidFill>
+            <a:srgbClr val="000000"/>
+          </a:solidFill>
+          <a:latin typeface="Arial"/>
+          <a:ea typeface="Arial"/>
+          <a:cs typeface="Arial"/>
+          <a:sym typeface="Arial"/>
+        </a:defRPr>
+      </a:lvl2pPr>
+      <a:lvl3pPr marR="0" lvl="2" algn="l" rtl="0">
+        <a:lnSpc>
+          <a:spcPct val="100000"/>
+        </a:lnSpc>
+        <a:spcBef>
+          <a:spcPts val="0"/>
+        </a:spcBef>
+        <a:spcAft>
+          <a:spcPts val="0"/>
+        </a:spcAft>
+        <a:buClr>
+          <a:srgbClr val="000000"/>
+        </a:buClr>
+        <a:buFont typeface="Arial"/>
+        <a:defRPr sz="1543" b="0" i="0" u="none" strike="noStrike" cap="none">
+          <a:solidFill>
+            <a:srgbClr val="000000"/>
+          </a:solidFill>
+          <a:latin typeface="Arial"/>
+          <a:ea typeface="Arial"/>
+          <a:cs typeface="Arial"/>
+          <a:sym typeface="Arial"/>
+        </a:defRPr>
+      </a:lvl3pPr>
+      <a:lvl4pPr marR="0" lvl="3" algn="l" rtl="0">
+        <a:lnSpc>
+          <a:spcPct val="100000"/>
+        </a:lnSpc>
+        <a:spcBef>
+          <a:spcPts val="0"/>
+        </a:spcBef>
+        <a:spcAft>
+          <a:spcPts val="0"/>
+        </a:spcAft>
+        <a:buClr>
+          <a:srgbClr val="000000"/>
+        </a:buClr>
+        <a:buFont typeface="Arial"/>
+        <a:defRPr sz="1543" b="0" i="0" u="none" strike="noStrike" cap="none">
+          <a:solidFill>
+            <a:srgbClr val="000000"/>
+          </a:solidFill>
+          <a:latin typeface="Arial"/>
+          <a:ea typeface="Arial"/>
+          <a:cs typeface="Arial"/>
+          <a:sym typeface="Arial"/>
+        </a:defRPr>
+      </a:lvl4pPr>
+      <a:lvl5pPr marR="0" lvl="4" algn="l" rtl="0">
+        <a:lnSpc>
+          <a:spcPct val="100000"/>
+        </a:lnSpc>
+        <a:spcBef>
+          <a:spcPts val="0"/>
+        </a:spcBef>
+        <a:spcAft>
+          <a:spcPts val="0"/>
+        </a:spcAft>
+        <a:buClr>
+          <a:srgbClr val="000000"/>
+        </a:buClr>
+        <a:buFont typeface="Arial"/>
+        <a:defRPr sz="1543" b="0" i="0" u="none" strike="noStrike" cap="none">
+          <a:solidFill>
+            <a:srgbClr val="000000"/>
+          </a:solidFill>
+          <a:latin typeface="Arial"/>
+          <a:ea typeface="Arial"/>
+          <a:cs typeface="Arial"/>
+          <a:sym typeface="Arial"/>
+        </a:defRPr>
+      </a:lvl5pPr>
+      <a:lvl6pPr marR="0" lvl="5" algn="l" rtl="0">
+        <a:lnSpc>
+          <a:spcPct val="100000"/>
+        </a:lnSpc>
+        <a:spcBef>
+          <a:spcPts val="0"/>
+        </a:spcBef>
+        <a:spcAft>
+          <a:spcPts val="0"/>
+        </a:spcAft>
+        <a:buClr>
+          <a:srgbClr val="000000"/>
+        </a:buClr>
+        <a:buFont typeface="Arial"/>
+        <a:defRPr sz="1543" b="0" i="0" u="none" strike="noStrike" cap="none">
+          <a:solidFill>
+            <a:srgbClr val="000000"/>
+          </a:solidFill>
+          <a:latin typeface="Arial"/>
+          <a:ea typeface="Arial"/>
+          <a:cs typeface="Arial"/>
+          <a:sym typeface="Arial"/>
+        </a:defRPr>
+      </a:lvl6pPr>
+      <a:lvl7pPr marR="0" lvl="6" algn="l" rtl="0">
+        <a:lnSpc>
+          <a:spcPct val="100000"/>
+        </a:lnSpc>
+        <a:spcBef>
+          <a:spcPts val="0"/>
+        </a:spcBef>
+        <a:spcAft>
+          <a:spcPts val="0"/>
+        </a:spcAft>
+        <a:buClr>
+          <a:srgbClr val="000000"/>
+        </a:buClr>
+        <a:buFont typeface="Arial"/>
+        <a:defRPr sz="1543" b="0" i="0" u="none" strike="noStrike" cap="none">
+          <a:solidFill>
+            <a:srgbClr val="000000"/>
+          </a:solidFill>
+          <a:latin typeface="Arial"/>
+          <a:ea typeface="Arial"/>
+          <a:cs typeface="Arial"/>
+          <a:sym typeface="Arial"/>
+        </a:defRPr>
+      </a:lvl7pPr>
+      <a:lvl8pPr marR="0" lvl="7" algn="l" rtl="0">
+        <a:lnSpc>
+          <a:spcPct val="100000"/>
+        </a:lnSpc>
+        <a:spcBef>
+          <a:spcPts val="0"/>
+        </a:spcBef>
+        <a:spcAft>
+          <a:spcPts val="0"/>
+        </a:spcAft>
+        <a:buClr>
+          <a:srgbClr val="000000"/>
+        </a:buClr>
+        <a:buFont typeface="Arial"/>
+        <a:defRPr sz="1543" b="0" i="0" u="none" strike="noStrike" cap="none">
+          <a:solidFill>
+            <a:srgbClr val="000000"/>
+          </a:solidFill>
+          <a:latin typeface="Arial"/>
+          <a:ea typeface="Arial"/>
+          <a:cs typeface="Arial"/>
+          <a:sym typeface="Arial"/>
+        </a:defRPr>
+      </a:lvl8pPr>
+      <a:lvl9pPr marR="0" lvl="8" algn="l" rtl="0">
+        <a:lnSpc>
+          <a:spcPct val="100000"/>
+        </a:lnSpc>
+        <a:spcBef>
+          <a:spcPts val="0"/>
+        </a:spcBef>
+        <a:spcAft>
+          <a:spcPts val="0"/>
+        </a:spcAft>
+        <a:buClr>
+          <a:srgbClr val="000000"/>
+        </a:buClr>
+        <a:buFont typeface="Arial"/>
+        <a:defRPr sz="1543" b="0" i="0" u="none" strike="noStrike" cap="none">
+          <a:solidFill>
+            <a:srgbClr val="000000"/>
+          </a:solidFill>
+          <a:latin typeface="Arial"/>
+          <a:ea typeface="Arial"/>
+          <a:cs typeface="Arial"/>
+          <a:sym typeface="Arial"/>
+        </a:defRPr>
+      </a:lvl9pPr>
+    </p:otherStyle>
+  </p:txStyles>
+</p:sldMaster>
+</file>
+
+<file path=ppt/slideMasters/slideMaster2.xml><?xml version="1.0" encoding="utf-8"?>
+<p:sldMaster xmlns:a="http://schemas.openxmlformats.org/drawingml/2006/main" xmlns:r="http://schemas.openxmlformats.org/officeDocument/2006/relationships" xmlns:p="http://schemas.openxmlformats.org/presentationml/2006/main">
+  <p:cSld>
+    <p:bg>
+      <p:bgPr>
+        <a:solidFill>
+          <a:srgbClr val="FFFFFF"/>
+        </a:solidFill>
+        <a:effectLst/>
       </p:bgPr>
     </p:bg>
     <p:spTree>
@@ -145,7 +2499,7 @@
       </p:grpSpPr>
       <p:sp>
         <p:nvSpPr>
-          <p:cNvPr id="0" name=""/>
+          <p:cNvPr id="12" name="矩形 11"/>
           <p:cNvSpPr/>
           <p:nvPr/>
         </p:nvSpPr>
@@ -168,15 +2522,22 @@
           </a:ln>
         </p:spPr>
         <p:style>
-          <a:lnRef idx="0"/>
-          <a:fillRef idx="0"/>
-          <a:effectRef idx="0"/>
+          <a:lnRef idx="0">
+            <a:scrgbClr r="0" g="0" b="0"/>
+          </a:lnRef>
+          <a:fillRef idx="0">
+            <a:scrgbClr r="0" g="0" b="0"/>
+          </a:fillRef>
+          <a:effectRef idx="0">
+            <a:scrgbClr r="0" g="0" b="0"/>
+          </a:effectRef>
           <a:fontRef idx="minor"/>
         </p:style>
         <p:txBody>
-          <a:bodyPr wrap="none" lIns="90000" rIns="90000" tIns="46800" bIns="46800" anchor="ctr">
+          <a:bodyPr wrap="none" lIns="90000" tIns="46800" rIns="90000" bIns="46800" anchor="ctr">
             <a:noAutofit/>
           </a:bodyPr>
+          <a:lstStyle/>
           <a:p>
             <a:pPr>
               <a:lnSpc>
@@ -189,10 +2550,10 @@
                 <a:spcPts val="26"/>
               </a:spcAft>
               <a:tabLst>
-                <a:tab algn="l" pos="0"/>
+                <a:tab pos="0" algn="l"/>
               </a:tabLst>
             </a:pPr>
-            <a:endParaRPr b="0" lang="en-US" sz="1800" strike="noStrike" u="none">
+            <a:endParaRPr lang="en-US" sz="1800" b="0" u="none" strike="noStrike">
               <a:solidFill>
                 <a:srgbClr val="000000"/>
               </a:solidFill>
@@ -205,7 +2566,7 @@
       </p:sp>
       <p:sp>
         <p:nvSpPr>
-          <p:cNvPr id="1" name=""/>
+          <p:cNvPr id="13" name="矩形 12"/>
           <p:cNvSpPr/>
           <p:nvPr/>
         </p:nvSpPr>
@@ -223,15 +2584,22 @@
           </a:ln>
         </p:spPr>
         <p:style>
-          <a:lnRef idx="0"/>
-          <a:fillRef idx="0"/>
-          <a:effectRef idx="0"/>
+          <a:lnRef idx="0">
+            <a:scrgbClr r="0" g="0" b="0"/>
+          </a:lnRef>
+          <a:fillRef idx="0">
+            <a:scrgbClr r="0" g="0" b="0"/>
+          </a:fillRef>
+          <a:effectRef idx="0">
+            <a:scrgbClr r="0" g="0" b="0"/>
+          </a:effectRef>
           <a:fontRef idx="minor"/>
         </p:style>
         <p:txBody>
-          <a:bodyPr wrap="none" lIns="90000" rIns="90000" tIns="45000" bIns="45000" anchor="t">
+          <a:bodyPr wrap="none" lIns="90000" tIns="45000" rIns="90000" bIns="45000" anchor="t">
             <a:noAutofit/>
           </a:bodyPr>
+          <a:lstStyle/>
           <a:p>
             <a:pPr>
               <a:lnSpc>
@@ -244,11 +2612,11 @@
                 <a:spcPts val="26"/>
               </a:spcAft>
               <a:tabLst>
-                <a:tab algn="l" pos="0"/>
+                <a:tab pos="0" algn="l"/>
               </a:tabLst>
             </a:pPr>
             <a:fld id="{DE7B2DA1-12C3-4086-BFEA-ABBBC8034379}" type="slidenum">
-              <a:rPr b="0" lang="en-US" sz="1200" strike="noStrike" u="none">
+              <a:rPr lang="en-US" sz="1200" b="0" u="none" strike="noStrike">
                 <a:solidFill>
                   <a:srgbClr val="000000"/>
                 </a:solidFill>
@@ -256,9 +2624,9 @@
                 <a:latin typeface="Arial"/>
                 <a:ea typeface="DejaVu Sans"/>
               </a:rPr>
-              <a:t>1</a:t>
+              <a:t>‹#›</a:t>
             </a:fld>
-            <a:endParaRPr b="0" lang="en-US" sz="1200" strike="noStrike" u="none">
+            <a:endParaRPr lang="en-US" sz="1200" b="0" u="none" strike="noStrike">
               <a:solidFill>
                 <a:srgbClr val="000000"/>
               </a:solidFill>
@@ -270,7 +2638,7 @@
       </p:sp>
       <p:sp>
         <p:nvSpPr>
-          <p:cNvPr id="2" name=""/>
+          <p:cNvPr id="2" name="直接连接符 1"/>
           <p:cNvSpPr/>
           <p:nvPr/>
         </p:nvSpPr>
@@ -290,17 +2658,24 @@
           </a:ln>
         </p:spPr>
         <p:style>
-          <a:lnRef idx="0"/>
-          <a:fillRef idx="0"/>
-          <a:effectRef idx="0"/>
+          <a:lnRef idx="0">
+            <a:scrgbClr r="0" g="0" b="0"/>
+          </a:lnRef>
+          <a:fillRef idx="0">
+            <a:scrgbClr r="0" g="0" b="0"/>
+          </a:fillRef>
+          <a:effectRef idx="0">
+            <a:scrgbClr r="0" g="0" b="0"/>
+          </a:effectRef>
           <a:fontRef idx="minor"/>
         </p:style>
         <p:txBody>
-          <a:bodyPr lIns="90000" rIns="90000" tIns="-45000" bIns="-45000" anchor="t">
+          <a:bodyPr lIns="90000" tIns="-45000" rIns="90000" bIns="-45000" anchor="t">
             <a:noAutofit/>
           </a:bodyPr>
+          <a:lstStyle/>
           <a:p>
-            <a:endParaRPr b="0" lang="en-US" sz="1800" strike="noStrike" u="none">
+            <a:endParaRPr lang="en-US" sz="1800" b="0" u="none" strike="noStrike">
               <a:solidFill>
                 <a:srgbClr val="000000"/>
               </a:solidFill>
@@ -313,7 +2688,7 @@
       </p:sp>
       <p:sp>
         <p:nvSpPr>
-          <p:cNvPr id="3" name=""/>
+          <p:cNvPr id="3" name="直接连接符 2"/>
           <p:cNvSpPr/>
           <p:nvPr/>
         </p:nvSpPr>
@@ -333,17 +2708,24 @@
           </a:ln>
         </p:spPr>
         <p:style>
-          <a:lnRef idx="0"/>
-          <a:fillRef idx="0"/>
-          <a:effectRef idx="0"/>
+          <a:lnRef idx="0">
+            <a:scrgbClr r="0" g="0" b="0"/>
+          </a:lnRef>
+          <a:fillRef idx="0">
+            <a:scrgbClr r="0" g="0" b="0"/>
+          </a:fillRef>
+          <a:effectRef idx="0">
+            <a:scrgbClr r="0" g="0" b="0"/>
+          </a:effectRef>
           <a:fontRef idx="minor"/>
         </p:style>
         <p:txBody>
-          <a:bodyPr lIns="90000" rIns="90000" tIns="-45360" bIns="-45360" anchor="t">
+          <a:bodyPr lIns="90000" tIns="-45360" rIns="90000" bIns="-45360" anchor="t">
             <a:noAutofit/>
           </a:bodyPr>
+          <a:lstStyle/>
           <a:p>
-            <a:endParaRPr b="0" lang="en-US" sz="1800" strike="noStrike" u="none">
+            <a:endParaRPr lang="en-US" sz="1800" b="0" u="none" strike="noStrike">
               <a:solidFill>
                 <a:srgbClr val="000000"/>
               </a:solidFill>
@@ -356,12 +2738,12 @@
       </p:sp>
       <p:pic>
         <p:nvPicPr>
-          <p:cNvPr id="4" name="" descr=""/>
+          <p:cNvPr id="4" name="图片 3"/>
           <p:cNvPicPr/>
           <p:nvPr/>
         </p:nvPicPr>
         <p:blipFill>
-          <a:blip r:embed="rId2"/>
+          <a:blip r:embed="rId3"/>
           <a:stretch/>
         </p:blipFill>
         <p:spPr>
@@ -379,12 +2761,12 @@
       </p:pic>
       <p:pic>
         <p:nvPicPr>
-          <p:cNvPr id="5" name="" descr=""/>
+          <p:cNvPr id="5" name="图片 4"/>
           <p:cNvPicPr/>
           <p:nvPr/>
         </p:nvPicPr>
         <p:blipFill>
-          <a:blip r:embed="rId3"/>
+          <a:blip r:embed="rId4"/>
           <a:stretch/>
         </p:blipFill>
         <p:spPr>
@@ -402,7 +2784,7 @@
       </p:pic>
       <p:sp>
         <p:nvSpPr>
-          <p:cNvPr id="6" name=""/>
+          <p:cNvPr id="6" name="矩形 5"/>
           <p:cNvSpPr/>
           <p:nvPr/>
         </p:nvSpPr>
@@ -420,15 +2802,22 @@
           </a:ln>
         </p:spPr>
         <p:style>
-          <a:lnRef idx="0"/>
-          <a:fillRef idx="0"/>
-          <a:effectRef idx="0"/>
+          <a:lnRef idx="0">
+            <a:scrgbClr r="0" g="0" b="0"/>
+          </a:lnRef>
+          <a:fillRef idx="0">
+            <a:scrgbClr r="0" g="0" b="0"/>
+          </a:fillRef>
+          <a:effectRef idx="0">
+            <a:scrgbClr r="0" g="0" b="0"/>
+          </a:effectRef>
           <a:fontRef idx="minor"/>
         </p:style>
         <p:txBody>
-          <a:bodyPr lIns="90000" rIns="90000" tIns="45000" bIns="45000" anchor="t">
+          <a:bodyPr lIns="90000" tIns="45000" rIns="90000" bIns="45000" anchor="t">
             <a:noAutofit/>
           </a:bodyPr>
+          <a:lstStyle/>
           <a:p>
             <a:pPr>
               <a:lnSpc>
@@ -441,24 +2830,24 @@
                 <a:spcPts val="26"/>
               </a:spcAft>
               <a:tabLst>
-                <a:tab algn="l" pos="0"/>
-                <a:tab algn="l" pos="914400"/>
-                <a:tab algn="l" pos="1828800"/>
-                <a:tab algn="l" pos="2743200"/>
-                <a:tab algn="l" pos="3657600"/>
-                <a:tab algn="l" pos="4572000"/>
-                <a:tab algn="l" pos="5486400"/>
-                <a:tab algn="l" pos="6400800"/>
-                <a:tab algn="l" pos="7315200"/>
-                <a:tab algn="l" pos="8229600"/>
-                <a:tab algn="l" pos="9144000"/>
-                <a:tab algn="l" pos="10058400"/>
-                <a:tab algn="l" pos="10333080"/>
-                <a:tab algn="l" pos="10782360"/>
+                <a:tab pos="0" algn="l"/>
+                <a:tab pos="914400" algn="l"/>
+                <a:tab pos="1828800" algn="l"/>
+                <a:tab pos="2743200" algn="l"/>
+                <a:tab pos="3657600" algn="l"/>
+                <a:tab pos="4572000" algn="l"/>
+                <a:tab pos="5486400" algn="l"/>
+                <a:tab pos="6400800" algn="l"/>
+                <a:tab pos="7315200" algn="l"/>
+                <a:tab pos="8229600" algn="l"/>
+                <a:tab pos="9144000" algn="l"/>
+                <a:tab pos="10058400" algn="l"/>
+                <a:tab pos="10333080" algn="l"/>
+                <a:tab pos="10782360" algn="l"/>
               </a:tabLst>
             </a:pPr>
             <a:r>
-              <a:rPr b="0" lang="en-US" sz="1200" strike="noStrike" u="none">
+              <a:rPr lang="en-US" sz="1200" b="0" u="none" strike="noStrike" dirty="0">
                 <a:solidFill>
                   <a:srgbClr val="000000"/>
                 </a:solidFill>
@@ -466,20 +2855,9 @@
                 <a:latin typeface="Arial"/>
                 <a:ea typeface="DejaVu Sans"/>
               </a:rPr>
-              <a:t>05.12.2025 | </a:t>
+              <a:t>05.12.2025 | 	</a:t>
             </a:r>
-            <a:r>
-              <a:rPr b="0" lang="en-US" sz="1200" strike="noStrike" u="none">
-                <a:solidFill>
-                  <a:srgbClr val="000000"/>
-                </a:solidFill>
-                <a:uFillTx/>
-                <a:latin typeface="Arial"/>
-                <a:ea typeface="DejaVu Sans"/>
-              </a:rPr>
-              <a:t>	</a:t>
-            </a:r>
-            <a:endParaRPr b="0" lang="en-US" sz="1200" strike="noStrike" u="none">
+            <a:endParaRPr lang="en-US" sz="1200" b="0" u="none" strike="noStrike" dirty="0">
               <a:solidFill>
                 <a:srgbClr val="000000"/>
               </a:solidFill>
@@ -491,7 +2869,7 @@
       </p:sp>
       <p:sp>
         <p:nvSpPr>
-          <p:cNvPr id="7" name=""/>
+          <p:cNvPr id="7" name="矩形 6"/>
           <p:cNvSpPr/>
           <p:nvPr/>
         </p:nvSpPr>
@@ -509,15 +2887,22 @@
           </a:ln>
         </p:spPr>
         <p:style>
-          <a:lnRef idx="0"/>
-          <a:fillRef idx="0"/>
-          <a:effectRef idx="0"/>
+          <a:lnRef idx="0">
+            <a:scrgbClr r="0" g="0" b="0"/>
+          </a:lnRef>
+          <a:fillRef idx="0">
+            <a:scrgbClr r="0" g="0" b="0"/>
+          </a:fillRef>
+          <a:effectRef idx="0">
+            <a:scrgbClr r="0" g="0" b="0"/>
+          </a:effectRef>
           <a:fontRef idx="minor"/>
         </p:style>
         <p:txBody>
-          <a:bodyPr lIns="90000" rIns="90000" tIns="45000" bIns="45000" anchor="t">
+          <a:bodyPr lIns="90000" tIns="45000" rIns="90000" bIns="45000" anchor="t">
             <a:noAutofit/>
           </a:bodyPr>
+          <a:lstStyle/>
           <a:p>
             <a:pPr>
               <a:lnSpc>
@@ -530,24 +2915,24 @@
                 <a:spcPts val="26"/>
               </a:spcAft>
               <a:tabLst>
-                <a:tab algn="l" pos="0"/>
-                <a:tab algn="l" pos="914400"/>
-                <a:tab algn="l" pos="1828800"/>
-                <a:tab algn="l" pos="2743200"/>
-                <a:tab algn="l" pos="3657600"/>
-                <a:tab algn="l" pos="4572000"/>
-                <a:tab algn="l" pos="5486400"/>
-                <a:tab algn="l" pos="6400800"/>
-                <a:tab algn="l" pos="7315200"/>
-                <a:tab algn="l" pos="8229600"/>
-                <a:tab algn="l" pos="9144000"/>
-                <a:tab algn="l" pos="10058400"/>
-                <a:tab algn="l" pos="10333080"/>
-                <a:tab algn="l" pos="10782360"/>
+                <a:tab pos="0" algn="l"/>
+                <a:tab pos="914400" algn="l"/>
+                <a:tab pos="1828800" algn="l"/>
+                <a:tab pos="2743200" algn="l"/>
+                <a:tab pos="3657600" algn="l"/>
+                <a:tab pos="4572000" algn="l"/>
+                <a:tab pos="5486400" algn="l"/>
+                <a:tab pos="6400800" algn="l"/>
+                <a:tab pos="7315200" algn="l"/>
+                <a:tab pos="8229600" algn="l"/>
+                <a:tab pos="9144000" algn="l"/>
+                <a:tab pos="10058400" algn="l"/>
+                <a:tab pos="10333080" algn="l"/>
+                <a:tab pos="10782360" algn="l"/>
               </a:tabLst>
             </a:pPr>
             <a:r>
-              <a:rPr b="0" lang="en-US" sz="1200" strike="noStrike" u="none">
+              <a:rPr lang="en-US" sz="1200" b="0" u="none" strike="noStrike" dirty="0" err="1">
                 <a:solidFill>
                   <a:srgbClr val="000000"/>
                 </a:solidFill>
@@ -555,9 +2940,42 @@
                 <a:latin typeface="Arial"/>
                 <a:ea typeface="DejaVu Sans"/>
               </a:rPr>
-              <a:t>Ladesäulen-Aufrüstung auf OCPP-Kommunikation </a:t>
+              <a:t>Ladesäulen-Aufrüstung</a:t>
             </a:r>
-            <a:endParaRPr b="0" lang="en-US" sz="1200" strike="noStrike" u="none">
+            <a:r>
+              <a:rPr lang="en-US" sz="1200" b="0" u="none" strike="noStrike" dirty="0">
+                <a:solidFill>
+                  <a:srgbClr val="000000"/>
+                </a:solidFill>
+                <a:uFillTx/>
+                <a:latin typeface="Arial"/>
+                <a:ea typeface="DejaVu Sans"/>
+              </a:rPr>
+              <a:t> auf OCPP-</a:t>
+            </a:r>
+            <a:r>
+              <a:rPr lang="en-US" sz="1200" b="0" u="none" strike="noStrike" dirty="0" err="1">
+                <a:solidFill>
+                  <a:srgbClr val="000000"/>
+                </a:solidFill>
+                <a:uFillTx/>
+                <a:latin typeface="Arial"/>
+                <a:ea typeface="DejaVu Sans"/>
+              </a:rPr>
+              <a:t>Kommunikation</a:t>
+            </a:r>
+            <a:r>
+              <a:rPr lang="en-US" sz="1200" b="0" u="none" strike="noStrike" dirty="0">
+                <a:solidFill>
+                  <a:srgbClr val="000000"/>
+                </a:solidFill>
+                <a:uFillTx/>
+                <a:latin typeface="Arial"/>
+                <a:ea typeface="DejaVu Sans"/>
+              </a:rPr>
+              <a:t> </a:t>
+            </a:r>
+            <a:endParaRPr lang="en-US" sz="1200" b="0" u="none" strike="noStrike" dirty="0">
               <a:solidFill>
                 <a:srgbClr val="000000"/>
               </a:solidFill>
@@ -577,24 +2995,24 @@
                 <a:spcPts val="26"/>
               </a:spcAft>
               <a:tabLst>
-                <a:tab algn="l" pos="0"/>
-                <a:tab algn="l" pos="914400"/>
-                <a:tab algn="l" pos="1828800"/>
-                <a:tab algn="l" pos="2743200"/>
-                <a:tab algn="l" pos="3657600"/>
-                <a:tab algn="l" pos="4572000"/>
-                <a:tab algn="l" pos="5486400"/>
-                <a:tab algn="l" pos="6400800"/>
-                <a:tab algn="l" pos="7315200"/>
-                <a:tab algn="l" pos="8229600"/>
-                <a:tab algn="l" pos="9144000"/>
-                <a:tab algn="l" pos="10058400"/>
-                <a:tab algn="l" pos="10333080"/>
-                <a:tab algn="l" pos="10782360"/>
+                <a:tab pos="0" algn="l"/>
+                <a:tab pos="914400" algn="l"/>
+                <a:tab pos="1828800" algn="l"/>
+                <a:tab pos="2743200" algn="l"/>
+                <a:tab pos="3657600" algn="l"/>
+                <a:tab pos="4572000" algn="l"/>
+                <a:tab pos="5486400" algn="l"/>
+                <a:tab pos="6400800" algn="l"/>
+                <a:tab pos="7315200" algn="l"/>
+                <a:tab pos="8229600" algn="l"/>
+                <a:tab pos="9144000" algn="l"/>
+                <a:tab pos="10058400" algn="l"/>
+                <a:tab pos="10333080" algn="l"/>
+                <a:tab pos="10782360" algn="l"/>
               </a:tabLst>
             </a:pPr>
             <a:r>
-              <a:rPr b="0" lang="en-US" sz="1200" strike="noStrike" u="none">
+              <a:rPr lang="en-US" sz="1200" b="0" u="none" strike="noStrike" dirty="0">
                 <a:solidFill>
                   <a:srgbClr val="000000"/>
                 </a:solidFill>
@@ -602,9 +3020,31 @@
                 <a:latin typeface="Arial"/>
                 <a:ea typeface="DejaVu Sans"/>
               </a:rPr>
-              <a:t>für Intelligentes Laden</a:t>
+              <a:t>für </a:t>
             </a:r>
-            <a:endParaRPr b="0" lang="en-US" sz="1200" strike="noStrike" u="none">
+            <a:r>
+              <a:rPr lang="en-US" sz="1200" b="0" u="none" strike="noStrike" dirty="0" err="1">
+                <a:solidFill>
+                  <a:srgbClr val="000000"/>
+                </a:solidFill>
+                <a:uFillTx/>
+                <a:latin typeface="Arial"/>
+                <a:ea typeface="DejaVu Sans"/>
+              </a:rPr>
+              <a:t>Intelligentes</a:t>
+            </a:r>
+            <a:r>
+              <a:rPr lang="en-US" sz="1200" b="0" u="none" strike="noStrike" dirty="0">
+                <a:solidFill>
+                  <a:srgbClr val="000000"/>
+                </a:solidFill>
+                <a:uFillTx/>
+                <a:latin typeface="Arial"/>
+                <a:ea typeface="DejaVu Sans"/>
+              </a:rPr>
+              <a:t> Laden</a:t>
+            </a:r>
+            <a:endParaRPr lang="en-US" sz="1200" b="0" u="none" strike="noStrike" dirty="0">
               <a:solidFill>
                 <a:srgbClr val="000000"/>
               </a:solidFill>
@@ -616,7 +3056,7 @@
       </p:sp>
       <p:sp>
         <p:nvSpPr>
-          <p:cNvPr id="8" name=""/>
+          <p:cNvPr id="8" name="矩形 7"/>
           <p:cNvSpPr/>
           <p:nvPr/>
         </p:nvSpPr>
@@ -634,15 +3074,22 @@
           </a:ln>
         </p:spPr>
         <p:style>
-          <a:lnRef idx="0"/>
-          <a:fillRef idx="0"/>
-          <a:effectRef idx="0"/>
+          <a:lnRef idx="0">
+            <a:scrgbClr r="0" g="0" b="0"/>
+          </a:lnRef>
+          <a:fillRef idx="0">
+            <a:scrgbClr r="0" g="0" b="0"/>
+          </a:fillRef>
+          <a:effectRef idx="0">
+            <a:scrgbClr r="0" g="0" b="0"/>
+          </a:effectRef>
           <a:fontRef idx="minor"/>
         </p:style>
         <p:txBody>
-          <a:bodyPr wrap="none" lIns="90000" rIns="90000" tIns="45000" bIns="45000" anchor="t">
+          <a:bodyPr wrap="none" lIns="90000" tIns="45000" rIns="90000" bIns="45000" anchor="t">
             <a:noAutofit/>
           </a:bodyPr>
+          <a:lstStyle/>
           <a:p>
             <a:pPr>
               <a:lnSpc>
@@ -655,24 +3102,24 @@
                 <a:spcPts val="26"/>
               </a:spcAft>
               <a:tabLst>
-                <a:tab algn="l" pos="0"/>
-                <a:tab algn="l" pos="914400"/>
-                <a:tab algn="l" pos="1828800"/>
-                <a:tab algn="l" pos="2743200"/>
-                <a:tab algn="l" pos="3657600"/>
-                <a:tab algn="l" pos="4572000"/>
-                <a:tab algn="l" pos="5486400"/>
-                <a:tab algn="l" pos="6400800"/>
-                <a:tab algn="l" pos="7315200"/>
-                <a:tab algn="l" pos="8229600"/>
-                <a:tab algn="l" pos="9144000"/>
-                <a:tab algn="l" pos="10058400"/>
-                <a:tab algn="l" pos="10333080"/>
-                <a:tab algn="l" pos="10782360"/>
+                <a:tab pos="0" algn="l"/>
+                <a:tab pos="914400" algn="l"/>
+                <a:tab pos="1828800" algn="l"/>
+                <a:tab pos="2743200" algn="l"/>
+                <a:tab pos="3657600" algn="l"/>
+                <a:tab pos="4572000" algn="l"/>
+                <a:tab pos="5486400" algn="l"/>
+                <a:tab pos="6400800" algn="l"/>
+                <a:tab pos="7315200" algn="l"/>
+                <a:tab pos="8229600" algn="l"/>
+                <a:tab pos="9144000" algn="l"/>
+                <a:tab pos="10058400" algn="l"/>
+                <a:tab pos="10333080" algn="l"/>
+                <a:tab pos="10782360" algn="l"/>
               </a:tabLst>
             </a:pPr>
             <a:r>
-              <a:rPr b="0" lang="en-US" sz="1200" strike="noStrike" u="none">
+              <a:rPr lang="en-US" sz="1200" b="0" u="none" strike="noStrike" dirty="0">
                 <a:solidFill>
                   <a:srgbClr val="000000"/>
                 </a:solidFill>
@@ -680,9 +3127,31 @@
                 <a:latin typeface="Arial"/>
                 <a:ea typeface="DejaVu Sans"/>
               </a:rPr>
-              <a:t>| Junfan Jin, Can Zeng, </a:t>
+              <a:t>| </a:t>
             </a:r>
-            <a:endParaRPr b="0" lang="en-US" sz="1200" strike="noStrike" u="none">
+            <a:r>
+              <a:rPr lang="en-US" sz="1200" b="0" u="none" strike="noStrike" dirty="0" err="1">
+                <a:solidFill>
+                  <a:srgbClr val="000000"/>
+                </a:solidFill>
+                <a:uFillTx/>
+                <a:latin typeface="Arial"/>
+                <a:ea typeface="DejaVu Sans"/>
+              </a:rPr>
+              <a:t>Junfan</a:t>
+            </a:r>
+            <a:r>
+              <a:rPr lang="en-US" sz="1200" b="0" u="none" strike="noStrike" dirty="0">
+                <a:solidFill>
+                  <a:srgbClr val="000000"/>
+                </a:solidFill>
+                <a:uFillTx/>
+                <a:latin typeface="Arial"/>
+                <a:ea typeface="DejaVu Sans"/>
+              </a:rPr>
+              <a:t> Jin, Can Zeng, </a:t>
+            </a:r>
+            <a:endParaRPr lang="en-US" sz="1200" b="0" u="none" strike="noStrike" dirty="0">
               <a:solidFill>
                 <a:srgbClr val="000000"/>
               </a:solidFill>
@@ -702,24 +3171,24 @@
                 <a:spcPts val="26"/>
               </a:spcAft>
               <a:tabLst>
-                <a:tab algn="l" pos="0"/>
-                <a:tab algn="l" pos="914400"/>
-                <a:tab algn="l" pos="1828800"/>
-                <a:tab algn="l" pos="2743200"/>
-                <a:tab algn="l" pos="3657600"/>
-                <a:tab algn="l" pos="4572000"/>
-                <a:tab algn="l" pos="5486400"/>
-                <a:tab algn="l" pos="6400800"/>
-                <a:tab algn="l" pos="7315200"/>
-                <a:tab algn="l" pos="8229600"/>
-                <a:tab algn="l" pos="9144000"/>
-                <a:tab algn="l" pos="10058400"/>
-                <a:tab algn="l" pos="10333080"/>
-                <a:tab algn="l" pos="10782360"/>
+                <a:tab pos="0" algn="l"/>
+                <a:tab pos="914400" algn="l"/>
+                <a:tab pos="1828800" algn="l"/>
+                <a:tab pos="2743200" algn="l"/>
+                <a:tab pos="3657600" algn="l"/>
+                <a:tab pos="4572000" algn="l"/>
+                <a:tab pos="5486400" algn="l"/>
+                <a:tab pos="6400800" algn="l"/>
+                <a:tab pos="7315200" algn="l"/>
+                <a:tab pos="8229600" algn="l"/>
+                <a:tab pos="9144000" algn="l"/>
+                <a:tab pos="10058400" algn="l"/>
+                <a:tab pos="10333080" algn="l"/>
+                <a:tab pos="10782360" algn="l"/>
               </a:tabLst>
             </a:pPr>
             <a:r>
-              <a:rPr b="0" lang="en-US" sz="1200" strike="noStrike" u="none">
+              <a:rPr lang="en-US" sz="1200" b="0" u="none" strike="noStrike" dirty="0">
                 <a:solidFill>
                   <a:srgbClr val="000000"/>
                 </a:solidFill>
@@ -727,20 +3196,9 @@
                 <a:latin typeface="Arial"/>
                 <a:ea typeface="DejaVu Sans"/>
               </a:rPr>
-              <a:t>  </a:t>
+              <a:t>  Yunan Jiang, Huang Chen</a:t>
             </a:r>
-            <a:r>
-              <a:rPr b="0" lang="en-US" sz="1200" strike="noStrike" u="none">
-                <a:solidFill>
-                  <a:srgbClr val="000000"/>
-                </a:solidFill>
-                <a:uFillTx/>
-                <a:latin typeface="Arial"/>
-                <a:ea typeface="DejaVu Sans"/>
-              </a:rPr>
-              <a:t>Yunan Jiang, Huang Chen</a:t>
-            </a:r>
-            <a:endParaRPr b="0" lang="en-US" sz="1200" strike="noStrike" u="none">
+            <a:endParaRPr lang="en-US" sz="1200" b="0" u="none" strike="noStrike" dirty="0">
               <a:solidFill>
                 <a:srgbClr val="000000"/>
               </a:solidFill>
@@ -752,7 +3210,7 @@
       </p:sp>
       <p:sp>
         <p:nvSpPr>
-          <p:cNvPr id="9" name=""/>
+          <p:cNvPr id="9" name="直接连接符 8"/>
           <p:cNvSpPr/>
           <p:nvPr/>
         </p:nvSpPr>
@@ -772,17 +3230,24 @@
           </a:ln>
         </p:spPr>
         <p:style>
-          <a:lnRef idx="0"/>
-          <a:fillRef idx="0"/>
-          <a:effectRef idx="0"/>
+          <a:lnRef idx="0">
+            <a:scrgbClr r="0" g="0" b="0"/>
+          </a:lnRef>
+          <a:fillRef idx="0">
+            <a:scrgbClr r="0" g="0" b="0"/>
+          </a:fillRef>
+          <a:effectRef idx="0">
+            <a:scrgbClr r="0" g="0" b="0"/>
+          </a:effectRef>
           <a:fontRef idx="minor"/>
         </p:style>
         <p:txBody>
-          <a:bodyPr lIns="90000" rIns="90000" tIns="-45360" bIns="-45360" anchor="t">
+          <a:bodyPr lIns="90000" tIns="-45360" rIns="90000" bIns="-45360" anchor="t">
             <a:noAutofit/>
           </a:bodyPr>
+          <a:lstStyle/>
           <a:p>
-            <a:endParaRPr b="0" lang="en-US" sz="1800" strike="noStrike" u="none">
+            <a:endParaRPr lang="en-US" sz="1800" b="0" u="none" strike="noStrike">
               <a:solidFill>
                 <a:srgbClr val="000000"/>
               </a:solidFill>
@@ -817,15 +3282,16 @@
           </a:ln>
         </p:spPr>
         <p:txBody>
-          <a:bodyPr lIns="0" rIns="0" tIns="0" bIns="0" anchor="ctr">
+          <a:bodyPr lIns="0" tIns="0" rIns="0" bIns="0" anchor="ctr">
             <a:noAutofit/>
           </a:bodyPr>
+          <a:lstStyle/>
           <a:p>
             <a:pPr indent="0">
               <a:buNone/>
             </a:pPr>
             <a:r>
-              <a:rPr b="0" lang="zh-CN" sz="1800" strike="noStrike" u="none">
+              <a:rPr lang="zh-CN" sz="1800" b="0" u="none" strike="noStrike">
                 <a:solidFill>
                   <a:srgbClr val="000000"/>
                 </a:solidFill>
@@ -834,7 +3300,7 @@
               </a:rPr>
               <a:t>单击以编辑标题文本格式</a:t>
             </a:r>
-            <a:endParaRPr b="0" lang="en-US" sz="1800" strike="noStrike" u="none">
+            <a:endParaRPr lang="en-US" sz="1800" b="0" u="none" strike="noStrike">
               <a:solidFill>
                 <a:srgbClr val="000000"/>
               </a:solidFill>
@@ -868,9 +3334,10 @@
           </a:ln>
         </p:spPr>
         <p:txBody>
-          <a:bodyPr lIns="0" rIns="0" tIns="0" bIns="0" anchor="t">
+          <a:bodyPr lIns="0" tIns="0" rIns="0" bIns="0" anchor="t">
             <a:normAutofit/>
           </a:bodyPr>
+          <a:lstStyle/>
           <a:p>
             <a:pPr marL="432000" indent="-324000">
               <a:spcBef>
@@ -884,7 +3351,7 @@
               <a:buChar char=""/>
             </a:pPr>
             <a:r>
-              <a:rPr b="0" lang="zh-CN" sz="1800" strike="noStrike" u="none">
+              <a:rPr lang="zh-CN" sz="1800" b="0" u="none" strike="noStrike">
                 <a:solidFill>
                   <a:srgbClr val="000000"/>
                 </a:solidFill>
@@ -893,7 +3360,7 @@
               </a:rPr>
               <a:t>点击以编辑提纲文本格式</a:t>
             </a:r>
-            <a:endParaRPr b="0" lang="en-US" sz="1800" strike="noStrike" u="none">
+            <a:endParaRPr lang="en-US" sz="1800" b="0" u="none" strike="noStrike">
               <a:solidFill>
                 <a:srgbClr val="000000"/>
               </a:solidFill>
@@ -902,7 +3369,7 @@
             </a:endParaRPr>
           </a:p>
           <a:p>
-            <a:pPr lvl="1" marL="864000" indent="-324000">
+            <a:pPr marL="864000" lvl="1" indent="-324000">
               <a:spcBef>
                 <a:spcPts val="1134"/>
               </a:spcBef>
@@ -914,7 +3381,7 @@
               <a:buChar char=""/>
             </a:pPr>
             <a:r>
-              <a:rPr b="0" lang="zh-CN" sz="1800" strike="noStrike" u="none">
+              <a:rPr lang="zh-CN" sz="1800" b="0" u="none" strike="noStrike">
                 <a:solidFill>
                   <a:srgbClr val="000000"/>
                 </a:solidFill>
@@ -923,7 +3390,7 @@
               </a:rPr>
               <a:t>第二提纲级别</a:t>
             </a:r>
-            <a:endParaRPr b="0" lang="en-US" sz="1800" strike="noStrike" u="none">
+            <a:endParaRPr lang="en-US" sz="1800" b="0" u="none" strike="noStrike">
               <a:solidFill>
                 <a:srgbClr val="000000"/>
               </a:solidFill>
@@ -932,7 +3399,7 @@
             </a:endParaRPr>
           </a:p>
           <a:p>
-            <a:pPr lvl="2" marL="1296000" indent="-288000">
+            <a:pPr marL="1296000" lvl="2" indent="-288000">
               <a:spcBef>
                 <a:spcPts val="850"/>
               </a:spcBef>
@@ -944,7 +3411,7 @@
               <a:buChar char=""/>
             </a:pPr>
             <a:r>
-              <a:rPr b="0" lang="zh-CN" sz="1800" strike="noStrike" u="none">
+              <a:rPr lang="zh-CN" sz="1800" b="0" u="none" strike="noStrike">
                 <a:solidFill>
                   <a:srgbClr val="000000"/>
                 </a:solidFill>
@@ -953,7 +3420,7 @@
               </a:rPr>
               <a:t>第三提纲级别</a:t>
             </a:r>
-            <a:endParaRPr b="0" lang="en-US" sz="1800" strike="noStrike" u="none">
+            <a:endParaRPr lang="en-US" sz="1800" b="0" u="none" strike="noStrike">
               <a:solidFill>
                 <a:srgbClr val="000000"/>
               </a:solidFill>
@@ -962,7 +3429,7 @@
             </a:endParaRPr>
           </a:p>
           <a:p>
-            <a:pPr lvl="3" marL="1728000" indent="-216000">
+            <a:pPr marL="1728000" lvl="3" indent="-216000">
               <a:spcBef>
                 <a:spcPts val="567"/>
               </a:spcBef>
@@ -974,7 +3441,7 @@
               <a:buChar char=""/>
             </a:pPr>
             <a:r>
-              <a:rPr b="0" lang="zh-CN" sz="1800" strike="noStrike" u="none">
+              <a:rPr lang="zh-CN" sz="1800" b="0" u="none" strike="noStrike">
                 <a:solidFill>
                   <a:srgbClr val="000000"/>
                 </a:solidFill>
@@ -983,7 +3450,7 @@
               </a:rPr>
               <a:t>第四提纲级别</a:t>
             </a:r>
-            <a:endParaRPr b="0" lang="en-US" sz="1800" strike="noStrike" u="none">
+            <a:endParaRPr lang="en-US" sz="1800" b="0" u="none" strike="noStrike">
               <a:solidFill>
                 <a:srgbClr val="000000"/>
               </a:solidFill>
@@ -992,7 +3459,7 @@
             </a:endParaRPr>
           </a:p>
           <a:p>
-            <a:pPr lvl="4" marL="2160000" indent="-216000">
+            <a:pPr marL="2160000" lvl="4" indent="-216000">
               <a:spcBef>
                 <a:spcPts val="283"/>
               </a:spcBef>
@@ -1004,7 +3471,7 @@
               <a:buChar char=""/>
             </a:pPr>
             <a:r>
-              <a:rPr b="0" lang="zh-CN" sz="1800" strike="noStrike" u="none">
+              <a:rPr lang="zh-CN" sz="1800" b="0" u="none" strike="noStrike">
                 <a:solidFill>
                   <a:srgbClr val="000000"/>
                 </a:solidFill>
@@ -1013,7 +3480,7 @@
               </a:rPr>
               <a:t>第五提纲级别</a:t>
             </a:r>
-            <a:endParaRPr b="0" lang="en-US" sz="1800" strike="noStrike" u="none">
+            <a:endParaRPr lang="en-US" sz="1800" b="0" u="none" strike="noStrike">
               <a:solidFill>
                 <a:srgbClr val="000000"/>
               </a:solidFill>
@@ -1022,7 +3489,7 @@
             </a:endParaRPr>
           </a:p>
           <a:p>
-            <a:pPr lvl="5" marL="2592000" indent="-216000">
+            <a:pPr marL="2592000" lvl="5" indent="-216000">
               <a:spcBef>
                 <a:spcPts val="283"/>
               </a:spcBef>
@@ -1034,7 +3501,7 @@
               <a:buChar char=""/>
             </a:pPr>
             <a:r>
-              <a:rPr b="0" lang="zh-CN" sz="1800" strike="noStrike" u="none">
+              <a:rPr lang="zh-CN" sz="1800" b="0" u="none" strike="noStrike">
                 <a:solidFill>
                   <a:srgbClr val="000000"/>
                 </a:solidFill>
@@ -1043,7 +3510,7 @@
               </a:rPr>
               <a:t>第六提纲级别</a:t>
             </a:r>
-            <a:endParaRPr b="0" lang="en-US" sz="1800" strike="noStrike" u="none">
+            <a:endParaRPr lang="en-US" sz="1800" b="0" u="none" strike="noStrike">
               <a:solidFill>
                 <a:srgbClr val="000000"/>
               </a:solidFill>
@@ -1052,7 +3519,7 @@
             </a:endParaRPr>
           </a:p>
           <a:p>
-            <a:pPr lvl="6" marL="3024000" indent="-216000">
+            <a:pPr marL="3024000" lvl="6" indent="-216000">
               <a:spcBef>
                 <a:spcPts val="283"/>
               </a:spcBef>
@@ -1064,7 +3531,7 @@
               <a:buChar char=""/>
             </a:pPr>
             <a:r>
-              <a:rPr b="0" lang="zh-CN" sz="1800" strike="noStrike" u="none">
+              <a:rPr lang="zh-CN" sz="1800" b="0" u="none" strike="noStrike">
                 <a:solidFill>
                   <a:srgbClr val="000000"/>
                 </a:solidFill>
@@ -1073,7 +3540,7 @@
               </a:rPr>
               <a:t>第七提纲级别</a:t>
             </a:r>
-            <a:endParaRPr b="0" lang="en-US" sz="1800" strike="noStrike" u="none">
+            <a:endParaRPr lang="en-US" sz="1800" b="0" u="none" strike="noStrike">
               <a:solidFill>
                 <a:srgbClr val="000000"/>
               </a:solidFill>
@@ -1087,13 +3554,293 @@
   </p:cSld>
   <p:clrMap bg1="lt1" tx1="dk1" bg2="lt2" tx2="dk2" accent1="accent1" accent2="accent2" accent3="accent3" accent4="accent4" accent5="accent5" accent6="accent6" hlink="hlink" folHlink="folHlink"/>
   <p:sldLayoutIdLst>
-    <p:sldLayoutId id="2147483649" r:id="rId4"/>
+    <p:sldLayoutId id="2147483649" r:id="rId1"/>
   </p:sldLayoutIdLst>
+  <p:txStyles>
+    <p:titleStyle>
+      <a:lvl1pPr algn="l" defTabSz="914400" rtl="0" eaLnBrk="1" latinLnBrk="0" hangingPunct="1">
+        <a:lnSpc>
+          <a:spcPct val="90000"/>
+        </a:lnSpc>
+        <a:spcBef>
+          <a:spcPct val="0"/>
+        </a:spcBef>
+        <a:buNone/>
+        <a:defRPr sz="4400" kern="1200">
+          <a:solidFill>
+            <a:schemeClr val="tx1"/>
+          </a:solidFill>
+          <a:latin typeface="+mj-lt"/>
+          <a:ea typeface="+mj-ea"/>
+          <a:cs typeface="+mj-cs"/>
+        </a:defRPr>
+      </a:lvl1pPr>
+    </p:titleStyle>
+    <p:bodyStyle>
+      <a:lvl1pPr marL="228600" indent="-228600" algn="l" defTabSz="914400" rtl="0" eaLnBrk="1" latinLnBrk="0" hangingPunct="1">
+        <a:lnSpc>
+          <a:spcPct val="90000"/>
+        </a:lnSpc>
+        <a:spcBef>
+          <a:spcPts val="1000"/>
+        </a:spcBef>
+        <a:buFont typeface="Arial" panose="020B0604020202020204" pitchFamily="34" charset="0"/>
+        <a:buChar char="•"/>
+        <a:defRPr sz="2800" kern="1200">
+          <a:solidFill>
+            <a:schemeClr val="tx1"/>
+          </a:solidFill>
+          <a:latin typeface="+mn-lt"/>
+          <a:ea typeface="+mn-ea"/>
+          <a:cs typeface="+mn-cs"/>
+        </a:defRPr>
+      </a:lvl1pPr>
+      <a:lvl2pPr marL="685800" indent="-228600" algn="l" defTabSz="914400" rtl="0" eaLnBrk="1" latinLnBrk="0" hangingPunct="1">
+        <a:lnSpc>
+          <a:spcPct val="90000"/>
+        </a:lnSpc>
+        <a:spcBef>
+          <a:spcPts val="500"/>
+        </a:spcBef>
+        <a:buFont typeface="Arial" panose="020B0604020202020204" pitchFamily="34" charset="0"/>
+        <a:buChar char="•"/>
+        <a:defRPr sz="2400" kern="1200">
+          <a:solidFill>
+            <a:schemeClr val="tx1"/>
+          </a:solidFill>
+          <a:latin typeface="+mn-lt"/>
+          <a:ea typeface="+mn-ea"/>
+          <a:cs typeface="+mn-cs"/>
+        </a:defRPr>
+      </a:lvl2pPr>
+      <a:lvl3pPr marL="1143000" indent="-228600" algn="l" defTabSz="914400" rtl="0" eaLnBrk="1" latinLnBrk="0" hangingPunct="1">
+        <a:lnSpc>
+          <a:spcPct val="90000"/>
+        </a:lnSpc>
+        <a:spcBef>
+          <a:spcPts val="500"/>
+        </a:spcBef>
+        <a:buFont typeface="Arial" panose="020B0604020202020204" pitchFamily="34" charset="0"/>
+        <a:buChar char="•"/>
+        <a:defRPr sz="2000" kern="1200">
+          <a:solidFill>
+            <a:schemeClr val="tx1"/>
+          </a:solidFill>
+          <a:latin typeface="+mn-lt"/>
+          <a:ea typeface="+mn-ea"/>
+          <a:cs typeface="+mn-cs"/>
+        </a:defRPr>
+      </a:lvl3pPr>
+      <a:lvl4pPr marL="1600200" indent="-228600" algn="l" defTabSz="914400" rtl="0" eaLnBrk="1" latinLnBrk="0" hangingPunct="1">
+        <a:lnSpc>
+          <a:spcPct val="90000"/>
+        </a:lnSpc>
+        <a:spcBef>
+          <a:spcPts val="500"/>
+        </a:spcBef>
+        <a:buFont typeface="Arial" panose="020B0604020202020204" pitchFamily="34" charset="0"/>
+        <a:buChar char="•"/>
+        <a:defRPr sz="1800" kern="1200">
+          <a:solidFill>
+            <a:schemeClr val="tx1"/>
+          </a:solidFill>
+          <a:latin typeface="+mn-lt"/>
+          <a:ea typeface="+mn-ea"/>
+          <a:cs typeface="+mn-cs"/>
+        </a:defRPr>
+      </a:lvl4pPr>
+      <a:lvl5pPr marL="2057400" indent="-228600" algn="l" defTabSz="914400" rtl="0" eaLnBrk="1" latinLnBrk="0" hangingPunct="1">
+        <a:lnSpc>
+          <a:spcPct val="90000"/>
+        </a:lnSpc>
+        <a:spcBef>
+          <a:spcPts val="500"/>
+        </a:spcBef>
+        <a:buFont typeface="Arial" panose="020B0604020202020204" pitchFamily="34" charset="0"/>
+        <a:buChar char="•"/>
+        <a:defRPr sz="1800" kern="1200">
+          <a:solidFill>
+            <a:schemeClr val="tx1"/>
+          </a:solidFill>
+          <a:latin typeface="+mn-lt"/>
+          <a:ea typeface="+mn-ea"/>
+          <a:cs typeface="+mn-cs"/>
+        </a:defRPr>
+      </a:lvl5pPr>
+      <a:lvl6pPr marL="2514600" indent="-228600" algn="l" defTabSz="914400" rtl="0" eaLnBrk="1" latinLnBrk="0" hangingPunct="1">
+        <a:lnSpc>
+          <a:spcPct val="90000"/>
+        </a:lnSpc>
+        <a:spcBef>
+          <a:spcPts val="500"/>
+        </a:spcBef>
+        <a:buFont typeface="Arial" panose="020B0604020202020204" pitchFamily="34" charset="0"/>
+        <a:buChar char="•"/>
+        <a:defRPr sz="1800" kern="1200">
+          <a:solidFill>
+            <a:schemeClr val="tx1"/>
+          </a:solidFill>
+          <a:latin typeface="+mn-lt"/>
+          <a:ea typeface="+mn-ea"/>
+          <a:cs typeface="+mn-cs"/>
+        </a:defRPr>
+      </a:lvl6pPr>
+      <a:lvl7pPr marL="2971800" indent="-228600" algn="l" defTabSz="914400" rtl="0" eaLnBrk="1" latinLnBrk="0" hangingPunct="1">
+        <a:lnSpc>
+          <a:spcPct val="90000"/>
+        </a:lnSpc>
+        <a:spcBef>
+          <a:spcPts val="500"/>
+        </a:spcBef>
+        <a:buFont typeface="Arial" panose="020B0604020202020204" pitchFamily="34" charset="0"/>
+        <a:buChar char="•"/>
+        <a:defRPr sz="1800" kern="1200">
+          <a:solidFill>
+            <a:schemeClr val="tx1"/>
+          </a:solidFill>
+          <a:latin typeface="+mn-lt"/>
+          <a:ea typeface="+mn-ea"/>
+          <a:cs typeface="+mn-cs"/>
+        </a:defRPr>
+      </a:lvl7pPr>
+      <a:lvl8pPr marL="3429000" indent="-228600" algn="l" defTabSz="914400" rtl="0" eaLnBrk="1" latinLnBrk="0" hangingPunct="1">
+        <a:lnSpc>
+          <a:spcPct val="90000"/>
+        </a:lnSpc>
+        <a:spcBef>
+          <a:spcPts val="500"/>
+        </a:spcBef>
+        <a:buFont typeface="Arial" panose="020B0604020202020204" pitchFamily="34" charset="0"/>
+        <a:buChar char="•"/>
+        <a:defRPr sz="1800" kern="1200">
+          <a:solidFill>
+            <a:schemeClr val="tx1"/>
+          </a:solidFill>
+          <a:latin typeface="+mn-lt"/>
+          <a:ea typeface="+mn-ea"/>
+          <a:cs typeface="+mn-cs"/>
+        </a:defRPr>
+      </a:lvl8pPr>
+      <a:lvl9pPr marL="3886200" indent="-228600" algn="l" defTabSz="914400" rtl="0" eaLnBrk="1" latinLnBrk="0" hangingPunct="1">
+        <a:lnSpc>
+          <a:spcPct val="90000"/>
+        </a:lnSpc>
+        <a:spcBef>
+          <a:spcPts val="500"/>
+        </a:spcBef>
+        <a:buFont typeface="Arial" panose="020B0604020202020204" pitchFamily="34" charset="0"/>
+        <a:buChar char="•"/>
+        <a:defRPr sz="1800" kern="1200">
+          <a:solidFill>
+            <a:schemeClr val="tx1"/>
+          </a:solidFill>
+          <a:latin typeface="+mn-lt"/>
+          <a:ea typeface="+mn-ea"/>
+          <a:cs typeface="+mn-cs"/>
+        </a:defRPr>
+      </a:lvl9pPr>
+    </p:bodyStyle>
+    <p:otherStyle>
+      <a:defPPr>
+        <a:defRPr lang="zh-CN"/>
+      </a:defPPr>
+      <a:lvl1pPr marL="0" algn="l" defTabSz="914400" rtl="0" eaLnBrk="1" latinLnBrk="0" hangingPunct="1">
+        <a:defRPr sz="1800" kern="1200">
+          <a:solidFill>
+            <a:schemeClr val="tx1"/>
+          </a:solidFill>
+          <a:latin typeface="+mn-lt"/>
+          <a:ea typeface="+mn-ea"/>
+          <a:cs typeface="+mn-cs"/>
+        </a:defRPr>
+      </a:lvl1pPr>
+      <a:lvl2pPr marL="457200" algn="l" defTabSz="914400" rtl="0" eaLnBrk="1" latinLnBrk="0" hangingPunct="1">
+        <a:defRPr sz="1800" kern="1200">
+          <a:solidFill>
+            <a:schemeClr val="tx1"/>
+          </a:solidFill>
+          <a:latin typeface="+mn-lt"/>
+          <a:ea typeface="+mn-ea"/>
+          <a:cs typeface="+mn-cs"/>
+        </a:defRPr>
+      </a:lvl2pPr>
+      <a:lvl3pPr marL="914400" algn="l" defTabSz="914400" rtl="0" eaLnBrk="1" latinLnBrk="0" hangingPunct="1">
+        <a:defRPr sz="1800" kern="1200">
+          <a:solidFill>
+            <a:schemeClr val="tx1"/>
+          </a:solidFill>
+          <a:latin typeface="+mn-lt"/>
+          <a:ea typeface="+mn-ea"/>
+          <a:cs typeface="+mn-cs"/>
+        </a:defRPr>
+      </a:lvl3pPr>
+      <a:lvl4pPr marL="1371600" algn="l" defTabSz="914400" rtl="0" eaLnBrk="1" latinLnBrk="0" hangingPunct="1">
+        <a:defRPr sz="1800" kern="1200">
+          <a:solidFill>
+            <a:schemeClr val="tx1"/>
+          </a:solidFill>
+          <a:latin typeface="+mn-lt"/>
+          <a:ea typeface="+mn-ea"/>
+          <a:cs typeface="+mn-cs"/>
+        </a:defRPr>
+      </a:lvl4pPr>
+      <a:lvl5pPr marL="1828800" algn="l" defTabSz="914400" rtl="0" eaLnBrk="1" latinLnBrk="0" hangingPunct="1">
+        <a:defRPr sz="1800" kern="1200">
+          <a:solidFill>
+            <a:schemeClr val="tx1"/>
+          </a:solidFill>
+          <a:latin typeface="+mn-lt"/>
+          <a:ea typeface="+mn-ea"/>
+          <a:cs typeface="+mn-cs"/>
+        </a:defRPr>
+      </a:lvl5pPr>
+      <a:lvl6pPr marL="2286000" algn="l" defTabSz="914400" rtl="0" eaLnBrk="1" latinLnBrk="0" hangingPunct="1">
+        <a:defRPr sz="1800" kern="1200">
+          <a:solidFill>
+            <a:schemeClr val="tx1"/>
+          </a:solidFill>
+          <a:latin typeface="+mn-lt"/>
+          <a:ea typeface="+mn-ea"/>
+          <a:cs typeface="+mn-cs"/>
+        </a:defRPr>
+      </a:lvl6pPr>
+      <a:lvl7pPr marL="2743200" algn="l" defTabSz="914400" rtl="0" eaLnBrk="1" latinLnBrk="0" hangingPunct="1">
+        <a:defRPr sz="1800" kern="1200">
+          <a:solidFill>
+            <a:schemeClr val="tx1"/>
+          </a:solidFill>
+          <a:latin typeface="+mn-lt"/>
+          <a:ea typeface="+mn-ea"/>
+          <a:cs typeface="+mn-cs"/>
+        </a:defRPr>
+      </a:lvl7pPr>
+      <a:lvl8pPr marL="3200400" algn="l" defTabSz="914400" rtl="0" eaLnBrk="1" latinLnBrk="0" hangingPunct="1">
+        <a:defRPr sz="1800" kern="1200">
+          <a:solidFill>
+            <a:schemeClr val="tx1"/>
+          </a:solidFill>
+          <a:latin typeface="+mn-lt"/>
+          <a:ea typeface="+mn-ea"/>
+          <a:cs typeface="+mn-cs"/>
+        </a:defRPr>
+      </a:lvl8pPr>
+      <a:lvl9pPr marL="3657600" algn="l" defTabSz="914400" rtl="0" eaLnBrk="1" latinLnBrk="0" hangingPunct="1">
+        <a:defRPr sz="1800" kern="1200">
+          <a:solidFill>
+            <a:schemeClr val="tx1"/>
+          </a:solidFill>
+          <a:latin typeface="+mn-lt"/>
+          <a:ea typeface="+mn-ea"/>
+          <a:cs typeface="+mn-cs"/>
+        </a:defRPr>
+      </a:lvl9pPr>
+    </p:otherStyle>
+  </p:txStyles>
 </p:sldMaster>
 </file>
 
 <file path=ppt/slides/slide1.xml><?xml version="1.0" encoding="utf-8"?>
-<p:sld xmlns:a="http://schemas.openxmlformats.org/drawingml/2006/main" xmlns:p="http://schemas.openxmlformats.org/presentationml/2006/main" xmlns:r="http://schemas.openxmlformats.org/officeDocument/2006/relationships" xmlns:p14="http://schemas.microsoft.com/office/powerpoint/2010/main" xmlns:p15="http://schemas.microsoft.com/office/powerpoint/2012/main" xmlns:mc="http://schemas.openxmlformats.org/markup-compatibility/2006">
+<p:sld xmlns:a="http://schemas.openxmlformats.org/drawingml/2006/main" xmlns:r="http://schemas.openxmlformats.org/officeDocument/2006/relationships" xmlns:p="http://schemas.openxmlformats.org/presentationml/2006/main">
   <p:cSld>
     <p:spTree>
       <p:nvGrpSpPr>
@@ -1133,14 +3880,15 @@
           </a:ln>
         </p:spPr>
         <p:txBody>
-          <a:bodyPr lIns="0" rIns="0" tIns="0" bIns="0" anchor="ctr">
+          <a:bodyPr lIns="0" tIns="0" rIns="0" bIns="0" anchor="ctr">
             <a:noAutofit/>
           </a:bodyPr>
+          <a:lstStyle/>
           <a:p>
             <a:pPr indent="0" algn="ctr">
               <a:buNone/>
             </a:pPr>
-            <a:endParaRPr b="0" lang="en-US" sz="1800" strike="noStrike" u="none">
+            <a:endParaRPr lang="en-US" sz="1800" b="0" u="none" strike="noStrike">
               <a:solidFill>
                 <a:srgbClr val="000000"/>
               </a:solidFill>
@@ -1174,9 +3922,10 @@
           </a:ln>
         </p:spPr>
         <p:txBody>
-          <a:bodyPr lIns="0" rIns="0" tIns="28440" bIns="0" anchor="t">
+          <a:bodyPr lIns="0" tIns="28440" rIns="0" bIns="0" anchor="t">
             <a:normAutofit/>
           </a:bodyPr>
+          <a:lstStyle/>
           <a:p>
             <a:pPr indent="0">
               <a:spcBef>
@@ -1184,7 +3933,7 @@
               </a:spcBef>
               <a:buNone/>
             </a:pPr>
-            <a:endParaRPr b="0" lang="en-US" sz="1800" strike="noStrike" u="none">
+            <a:endParaRPr lang="en-US" sz="1800" b="0" u="none" strike="noStrike">
               <a:solidFill>
                 <a:srgbClr val="000000"/>
               </a:solidFill>
@@ -1196,68 +3945,344 @@
       </p:sp>
     </p:spTree>
   </p:cSld>
-  <mc:AlternateContent>
-    <mc:Choice Requires="p14">
-      <p:transition spd="slow" p14:dur="2000"/>
-    </mc:Choice>
-    <mc:Fallback>
-      <p:transition spd="slow"/>
-    </mc:Fallback>
-  </mc:AlternateContent>
+  <p:clrMapOvr>
+    <a:masterClrMapping/>
+  </p:clrMapOvr>
 </p:sld>
 </file>
 
 <file path=ppt/theme/theme1.xml><?xml version="1.0" encoding="utf-8"?>
-<a:theme xmlns:a="http://schemas.openxmlformats.org/drawingml/2006/main" xmlns:r="http://schemas.openxmlformats.org/officeDocument/2006/relationships" name="Office">
+<a:theme xmlns:a="http://schemas.openxmlformats.org/drawingml/2006/main" name="Office Theme">
+  <a:themeElements>
+    <a:clrScheme name="Office">
+      <a:dk1>
+        <a:srgbClr val="000000"/>
+      </a:dk1>
+      <a:lt1>
+        <a:srgbClr val="FFFFFF"/>
+      </a:lt1>
+      <a:dk2>
+        <a:srgbClr val="1F497D"/>
+      </a:dk2>
+      <a:lt2>
+        <a:srgbClr val="EEECE1"/>
+      </a:lt2>
+      <a:accent1>
+        <a:srgbClr val="4F81BD"/>
+      </a:accent1>
+      <a:accent2>
+        <a:srgbClr val="C0504D"/>
+      </a:accent2>
+      <a:accent3>
+        <a:srgbClr val="9BBB59"/>
+      </a:accent3>
+      <a:accent4>
+        <a:srgbClr val="8064A2"/>
+      </a:accent4>
+      <a:accent5>
+        <a:srgbClr val="4BACC6"/>
+      </a:accent5>
+      <a:accent6>
+        <a:srgbClr val="F79646"/>
+      </a:accent6>
+      <a:hlink>
+        <a:srgbClr val="0000FF"/>
+      </a:hlink>
+      <a:folHlink>
+        <a:srgbClr val="800080"/>
+      </a:folHlink>
+    </a:clrScheme>
+    <a:fontScheme name="Office">
+      <a:majorFont>
+        <a:latin typeface="Arial"/>
+        <a:ea typeface=""/>
+        <a:cs typeface=""/>
+        <a:font script="Jpan" typeface="ＭＳ Ｐゴシック"/>
+        <a:font script="Hang" typeface="맑은 고딕"/>
+        <a:font script="Hans" typeface="宋体"/>
+        <a:font script="Hant" typeface="新細明體"/>
+        <a:font script="Arab" typeface="Times New Roman"/>
+        <a:font script="Hebr" typeface="Times New Roman"/>
+        <a:font script="Thai" typeface="Angsana New"/>
+        <a:font script="Ethi" typeface="Nyala"/>
+        <a:font script="Beng" typeface="Vrinda"/>
+        <a:font script="Gujr" typeface="Shruti"/>
+        <a:font script="Khmr" typeface="MoolBoran"/>
+        <a:font script="Knda" typeface="Tunga"/>
+        <a:font script="Guru" typeface="Raavi"/>
+        <a:font script="Cans" typeface="Euphemia"/>
+        <a:font script="Cher" typeface="Plantagenet Cherokee"/>
+        <a:font script="Yiii" typeface="Microsoft Yi Baiti"/>
+        <a:font script="Tibt" typeface="Microsoft Himalaya"/>
+        <a:font script="Thaa" typeface="MV Boli"/>
+        <a:font script="Deva" typeface="Mangal"/>
+        <a:font script="Telu" typeface="Gautami"/>
+        <a:font script="Taml" typeface="Latha"/>
+        <a:font script="Syrc" typeface="Estrangelo Edessa"/>
+        <a:font script="Orya" typeface="Kalinga"/>
+        <a:font script="Mlym" typeface="Kartika"/>
+        <a:font script="Laoo" typeface="DokChampa"/>
+        <a:font script="Sinh" typeface="Iskoola Pota"/>
+        <a:font script="Mong" typeface="Mongolian Baiti"/>
+        <a:font script="Viet" typeface="Times New Roman"/>
+        <a:font script="Uigh" typeface="Microsoft Uighur"/>
+        <a:font script="Geor" typeface="Sylfaen"/>
+      </a:majorFont>
+      <a:minorFont>
+        <a:latin typeface="Arial"/>
+        <a:ea typeface=""/>
+        <a:cs typeface=""/>
+        <a:font script="Jpan" typeface="ＭＳ Ｐゴシック"/>
+        <a:font script="Hang" typeface="맑은 고딕"/>
+        <a:font script="Hans" typeface="宋体"/>
+        <a:font script="Hant" typeface="新細明體"/>
+        <a:font script="Arab" typeface="Arial"/>
+        <a:font script="Hebr" typeface="Arial"/>
+        <a:font script="Thai" typeface="Cordia New"/>
+        <a:font script="Ethi" typeface="Nyala"/>
+        <a:font script="Beng" typeface="Vrinda"/>
+        <a:font script="Gujr" typeface="Shruti"/>
+        <a:font script="Khmr" typeface="DaunPenh"/>
+        <a:font script="Knda" typeface="Tunga"/>
+        <a:font script="Guru" typeface="Raavi"/>
+        <a:font script="Cans" typeface="Euphemia"/>
+        <a:font script="Cher" typeface="Plantagenet Cherokee"/>
+        <a:font script="Yiii" typeface="Microsoft Yi Baiti"/>
+        <a:font script="Tibt" typeface="Microsoft Himalaya"/>
+        <a:font script="Thaa" typeface="MV Boli"/>
+        <a:font script="Deva" typeface="Mangal"/>
+        <a:font script="Telu" typeface="Gautami"/>
+        <a:font script="Taml" typeface="Latha"/>
+        <a:font script="Syrc" typeface="Estrangelo Edessa"/>
+        <a:font script="Orya" typeface="Kalinga"/>
+        <a:font script="Mlym" typeface="Kartika"/>
+        <a:font script="Laoo" typeface="DokChampa"/>
+        <a:font script="Sinh" typeface="Iskoola Pota"/>
+        <a:font script="Mong" typeface="Mongolian Baiti"/>
+        <a:font script="Viet" typeface="Arial"/>
+        <a:font script="Uigh" typeface="Microsoft Uighur"/>
+        <a:font script="Geor" typeface="Sylfaen"/>
+      </a:minorFont>
+    </a:fontScheme>
+    <a:fmtScheme name="Office">
+      <a:fillStyleLst>
+        <a:solidFill>
+          <a:schemeClr val="phClr"/>
+        </a:solidFill>
+        <a:gradFill rotWithShape="1">
+          <a:gsLst>
+            <a:gs pos="0">
+              <a:schemeClr val="phClr">
+                <a:tint val="50000"/>
+                <a:satMod val="300000"/>
+              </a:schemeClr>
+            </a:gs>
+            <a:gs pos="35000">
+              <a:schemeClr val="phClr">
+                <a:tint val="37000"/>
+                <a:satMod val="300000"/>
+              </a:schemeClr>
+            </a:gs>
+            <a:gs pos="100000">
+              <a:schemeClr val="phClr">
+                <a:tint val="15000"/>
+                <a:satMod val="350000"/>
+              </a:schemeClr>
+            </a:gs>
+          </a:gsLst>
+          <a:lin ang="16200000" scaled="1"/>
+        </a:gradFill>
+        <a:gradFill rotWithShape="1">
+          <a:gsLst>
+            <a:gs pos="0">
+              <a:schemeClr val="phClr">
+                <a:tint val="100000"/>
+                <a:shade val="100000"/>
+                <a:satMod val="130000"/>
+              </a:schemeClr>
+            </a:gs>
+            <a:gs pos="100000">
+              <a:schemeClr val="phClr">
+                <a:tint val="50000"/>
+                <a:shade val="100000"/>
+                <a:satMod val="350000"/>
+              </a:schemeClr>
+            </a:gs>
+          </a:gsLst>
+          <a:lin ang="16200000" scaled="0"/>
+        </a:gradFill>
+      </a:fillStyleLst>
+      <a:lnStyleLst>
+        <a:ln w="9525" cap="flat" cmpd="sng" algn="ctr">
+          <a:solidFill>
+            <a:schemeClr val="phClr">
+              <a:shade val="95000"/>
+              <a:satMod val="105000"/>
+            </a:schemeClr>
+          </a:solidFill>
+          <a:prstDash val="solid"/>
+        </a:ln>
+        <a:ln w="25400" cap="flat" cmpd="sng" algn="ctr">
+          <a:solidFill>
+            <a:schemeClr val="phClr"/>
+          </a:solidFill>
+          <a:prstDash val="solid"/>
+        </a:ln>
+        <a:ln w="38100" cap="flat" cmpd="sng" algn="ctr">
+          <a:solidFill>
+            <a:schemeClr val="phClr"/>
+          </a:solidFill>
+          <a:prstDash val="solid"/>
+        </a:ln>
+      </a:lnStyleLst>
+      <a:effectStyleLst>
+        <a:effectStyle>
+          <a:effectLst>
+            <a:outerShdw blurRad="40000" dist="20000" dir="5400000" rotWithShape="0">
+              <a:srgbClr val="000000">
+                <a:alpha val="38000"/>
+              </a:srgbClr>
+            </a:outerShdw>
+          </a:effectLst>
+        </a:effectStyle>
+        <a:effectStyle>
+          <a:effectLst>
+            <a:outerShdw blurRad="40000" dist="23000" dir="5400000" rotWithShape="0">
+              <a:srgbClr val="000000">
+                <a:alpha val="35000"/>
+              </a:srgbClr>
+            </a:outerShdw>
+          </a:effectLst>
+        </a:effectStyle>
+        <a:effectStyle>
+          <a:effectLst>
+            <a:outerShdw blurRad="40000" dist="23000" dir="5400000" rotWithShape="0">
+              <a:srgbClr val="000000">
+                <a:alpha val="35000"/>
+              </a:srgbClr>
+            </a:outerShdw>
+          </a:effectLst>
+          <a:scene3d>
+            <a:camera prst="orthographicFront">
+              <a:rot lat="0" lon="0" rev="0"/>
+            </a:camera>
+            <a:lightRig rig="threePt" dir="t">
+              <a:rot lat="0" lon="0" rev="1200000"/>
+            </a:lightRig>
+          </a:scene3d>
+          <a:sp3d>
+            <a:bevelT w="63500" h="25400"/>
+          </a:sp3d>
+        </a:effectStyle>
+      </a:effectStyleLst>
+      <a:bgFillStyleLst>
+        <a:solidFill>
+          <a:schemeClr val="phClr"/>
+        </a:solidFill>
+        <a:gradFill rotWithShape="1">
+          <a:gsLst>
+            <a:gs pos="0">
+              <a:schemeClr val="phClr">
+                <a:tint val="40000"/>
+                <a:satMod val="350000"/>
+              </a:schemeClr>
+            </a:gs>
+            <a:gs pos="40000">
+              <a:schemeClr val="phClr">
+                <a:tint val="45000"/>
+                <a:shade val="99000"/>
+                <a:satMod val="350000"/>
+              </a:schemeClr>
+            </a:gs>
+            <a:gs pos="100000">
+              <a:schemeClr val="phClr">
+                <a:shade val="20000"/>
+                <a:satMod val="255000"/>
+              </a:schemeClr>
+            </a:gs>
+          </a:gsLst>
+          <a:path path="circle">
+            <a:fillToRect l="50000" t="-80000" r="50000" b="180000"/>
+          </a:path>
+        </a:gradFill>
+        <a:gradFill rotWithShape="1">
+          <a:gsLst>
+            <a:gs pos="0">
+              <a:schemeClr val="phClr">
+                <a:tint val="80000"/>
+                <a:satMod val="300000"/>
+              </a:schemeClr>
+            </a:gs>
+            <a:gs pos="100000">
+              <a:schemeClr val="phClr">
+                <a:shade val="30000"/>
+                <a:satMod val="200000"/>
+              </a:schemeClr>
+            </a:gs>
+          </a:gsLst>
+          <a:path path="circle">
+            <a:fillToRect l="50000" t="50000" r="50000" b="50000"/>
+          </a:path>
+        </a:gradFill>
+      </a:bgFillStyleLst>
+    </a:fmtScheme>
+  </a:themeElements>
+  <a:objectDefaults/>
+  <a:extraClrSchemeLst/>
+</a:theme>
+</file>
+
+<file path=ppt/theme/theme2.xml><?xml version="1.0" encoding="utf-8"?>
+<a:theme xmlns:a="http://schemas.openxmlformats.org/drawingml/2006/main" name="Office">
   <a:themeElements>
     <a:clrScheme name="LibreOffice">
       <a:dk1>
         <a:srgbClr val="000000"/>
       </a:dk1>
       <a:lt1>
-        <a:srgbClr val="ffffff"/>
+        <a:srgbClr val="FFFFFF"/>
       </a:lt1>
       <a:dk2>
         <a:srgbClr val="000000"/>
       </a:dk2>
       <a:lt2>
-        <a:srgbClr val="ffffff"/>
+        <a:srgbClr val="FFFFFF"/>
       </a:lt2>
       <a:accent1>
-        <a:srgbClr val="18a303"/>
+        <a:srgbClr val="18A303"/>
       </a:accent1>
       <a:accent2>
-        <a:srgbClr val="0369a3"/>
+        <a:srgbClr val="0369A3"/>
       </a:accent2>
       <a:accent3>
-        <a:srgbClr val="a33e03"/>
+        <a:srgbClr val="A33E03"/>
       </a:accent3>
       <a:accent4>
-        <a:srgbClr val="8e03a3"/>
+        <a:srgbClr val="8E03A3"/>
       </a:accent4>
       <a:accent5>
-        <a:srgbClr val="c99c00"/>
+        <a:srgbClr val="C99C00"/>
       </a:accent5>
       <a:accent6>
-        <a:srgbClr val="c9211e"/>
+        <a:srgbClr val="C9211E"/>
       </a:accent6>
       <a:hlink>
-        <a:srgbClr val="0000ee"/>
+        <a:srgbClr val="0000EE"/>
       </a:hlink>
       <a:folHlink>
-        <a:srgbClr val="551a8b"/>
+        <a:srgbClr val="551A8B"/>
       </a:folHlink>
     </a:clrScheme>
     <a:fontScheme name="Office">
       <a:majorFont>
-        <a:latin typeface="Arial" pitchFamily="0" charset="1"/>
-        <a:ea typeface="DejaVu Sans" pitchFamily="0" charset="1"/>
-        <a:cs typeface="DejaVu Sans" pitchFamily="0" charset="1"/>
+        <a:latin typeface="Arial"/>
+        <a:ea typeface="DejaVu Sans"/>
+        <a:cs typeface="DejaVu Sans"/>
       </a:majorFont>
       <a:minorFont>
-        <a:latin typeface="Arial" pitchFamily="0" charset="1"/>
-        <a:ea typeface="DejaVu Sans" pitchFamily="0" charset="1"/>
-        <a:cs typeface="DejaVu Sans" pitchFamily="0" charset="1"/>
+        <a:latin typeface="Arial"/>
+        <a:ea typeface="DejaVu Sans"/>
+        <a:cs typeface="DejaVu Sans"/>
       </a:minorFont>
     </a:fontScheme>
     <a:fmtScheme>
@@ -1310,5 +4335,7 @@
       </a:bgFillStyleLst>
     </a:fmtScheme>
   </a:themeElements>
+  <a:objectDefaults/>
+  <a:extraClrSchemeLst/>
 </a:theme>
 </file>
--- a/ppt/Zeng_Can.pptx
+++ b/ppt/Zeng_Can.pptx
@@ -42,7 +42,7 @@
         <p:spPr>
           <a:xfrm>
             <a:off x="456840" y="549000"/>
-            <a:ext cx="7311240" cy="910440"/>
+            <a:ext cx="7310880" cy="910080"/>
           </a:xfrm>
           <a:prstGeom prst="rect">
             <a:avLst/>
@@ -83,7 +83,7 @@
         <p:spPr>
           <a:xfrm>
             <a:off x="456840" y="1828440"/>
-            <a:ext cx="9140040" cy="4568040"/>
+            <a:ext cx="9139680" cy="4567680"/>
           </a:xfrm>
           <a:prstGeom prst="rect">
             <a:avLst/>
@@ -151,8 +151,8 @@
         </p:nvSpPr>
         <p:spPr>
           <a:xfrm flipV="1">
-            <a:off x="236520" y="204480"/>
-            <a:ext cx="9540000" cy="153360"/>
+            <a:off x="236520" y="203400"/>
+            <a:ext cx="9539640" cy="153000"/>
           </a:xfrm>
           <a:prstGeom prst="rect">
             <a:avLst/>
@@ -211,8 +211,8 @@
         </p:nvSpPr>
         <p:spPr>
           <a:xfrm>
-            <a:off x="6703560" y="7078680"/>
-            <a:ext cx="694440" cy="256320"/>
+            <a:off x="5943600" y="7077600"/>
+            <a:ext cx="694080" cy="255960"/>
           </a:xfrm>
           <a:prstGeom prst="rect">
             <a:avLst/>
@@ -247,7 +247,7 @@
                 <a:tab algn="l" pos="0"/>
               </a:tabLst>
             </a:pPr>
-            <a:fld id="{DE7B2DA1-12C3-4086-BFEA-ABBBC8034379}" type="slidenum">
+            <a:fld id="{00BBAA12-D779-4D1E-A8BF-4A2BB1C21117}" type="slidenum">
               <a:rPr b="0" lang="en-US" sz="1200" strike="noStrike" u="none">
                 <a:solidFill>
                   <a:srgbClr val="000000"/>
@@ -256,7 +256,7 @@
                 <a:latin typeface="Arial"/>
                 <a:ea typeface="DejaVu Sans"/>
               </a:rPr>
-              <a:t>1</a:t>
+              <a:t>&lt;编号&gt;</a:t>
             </a:fld>
             <a:endParaRPr b="0" lang="en-US" sz="1200" strike="noStrike" u="none">
               <a:solidFill>
@@ -367,7 +367,7 @@
         <p:spPr>
           <a:xfrm>
             <a:off x="7365960" y="7116840"/>
-            <a:ext cx="2358360" cy="378720"/>
+            <a:ext cx="2358000" cy="378360"/>
           </a:xfrm>
           <a:prstGeom prst="rect">
             <a:avLst/>
@@ -390,7 +390,7 @@
         <p:spPr>
           <a:xfrm>
             <a:off x="7845480" y="541440"/>
-            <a:ext cx="2220120" cy="916920"/>
+            <a:ext cx="2219760" cy="916560"/>
           </a:xfrm>
           <a:prstGeom prst="rect">
             <a:avLst/>
@@ -409,7 +409,7 @@
         <p:spPr>
           <a:xfrm>
             <a:off x="260280" y="7078680"/>
-            <a:ext cx="1083600" cy="266040"/>
+            <a:ext cx="1083240" cy="265680"/>
           </a:xfrm>
           <a:prstGeom prst="rect">
             <a:avLst/>
@@ -498,7 +498,7 @@
         <p:spPr>
           <a:xfrm>
             <a:off x="1158840" y="7078680"/>
-            <a:ext cx="3625200" cy="435960"/>
+            <a:ext cx="3624840" cy="435600"/>
           </a:xfrm>
           <a:prstGeom prst="rect">
             <a:avLst/>
@@ -524,7 +524,85 @@
                 <a:spcPct val="100000"/>
               </a:lnSpc>
               <a:spcBef>
-                <a:spcPts val="74"/>
+                <a:spcPts val="1191"/>
+              </a:spcBef>
+              <a:spcAft>
+                <a:spcPts val="992"/>
+              </a:spcAft>
+              <a:tabLst>
+                <a:tab algn="l" pos="0"/>
+                <a:tab algn="l" pos="914400"/>
+                <a:tab algn="l" pos="1828800"/>
+                <a:tab algn="l" pos="2743200"/>
+                <a:tab algn="l" pos="3657600"/>
+                <a:tab algn="l" pos="4572000"/>
+                <a:tab algn="l" pos="5486400"/>
+                <a:tab algn="l" pos="6400800"/>
+                <a:tab algn="l" pos="7315200"/>
+                <a:tab algn="l" pos="8229600"/>
+                <a:tab algn="l" pos="9144000"/>
+                <a:tab algn="l" pos="10058400"/>
+                <a:tab algn="l" pos="10333080"/>
+                <a:tab algn="l" pos="10782360"/>
+              </a:tabLst>
+            </a:pPr>
+            <a:r>
+              <a:rPr b="0" lang="en-US" sz="1200" strike="noStrike" u="none">
+                <a:solidFill>
+                  <a:srgbClr val="000000"/>
+                </a:solidFill>
+                <a:uFillTx/>
+                <a:latin typeface="Arial"/>
+                <a:ea typeface="DejaVu Sans"/>
+              </a:rPr>
+              <a:t>Charging Station Upgrade to OCPP Communication for Smart Charging </a:t>
+            </a:r>
+            <a:endParaRPr b="0" lang="en-US" sz="1200" strike="noStrike" u="none">
+              <a:solidFill>
+                <a:srgbClr val="000000"/>
+              </a:solidFill>
+              <a:uFillTx/>
+              <a:latin typeface="Arial"/>
+            </a:endParaRPr>
+          </a:p>
+        </p:txBody>
+      </p:sp>
+      <p:sp>
+        <p:nvSpPr>
+          <p:cNvPr id="8" name=""/>
+          <p:cNvSpPr/>
+          <p:nvPr/>
+        </p:nvSpPr>
+        <p:spPr>
+          <a:xfrm>
+            <a:off x="3620880" y="7077600"/>
+            <a:ext cx="1972440" cy="417960"/>
+          </a:xfrm>
+          <a:prstGeom prst="rect">
+            <a:avLst/>
+          </a:prstGeom>
+          <a:noFill/>
+          <a:ln w="0">
+            <a:noFill/>
+          </a:ln>
+        </p:spPr>
+        <p:style>
+          <a:lnRef idx="0"/>
+          <a:fillRef idx="0"/>
+          <a:effectRef idx="0"/>
+          <a:fontRef idx="minor"/>
+        </p:style>
+        <p:txBody>
+          <a:bodyPr wrap="none" lIns="90000" rIns="90000" tIns="45000" bIns="45000" anchor="t">
+            <a:noAutofit/>
+          </a:bodyPr>
+          <a:p>
+            <a:pPr>
+              <a:lnSpc>
+                <a:spcPct val="100000"/>
+              </a:lnSpc>
+              <a:spcBef>
+                <a:spcPts val="26"/>
               </a:spcBef>
               <a:spcAft>
                 <a:spcPts val="26"/>
@@ -555,7 +633,7 @@
                 <a:latin typeface="Arial"/>
                 <a:ea typeface="DejaVu Sans"/>
               </a:rPr>
-              <a:t>Ladesäulen-Aufrüstung auf OCPP-Kommunikation </a:t>
+              <a:t>| Junfan Jin, Can Zeng, </a:t>
             </a:r>
             <a:endParaRPr b="0" lang="en-US" sz="1200" strike="noStrike" u="none">
               <a:solidFill>
@@ -571,7 +649,7 @@
                 <a:spcPct val="100000"/>
               </a:lnSpc>
               <a:spcBef>
-                <a:spcPts val="74"/>
+                <a:spcPts val="26"/>
               </a:spcBef>
               <a:spcAft>
                 <a:spcPts val="26"/>
@@ -602,131 +680,6 @@
                 <a:latin typeface="Arial"/>
                 <a:ea typeface="DejaVu Sans"/>
               </a:rPr>
-              <a:t>für Intelligentes Laden</a:t>
-            </a:r>
-            <a:endParaRPr b="0" lang="en-US" sz="1200" strike="noStrike" u="none">
-              <a:solidFill>
-                <a:srgbClr val="000000"/>
-              </a:solidFill>
-              <a:uFillTx/>
-              <a:latin typeface="Arial"/>
-            </a:endParaRPr>
-          </a:p>
-        </p:txBody>
-      </p:sp>
-      <p:sp>
-        <p:nvSpPr>
-          <p:cNvPr id="8" name=""/>
-          <p:cNvSpPr/>
-          <p:nvPr/>
-        </p:nvSpPr>
-        <p:spPr>
-          <a:xfrm>
-            <a:off x="4619520" y="7078680"/>
-            <a:ext cx="1972800" cy="418320"/>
-          </a:xfrm>
-          <a:prstGeom prst="rect">
-            <a:avLst/>
-          </a:prstGeom>
-          <a:noFill/>
-          <a:ln w="0">
-            <a:noFill/>
-          </a:ln>
-        </p:spPr>
-        <p:style>
-          <a:lnRef idx="0"/>
-          <a:fillRef idx="0"/>
-          <a:effectRef idx="0"/>
-          <a:fontRef idx="minor"/>
-        </p:style>
-        <p:txBody>
-          <a:bodyPr wrap="none" lIns="90000" rIns="90000" tIns="45000" bIns="45000" anchor="t">
-            <a:noAutofit/>
-          </a:bodyPr>
-          <a:p>
-            <a:pPr>
-              <a:lnSpc>
-                <a:spcPct val="100000"/>
-              </a:lnSpc>
-              <a:spcBef>
-                <a:spcPts val="26"/>
-              </a:spcBef>
-              <a:spcAft>
-                <a:spcPts val="26"/>
-              </a:spcAft>
-              <a:tabLst>
-                <a:tab algn="l" pos="0"/>
-                <a:tab algn="l" pos="914400"/>
-                <a:tab algn="l" pos="1828800"/>
-                <a:tab algn="l" pos="2743200"/>
-                <a:tab algn="l" pos="3657600"/>
-                <a:tab algn="l" pos="4572000"/>
-                <a:tab algn="l" pos="5486400"/>
-                <a:tab algn="l" pos="6400800"/>
-                <a:tab algn="l" pos="7315200"/>
-                <a:tab algn="l" pos="8229600"/>
-                <a:tab algn="l" pos="9144000"/>
-                <a:tab algn="l" pos="10058400"/>
-                <a:tab algn="l" pos="10333080"/>
-                <a:tab algn="l" pos="10782360"/>
-              </a:tabLst>
-            </a:pPr>
-            <a:r>
-              <a:rPr b="0" lang="en-US" sz="1200" strike="noStrike" u="none">
-                <a:solidFill>
-                  <a:srgbClr val="000000"/>
-                </a:solidFill>
-                <a:uFillTx/>
-                <a:latin typeface="Arial"/>
-                <a:ea typeface="DejaVu Sans"/>
-              </a:rPr>
-              <a:t>| Junfan Jin, Can Zeng, </a:t>
-            </a:r>
-            <a:endParaRPr b="0" lang="en-US" sz="1200" strike="noStrike" u="none">
-              <a:solidFill>
-                <a:srgbClr val="000000"/>
-              </a:solidFill>
-              <a:uFillTx/>
-              <a:latin typeface="Arial"/>
-            </a:endParaRPr>
-          </a:p>
-          <a:p>
-            <a:pPr>
-              <a:lnSpc>
-                <a:spcPct val="100000"/>
-              </a:lnSpc>
-              <a:spcBef>
-                <a:spcPts val="26"/>
-              </a:spcBef>
-              <a:spcAft>
-                <a:spcPts val="26"/>
-              </a:spcAft>
-              <a:tabLst>
-                <a:tab algn="l" pos="0"/>
-                <a:tab algn="l" pos="914400"/>
-                <a:tab algn="l" pos="1828800"/>
-                <a:tab algn="l" pos="2743200"/>
-                <a:tab algn="l" pos="3657600"/>
-                <a:tab algn="l" pos="4572000"/>
-                <a:tab algn="l" pos="5486400"/>
-                <a:tab algn="l" pos="6400800"/>
-                <a:tab algn="l" pos="7315200"/>
-                <a:tab algn="l" pos="8229600"/>
-                <a:tab algn="l" pos="9144000"/>
-                <a:tab algn="l" pos="10058400"/>
-                <a:tab algn="l" pos="10333080"/>
-                <a:tab algn="l" pos="10782360"/>
-              </a:tabLst>
-            </a:pPr>
-            <a:r>
-              <a:rPr b="0" lang="en-US" sz="1200" strike="noStrike" u="none">
-                <a:solidFill>
-                  <a:srgbClr val="000000"/>
-                </a:solidFill>
-                <a:uFillTx/>
-                <a:latin typeface="Arial"/>
-                <a:ea typeface="DejaVu Sans"/>
-              </a:rPr>
               <a:t>  </a:t>
             </a:r>
             <a:r>
@@ -806,7 +759,7 @@
         <p:spPr>
           <a:xfrm>
             <a:off x="456840" y="549000"/>
-            <a:ext cx="7311240" cy="910440"/>
+            <a:ext cx="7310880" cy="910080"/>
           </a:xfrm>
           <a:prstGeom prst="rect">
             <a:avLst/>
@@ -857,7 +810,7 @@
         <p:spPr>
           <a:xfrm>
             <a:off x="456840" y="1828440"/>
-            <a:ext cx="9140040" cy="4568040"/>
+            <a:ext cx="9139680" cy="4567680"/>
           </a:xfrm>
           <a:prstGeom prst="rect">
             <a:avLst/>
@@ -1122,7 +1075,7 @@
         <p:spPr>
           <a:xfrm>
             <a:off x="382680" y="541440"/>
-            <a:ext cx="7470000" cy="943920"/>
+            <a:ext cx="7469640" cy="943560"/>
           </a:xfrm>
           <a:prstGeom prst="rect">
             <a:avLst/>
@@ -1163,7 +1116,7 @@
         <p:spPr>
           <a:xfrm>
             <a:off x="334440" y="1731600"/>
-            <a:ext cx="9378360" cy="5187240"/>
+            <a:ext cx="9378000" cy="5186880"/>
           </a:xfrm>
           <a:prstGeom prst="rect">
             <a:avLst/>

--- a/ppt/Zeng_Can.pptx
+++ b/ppt/Zeng_Can.pptx
@@ -1,19 +1,1971 @@
 
 <file path=ppt/presentation.xml><?xml version="1.0" encoding="utf-8"?>
-<p:presentation xmlns:a="http://schemas.openxmlformats.org/drawingml/2006/main" xmlns:p="http://schemas.openxmlformats.org/presentationml/2006/main" xmlns:r="http://schemas.openxmlformats.org/officeDocument/2006/relationships" xmlns:p14="http://schemas.microsoft.com/office/powerpoint/2010/main" xmlns:p15="http://schemas.microsoft.com/office/powerpoint/2012/main" xmlns:mc="http://schemas.openxmlformats.org/markup-compatibility/2006">
+<p:presentation xmlns:a="http://schemas.openxmlformats.org/drawingml/2006/main" xmlns:r="http://schemas.openxmlformats.org/officeDocument/2006/relationships" xmlns:p="http://schemas.openxmlformats.org/presentationml/2006/main">
   <p:sldMasterIdLst>
-    <p:sldMasterId id="2147483648" r:id="rId2"/>
+    <p:sldMasterId id="2147483648" r:id="rId1"/>
   </p:sldMasterIdLst>
+  <p:notesMasterIdLst>
+    <p:notesMasterId r:id="rId11"/>
+  </p:notesMasterIdLst>
   <p:sldIdLst>
-    <p:sldId id="256" r:id="rId3"/>
+    <p:sldId id="256" r:id="rId2"/>
+    <p:sldId id="257" r:id="rId3"/>
+    <p:sldId id="258" r:id="rId4"/>
+    <p:sldId id="259" r:id="rId5"/>
+    <p:sldId id="260" r:id="rId6"/>
+    <p:sldId id="261" r:id="rId7"/>
+    <p:sldId id="262" r:id="rId8"/>
+    <p:sldId id="264" r:id="rId9"/>
+    <p:sldId id="263" r:id="rId10"/>
   </p:sldIdLst>
   <p:sldSz cx="10080625" cy="7559675"/>
   <p:notesSz cx="7559675" cy="10691813"/>
+  <p:defaultTextStyle>
+    <a:defPPr>
+      <a:defRPr lang="zh-CN"/>
+    </a:defPPr>
+    <a:lvl1pPr marL="0" algn="l" defTabSz="914400" rtl="0" eaLnBrk="1" latinLnBrk="0" hangingPunct="1">
+      <a:defRPr sz="1800" kern="1200">
+        <a:solidFill>
+          <a:schemeClr val="tx1"/>
+        </a:solidFill>
+        <a:latin typeface="+mn-lt"/>
+        <a:ea typeface="+mn-ea"/>
+        <a:cs typeface="+mn-cs"/>
+      </a:defRPr>
+    </a:lvl1pPr>
+    <a:lvl2pPr marL="457200" algn="l" defTabSz="914400" rtl="0" eaLnBrk="1" latinLnBrk="0" hangingPunct="1">
+      <a:defRPr sz="1800" kern="1200">
+        <a:solidFill>
+          <a:schemeClr val="tx1"/>
+        </a:solidFill>
+        <a:latin typeface="+mn-lt"/>
+        <a:ea typeface="+mn-ea"/>
+        <a:cs typeface="+mn-cs"/>
+      </a:defRPr>
+    </a:lvl2pPr>
+    <a:lvl3pPr marL="914400" algn="l" defTabSz="914400" rtl="0" eaLnBrk="1" latinLnBrk="0" hangingPunct="1">
+      <a:defRPr sz="1800" kern="1200">
+        <a:solidFill>
+          <a:schemeClr val="tx1"/>
+        </a:solidFill>
+        <a:latin typeface="+mn-lt"/>
+        <a:ea typeface="+mn-ea"/>
+        <a:cs typeface="+mn-cs"/>
+      </a:defRPr>
+    </a:lvl3pPr>
+    <a:lvl4pPr marL="1371600" algn="l" defTabSz="914400" rtl="0" eaLnBrk="1" latinLnBrk="0" hangingPunct="1">
+      <a:defRPr sz="1800" kern="1200">
+        <a:solidFill>
+          <a:schemeClr val="tx1"/>
+        </a:solidFill>
+        <a:latin typeface="+mn-lt"/>
+        <a:ea typeface="+mn-ea"/>
+        <a:cs typeface="+mn-cs"/>
+      </a:defRPr>
+    </a:lvl4pPr>
+    <a:lvl5pPr marL="1828800" algn="l" defTabSz="914400" rtl="0" eaLnBrk="1" latinLnBrk="0" hangingPunct="1">
+      <a:defRPr sz="1800" kern="1200">
+        <a:solidFill>
+          <a:schemeClr val="tx1"/>
+        </a:solidFill>
+        <a:latin typeface="+mn-lt"/>
+        <a:ea typeface="+mn-ea"/>
+        <a:cs typeface="+mn-cs"/>
+      </a:defRPr>
+    </a:lvl5pPr>
+    <a:lvl6pPr marL="2286000" algn="l" defTabSz="914400" rtl="0" eaLnBrk="1" latinLnBrk="0" hangingPunct="1">
+      <a:defRPr sz="1800" kern="1200">
+        <a:solidFill>
+          <a:schemeClr val="tx1"/>
+        </a:solidFill>
+        <a:latin typeface="+mn-lt"/>
+        <a:ea typeface="+mn-ea"/>
+        <a:cs typeface="+mn-cs"/>
+      </a:defRPr>
+    </a:lvl6pPr>
+    <a:lvl7pPr marL="2743200" algn="l" defTabSz="914400" rtl="0" eaLnBrk="1" latinLnBrk="0" hangingPunct="1">
+      <a:defRPr sz="1800" kern="1200">
+        <a:solidFill>
+          <a:schemeClr val="tx1"/>
+        </a:solidFill>
+        <a:latin typeface="+mn-lt"/>
+        <a:ea typeface="+mn-ea"/>
+        <a:cs typeface="+mn-cs"/>
+      </a:defRPr>
+    </a:lvl7pPr>
+    <a:lvl8pPr marL="3200400" algn="l" defTabSz="914400" rtl="0" eaLnBrk="1" latinLnBrk="0" hangingPunct="1">
+      <a:defRPr sz="1800" kern="1200">
+        <a:solidFill>
+          <a:schemeClr val="tx1"/>
+        </a:solidFill>
+        <a:latin typeface="+mn-lt"/>
+        <a:ea typeface="+mn-ea"/>
+        <a:cs typeface="+mn-cs"/>
+      </a:defRPr>
+    </a:lvl8pPr>
+    <a:lvl9pPr marL="3657600" algn="l" defTabSz="914400" rtl="0" eaLnBrk="1" latinLnBrk="0" hangingPunct="1">
+      <a:defRPr sz="1800" kern="1200">
+        <a:solidFill>
+          <a:schemeClr val="tx1"/>
+        </a:solidFill>
+        <a:latin typeface="+mn-lt"/>
+        <a:ea typeface="+mn-ea"/>
+        <a:cs typeface="+mn-cs"/>
+      </a:defRPr>
+    </a:lvl9pPr>
+  </p:defaultTextStyle>
+  <p:extLst>
+    <p:ext uri="{EFAFB233-063F-42B5-8137-9DF3F51BA10A}">
+      <p15:sldGuideLst xmlns:p15="http://schemas.microsoft.com/office/powerpoint/2012/main"/>
+    </p:ext>
+  </p:extLst>
 </p:presentation>
 </file>
 
+<file path=ppt/notesMasters/notesMaster1.xml><?xml version="1.0" encoding="utf-8"?>
+<p:notesMaster xmlns:a="http://schemas.openxmlformats.org/drawingml/2006/main" xmlns:r="http://schemas.openxmlformats.org/officeDocument/2006/relationships" xmlns:p="http://schemas.openxmlformats.org/presentationml/2006/main">
+  <p:cSld>
+    <p:bg>
+      <p:bgRef idx="1001">
+        <a:schemeClr val="bg1"/>
+      </p:bgRef>
+    </p:bg>
+    <p:spTree>
+      <p:nvGrpSpPr>
+        <p:cNvPr id="1" name=""/>
+        <p:cNvGrpSpPr/>
+        <p:nvPr/>
+      </p:nvGrpSpPr>
+      <p:grpSpPr>
+        <a:xfrm>
+          <a:off x="0" y="0"/>
+          <a:ext cx="0" cy="0"/>
+          <a:chOff x="0" y="0"/>
+          <a:chExt cx="0" cy="0"/>
+        </a:xfrm>
+      </p:grpSpPr>
+      <p:sp>
+        <p:nvSpPr>
+          <p:cNvPr id="2" name="页眉占位符 1"/>
+          <p:cNvSpPr>
+            <a:spLocks noGrp="1"/>
+          </p:cNvSpPr>
+          <p:nvPr>
+            <p:ph type="hdr" sz="quarter"/>
+          </p:nvPr>
+        </p:nvSpPr>
+        <p:spPr>
+          <a:xfrm>
+            <a:off x="0" y="0"/>
+            <a:ext cx="3276600" cy="536575"/>
+          </a:xfrm>
+          <a:prstGeom prst="rect">
+            <a:avLst/>
+          </a:prstGeom>
+        </p:spPr>
+        <p:txBody>
+          <a:bodyPr vert="horz" lIns="91440" tIns="45720" rIns="91440" bIns="45720" rtlCol="0"/>
+          <a:lstStyle>
+            <a:lvl1pPr algn="l">
+              <a:defRPr sz="1200"/>
+            </a:lvl1pPr>
+          </a:lstStyle>
+          <a:p>
+            <a:endParaRPr lang="zh-CN" altLang="en-US"/>
+          </a:p>
+        </p:txBody>
+      </p:sp>
+      <p:sp>
+        <p:nvSpPr>
+          <p:cNvPr id="3" name="日期占位符 2"/>
+          <p:cNvSpPr>
+            <a:spLocks noGrp="1"/>
+          </p:cNvSpPr>
+          <p:nvPr>
+            <p:ph type="dt" idx="1"/>
+          </p:nvPr>
+        </p:nvSpPr>
+        <p:spPr>
+          <a:xfrm>
+            <a:off x="4281488" y="0"/>
+            <a:ext cx="3276600" cy="536575"/>
+          </a:xfrm>
+          <a:prstGeom prst="rect">
+            <a:avLst/>
+          </a:prstGeom>
+        </p:spPr>
+        <p:txBody>
+          <a:bodyPr vert="horz" lIns="91440" tIns="45720" rIns="91440" bIns="45720" rtlCol="0"/>
+          <a:lstStyle>
+            <a:lvl1pPr algn="r">
+              <a:defRPr sz="1200"/>
+            </a:lvl1pPr>
+          </a:lstStyle>
+          <a:p>
+            <a:fld id="{A6CC78DB-6CE6-4200-807F-16C69AB204D3}" type="datetimeFigureOut">
+              <a:rPr lang="zh-CN" altLang="en-US" smtClean="0"/>
+              <a:t>2025/5/4</a:t>
+            </a:fld>
+            <a:endParaRPr lang="zh-CN" altLang="en-US"/>
+          </a:p>
+        </p:txBody>
+      </p:sp>
+      <p:sp>
+        <p:nvSpPr>
+          <p:cNvPr id="4" name="幻灯片图像占位符 3"/>
+          <p:cNvSpPr>
+            <a:spLocks noGrp="1" noRot="1" noChangeAspect="1"/>
+          </p:cNvSpPr>
+          <p:nvPr>
+            <p:ph type="sldImg" idx="2"/>
+          </p:nvPr>
+        </p:nvSpPr>
+        <p:spPr>
+          <a:xfrm>
+            <a:off x="1374775" y="1336675"/>
+            <a:ext cx="4810125" cy="3608388"/>
+          </a:xfrm>
+          <a:prstGeom prst="rect">
+            <a:avLst/>
+          </a:prstGeom>
+          <a:noFill/>
+          <a:ln w="12700">
+            <a:solidFill>
+              <a:prstClr val="black"/>
+            </a:solidFill>
+          </a:ln>
+        </p:spPr>
+        <p:txBody>
+          <a:bodyPr vert="horz" lIns="91440" tIns="45720" rIns="91440" bIns="45720" rtlCol="0" anchor="ctr"/>
+          <a:lstStyle/>
+          <a:p>
+            <a:endParaRPr lang="zh-CN" altLang="en-US"/>
+          </a:p>
+        </p:txBody>
+      </p:sp>
+      <p:sp>
+        <p:nvSpPr>
+          <p:cNvPr id="5" name="备注占位符 4"/>
+          <p:cNvSpPr>
+            <a:spLocks noGrp="1"/>
+          </p:cNvSpPr>
+          <p:nvPr>
+            <p:ph type="body" sz="quarter" idx="3"/>
+          </p:nvPr>
+        </p:nvSpPr>
+        <p:spPr>
+          <a:xfrm>
+            <a:off x="755650" y="5145088"/>
+            <a:ext cx="6048375" cy="4210050"/>
+          </a:xfrm>
+          <a:prstGeom prst="rect">
+            <a:avLst/>
+          </a:prstGeom>
+        </p:spPr>
+        <p:txBody>
+          <a:bodyPr vert="horz" lIns="91440" tIns="45720" rIns="91440" bIns="45720" rtlCol="0"/>
+          <a:lstStyle/>
+          <a:p>
+            <a:pPr lvl="0"/>
+            <a:r>
+              <a:rPr lang="zh-CN" altLang="en-US"/>
+              <a:t>单击此处编辑母版文本样式</a:t>
+            </a:r>
+          </a:p>
+          <a:p>
+            <a:pPr lvl="1"/>
+            <a:r>
+              <a:rPr lang="zh-CN" altLang="en-US"/>
+              <a:t>二级</a:t>
+            </a:r>
+          </a:p>
+          <a:p>
+            <a:pPr lvl="2"/>
+            <a:r>
+              <a:rPr lang="zh-CN" altLang="en-US"/>
+              <a:t>三级</a:t>
+            </a:r>
+          </a:p>
+          <a:p>
+            <a:pPr lvl="3"/>
+            <a:r>
+              <a:rPr lang="zh-CN" altLang="en-US"/>
+              <a:t>四级</a:t>
+            </a:r>
+          </a:p>
+          <a:p>
+            <a:pPr lvl="4"/>
+            <a:r>
+              <a:rPr lang="zh-CN" altLang="en-US"/>
+              <a:t>五级</a:t>
+            </a:r>
+          </a:p>
+        </p:txBody>
+      </p:sp>
+      <p:sp>
+        <p:nvSpPr>
+          <p:cNvPr id="6" name="页脚占位符 5"/>
+          <p:cNvSpPr>
+            <a:spLocks noGrp="1"/>
+          </p:cNvSpPr>
+          <p:nvPr>
+            <p:ph type="ftr" sz="quarter" idx="4"/>
+          </p:nvPr>
+        </p:nvSpPr>
+        <p:spPr>
+          <a:xfrm>
+            <a:off x="0" y="10155238"/>
+            <a:ext cx="3276600" cy="536575"/>
+          </a:xfrm>
+          <a:prstGeom prst="rect">
+            <a:avLst/>
+          </a:prstGeom>
+        </p:spPr>
+        <p:txBody>
+          <a:bodyPr vert="horz" lIns="91440" tIns="45720" rIns="91440" bIns="45720" rtlCol="0" anchor="b"/>
+          <a:lstStyle>
+            <a:lvl1pPr algn="l">
+              <a:defRPr sz="1200"/>
+            </a:lvl1pPr>
+          </a:lstStyle>
+          <a:p>
+            <a:endParaRPr lang="zh-CN" altLang="en-US"/>
+          </a:p>
+        </p:txBody>
+      </p:sp>
+      <p:sp>
+        <p:nvSpPr>
+          <p:cNvPr id="7" name="灯片编号占位符 6"/>
+          <p:cNvSpPr>
+            <a:spLocks noGrp="1"/>
+          </p:cNvSpPr>
+          <p:nvPr>
+            <p:ph type="sldNum" sz="quarter" idx="5"/>
+          </p:nvPr>
+        </p:nvSpPr>
+        <p:spPr>
+          <a:xfrm>
+            <a:off x="4281488" y="10155238"/>
+            <a:ext cx="3276600" cy="536575"/>
+          </a:xfrm>
+          <a:prstGeom prst="rect">
+            <a:avLst/>
+          </a:prstGeom>
+        </p:spPr>
+        <p:txBody>
+          <a:bodyPr vert="horz" lIns="91440" tIns="45720" rIns="91440" bIns="45720" rtlCol="0" anchor="b"/>
+          <a:lstStyle>
+            <a:lvl1pPr algn="r">
+              <a:defRPr sz="1200"/>
+            </a:lvl1pPr>
+          </a:lstStyle>
+          <a:p>
+            <a:fld id="{4771BC29-852C-45DD-8EE9-F0FB2CE30406}" type="slidenum">
+              <a:rPr lang="zh-CN" altLang="en-US" smtClean="0"/>
+              <a:t>‹#›</a:t>
+            </a:fld>
+            <a:endParaRPr lang="zh-CN" altLang="en-US"/>
+          </a:p>
+        </p:txBody>
+      </p:sp>
+    </p:spTree>
+    <p:extLst>
+      <p:ext uri="{BB962C8B-B14F-4D97-AF65-F5344CB8AC3E}">
+        <p14:creationId xmlns:p14="http://schemas.microsoft.com/office/powerpoint/2010/main" val="1635207410"/>
+      </p:ext>
+    </p:extLst>
+  </p:cSld>
+  <p:clrMap bg1="lt1" tx1="dk1" bg2="lt2" tx2="dk2" accent1="accent1" accent2="accent2" accent3="accent3" accent4="accent4" accent5="accent5" accent6="accent6" hlink="hlink" folHlink="folHlink"/>
+  <p:notesStyle>
+    <a:lvl1pPr marL="0" algn="l" defTabSz="914400" rtl="0" eaLnBrk="1" latinLnBrk="0" hangingPunct="1">
+      <a:defRPr sz="1200" kern="1200">
+        <a:solidFill>
+          <a:schemeClr val="tx1"/>
+        </a:solidFill>
+        <a:latin typeface="+mn-lt"/>
+        <a:ea typeface="+mn-ea"/>
+        <a:cs typeface="+mn-cs"/>
+      </a:defRPr>
+    </a:lvl1pPr>
+    <a:lvl2pPr marL="457200" algn="l" defTabSz="914400" rtl="0" eaLnBrk="1" latinLnBrk="0" hangingPunct="1">
+      <a:defRPr sz="1200" kern="1200">
+        <a:solidFill>
+          <a:schemeClr val="tx1"/>
+        </a:solidFill>
+        <a:latin typeface="+mn-lt"/>
+        <a:ea typeface="+mn-ea"/>
+        <a:cs typeface="+mn-cs"/>
+      </a:defRPr>
+    </a:lvl2pPr>
+    <a:lvl3pPr marL="914400" algn="l" defTabSz="914400" rtl="0" eaLnBrk="1" latinLnBrk="0" hangingPunct="1">
+      <a:defRPr sz="1200" kern="1200">
+        <a:solidFill>
+          <a:schemeClr val="tx1"/>
+        </a:solidFill>
+        <a:latin typeface="+mn-lt"/>
+        <a:ea typeface="+mn-ea"/>
+        <a:cs typeface="+mn-cs"/>
+      </a:defRPr>
+    </a:lvl3pPr>
+    <a:lvl4pPr marL="1371600" algn="l" defTabSz="914400" rtl="0" eaLnBrk="1" latinLnBrk="0" hangingPunct="1">
+      <a:defRPr sz="1200" kern="1200">
+        <a:solidFill>
+          <a:schemeClr val="tx1"/>
+        </a:solidFill>
+        <a:latin typeface="+mn-lt"/>
+        <a:ea typeface="+mn-ea"/>
+        <a:cs typeface="+mn-cs"/>
+      </a:defRPr>
+    </a:lvl4pPr>
+    <a:lvl5pPr marL="1828800" algn="l" defTabSz="914400" rtl="0" eaLnBrk="1" latinLnBrk="0" hangingPunct="1">
+      <a:defRPr sz="1200" kern="1200">
+        <a:solidFill>
+          <a:schemeClr val="tx1"/>
+        </a:solidFill>
+        <a:latin typeface="+mn-lt"/>
+        <a:ea typeface="+mn-ea"/>
+        <a:cs typeface="+mn-cs"/>
+      </a:defRPr>
+    </a:lvl5pPr>
+    <a:lvl6pPr marL="2286000" algn="l" defTabSz="914400" rtl="0" eaLnBrk="1" latinLnBrk="0" hangingPunct="1">
+      <a:defRPr sz="1200" kern="1200">
+        <a:solidFill>
+          <a:schemeClr val="tx1"/>
+        </a:solidFill>
+        <a:latin typeface="+mn-lt"/>
+        <a:ea typeface="+mn-ea"/>
+        <a:cs typeface="+mn-cs"/>
+      </a:defRPr>
+    </a:lvl6pPr>
+    <a:lvl7pPr marL="2743200" algn="l" defTabSz="914400" rtl="0" eaLnBrk="1" latinLnBrk="0" hangingPunct="1">
+      <a:defRPr sz="1200" kern="1200">
+        <a:solidFill>
+          <a:schemeClr val="tx1"/>
+        </a:solidFill>
+        <a:latin typeface="+mn-lt"/>
+        <a:ea typeface="+mn-ea"/>
+        <a:cs typeface="+mn-cs"/>
+      </a:defRPr>
+    </a:lvl7pPr>
+    <a:lvl8pPr marL="3200400" algn="l" defTabSz="914400" rtl="0" eaLnBrk="1" latinLnBrk="0" hangingPunct="1">
+      <a:defRPr sz="1200" kern="1200">
+        <a:solidFill>
+          <a:schemeClr val="tx1"/>
+        </a:solidFill>
+        <a:latin typeface="+mn-lt"/>
+        <a:ea typeface="+mn-ea"/>
+        <a:cs typeface="+mn-cs"/>
+      </a:defRPr>
+    </a:lvl8pPr>
+    <a:lvl9pPr marL="3657600" algn="l" defTabSz="914400" rtl="0" eaLnBrk="1" latinLnBrk="0" hangingPunct="1">
+      <a:defRPr sz="1200" kern="1200">
+        <a:solidFill>
+          <a:schemeClr val="tx1"/>
+        </a:solidFill>
+        <a:latin typeface="+mn-lt"/>
+        <a:ea typeface="+mn-ea"/>
+        <a:cs typeface="+mn-cs"/>
+      </a:defRPr>
+    </a:lvl9pPr>
+  </p:notesStyle>
+</p:notesMaster>
+</file>
+
+<file path=ppt/notesSlides/notesSlide1.xml><?xml version="1.0" encoding="utf-8"?>
+<p:notes xmlns:a="http://schemas.openxmlformats.org/drawingml/2006/main" xmlns:r="http://schemas.openxmlformats.org/officeDocument/2006/relationships" xmlns:p="http://schemas.openxmlformats.org/presentationml/2006/main">
+  <p:cSld>
+    <p:spTree>
+      <p:nvGrpSpPr>
+        <p:cNvPr id="1" name=""/>
+        <p:cNvGrpSpPr/>
+        <p:nvPr/>
+      </p:nvGrpSpPr>
+      <p:grpSpPr>
+        <a:xfrm>
+          <a:off x="0" y="0"/>
+          <a:ext cx="0" cy="0"/>
+          <a:chOff x="0" y="0"/>
+          <a:chExt cx="0" cy="0"/>
+        </a:xfrm>
+      </p:grpSpPr>
+      <p:sp>
+        <p:nvSpPr>
+          <p:cNvPr id="2" name="幻灯片图像占位符 1"/>
+          <p:cNvSpPr>
+            <a:spLocks noGrp="1" noRot="1" noChangeAspect="1"/>
+          </p:cNvSpPr>
+          <p:nvPr>
+            <p:ph type="sldImg"/>
+          </p:nvPr>
+        </p:nvSpPr>
+        <p:spPr/>
+      </p:sp>
+      <p:sp>
+        <p:nvSpPr>
+          <p:cNvPr id="3" name="备注占位符 2"/>
+          <p:cNvSpPr>
+            <a:spLocks noGrp="1"/>
+          </p:cNvSpPr>
+          <p:nvPr>
+            <p:ph type="body" idx="1"/>
+          </p:nvPr>
+        </p:nvSpPr>
+        <p:spPr/>
+        <p:txBody>
+          <a:bodyPr/>
+          <a:lstStyle/>
+          <a:p>
+            <a:pPr>
+              <a:buNone/>
+            </a:pPr>
+            <a:r>
+              <a:rPr lang="en-US" altLang="zh-CN" dirty="0"/>
+              <a:t>We ultimately chose to use </a:t>
+            </a:r>
+            <a:r>
+              <a:rPr lang="en-US" altLang="zh-CN" dirty="0" err="1"/>
+              <a:t>scipy.optimize.minimize</a:t>
+            </a:r>
+            <a:r>
+              <a:rPr lang="en-US" altLang="zh-CN" dirty="0"/>
+              <a:t> for our optimization task because it’s simple, efficient, and well-suited for small-scale, short-term problems. Unlike deep learning, it doesn’t require large datasets or a training phase, which makes it quick to deploy. Its optimization process is also highly interpretable—we can easily track the objective function values and gradients.</a:t>
+            </a:r>
+          </a:p>
+          <a:p>
+            <a:r>
+              <a:rPr lang="en-US" altLang="zh-CN" dirty="0"/>
+              <a:t>However, there are limitations. When dealing with multiple uncertainties—like price forecasts or user behavior—this method can get stuck in local optima. It also relies heavily on gradient information, which isn’t ideal for non-differentiable or non-smooth functions. Most importantly, it lacks the ability to learn from historical patterns, making it less suitable for long-term predictive optimization where deep learning excels.</a:t>
+            </a:r>
+          </a:p>
+        </p:txBody>
+      </p:sp>
+      <p:sp>
+        <p:nvSpPr>
+          <p:cNvPr id="4" name="灯片编号占位符 3"/>
+          <p:cNvSpPr>
+            <a:spLocks noGrp="1"/>
+          </p:cNvSpPr>
+          <p:nvPr>
+            <p:ph type="sldNum" sz="quarter" idx="5"/>
+          </p:nvPr>
+        </p:nvSpPr>
+        <p:spPr/>
+        <p:txBody>
+          <a:bodyPr/>
+          <a:lstStyle/>
+          <a:p>
+            <a:fld id="{4771BC29-852C-45DD-8EE9-F0FB2CE30406}" type="slidenum">
+              <a:rPr lang="zh-CN" altLang="en-US" smtClean="0"/>
+              <a:t>1</a:t>
+            </a:fld>
+            <a:endParaRPr lang="zh-CN" altLang="en-US"/>
+          </a:p>
+        </p:txBody>
+      </p:sp>
+    </p:spTree>
+    <p:extLst>
+      <p:ext uri="{BB962C8B-B14F-4D97-AF65-F5344CB8AC3E}">
+        <p14:creationId xmlns:p14="http://schemas.microsoft.com/office/powerpoint/2010/main" val="3946723655"/>
+      </p:ext>
+    </p:extLst>
+  </p:cSld>
+  <p:clrMapOvr>
+    <a:masterClrMapping/>
+  </p:clrMapOvr>
+</p:notes>
+</file>
+
+<file path=ppt/notesSlides/notesSlide2.xml><?xml version="1.0" encoding="utf-8"?>
+<p:notes xmlns:a="http://schemas.openxmlformats.org/drawingml/2006/main" xmlns:r="http://schemas.openxmlformats.org/officeDocument/2006/relationships" xmlns:p="http://schemas.openxmlformats.org/presentationml/2006/main">
+  <p:cSld>
+    <p:spTree>
+      <p:nvGrpSpPr>
+        <p:cNvPr id="1" name=""/>
+        <p:cNvGrpSpPr/>
+        <p:nvPr/>
+      </p:nvGrpSpPr>
+      <p:grpSpPr>
+        <a:xfrm>
+          <a:off x="0" y="0"/>
+          <a:ext cx="0" cy="0"/>
+          <a:chOff x="0" y="0"/>
+          <a:chExt cx="0" cy="0"/>
+        </a:xfrm>
+      </p:grpSpPr>
+      <p:sp>
+        <p:nvSpPr>
+          <p:cNvPr id="2" name="幻灯片图像占位符 1"/>
+          <p:cNvSpPr>
+            <a:spLocks noGrp="1" noRot="1" noChangeAspect="1"/>
+          </p:cNvSpPr>
+          <p:nvPr>
+            <p:ph type="sldImg"/>
+          </p:nvPr>
+        </p:nvSpPr>
+        <p:spPr/>
+      </p:sp>
+      <p:sp>
+        <p:nvSpPr>
+          <p:cNvPr id="3" name="备注占位符 2"/>
+          <p:cNvSpPr>
+            <a:spLocks noGrp="1"/>
+          </p:cNvSpPr>
+          <p:nvPr>
+            <p:ph type="body" idx="1"/>
+          </p:nvPr>
+        </p:nvSpPr>
+        <p:spPr/>
+        <p:txBody>
+          <a:bodyPr/>
+          <a:lstStyle/>
+          <a:p>
+            <a:pPr>
+              <a:buNone/>
+            </a:pPr>
+            <a:r>
+              <a:rPr lang="en-US" altLang="zh-CN" dirty="0"/>
+              <a:t>In this project, we addressed six major challenges in EV charging optimization.</a:t>
+            </a:r>
+          </a:p>
+          <a:p>
+            <a:pPr>
+              <a:buNone/>
+            </a:pPr>
+            <a:r>
+              <a:rPr lang="en-US" altLang="zh-CN" dirty="0"/>
+              <a:t>First, to forecast future charging demand and balance the grid, we use historical usage data and dynamic scheduling algorithms. Our </a:t>
+            </a:r>
+            <a:r>
+              <a:rPr lang="en-US" altLang="zh-CN" dirty="0" err="1"/>
+              <a:t>gene_his_usage</a:t>
+            </a:r>
+            <a:r>
+              <a:rPr lang="en-US" altLang="zh-CN" dirty="0"/>
+              <a:t>() function simulates realistic consumption profiles, laying the foundation for intelligent decisions.</a:t>
+            </a:r>
+          </a:p>
+          <a:p>
+            <a:pPr>
+              <a:buNone/>
+            </a:pPr>
+            <a:r>
+              <a:rPr lang="en-US" altLang="zh-CN" dirty="0"/>
+              <a:t>Second, for optimizing charging costs under dynamic electricity pricing, we employ predictive models. Our </a:t>
+            </a:r>
+            <a:r>
+              <a:rPr lang="en-US" altLang="zh-CN" dirty="0" err="1"/>
+              <a:t>gene_eprices</a:t>
+            </a:r>
+            <a:r>
+              <a:rPr lang="en-US" altLang="zh-CN" dirty="0"/>
+              <a:t>() method simulates price changes between day and night, helping the optimizer adjust for cost efficiency.</a:t>
+            </a:r>
+          </a:p>
+          <a:p>
+            <a:pPr>
+              <a:buNone/>
+            </a:pPr>
+            <a:r>
+              <a:rPr lang="en-US" altLang="zh-CN" dirty="0"/>
+              <a:t>Third, we recognize users have different preferences. By extending the OCPP message with a mode field, we support three strategies: fast charging, cost-saving, and balanced.</a:t>
+            </a:r>
+          </a:p>
+          <a:p>
+            <a:endParaRPr lang="zh-CN" altLang="en-US" dirty="0"/>
+          </a:p>
+        </p:txBody>
+      </p:sp>
+      <p:sp>
+        <p:nvSpPr>
+          <p:cNvPr id="4" name="灯片编号占位符 3"/>
+          <p:cNvSpPr>
+            <a:spLocks noGrp="1"/>
+          </p:cNvSpPr>
+          <p:nvPr>
+            <p:ph type="sldNum" sz="quarter" idx="5"/>
+          </p:nvPr>
+        </p:nvSpPr>
+        <p:spPr/>
+        <p:txBody>
+          <a:bodyPr/>
+          <a:lstStyle/>
+          <a:p>
+            <a:fld id="{4771BC29-852C-45DD-8EE9-F0FB2CE30406}" type="slidenum">
+              <a:rPr lang="zh-CN" altLang="en-US" smtClean="0"/>
+              <a:t>2</a:t>
+            </a:fld>
+            <a:endParaRPr lang="zh-CN" altLang="en-US"/>
+          </a:p>
+        </p:txBody>
+      </p:sp>
+    </p:spTree>
+    <p:extLst>
+      <p:ext uri="{BB962C8B-B14F-4D97-AF65-F5344CB8AC3E}">
+        <p14:creationId xmlns:p14="http://schemas.microsoft.com/office/powerpoint/2010/main" val="869415676"/>
+      </p:ext>
+    </p:extLst>
+  </p:cSld>
+  <p:clrMapOvr>
+    <a:masterClrMapping/>
+  </p:clrMapOvr>
+</p:notes>
+</file>
+
+<file path=ppt/notesSlides/notesSlide3.xml><?xml version="1.0" encoding="utf-8"?>
+<p:notes xmlns:a="http://schemas.openxmlformats.org/drawingml/2006/main" xmlns:r="http://schemas.openxmlformats.org/officeDocument/2006/relationships" xmlns:p="http://schemas.openxmlformats.org/presentationml/2006/main">
+  <p:cSld>
+    <p:spTree>
+      <p:nvGrpSpPr>
+        <p:cNvPr id="1" name=""/>
+        <p:cNvGrpSpPr/>
+        <p:nvPr/>
+      </p:nvGrpSpPr>
+      <p:grpSpPr>
+        <a:xfrm>
+          <a:off x="0" y="0"/>
+          <a:ext cx="0" cy="0"/>
+          <a:chOff x="0" y="0"/>
+          <a:chExt cx="0" cy="0"/>
+        </a:xfrm>
+      </p:grpSpPr>
+      <p:sp>
+        <p:nvSpPr>
+          <p:cNvPr id="2" name="幻灯片图像占位符 1"/>
+          <p:cNvSpPr>
+            <a:spLocks noGrp="1" noRot="1" noChangeAspect="1"/>
+          </p:cNvSpPr>
+          <p:nvPr>
+            <p:ph type="sldImg"/>
+          </p:nvPr>
+        </p:nvSpPr>
+        <p:spPr/>
+      </p:sp>
+      <p:sp>
+        <p:nvSpPr>
+          <p:cNvPr id="3" name="备注占位符 2"/>
+          <p:cNvSpPr>
+            <a:spLocks noGrp="1"/>
+          </p:cNvSpPr>
+          <p:nvPr>
+            <p:ph type="body" idx="1"/>
+          </p:nvPr>
+        </p:nvSpPr>
+        <p:spPr/>
+        <p:txBody>
+          <a:bodyPr/>
+          <a:lstStyle/>
+          <a:p>
+            <a:pPr>
+              <a:buNone/>
+            </a:pPr>
+            <a:r>
+              <a:rPr lang="en-US" altLang="zh-CN" dirty="0"/>
+              <a:t>Fourth, to protect battery health, our strategy includes continuing low-current charging after the battery is full, reducing degradation.</a:t>
+            </a:r>
+          </a:p>
+          <a:p>
+            <a:pPr>
+              <a:buNone/>
+            </a:pPr>
+            <a:r>
+              <a:rPr lang="en-US" altLang="zh-CN" dirty="0"/>
+              <a:t>Fifth, although we explored V2G concepts for load balancing, this was not implemented due to vehicle limitations.</a:t>
+            </a:r>
+          </a:p>
+          <a:p>
+            <a:pPr>
+              <a:buNone/>
+            </a:pPr>
+            <a:r>
+              <a:rPr lang="en-US" altLang="zh-CN" dirty="0"/>
+              <a:t>Lastly, we aim to enhance user experience through personalization. While this feature is not yet complete, we plan to develop a mobile app that suggests optimal charging locations and times based on user habits and real-time availability.</a:t>
+            </a:r>
+          </a:p>
+          <a:p>
+            <a:r>
+              <a:rPr lang="en-US" altLang="zh-CN" dirty="0"/>
+              <a:t>Together, these strategies form a smart, adaptable EV charging system focused on efficiency, user needs, and grid stability.</a:t>
+            </a:r>
+          </a:p>
+          <a:p>
+            <a:endParaRPr lang="zh-CN" altLang="en-US" dirty="0"/>
+          </a:p>
+        </p:txBody>
+      </p:sp>
+      <p:sp>
+        <p:nvSpPr>
+          <p:cNvPr id="4" name="灯片编号占位符 3"/>
+          <p:cNvSpPr>
+            <a:spLocks noGrp="1"/>
+          </p:cNvSpPr>
+          <p:nvPr>
+            <p:ph type="sldNum" sz="quarter" idx="5"/>
+          </p:nvPr>
+        </p:nvSpPr>
+        <p:spPr/>
+        <p:txBody>
+          <a:bodyPr/>
+          <a:lstStyle/>
+          <a:p>
+            <a:fld id="{4771BC29-852C-45DD-8EE9-F0FB2CE30406}" type="slidenum">
+              <a:rPr lang="zh-CN" altLang="en-US" smtClean="0"/>
+              <a:t>3</a:t>
+            </a:fld>
+            <a:endParaRPr lang="zh-CN" altLang="en-US"/>
+          </a:p>
+        </p:txBody>
+      </p:sp>
+    </p:spTree>
+    <p:extLst>
+      <p:ext uri="{BB962C8B-B14F-4D97-AF65-F5344CB8AC3E}">
+        <p14:creationId xmlns:p14="http://schemas.microsoft.com/office/powerpoint/2010/main" val="2945034298"/>
+      </p:ext>
+    </p:extLst>
+  </p:cSld>
+  <p:clrMapOvr>
+    <a:masterClrMapping/>
+  </p:clrMapOvr>
+</p:notes>
+</file>
+
+<file path=ppt/notesSlides/notesSlide4.xml><?xml version="1.0" encoding="utf-8"?>
+<p:notes xmlns:a="http://schemas.openxmlformats.org/drawingml/2006/main" xmlns:r="http://schemas.openxmlformats.org/officeDocument/2006/relationships" xmlns:p="http://schemas.openxmlformats.org/presentationml/2006/main">
+  <p:cSld>
+    <p:spTree>
+      <p:nvGrpSpPr>
+        <p:cNvPr id="1" name=""/>
+        <p:cNvGrpSpPr/>
+        <p:nvPr/>
+      </p:nvGrpSpPr>
+      <p:grpSpPr>
+        <a:xfrm>
+          <a:off x="0" y="0"/>
+          <a:ext cx="0" cy="0"/>
+          <a:chOff x="0" y="0"/>
+          <a:chExt cx="0" cy="0"/>
+        </a:xfrm>
+      </p:grpSpPr>
+      <p:sp>
+        <p:nvSpPr>
+          <p:cNvPr id="2" name="幻灯片图像占位符 1"/>
+          <p:cNvSpPr>
+            <a:spLocks noGrp="1" noRot="1" noChangeAspect="1"/>
+          </p:cNvSpPr>
+          <p:nvPr>
+            <p:ph type="sldImg"/>
+          </p:nvPr>
+        </p:nvSpPr>
+        <p:spPr/>
+      </p:sp>
+      <p:sp>
+        <p:nvSpPr>
+          <p:cNvPr id="3" name="备注占位符 2"/>
+          <p:cNvSpPr>
+            <a:spLocks noGrp="1"/>
+          </p:cNvSpPr>
+          <p:nvPr>
+            <p:ph type="body" idx="1"/>
+          </p:nvPr>
+        </p:nvSpPr>
+        <p:spPr/>
+        <p:txBody>
+          <a:bodyPr/>
+          <a:lstStyle/>
+          <a:p>
+            <a:pPr>
+              <a:buNone/>
+            </a:pPr>
+            <a:r>
+              <a:rPr lang="en-US" altLang="zh-CN" dirty="0"/>
+              <a:t>This is the core optimization objective of our charging strategy.</a:t>
+            </a:r>
+          </a:p>
+          <a:p>
+            <a:pPr>
+              <a:buNone/>
+            </a:pPr>
+            <a:r>
+              <a:rPr lang="en-US" altLang="zh-CN" dirty="0"/>
+              <a:t>We aim to </a:t>
+            </a:r>
+            <a:r>
+              <a:rPr lang="en-US" altLang="zh-CN" b="1" dirty="0"/>
+              <a:t>minimize a weighted sum</a:t>
+            </a:r>
+            <a:r>
+              <a:rPr lang="en-US" altLang="zh-CN" dirty="0"/>
+              <a:t> of two key factors:</a:t>
+            </a:r>
+            <a:br>
+              <a:rPr lang="en-US" altLang="zh-CN" dirty="0"/>
+            </a:br>
+            <a:r>
+              <a:rPr lang="en-US" altLang="zh-CN" dirty="0"/>
+              <a:t>the </a:t>
+            </a:r>
+            <a:r>
+              <a:rPr lang="en-US" altLang="zh-CN" b="1" dirty="0"/>
+              <a:t>charging completion time</a:t>
+            </a:r>
+            <a:r>
+              <a:rPr lang="en-US" altLang="zh-CN" dirty="0"/>
+              <a:t> T and the </a:t>
+            </a:r>
+            <a:r>
+              <a:rPr lang="en-US" altLang="zh-CN" b="1" dirty="0"/>
+              <a:t>charging cost</a:t>
+            </a:r>
+            <a:r>
+              <a:rPr lang="en-US" altLang="zh-CN" dirty="0"/>
+              <a:t> C.</a:t>
+            </a:r>
+          </a:p>
+          <a:p>
+            <a:pPr>
+              <a:buNone/>
+            </a:pPr>
+            <a:r>
+              <a:rPr lang="en-US" altLang="zh-CN" dirty="0"/>
+              <a:t>The variables we optimize are the charging powers P1,P2,…,PNP_1, P_2, \dots, P_NP1​,P2​,…,PN​ across NNN time periods.</a:t>
+            </a:r>
+          </a:p>
+          <a:p>
+            <a:r>
+              <a:rPr lang="en-US" altLang="zh-CN" dirty="0"/>
+              <a:t>The weights w1w_1w1​ and w2w_2w2​ allow us to adjust the priority between speed and cost—</a:t>
+            </a:r>
+            <a:br>
+              <a:rPr lang="en-US" altLang="zh-CN" dirty="0"/>
+            </a:br>
+            <a:r>
+              <a:rPr lang="en-US" altLang="zh-CN" dirty="0"/>
+              <a:t>for example, in fast charge mode, we assign a higher weight to time;</a:t>
+            </a:r>
+            <a:br>
+              <a:rPr lang="en-US" altLang="zh-CN" dirty="0"/>
+            </a:br>
+            <a:r>
+              <a:rPr lang="en-US" altLang="zh-CN" dirty="0"/>
+              <a:t>in cost-saving mode, the cost term becomes more important.</a:t>
+            </a:r>
+          </a:p>
+          <a:p>
+            <a:r>
+              <a:rPr lang="en-US" altLang="zh-CN" dirty="0"/>
+              <a:t>This flexible formulation lets us tailor the strategy based on user preferences or grid conditions.</a:t>
+            </a:r>
+          </a:p>
+          <a:p>
+            <a:endParaRPr lang="zh-CN" altLang="en-US" dirty="0"/>
+          </a:p>
+        </p:txBody>
+      </p:sp>
+      <p:sp>
+        <p:nvSpPr>
+          <p:cNvPr id="4" name="灯片编号占位符 3"/>
+          <p:cNvSpPr>
+            <a:spLocks noGrp="1"/>
+          </p:cNvSpPr>
+          <p:nvPr>
+            <p:ph type="sldNum" sz="quarter" idx="5"/>
+          </p:nvPr>
+        </p:nvSpPr>
+        <p:spPr/>
+        <p:txBody>
+          <a:bodyPr/>
+          <a:lstStyle/>
+          <a:p>
+            <a:fld id="{4771BC29-852C-45DD-8EE9-F0FB2CE30406}" type="slidenum">
+              <a:rPr lang="zh-CN" altLang="en-US" smtClean="0"/>
+              <a:t>4</a:t>
+            </a:fld>
+            <a:endParaRPr lang="zh-CN" altLang="en-US"/>
+          </a:p>
+        </p:txBody>
+      </p:sp>
+    </p:spTree>
+    <p:extLst>
+      <p:ext uri="{BB962C8B-B14F-4D97-AF65-F5344CB8AC3E}">
+        <p14:creationId xmlns:p14="http://schemas.microsoft.com/office/powerpoint/2010/main" val="646612565"/>
+      </p:ext>
+    </p:extLst>
+  </p:cSld>
+  <p:clrMapOvr>
+    <a:masterClrMapping/>
+  </p:clrMapOvr>
+</p:notes>
+</file>
+
+<file path=ppt/notesSlides/notesSlide5.xml><?xml version="1.0" encoding="utf-8"?>
+<p:notes xmlns:a="http://schemas.openxmlformats.org/drawingml/2006/main" xmlns:r="http://schemas.openxmlformats.org/officeDocument/2006/relationships" xmlns:p="http://schemas.openxmlformats.org/presentationml/2006/main">
+  <p:cSld>
+    <p:spTree>
+      <p:nvGrpSpPr>
+        <p:cNvPr id="1" name=""/>
+        <p:cNvGrpSpPr/>
+        <p:nvPr/>
+      </p:nvGrpSpPr>
+      <p:grpSpPr>
+        <a:xfrm>
+          <a:off x="0" y="0"/>
+          <a:ext cx="0" cy="0"/>
+          <a:chOff x="0" y="0"/>
+          <a:chExt cx="0" cy="0"/>
+        </a:xfrm>
+      </p:grpSpPr>
+      <p:sp>
+        <p:nvSpPr>
+          <p:cNvPr id="2" name="幻灯片图像占位符 1"/>
+          <p:cNvSpPr>
+            <a:spLocks noGrp="1" noRot="1" noChangeAspect="1"/>
+          </p:cNvSpPr>
+          <p:nvPr>
+            <p:ph type="sldImg"/>
+          </p:nvPr>
+        </p:nvSpPr>
+        <p:spPr/>
+      </p:sp>
+      <p:sp>
+        <p:nvSpPr>
+          <p:cNvPr id="3" name="备注占位符 2"/>
+          <p:cNvSpPr>
+            <a:spLocks noGrp="1"/>
+          </p:cNvSpPr>
+          <p:nvPr>
+            <p:ph type="body" idx="1"/>
+          </p:nvPr>
+        </p:nvSpPr>
+        <p:spPr/>
+        <p:txBody>
+          <a:bodyPr/>
+          <a:lstStyle/>
+          <a:p>
+            <a:pPr>
+              <a:buNone/>
+            </a:pPr>
+            <a:r>
+              <a:rPr lang="en-US" altLang="zh-CN" dirty="0"/>
+              <a:t>This equation defines how we calculate the </a:t>
+            </a:r>
+            <a:r>
+              <a:rPr lang="en-US" altLang="zh-CN" b="1" dirty="0"/>
+              <a:t>charging time</a:t>
+            </a:r>
+            <a:r>
+              <a:rPr lang="en-US" altLang="zh-CN" dirty="0"/>
+              <a:t> required to reach the energy target.</a:t>
+            </a:r>
+          </a:p>
+          <a:p>
+            <a:pPr>
+              <a:buNone/>
+            </a:pPr>
+            <a:r>
+              <a:rPr lang="en-US" altLang="zh-CN" dirty="0"/>
+              <a:t>First, we identify the earliest time index </a:t>
+            </a:r>
+            <a:r>
+              <a:rPr lang="en-US" altLang="zh-CN" dirty="0" err="1"/>
+              <a:t>i</a:t>
+            </a:r>
+            <a:r>
+              <a:rPr lang="en-US" altLang="zh-CN" dirty="0"/>
+              <a:t>‾\overline{</a:t>
+            </a:r>
+            <a:r>
+              <a:rPr lang="en-US" altLang="zh-CN" dirty="0" err="1"/>
+              <a:t>i</a:t>
+            </a:r>
+            <a:r>
+              <a:rPr lang="en-US" altLang="zh-CN" dirty="0"/>
+              <a:t>}</a:t>
+            </a:r>
+            <a:r>
+              <a:rPr lang="en-US" altLang="zh-CN" dirty="0" err="1"/>
+              <a:t>i</a:t>
+            </a:r>
+            <a:r>
+              <a:rPr lang="en-US" altLang="zh-CN" dirty="0"/>
+              <a:t> at which the </a:t>
+            </a:r>
+            <a:r>
+              <a:rPr lang="en-US" altLang="zh-CN" b="1" dirty="0"/>
+              <a:t>accumulated energy</a:t>
+            </a:r>
+            <a:br>
+              <a:rPr lang="en-US" altLang="zh-CN" dirty="0"/>
+            </a:br>
+            <a:r>
+              <a:rPr lang="en-US" altLang="zh-CN" dirty="0"/>
+              <a:t>from charging—calculated as the sum of </a:t>
+            </a:r>
+            <a:r>
+              <a:rPr lang="en-US" altLang="zh-CN" dirty="0" err="1"/>
+              <a:t>PjΔtjP_j</a:t>
+            </a:r>
+            <a:r>
+              <a:rPr lang="en-US" altLang="zh-CN" dirty="0"/>
+              <a:t> \Delta </a:t>
+            </a:r>
+            <a:r>
+              <a:rPr lang="en-US" altLang="zh-CN" dirty="0" err="1"/>
+              <a:t>t_jPj</a:t>
+            </a:r>
+            <a:r>
+              <a:rPr lang="en-US" altLang="zh-CN" dirty="0"/>
+              <a:t>​</a:t>
+            </a:r>
+            <a:r>
+              <a:rPr lang="en-US" altLang="zh-CN" dirty="0" err="1"/>
+              <a:t>Δtj</a:t>
+            </a:r>
+            <a:r>
+              <a:rPr lang="en-US" altLang="zh-CN" dirty="0"/>
+              <a:t>​—meets or exceeds the target energy </a:t>
+            </a:r>
+            <a:r>
+              <a:rPr lang="en-US" altLang="zh-CN" dirty="0" err="1"/>
+              <a:t>EtargetE</a:t>
+            </a:r>
+            <a:r>
+              <a:rPr lang="en-US" altLang="zh-CN" dirty="0"/>
+              <a:t>_{\text{target}}</a:t>
+            </a:r>
+            <a:r>
+              <a:rPr lang="en-US" altLang="zh-CN" dirty="0" err="1"/>
+              <a:t>Etarget</a:t>
+            </a:r>
+            <a:r>
+              <a:rPr lang="en-US" altLang="zh-CN" dirty="0"/>
+              <a:t>​.</a:t>
+            </a:r>
+          </a:p>
+          <a:p>
+            <a:pPr>
+              <a:buNone/>
+            </a:pPr>
+            <a:r>
+              <a:rPr lang="en-US" altLang="zh-CN" dirty="0"/>
+              <a:t>If the target is never met, we assume the full schedule is used.</a:t>
+            </a:r>
+          </a:p>
+          <a:p>
+            <a:pPr>
+              <a:buNone/>
+            </a:pPr>
+            <a:r>
+              <a:rPr lang="en-US" altLang="zh-CN" dirty="0"/>
+              <a:t>Then, we compute the total charging time </a:t>
+            </a:r>
+            <a:r>
+              <a:rPr lang="en-US" altLang="zh-CN" dirty="0" err="1"/>
+              <a:t>Tby</a:t>
+            </a:r>
+            <a:r>
+              <a:rPr lang="en-US" altLang="zh-CN" dirty="0"/>
+              <a:t> multiplying </a:t>
+            </a:r>
+            <a:r>
+              <a:rPr lang="en-US" altLang="zh-CN" dirty="0" err="1"/>
+              <a:t>i</a:t>
+            </a:r>
+            <a:r>
+              <a:rPr lang="en-US" altLang="zh-CN" dirty="0"/>
+              <a:t>‾\overline{</a:t>
+            </a:r>
+            <a:r>
+              <a:rPr lang="en-US" altLang="zh-CN" dirty="0" err="1"/>
+              <a:t>i</a:t>
+            </a:r>
+            <a:r>
+              <a:rPr lang="en-US" altLang="zh-CN" dirty="0"/>
+              <a:t>}</a:t>
+            </a:r>
+            <a:r>
+              <a:rPr lang="en-US" altLang="zh-CN" dirty="0" err="1"/>
+              <a:t>i</a:t>
+            </a:r>
+            <a:r>
+              <a:rPr lang="en-US" altLang="zh-CN" dirty="0"/>
+              <a:t> with the average time step </a:t>
+            </a:r>
+            <a:r>
+              <a:rPr lang="en-US" altLang="zh-CN" dirty="0" err="1"/>
+              <a:t>Δt</a:t>
+            </a:r>
+            <a:r>
+              <a:rPr lang="en-US" altLang="zh-CN" dirty="0"/>
+              <a:t>ˉ\bar{\Delta t}</a:t>
+            </a:r>
+            <a:r>
+              <a:rPr lang="en-US" altLang="zh-CN" dirty="0" err="1"/>
+              <a:t>Δt</a:t>
+            </a:r>
+            <a:r>
+              <a:rPr lang="en-US" altLang="zh-CN" dirty="0"/>
+              <a:t>ˉ</a:t>
+            </a:r>
+            <a:br>
+              <a:rPr lang="en-US" altLang="zh-CN" dirty="0"/>
+            </a:br>
+            <a:r>
+              <a:rPr lang="en-US" altLang="zh-CN" dirty="0"/>
+              <a:t>and a factor k, which adjusts the time units to match our system output—such as converting hours to time slots or cost units.</a:t>
+            </a:r>
+          </a:p>
+          <a:p>
+            <a:r>
+              <a:rPr lang="en-US" altLang="zh-CN" dirty="0"/>
+              <a:t>This approach allows us to evaluate and minimize charging duration as part of the overall optimization.</a:t>
+            </a:r>
+          </a:p>
+          <a:p>
+            <a:endParaRPr lang="zh-CN" altLang="en-US" dirty="0"/>
+          </a:p>
+        </p:txBody>
+      </p:sp>
+      <p:sp>
+        <p:nvSpPr>
+          <p:cNvPr id="4" name="灯片编号占位符 3"/>
+          <p:cNvSpPr>
+            <a:spLocks noGrp="1"/>
+          </p:cNvSpPr>
+          <p:nvPr>
+            <p:ph type="sldNum" sz="quarter" idx="5"/>
+          </p:nvPr>
+        </p:nvSpPr>
+        <p:spPr/>
+        <p:txBody>
+          <a:bodyPr/>
+          <a:lstStyle/>
+          <a:p>
+            <a:fld id="{4771BC29-852C-45DD-8EE9-F0FB2CE30406}" type="slidenum">
+              <a:rPr lang="zh-CN" altLang="en-US" smtClean="0"/>
+              <a:t>5</a:t>
+            </a:fld>
+            <a:endParaRPr lang="zh-CN" altLang="en-US"/>
+          </a:p>
+        </p:txBody>
+      </p:sp>
+    </p:spTree>
+    <p:extLst>
+      <p:ext uri="{BB962C8B-B14F-4D97-AF65-F5344CB8AC3E}">
+        <p14:creationId xmlns:p14="http://schemas.microsoft.com/office/powerpoint/2010/main" val="3769798863"/>
+      </p:ext>
+    </p:extLst>
+  </p:cSld>
+  <p:clrMapOvr>
+    <a:masterClrMapping/>
+  </p:clrMapOvr>
+</p:notes>
+</file>
+
+<file path=ppt/notesSlides/notesSlide6.xml><?xml version="1.0" encoding="utf-8"?>
+<p:notes xmlns:a="http://schemas.openxmlformats.org/drawingml/2006/main" xmlns:r="http://schemas.openxmlformats.org/officeDocument/2006/relationships" xmlns:p="http://schemas.openxmlformats.org/presentationml/2006/main">
+  <p:cSld>
+    <p:spTree>
+      <p:nvGrpSpPr>
+        <p:cNvPr id="1" name=""/>
+        <p:cNvGrpSpPr/>
+        <p:nvPr/>
+      </p:nvGrpSpPr>
+      <p:grpSpPr>
+        <a:xfrm>
+          <a:off x="0" y="0"/>
+          <a:ext cx="0" cy="0"/>
+          <a:chOff x="0" y="0"/>
+          <a:chExt cx="0" cy="0"/>
+        </a:xfrm>
+      </p:grpSpPr>
+      <p:sp>
+        <p:nvSpPr>
+          <p:cNvPr id="2" name="幻灯片图像占位符 1"/>
+          <p:cNvSpPr>
+            <a:spLocks noGrp="1" noRot="1" noChangeAspect="1"/>
+          </p:cNvSpPr>
+          <p:nvPr>
+            <p:ph type="sldImg"/>
+          </p:nvPr>
+        </p:nvSpPr>
+        <p:spPr/>
+      </p:sp>
+      <p:sp>
+        <p:nvSpPr>
+          <p:cNvPr id="3" name="备注占位符 2"/>
+          <p:cNvSpPr>
+            <a:spLocks noGrp="1"/>
+          </p:cNvSpPr>
+          <p:nvPr>
+            <p:ph type="body" idx="1"/>
+          </p:nvPr>
+        </p:nvSpPr>
+        <p:spPr/>
+        <p:txBody>
+          <a:bodyPr/>
+          <a:lstStyle/>
+          <a:p>
+            <a:pPr>
+              <a:buNone/>
+            </a:pPr>
+            <a:r>
+              <a:rPr lang="en-US" altLang="zh-CN" dirty="0"/>
+              <a:t>This equation defines the </a:t>
+            </a:r>
+            <a:r>
+              <a:rPr lang="en-US" altLang="zh-CN" b="1" dirty="0"/>
+              <a:t>charging cost</a:t>
+            </a:r>
+            <a:r>
+              <a:rPr lang="en-US" altLang="zh-CN" dirty="0"/>
+              <a:t> CCC as a normalized sum of energy consumption over time.</a:t>
+            </a:r>
+          </a:p>
+          <a:p>
+            <a:pPr>
+              <a:buNone/>
+            </a:pPr>
+            <a:r>
+              <a:rPr lang="en-US" altLang="zh-CN" dirty="0"/>
+              <a:t>In each time period iii, the cost is calculated as the product of the charging power </a:t>
+            </a:r>
+            <a:r>
+              <a:rPr lang="en-US" altLang="zh-CN" dirty="0" err="1"/>
+              <a:t>PiP_iPi</a:t>
+            </a:r>
+            <a:r>
+              <a:rPr lang="en-US" altLang="zh-CN" dirty="0"/>
+              <a:t>​,</a:t>
+            </a:r>
+            <a:br>
+              <a:rPr lang="en-US" altLang="zh-CN" dirty="0"/>
+            </a:br>
+            <a:r>
+              <a:rPr lang="en-US" altLang="zh-CN" dirty="0"/>
+              <a:t>the electricity price </a:t>
+            </a:r>
+            <a:r>
+              <a:rPr lang="en-US" altLang="zh-CN" dirty="0" err="1"/>
+              <a:t>pip_ipi</a:t>
+            </a:r>
+            <a:r>
+              <a:rPr lang="en-US" altLang="zh-CN" dirty="0"/>
+              <a:t>​, and the duration </a:t>
+            </a:r>
+            <a:r>
+              <a:rPr lang="en-US" altLang="zh-CN" dirty="0" err="1"/>
+              <a:t>Δti</a:t>
+            </a:r>
+            <a:r>
+              <a:rPr lang="en-US" altLang="zh-CN" dirty="0"/>
+              <a:t>\Delta </a:t>
+            </a:r>
+            <a:r>
+              <a:rPr lang="en-US" altLang="zh-CN" dirty="0" err="1"/>
+              <a:t>t_iΔti</a:t>
+            </a:r>
+            <a:r>
+              <a:rPr lang="en-US" altLang="zh-CN" dirty="0"/>
+              <a:t>​.</a:t>
+            </a:r>
+          </a:p>
+          <a:p>
+            <a:pPr>
+              <a:buNone/>
+            </a:pPr>
+            <a:r>
+              <a:rPr lang="en-US" altLang="zh-CN" dirty="0"/>
+              <a:t>We then sum this over all time periods and </a:t>
+            </a:r>
+            <a:r>
+              <a:rPr lang="en-US" altLang="zh-CN" b="1" dirty="0"/>
+              <a:t>normalize it by the average electricity price</a:t>
+            </a:r>
+            <a:r>
+              <a:rPr lang="en-US" altLang="zh-CN" dirty="0"/>
+              <a:t> pˉ\bar{p}pˉ​.</a:t>
+            </a:r>
+          </a:p>
+          <a:p>
+            <a:pPr>
+              <a:buNone/>
+            </a:pPr>
+            <a:r>
+              <a:rPr lang="en-US" altLang="zh-CN" dirty="0"/>
+              <a:t>This normalization allows us to compare cost-effectiveness under different pricing conditions</a:t>
+            </a:r>
+            <a:br>
+              <a:rPr lang="en-US" altLang="zh-CN" dirty="0"/>
+            </a:br>
+            <a:r>
+              <a:rPr lang="en-US" altLang="zh-CN" dirty="0"/>
+              <a:t>and ensures the cost term is consistent with other terms in the objective function.</a:t>
+            </a:r>
+          </a:p>
+          <a:p>
+            <a:r>
+              <a:rPr lang="en-US" altLang="zh-CN" dirty="0"/>
+              <a:t>By optimizing this term, the system prefers charging during low-price periods</a:t>
+            </a:r>
+            <a:br>
+              <a:rPr lang="en-US" altLang="zh-CN" dirty="0"/>
+            </a:br>
+            <a:r>
+              <a:rPr lang="en-US" altLang="zh-CN" dirty="0"/>
+              <a:t>while still ensuring the energy demand is met efficiently.</a:t>
+            </a:r>
+          </a:p>
+          <a:p>
+            <a:endParaRPr lang="zh-CN" altLang="en-US" dirty="0"/>
+          </a:p>
+        </p:txBody>
+      </p:sp>
+      <p:sp>
+        <p:nvSpPr>
+          <p:cNvPr id="4" name="灯片编号占位符 3"/>
+          <p:cNvSpPr>
+            <a:spLocks noGrp="1"/>
+          </p:cNvSpPr>
+          <p:nvPr>
+            <p:ph type="sldNum" sz="quarter" idx="5"/>
+          </p:nvPr>
+        </p:nvSpPr>
+        <p:spPr/>
+        <p:txBody>
+          <a:bodyPr/>
+          <a:lstStyle/>
+          <a:p>
+            <a:fld id="{4771BC29-852C-45DD-8EE9-F0FB2CE30406}" type="slidenum">
+              <a:rPr lang="zh-CN" altLang="en-US" smtClean="0"/>
+              <a:t>6</a:t>
+            </a:fld>
+            <a:endParaRPr lang="zh-CN" altLang="en-US"/>
+          </a:p>
+        </p:txBody>
+      </p:sp>
+    </p:spTree>
+    <p:extLst>
+      <p:ext uri="{BB962C8B-B14F-4D97-AF65-F5344CB8AC3E}">
+        <p14:creationId xmlns:p14="http://schemas.microsoft.com/office/powerpoint/2010/main" val="16565165"/>
+      </p:ext>
+    </p:extLst>
+  </p:cSld>
+  <p:clrMapOvr>
+    <a:masterClrMapping/>
+  </p:clrMapOvr>
+</p:notes>
+</file>
+
+<file path=ppt/notesSlides/notesSlide7.xml><?xml version="1.0" encoding="utf-8"?>
+<p:notes xmlns:a="http://schemas.openxmlformats.org/drawingml/2006/main" xmlns:r="http://schemas.openxmlformats.org/officeDocument/2006/relationships" xmlns:p="http://schemas.openxmlformats.org/presentationml/2006/main">
+  <p:cSld>
+    <p:spTree>
+      <p:nvGrpSpPr>
+        <p:cNvPr id="1" name=""/>
+        <p:cNvGrpSpPr/>
+        <p:nvPr/>
+      </p:nvGrpSpPr>
+      <p:grpSpPr>
+        <a:xfrm>
+          <a:off x="0" y="0"/>
+          <a:ext cx="0" cy="0"/>
+          <a:chOff x="0" y="0"/>
+          <a:chExt cx="0" cy="0"/>
+        </a:xfrm>
+      </p:grpSpPr>
+      <p:sp>
+        <p:nvSpPr>
+          <p:cNvPr id="2" name="幻灯片图像占位符 1"/>
+          <p:cNvSpPr>
+            <a:spLocks noGrp="1" noRot="1" noChangeAspect="1"/>
+          </p:cNvSpPr>
+          <p:nvPr>
+            <p:ph type="sldImg"/>
+          </p:nvPr>
+        </p:nvSpPr>
+        <p:spPr/>
+      </p:sp>
+      <p:sp>
+        <p:nvSpPr>
+          <p:cNvPr id="3" name="备注占位符 2"/>
+          <p:cNvSpPr>
+            <a:spLocks noGrp="1"/>
+          </p:cNvSpPr>
+          <p:nvPr>
+            <p:ph type="body" idx="1"/>
+          </p:nvPr>
+        </p:nvSpPr>
+        <p:spPr/>
+        <p:txBody>
+          <a:bodyPr/>
+          <a:lstStyle/>
+          <a:p>
+            <a:pPr>
+              <a:buNone/>
+            </a:pPr>
+            <a:r>
+              <a:rPr lang="en-US" altLang="zh-CN" dirty="0"/>
+              <a:t>To ensure feasibility and safety, our optimization includes two key constraints.</a:t>
+            </a:r>
+          </a:p>
+          <a:p>
+            <a:pPr>
+              <a:buNone/>
+            </a:pPr>
+            <a:r>
+              <a:rPr lang="en-US" altLang="zh-CN" dirty="0"/>
+              <a:t>First, the </a:t>
+            </a:r>
+            <a:r>
+              <a:rPr lang="en-US" altLang="zh-CN" b="1" dirty="0"/>
+              <a:t>total charged energy</a:t>
+            </a:r>
+            <a:r>
+              <a:rPr lang="en-US" altLang="zh-CN" dirty="0"/>
+              <a:t>—the sum of </a:t>
+            </a:r>
+            <a:r>
+              <a:rPr lang="en-US" altLang="zh-CN" dirty="0" err="1"/>
+              <a:t>Pi⋅ΔtiP_i</a:t>
+            </a:r>
+            <a:r>
+              <a:rPr lang="en-US" altLang="zh-CN" dirty="0"/>
+              <a:t> \</a:t>
+            </a:r>
+            <a:r>
+              <a:rPr lang="en-US" altLang="zh-CN" dirty="0" err="1"/>
+              <a:t>cdot</a:t>
+            </a:r>
+            <a:r>
+              <a:rPr lang="en-US" altLang="zh-CN" dirty="0"/>
+              <a:t> \Delta </a:t>
+            </a:r>
+            <a:r>
+              <a:rPr lang="en-US" altLang="zh-CN" dirty="0" err="1"/>
+              <a:t>t_iPi</a:t>
+            </a:r>
+            <a:r>
+              <a:rPr lang="en-US" altLang="zh-CN" dirty="0"/>
+              <a:t>​⋅</a:t>
+            </a:r>
+            <a:r>
+              <a:rPr lang="en-US" altLang="zh-CN" dirty="0" err="1"/>
+              <a:t>Δti</a:t>
+            </a:r>
+            <a:r>
+              <a:rPr lang="en-US" altLang="zh-CN" dirty="0"/>
+              <a:t>​ over all time periods—must meet or exceed the </a:t>
+            </a:r>
+            <a:r>
+              <a:rPr lang="en-US" altLang="zh-CN" b="1" dirty="0"/>
+              <a:t>target energy</a:t>
+            </a:r>
+            <a:r>
+              <a:rPr lang="en-US" altLang="zh-CN" dirty="0"/>
+              <a:t> </a:t>
+            </a:r>
+            <a:r>
+              <a:rPr lang="en-US" altLang="zh-CN" dirty="0" err="1"/>
+              <a:t>EtargetE</a:t>
+            </a:r>
+            <a:r>
+              <a:rPr lang="en-US" altLang="zh-CN" dirty="0"/>
+              <a:t>_{\text{target}}</a:t>
+            </a:r>
+            <a:r>
+              <a:rPr lang="en-US" altLang="zh-CN" dirty="0" err="1"/>
+              <a:t>Etarget</a:t>
+            </a:r>
+            <a:r>
+              <a:rPr lang="en-US" altLang="zh-CN" dirty="0"/>
+              <a:t>​.</a:t>
+            </a:r>
+          </a:p>
+          <a:p>
+            <a:pPr>
+              <a:buNone/>
+            </a:pPr>
+            <a:r>
+              <a:rPr lang="en-US" altLang="zh-CN" dirty="0"/>
+              <a:t>Second, in each time period, the </a:t>
+            </a:r>
+            <a:r>
+              <a:rPr lang="en-US" altLang="zh-CN" b="1" dirty="0"/>
+              <a:t>charging power</a:t>
+            </a:r>
+            <a:r>
+              <a:rPr lang="en-US" altLang="zh-CN" dirty="0"/>
+              <a:t> </a:t>
+            </a:r>
+            <a:r>
+              <a:rPr lang="en-US" altLang="zh-CN" dirty="0" err="1"/>
+              <a:t>PiP_iPi</a:t>
+            </a:r>
+            <a:r>
+              <a:rPr lang="en-US" altLang="zh-CN" dirty="0"/>
+              <a:t>​ must stay within its allowed range,</a:t>
+            </a:r>
+            <a:br>
+              <a:rPr lang="en-US" altLang="zh-CN" dirty="0"/>
+            </a:br>
+            <a:r>
+              <a:rPr lang="en-US" altLang="zh-CN" dirty="0"/>
+              <a:t>defined by a </a:t>
+            </a:r>
+            <a:r>
+              <a:rPr lang="en-US" altLang="zh-CN" b="1" dirty="0"/>
+              <a:t>minimum</a:t>
+            </a:r>
+            <a:r>
+              <a:rPr lang="en-US" altLang="zh-CN" dirty="0"/>
+              <a:t> and </a:t>
+            </a:r>
+            <a:r>
+              <a:rPr lang="en-US" altLang="zh-CN" b="1" dirty="0"/>
+              <a:t>maximum power limit</a:t>
+            </a:r>
+            <a:r>
+              <a:rPr lang="en-US" altLang="zh-CN" dirty="0"/>
+              <a:t>, </a:t>
+            </a:r>
+            <a:r>
+              <a:rPr lang="en-US" altLang="zh-CN" dirty="0" err="1"/>
+              <a:t>Pmin</a:t>
+            </a:r>
+            <a:r>
+              <a:rPr lang="en-US" altLang="zh-CN" dirty="0"/>
+              <a:t>⁡,</a:t>
+            </a:r>
+            <a:r>
+              <a:rPr lang="en-US" altLang="zh-CN" dirty="0" err="1"/>
+              <a:t>iP</a:t>
+            </a:r>
+            <a:r>
+              <a:rPr lang="en-US" altLang="zh-CN" dirty="0"/>
+              <a:t>_{\min, </a:t>
+            </a:r>
+            <a:r>
+              <a:rPr lang="en-US" altLang="zh-CN" dirty="0" err="1"/>
+              <a:t>i</a:t>
+            </a:r>
+            <a:r>
+              <a:rPr lang="en-US" altLang="zh-CN" dirty="0"/>
+              <a:t>}</a:t>
+            </a:r>
+            <a:r>
+              <a:rPr lang="en-US" altLang="zh-CN" dirty="0" err="1"/>
+              <a:t>Pmin,i</a:t>
+            </a:r>
+            <a:r>
+              <a:rPr lang="en-US" altLang="zh-CN" dirty="0"/>
+              <a:t>​ and Pmax⁡,</a:t>
+            </a:r>
+            <a:r>
+              <a:rPr lang="en-US" altLang="zh-CN" dirty="0" err="1"/>
+              <a:t>iP</a:t>
+            </a:r>
+            <a:r>
+              <a:rPr lang="en-US" altLang="zh-CN" dirty="0"/>
+              <a:t>_{\max, </a:t>
+            </a:r>
+            <a:r>
+              <a:rPr lang="en-US" altLang="zh-CN" dirty="0" err="1"/>
+              <a:t>i</a:t>
+            </a:r>
+            <a:r>
+              <a:rPr lang="en-US" altLang="zh-CN" dirty="0"/>
+              <a:t>}</a:t>
+            </a:r>
+            <a:r>
+              <a:rPr lang="en-US" altLang="zh-CN" dirty="0" err="1"/>
+              <a:t>Pmax,i</a:t>
+            </a:r>
+            <a:r>
+              <a:rPr lang="en-US" altLang="zh-CN" dirty="0"/>
+              <a:t>​.</a:t>
+            </a:r>
+            <a:br>
+              <a:rPr lang="en-US" altLang="zh-CN" dirty="0"/>
+            </a:br>
+            <a:r>
+              <a:rPr lang="en-US" altLang="zh-CN" dirty="0"/>
+              <a:t>These bounds can vary depending on hardware limits or grid constraints.</a:t>
+            </a:r>
+          </a:p>
+          <a:p>
+            <a:pPr>
+              <a:buNone/>
+            </a:pPr>
+            <a:r>
+              <a:rPr lang="en-US" altLang="zh-CN" dirty="0"/>
+              <a:t>For the initial guess used by the optimizer, we simply set P0P_0P0​ as the average of all maximum powers across the time horizon.</a:t>
+            </a:r>
+          </a:p>
+          <a:p>
+            <a:r>
+              <a:rPr lang="en-US" altLang="zh-CN" dirty="0"/>
+              <a:t>This initialization provides a reasonable starting point for the solver to quickly converge to an efficient solution.</a:t>
+            </a:r>
+          </a:p>
+          <a:p>
+            <a:endParaRPr lang="zh-CN" altLang="en-US" dirty="0"/>
+          </a:p>
+        </p:txBody>
+      </p:sp>
+      <p:sp>
+        <p:nvSpPr>
+          <p:cNvPr id="4" name="灯片编号占位符 3"/>
+          <p:cNvSpPr>
+            <a:spLocks noGrp="1"/>
+          </p:cNvSpPr>
+          <p:nvPr>
+            <p:ph type="sldNum" sz="quarter" idx="5"/>
+          </p:nvPr>
+        </p:nvSpPr>
+        <p:spPr/>
+        <p:txBody>
+          <a:bodyPr/>
+          <a:lstStyle/>
+          <a:p>
+            <a:fld id="{4771BC29-852C-45DD-8EE9-F0FB2CE30406}" type="slidenum">
+              <a:rPr lang="zh-CN" altLang="en-US" smtClean="0"/>
+              <a:t>7</a:t>
+            </a:fld>
+            <a:endParaRPr lang="zh-CN" altLang="en-US"/>
+          </a:p>
+        </p:txBody>
+      </p:sp>
+    </p:spTree>
+    <p:extLst>
+      <p:ext uri="{BB962C8B-B14F-4D97-AF65-F5344CB8AC3E}">
+        <p14:creationId xmlns:p14="http://schemas.microsoft.com/office/powerpoint/2010/main" val="1915580122"/>
+      </p:ext>
+    </p:extLst>
+  </p:cSld>
+  <p:clrMapOvr>
+    <a:masterClrMapping/>
+  </p:clrMapOvr>
+</p:notes>
+</file>
+
+<file path=ppt/notesSlides/notesSlide8.xml><?xml version="1.0" encoding="utf-8"?>
+<p:notes xmlns:a="http://schemas.openxmlformats.org/drawingml/2006/main" xmlns:r="http://schemas.openxmlformats.org/officeDocument/2006/relationships" xmlns:p="http://schemas.openxmlformats.org/presentationml/2006/main">
+  <p:cSld>
+    <p:spTree>
+      <p:nvGrpSpPr>
+        <p:cNvPr id="1" name="">
+          <a:extLst>
+            <a:ext uri="{FF2B5EF4-FFF2-40B4-BE49-F238E27FC236}">
+              <a16:creationId xmlns:a16="http://schemas.microsoft.com/office/drawing/2014/main" id="{7BDAA125-50DF-FD1C-5BB0-987F1A708061}"/>
+            </a:ext>
+          </a:extLst>
+        </p:cNvPr>
+        <p:cNvGrpSpPr/>
+        <p:nvPr/>
+      </p:nvGrpSpPr>
+      <p:grpSpPr>
+        <a:xfrm>
+          <a:off x="0" y="0"/>
+          <a:ext cx="0" cy="0"/>
+          <a:chOff x="0" y="0"/>
+          <a:chExt cx="0" cy="0"/>
+        </a:xfrm>
+      </p:grpSpPr>
+      <p:sp>
+        <p:nvSpPr>
+          <p:cNvPr id="2" name="幻灯片图像占位符 1">
+            <a:extLst>
+              <a:ext uri="{FF2B5EF4-FFF2-40B4-BE49-F238E27FC236}">
+                <a16:creationId xmlns:a16="http://schemas.microsoft.com/office/drawing/2014/main" id="{C0E7B622-796D-834A-07B0-BE1DDC28777D}"/>
+              </a:ext>
+            </a:extLst>
+          </p:cNvPr>
+          <p:cNvSpPr>
+            <a:spLocks noGrp="1" noRot="1" noChangeAspect="1"/>
+          </p:cNvSpPr>
+          <p:nvPr>
+            <p:ph type="sldImg"/>
+          </p:nvPr>
+        </p:nvSpPr>
+        <p:spPr/>
+      </p:sp>
+      <p:sp>
+        <p:nvSpPr>
+          <p:cNvPr id="3" name="备注占位符 2">
+            <a:extLst>
+              <a:ext uri="{FF2B5EF4-FFF2-40B4-BE49-F238E27FC236}">
+                <a16:creationId xmlns:a16="http://schemas.microsoft.com/office/drawing/2014/main" id="{4035868F-7705-C620-641D-5AECE23EA543}"/>
+              </a:ext>
+            </a:extLst>
+          </p:cNvPr>
+          <p:cNvSpPr>
+            <a:spLocks noGrp="1"/>
+          </p:cNvSpPr>
+          <p:nvPr>
+            <p:ph type="body" idx="1"/>
+          </p:nvPr>
+        </p:nvSpPr>
+        <p:spPr/>
+        <p:txBody>
+          <a:bodyPr/>
+          <a:lstStyle/>
+          <a:p>
+            <a:endParaRPr lang="zh-CN" altLang="en-US" dirty="0"/>
+          </a:p>
+        </p:txBody>
+      </p:sp>
+      <p:sp>
+        <p:nvSpPr>
+          <p:cNvPr id="4" name="灯片编号占位符 3">
+            <a:extLst>
+              <a:ext uri="{FF2B5EF4-FFF2-40B4-BE49-F238E27FC236}">
+                <a16:creationId xmlns:a16="http://schemas.microsoft.com/office/drawing/2014/main" id="{267E093C-769E-997C-2F75-4F2CF43A003E}"/>
+              </a:ext>
+            </a:extLst>
+          </p:cNvPr>
+          <p:cNvSpPr>
+            <a:spLocks noGrp="1"/>
+          </p:cNvSpPr>
+          <p:nvPr>
+            <p:ph type="sldNum" sz="quarter" idx="5"/>
+          </p:nvPr>
+        </p:nvSpPr>
+        <p:spPr/>
+        <p:txBody>
+          <a:bodyPr/>
+          <a:lstStyle/>
+          <a:p>
+            <a:fld id="{4771BC29-852C-45DD-8EE9-F0FB2CE30406}" type="slidenum">
+              <a:rPr lang="zh-CN" altLang="en-US" smtClean="0"/>
+              <a:t>8</a:t>
+            </a:fld>
+            <a:endParaRPr lang="zh-CN" altLang="en-US"/>
+          </a:p>
+        </p:txBody>
+      </p:sp>
+    </p:spTree>
+    <p:extLst>
+      <p:ext uri="{BB962C8B-B14F-4D97-AF65-F5344CB8AC3E}">
+        <p14:creationId xmlns:p14="http://schemas.microsoft.com/office/powerpoint/2010/main" val="1259193221"/>
+      </p:ext>
+    </p:extLst>
+  </p:cSld>
+  <p:clrMapOvr>
+    <a:masterClrMapping/>
+  </p:clrMapOvr>
+</p:notes>
+</file>
+
+<file path=ppt/notesSlides/notesSlide9.xml><?xml version="1.0" encoding="utf-8"?>
+<p:notes xmlns:a="http://schemas.openxmlformats.org/drawingml/2006/main" xmlns:r="http://schemas.openxmlformats.org/officeDocument/2006/relationships" xmlns:p="http://schemas.openxmlformats.org/presentationml/2006/main">
+  <p:cSld>
+    <p:spTree>
+      <p:nvGrpSpPr>
+        <p:cNvPr id="1" name=""/>
+        <p:cNvGrpSpPr/>
+        <p:nvPr/>
+      </p:nvGrpSpPr>
+      <p:grpSpPr>
+        <a:xfrm>
+          <a:off x="0" y="0"/>
+          <a:ext cx="0" cy="0"/>
+          <a:chOff x="0" y="0"/>
+          <a:chExt cx="0" cy="0"/>
+        </a:xfrm>
+      </p:grpSpPr>
+      <p:sp>
+        <p:nvSpPr>
+          <p:cNvPr id="2" name="幻灯片图像占位符 1"/>
+          <p:cNvSpPr>
+            <a:spLocks noGrp="1" noRot="1" noChangeAspect="1"/>
+          </p:cNvSpPr>
+          <p:nvPr>
+            <p:ph type="sldImg"/>
+          </p:nvPr>
+        </p:nvSpPr>
+        <p:spPr/>
+      </p:sp>
+      <p:sp>
+        <p:nvSpPr>
+          <p:cNvPr id="3" name="备注占位符 2"/>
+          <p:cNvSpPr>
+            <a:spLocks noGrp="1"/>
+          </p:cNvSpPr>
+          <p:nvPr>
+            <p:ph type="body" idx="1"/>
+          </p:nvPr>
+        </p:nvSpPr>
+        <p:spPr/>
+        <p:txBody>
+          <a:bodyPr/>
+          <a:lstStyle/>
+          <a:p>
+            <a:r>
+              <a:rPr lang="en-US" altLang="zh-CN" dirty="0"/>
+              <a:t>We wrote a software to simulate the reading and writing of </a:t>
+            </a:r>
+            <a:r>
+              <a:rPr lang="en-US" altLang="zh-CN" dirty="0" err="1"/>
+              <a:t>evse</a:t>
+            </a:r>
+            <a:r>
+              <a:rPr lang="en-US" altLang="zh-CN" dirty="0"/>
+              <a:t> and shelly, which is convenient for debugging algorithms without hardware.</a:t>
+            </a:r>
+          </a:p>
+          <a:p>
+            <a:r>
+              <a:rPr lang="en-US" altLang="zh-CN" dirty="0"/>
+              <a:t>The simulator is developed using PyQt5 and provides a visual interface, allowing users to view and adjust simulation parameters. </a:t>
+            </a:r>
+          </a:p>
+          <a:p>
+            <a:r>
+              <a:rPr lang="en-US" altLang="zh-CN" dirty="0"/>
+              <a:t>This simulator allows for the debugging and optimization of the system’s charging control logic in a safe testing environment, ensuring functionality correctness and reducing the safety risks associated with direct live testing.</a:t>
+            </a:r>
+            <a:endParaRPr lang="zh-CN" altLang="en-US" dirty="0"/>
+          </a:p>
+        </p:txBody>
+      </p:sp>
+      <p:sp>
+        <p:nvSpPr>
+          <p:cNvPr id="4" name="灯片编号占位符 3"/>
+          <p:cNvSpPr>
+            <a:spLocks noGrp="1"/>
+          </p:cNvSpPr>
+          <p:nvPr>
+            <p:ph type="sldNum" sz="quarter" idx="5"/>
+          </p:nvPr>
+        </p:nvSpPr>
+        <p:spPr/>
+        <p:txBody>
+          <a:bodyPr/>
+          <a:lstStyle/>
+          <a:p>
+            <a:fld id="{4771BC29-852C-45DD-8EE9-F0FB2CE30406}" type="slidenum">
+              <a:rPr lang="zh-CN" altLang="en-US" smtClean="0"/>
+              <a:t>9</a:t>
+            </a:fld>
+            <a:endParaRPr lang="zh-CN" altLang="en-US"/>
+          </a:p>
+        </p:txBody>
+      </p:sp>
+    </p:spTree>
+    <p:extLst>
+      <p:ext uri="{BB962C8B-B14F-4D97-AF65-F5344CB8AC3E}">
+        <p14:creationId xmlns:p14="http://schemas.microsoft.com/office/powerpoint/2010/main" val="2924868693"/>
+      </p:ext>
+    </p:extLst>
+  </p:cSld>
+  <p:clrMapOvr>
+    <a:masterClrMapping/>
+  </p:clrMapOvr>
+</p:notes>
+</file>
+
 <file path=ppt/slideLayouts/slideLayout1.xml><?xml version="1.0" encoding="utf-8"?>
-<p:sldLayout xmlns:a="http://schemas.openxmlformats.org/drawingml/2006/main" xmlns:p="http://schemas.openxmlformats.org/presentationml/2006/main" xmlns:r="http://schemas.openxmlformats.org/officeDocument/2006/relationships" xmlns:p14="http://schemas.microsoft.com/office/powerpoint/2010/main" xmlns:p15="http://schemas.microsoft.com/office/powerpoint/2012/main" xmlns:mc="http://schemas.openxmlformats.org/markup-compatibility/2006" type="tx" preserve="1">
+<p:sldLayout xmlns:a="http://schemas.openxmlformats.org/drawingml/2006/main" xmlns:r="http://schemas.openxmlformats.org/officeDocument/2006/relationships" xmlns:p="http://schemas.openxmlformats.org/presentationml/2006/main" type="tx" preserve="1">
   <p:cSld name="标题4">
     <p:spTree>
       <p:nvGrpSpPr>
@@ -53,14 +2005,15 @@
           </a:ln>
         </p:spPr>
         <p:txBody>
-          <a:bodyPr lIns="0" rIns="0" tIns="0" bIns="0" anchor="ctr">
+          <a:bodyPr lIns="0" tIns="0" rIns="0" bIns="0" anchor="ctr">
             <a:noAutofit/>
           </a:bodyPr>
+          <a:lstStyle/>
           <a:p>
             <a:pPr indent="0" algn="ctr">
               <a:buNone/>
             </a:pPr>
-            <a:endParaRPr b="0" lang="en-US" sz="4400" strike="noStrike" u="none">
+            <a:endParaRPr lang="en-US" sz="4400" b="0" u="none" strike="noStrike">
               <a:solidFill>
                 <a:srgbClr val="000000"/>
               </a:solidFill>
@@ -94,9 +2047,10 @@
           </a:ln>
         </p:spPr>
         <p:txBody>
-          <a:bodyPr lIns="0" rIns="0" tIns="0" bIns="0" anchor="t">
+          <a:bodyPr lIns="0" tIns="0" rIns="0" bIns="0" anchor="t">
             <a:normAutofit/>
           </a:bodyPr>
+          <a:lstStyle/>
           <a:p>
             <a:pPr indent="0">
               <a:spcBef>
@@ -104,7 +2058,7 @@
               </a:spcBef>
               <a:buNone/>
             </a:pPr>
-            <a:endParaRPr b="0" lang="en-US" sz="3200" strike="noStrike" u="none">
+            <a:endParaRPr lang="en-US" sz="3200" b="0" u="none" strike="noStrike">
               <a:solidFill>
                 <a:srgbClr val="000000"/>
               </a:solidFill>
@@ -116,17 +2070,21 @@
       </p:sp>
     </p:spTree>
   </p:cSld>
+  <p:clrMapOvr>
+    <a:masterClrMapping/>
+  </p:clrMapOvr>
 </p:sldLayout>
 </file>
 
 <file path=ppt/slideMasters/slideMaster1.xml><?xml version="1.0" encoding="utf-8"?>
-<p:sldMaster xmlns:a="http://schemas.openxmlformats.org/drawingml/2006/main" xmlns:p="http://schemas.openxmlformats.org/presentationml/2006/main" xmlns:r="http://schemas.openxmlformats.org/officeDocument/2006/relationships" xmlns:p14="http://schemas.microsoft.com/office/powerpoint/2010/main" xmlns:p15="http://schemas.microsoft.com/office/powerpoint/2012/main" xmlns:mc="http://schemas.openxmlformats.org/markup-compatibility/2006">
+<p:sldMaster xmlns:a="http://schemas.openxmlformats.org/drawingml/2006/main" xmlns:r="http://schemas.openxmlformats.org/officeDocument/2006/relationships" xmlns:p="http://schemas.openxmlformats.org/presentationml/2006/main">
   <p:cSld>
     <p:bg>
       <p:bgPr>
         <a:solidFill>
-          <a:srgbClr val="ffffff"/>
+          <a:srgbClr val="FFFFFF"/>
         </a:solidFill>
+        <a:effectLst/>
       </p:bgPr>
     </p:bg>
     <p:spTree>
@@ -145,7 +2103,7 @@
       </p:grpSpPr>
       <p:sp>
         <p:nvSpPr>
-          <p:cNvPr id="0" name=""/>
+          <p:cNvPr id="12" name="矩形 11"/>
           <p:cNvSpPr/>
           <p:nvPr/>
         </p:nvSpPr>
@@ -168,15 +2126,22 @@
           </a:ln>
         </p:spPr>
         <p:style>
-          <a:lnRef idx="0"/>
-          <a:fillRef idx="0"/>
-          <a:effectRef idx="0"/>
+          <a:lnRef idx="0">
+            <a:scrgbClr r="0" g="0" b="0"/>
+          </a:lnRef>
+          <a:fillRef idx="0">
+            <a:scrgbClr r="0" g="0" b="0"/>
+          </a:fillRef>
+          <a:effectRef idx="0">
+            <a:scrgbClr r="0" g="0" b="0"/>
+          </a:effectRef>
           <a:fontRef idx="minor"/>
         </p:style>
         <p:txBody>
-          <a:bodyPr wrap="none" lIns="90000" rIns="90000" tIns="46800" bIns="46800" anchor="ctr">
+          <a:bodyPr wrap="none" lIns="90000" tIns="46800" rIns="90000" bIns="46800" anchor="ctr">
             <a:noAutofit/>
           </a:bodyPr>
+          <a:lstStyle/>
           <a:p>
             <a:pPr>
               <a:lnSpc>
@@ -189,10 +2154,10 @@
                 <a:spcPts val="26"/>
               </a:spcAft>
               <a:tabLst>
-                <a:tab algn="l" pos="0"/>
+                <a:tab pos="0" algn="l"/>
               </a:tabLst>
             </a:pPr>
-            <a:endParaRPr b="0" lang="en-US" sz="1800" strike="noStrike" u="none">
+            <a:endParaRPr lang="en-US" sz="1800" b="0" u="none" strike="noStrike">
               <a:solidFill>
                 <a:srgbClr val="000000"/>
               </a:solidFill>
@@ -205,7 +2170,7 @@
       </p:sp>
       <p:sp>
         <p:nvSpPr>
-          <p:cNvPr id="1" name=""/>
+          <p:cNvPr id="13" name="矩形 12"/>
           <p:cNvSpPr/>
           <p:nvPr/>
         </p:nvSpPr>
@@ -223,15 +2188,22 @@
           </a:ln>
         </p:spPr>
         <p:style>
-          <a:lnRef idx="0"/>
-          <a:fillRef idx="0"/>
-          <a:effectRef idx="0"/>
+          <a:lnRef idx="0">
+            <a:scrgbClr r="0" g="0" b="0"/>
+          </a:lnRef>
+          <a:fillRef idx="0">
+            <a:scrgbClr r="0" g="0" b="0"/>
+          </a:fillRef>
+          <a:effectRef idx="0">
+            <a:scrgbClr r="0" g="0" b="0"/>
+          </a:effectRef>
           <a:fontRef idx="minor"/>
         </p:style>
         <p:txBody>
-          <a:bodyPr wrap="none" lIns="90000" rIns="90000" tIns="45000" bIns="45000" anchor="t">
+          <a:bodyPr wrap="none" lIns="90000" tIns="45000" rIns="90000" bIns="45000" anchor="t">
             <a:noAutofit/>
           </a:bodyPr>
+          <a:lstStyle/>
           <a:p>
             <a:pPr>
               <a:lnSpc>
@@ -244,11 +2216,11 @@
                 <a:spcPts val="26"/>
               </a:spcAft>
               <a:tabLst>
-                <a:tab algn="l" pos="0"/>
+                <a:tab pos="0" algn="l"/>
               </a:tabLst>
             </a:pPr>
             <a:fld id="{00BBAA12-D779-4D1E-A8BF-4A2BB1C21117}" type="slidenum">
-              <a:rPr b="0" lang="en-US" sz="1200" strike="noStrike" u="none">
+              <a:rPr lang="en-US" sz="1200" b="0" u="none" strike="noStrike">
                 <a:solidFill>
                   <a:srgbClr val="000000"/>
                 </a:solidFill>
@@ -256,9 +2228,9 @@
                 <a:latin typeface="Arial"/>
                 <a:ea typeface="DejaVu Sans"/>
               </a:rPr>
-              <a:t>&lt;编号&gt;</a:t>
+              <a:t>‹#›</a:t>
             </a:fld>
-            <a:endParaRPr b="0" lang="en-US" sz="1200" strike="noStrike" u="none">
+            <a:endParaRPr lang="en-US" sz="1200" b="0" u="none" strike="noStrike">
               <a:solidFill>
                 <a:srgbClr val="000000"/>
               </a:solidFill>
@@ -270,7 +2242,7 @@
       </p:sp>
       <p:sp>
         <p:nvSpPr>
-          <p:cNvPr id="2" name=""/>
+          <p:cNvPr id="2" name="直接连接符 1"/>
           <p:cNvSpPr/>
           <p:nvPr/>
         </p:nvSpPr>
@@ -290,17 +2262,24 @@
           </a:ln>
         </p:spPr>
         <p:style>
-          <a:lnRef idx="0"/>
-          <a:fillRef idx="0"/>
-          <a:effectRef idx="0"/>
+          <a:lnRef idx="0">
+            <a:scrgbClr r="0" g="0" b="0"/>
+          </a:lnRef>
+          <a:fillRef idx="0">
+            <a:scrgbClr r="0" g="0" b="0"/>
+          </a:fillRef>
+          <a:effectRef idx="0">
+            <a:scrgbClr r="0" g="0" b="0"/>
+          </a:effectRef>
           <a:fontRef idx="minor"/>
         </p:style>
         <p:txBody>
-          <a:bodyPr lIns="90000" rIns="90000" tIns="-45000" bIns="-45000" anchor="t">
+          <a:bodyPr lIns="90000" tIns="-45000" rIns="90000" bIns="-45000" anchor="t">
             <a:noAutofit/>
           </a:bodyPr>
-          <a:p>
-            <a:endParaRPr b="0" lang="en-US" sz="1800" strike="noStrike" u="none">
+          <a:lstStyle/>
+          <a:p>
+            <a:endParaRPr lang="en-US" sz="1800" b="0" u="none" strike="noStrike">
               <a:solidFill>
                 <a:srgbClr val="000000"/>
               </a:solidFill>
@@ -313,7 +2292,7 @@
       </p:sp>
       <p:sp>
         <p:nvSpPr>
-          <p:cNvPr id="3" name=""/>
+          <p:cNvPr id="3" name="直接连接符 2"/>
           <p:cNvSpPr/>
           <p:nvPr/>
         </p:nvSpPr>
@@ -333,17 +2312,24 @@
           </a:ln>
         </p:spPr>
         <p:style>
-          <a:lnRef idx="0"/>
-          <a:fillRef idx="0"/>
-          <a:effectRef idx="0"/>
+          <a:lnRef idx="0">
+            <a:scrgbClr r="0" g="0" b="0"/>
+          </a:lnRef>
+          <a:fillRef idx="0">
+            <a:scrgbClr r="0" g="0" b="0"/>
+          </a:fillRef>
+          <a:effectRef idx="0">
+            <a:scrgbClr r="0" g="0" b="0"/>
+          </a:effectRef>
           <a:fontRef idx="minor"/>
         </p:style>
         <p:txBody>
-          <a:bodyPr lIns="90000" rIns="90000" tIns="-45360" bIns="-45360" anchor="t">
+          <a:bodyPr lIns="90000" tIns="-45360" rIns="90000" bIns="-45360" anchor="t">
             <a:noAutofit/>
           </a:bodyPr>
-          <a:p>
-            <a:endParaRPr b="0" lang="en-US" sz="1800" strike="noStrike" u="none">
+          <a:lstStyle/>
+          <a:p>
+            <a:endParaRPr lang="en-US" sz="1800" b="0" u="none" strike="noStrike">
               <a:solidFill>
                 <a:srgbClr val="000000"/>
               </a:solidFill>
@@ -356,12 +2342,12 @@
       </p:sp>
       <p:pic>
         <p:nvPicPr>
-          <p:cNvPr id="4" name="" descr=""/>
+          <p:cNvPr id="4" name="图片 3"/>
           <p:cNvPicPr/>
           <p:nvPr/>
         </p:nvPicPr>
         <p:blipFill>
-          <a:blip r:embed="rId2"/>
+          <a:blip r:embed="rId3"/>
           <a:stretch/>
         </p:blipFill>
         <p:spPr>
@@ -379,12 +2365,12 @@
       </p:pic>
       <p:pic>
         <p:nvPicPr>
-          <p:cNvPr id="5" name="" descr=""/>
+          <p:cNvPr id="5" name="图片 4"/>
           <p:cNvPicPr/>
           <p:nvPr/>
         </p:nvPicPr>
         <p:blipFill>
-          <a:blip r:embed="rId3"/>
+          <a:blip r:embed="rId4"/>
           <a:stretch/>
         </p:blipFill>
         <p:spPr>
@@ -402,7 +2388,7 @@
       </p:pic>
       <p:sp>
         <p:nvSpPr>
-          <p:cNvPr id="6" name=""/>
+          <p:cNvPr id="6" name="矩形 5"/>
           <p:cNvSpPr/>
           <p:nvPr/>
         </p:nvSpPr>
@@ -420,15 +2406,22 @@
           </a:ln>
         </p:spPr>
         <p:style>
-          <a:lnRef idx="0"/>
-          <a:fillRef idx="0"/>
-          <a:effectRef idx="0"/>
+          <a:lnRef idx="0">
+            <a:scrgbClr r="0" g="0" b="0"/>
+          </a:lnRef>
+          <a:fillRef idx="0">
+            <a:scrgbClr r="0" g="0" b="0"/>
+          </a:fillRef>
+          <a:effectRef idx="0">
+            <a:scrgbClr r="0" g="0" b="0"/>
+          </a:effectRef>
           <a:fontRef idx="minor"/>
         </p:style>
         <p:txBody>
-          <a:bodyPr lIns="90000" rIns="90000" tIns="45000" bIns="45000" anchor="t">
+          <a:bodyPr lIns="90000" tIns="45000" rIns="90000" bIns="45000" anchor="t">
             <a:noAutofit/>
           </a:bodyPr>
+          <a:lstStyle/>
           <a:p>
             <a:pPr>
               <a:lnSpc>
@@ -441,24 +2434,24 @@
                 <a:spcPts val="26"/>
               </a:spcAft>
               <a:tabLst>
-                <a:tab algn="l" pos="0"/>
-                <a:tab algn="l" pos="914400"/>
-                <a:tab algn="l" pos="1828800"/>
-                <a:tab algn="l" pos="2743200"/>
-                <a:tab algn="l" pos="3657600"/>
-                <a:tab algn="l" pos="4572000"/>
-                <a:tab algn="l" pos="5486400"/>
-                <a:tab algn="l" pos="6400800"/>
-                <a:tab algn="l" pos="7315200"/>
-                <a:tab algn="l" pos="8229600"/>
-                <a:tab algn="l" pos="9144000"/>
-                <a:tab algn="l" pos="10058400"/>
-                <a:tab algn="l" pos="10333080"/>
-                <a:tab algn="l" pos="10782360"/>
+                <a:tab pos="0" algn="l"/>
+                <a:tab pos="914400" algn="l"/>
+                <a:tab pos="1828800" algn="l"/>
+                <a:tab pos="2743200" algn="l"/>
+                <a:tab pos="3657600" algn="l"/>
+                <a:tab pos="4572000" algn="l"/>
+                <a:tab pos="5486400" algn="l"/>
+                <a:tab pos="6400800" algn="l"/>
+                <a:tab pos="7315200" algn="l"/>
+                <a:tab pos="8229600" algn="l"/>
+                <a:tab pos="9144000" algn="l"/>
+                <a:tab pos="10058400" algn="l"/>
+                <a:tab pos="10333080" algn="l"/>
+                <a:tab pos="10782360" algn="l"/>
               </a:tabLst>
             </a:pPr>
             <a:r>
-              <a:rPr b="0" lang="en-US" sz="1200" strike="noStrike" u="none">
+              <a:rPr lang="en-US" sz="1200" b="0" u="none" strike="noStrike" dirty="0">
                 <a:solidFill>
                   <a:srgbClr val="000000"/>
                 </a:solidFill>
@@ -466,20 +2459,9 @@
                 <a:latin typeface="Arial"/>
                 <a:ea typeface="DejaVu Sans"/>
               </a:rPr>
-              <a:t>05.12.2025 | </a:t>
-            </a:r>
-            <a:r>
-              <a:rPr b="0" lang="en-US" sz="1200" strike="noStrike" u="none">
-                <a:solidFill>
-                  <a:srgbClr val="000000"/>
-                </a:solidFill>
-                <a:uFillTx/>
-                <a:latin typeface="Arial"/>
-                <a:ea typeface="DejaVu Sans"/>
-              </a:rPr>
-              <a:t>	</a:t>
-            </a:r>
-            <a:endParaRPr b="0" lang="en-US" sz="1200" strike="noStrike" u="none">
+              <a:t>05.12.2025 | 	</a:t>
+            </a:r>
+            <a:endParaRPr lang="en-US" sz="1200" b="0" u="none" strike="noStrike" dirty="0">
               <a:solidFill>
                 <a:srgbClr val="000000"/>
               </a:solidFill>
@@ -491,7 +2473,7 @@
       </p:sp>
       <p:sp>
         <p:nvSpPr>
-          <p:cNvPr id="7" name=""/>
+          <p:cNvPr id="7" name="矩形 6"/>
           <p:cNvSpPr/>
           <p:nvPr/>
         </p:nvSpPr>
@@ -509,15 +2491,22 @@
           </a:ln>
         </p:spPr>
         <p:style>
-          <a:lnRef idx="0"/>
-          <a:fillRef idx="0"/>
-          <a:effectRef idx="0"/>
+          <a:lnRef idx="0">
+            <a:scrgbClr r="0" g="0" b="0"/>
+          </a:lnRef>
+          <a:fillRef idx="0">
+            <a:scrgbClr r="0" g="0" b="0"/>
+          </a:fillRef>
+          <a:effectRef idx="0">
+            <a:scrgbClr r="0" g="0" b="0"/>
+          </a:effectRef>
           <a:fontRef idx="minor"/>
         </p:style>
         <p:txBody>
-          <a:bodyPr lIns="90000" rIns="90000" tIns="45000" bIns="45000" anchor="t">
+          <a:bodyPr lIns="90000" tIns="45000" rIns="90000" bIns="45000" anchor="t">
             <a:noAutofit/>
           </a:bodyPr>
+          <a:lstStyle/>
           <a:p>
             <a:pPr>
               <a:lnSpc>
@@ -530,24 +2519,24 @@
                 <a:spcPts val="992"/>
               </a:spcAft>
               <a:tabLst>
-                <a:tab algn="l" pos="0"/>
-                <a:tab algn="l" pos="914400"/>
-                <a:tab algn="l" pos="1828800"/>
-                <a:tab algn="l" pos="2743200"/>
-                <a:tab algn="l" pos="3657600"/>
-                <a:tab algn="l" pos="4572000"/>
-                <a:tab algn="l" pos="5486400"/>
-                <a:tab algn="l" pos="6400800"/>
-                <a:tab algn="l" pos="7315200"/>
-                <a:tab algn="l" pos="8229600"/>
-                <a:tab algn="l" pos="9144000"/>
-                <a:tab algn="l" pos="10058400"/>
-                <a:tab algn="l" pos="10333080"/>
-                <a:tab algn="l" pos="10782360"/>
+                <a:tab pos="0" algn="l"/>
+                <a:tab pos="914400" algn="l"/>
+                <a:tab pos="1828800" algn="l"/>
+                <a:tab pos="2743200" algn="l"/>
+                <a:tab pos="3657600" algn="l"/>
+                <a:tab pos="4572000" algn="l"/>
+                <a:tab pos="5486400" algn="l"/>
+                <a:tab pos="6400800" algn="l"/>
+                <a:tab pos="7315200" algn="l"/>
+                <a:tab pos="8229600" algn="l"/>
+                <a:tab pos="9144000" algn="l"/>
+                <a:tab pos="10058400" algn="l"/>
+                <a:tab pos="10333080" algn="l"/>
+                <a:tab pos="10782360" algn="l"/>
               </a:tabLst>
             </a:pPr>
             <a:r>
-              <a:rPr b="0" lang="en-US" sz="1200" strike="noStrike" u="none">
+              <a:rPr lang="en-US" sz="1200" b="0" u="none" strike="noStrike" dirty="0">
                 <a:solidFill>
                   <a:srgbClr val="000000"/>
                 </a:solidFill>
@@ -557,7 +2546,7 @@
               </a:rPr>
               <a:t>Charging Station Upgrade to OCPP Communication for Smart Charging </a:t>
             </a:r>
-            <a:endParaRPr b="0" lang="en-US" sz="1200" strike="noStrike" u="none">
+            <a:endParaRPr lang="en-US" sz="1200" b="0" u="none" strike="noStrike" dirty="0">
               <a:solidFill>
                 <a:srgbClr val="000000"/>
               </a:solidFill>
@@ -569,7 +2558,7 @@
       </p:sp>
       <p:sp>
         <p:nvSpPr>
-          <p:cNvPr id="8" name=""/>
+          <p:cNvPr id="8" name="矩形 7"/>
           <p:cNvSpPr/>
           <p:nvPr/>
         </p:nvSpPr>
@@ -587,15 +2576,22 @@
           </a:ln>
         </p:spPr>
         <p:style>
-          <a:lnRef idx="0"/>
-          <a:fillRef idx="0"/>
-          <a:effectRef idx="0"/>
+          <a:lnRef idx="0">
+            <a:scrgbClr r="0" g="0" b="0"/>
+          </a:lnRef>
+          <a:fillRef idx="0">
+            <a:scrgbClr r="0" g="0" b="0"/>
+          </a:fillRef>
+          <a:effectRef idx="0">
+            <a:scrgbClr r="0" g="0" b="0"/>
+          </a:effectRef>
           <a:fontRef idx="minor"/>
         </p:style>
         <p:txBody>
-          <a:bodyPr wrap="none" lIns="90000" rIns="90000" tIns="45000" bIns="45000" anchor="t">
+          <a:bodyPr wrap="none" lIns="90000" tIns="45000" rIns="90000" bIns="45000" anchor="t">
             <a:noAutofit/>
           </a:bodyPr>
+          <a:lstStyle/>
           <a:p>
             <a:pPr>
               <a:lnSpc>
@@ -608,24 +2604,24 @@
                 <a:spcPts val="26"/>
               </a:spcAft>
               <a:tabLst>
-                <a:tab algn="l" pos="0"/>
-                <a:tab algn="l" pos="914400"/>
-                <a:tab algn="l" pos="1828800"/>
-                <a:tab algn="l" pos="2743200"/>
-                <a:tab algn="l" pos="3657600"/>
-                <a:tab algn="l" pos="4572000"/>
-                <a:tab algn="l" pos="5486400"/>
-                <a:tab algn="l" pos="6400800"/>
-                <a:tab algn="l" pos="7315200"/>
-                <a:tab algn="l" pos="8229600"/>
-                <a:tab algn="l" pos="9144000"/>
-                <a:tab algn="l" pos="10058400"/>
-                <a:tab algn="l" pos="10333080"/>
-                <a:tab algn="l" pos="10782360"/>
+                <a:tab pos="0" algn="l"/>
+                <a:tab pos="914400" algn="l"/>
+                <a:tab pos="1828800" algn="l"/>
+                <a:tab pos="2743200" algn="l"/>
+                <a:tab pos="3657600" algn="l"/>
+                <a:tab pos="4572000" algn="l"/>
+                <a:tab pos="5486400" algn="l"/>
+                <a:tab pos="6400800" algn="l"/>
+                <a:tab pos="7315200" algn="l"/>
+                <a:tab pos="8229600" algn="l"/>
+                <a:tab pos="9144000" algn="l"/>
+                <a:tab pos="10058400" algn="l"/>
+                <a:tab pos="10333080" algn="l"/>
+                <a:tab pos="10782360" algn="l"/>
               </a:tabLst>
             </a:pPr>
             <a:r>
-              <a:rPr b="0" lang="en-US" sz="1200" strike="noStrike" u="none">
+              <a:rPr lang="en-US" sz="1200" b="0" u="none" strike="noStrike">
                 <a:solidFill>
                   <a:srgbClr val="000000"/>
                 </a:solidFill>
@@ -635,7 +2631,7 @@
               </a:rPr>
               <a:t>| Junfan Jin, Can Zeng, </a:t>
             </a:r>
-            <a:endParaRPr b="0" lang="en-US" sz="1200" strike="noStrike" u="none">
+            <a:endParaRPr lang="en-US" sz="1200" b="0" u="none" strike="noStrike">
               <a:solidFill>
                 <a:srgbClr val="000000"/>
               </a:solidFill>
@@ -655,24 +2651,24 @@
                 <a:spcPts val="26"/>
               </a:spcAft>
               <a:tabLst>
-                <a:tab algn="l" pos="0"/>
-                <a:tab algn="l" pos="914400"/>
-                <a:tab algn="l" pos="1828800"/>
-                <a:tab algn="l" pos="2743200"/>
-                <a:tab algn="l" pos="3657600"/>
-                <a:tab algn="l" pos="4572000"/>
-                <a:tab algn="l" pos="5486400"/>
-                <a:tab algn="l" pos="6400800"/>
-                <a:tab algn="l" pos="7315200"/>
-                <a:tab algn="l" pos="8229600"/>
-                <a:tab algn="l" pos="9144000"/>
-                <a:tab algn="l" pos="10058400"/>
-                <a:tab algn="l" pos="10333080"/>
-                <a:tab algn="l" pos="10782360"/>
+                <a:tab pos="0" algn="l"/>
+                <a:tab pos="914400" algn="l"/>
+                <a:tab pos="1828800" algn="l"/>
+                <a:tab pos="2743200" algn="l"/>
+                <a:tab pos="3657600" algn="l"/>
+                <a:tab pos="4572000" algn="l"/>
+                <a:tab pos="5486400" algn="l"/>
+                <a:tab pos="6400800" algn="l"/>
+                <a:tab pos="7315200" algn="l"/>
+                <a:tab pos="8229600" algn="l"/>
+                <a:tab pos="9144000" algn="l"/>
+                <a:tab pos="10058400" algn="l"/>
+                <a:tab pos="10333080" algn="l"/>
+                <a:tab pos="10782360" algn="l"/>
               </a:tabLst>
             </a:pPr>
             <a:r>
-              <a:rPr b="0" lang="en-US" sz="1200" strike="noStrike" u="none">
+              <a:rPr lang="en-US" sz="1200" b="0" u="none" strike="noStrike">
                 <a:solidFill>
                   <a:srgbClr val="000000"/>
                 </a:solidFill>
@@ -680,20 +2676,9 @@
                 <a:latin typeface="Arial"/>
                 <a:ea typeface="DejaVu Sans"/>
               </a:rPr>
-              <a:t>  </a:t>
-            </a:r>
-            <a:r>
-              <a:rPr b="0" lang="en-US" sz="1200" strike="noStrike" u="none">
-                <a:solidFill>
-                  <a:srgbClr val="000000"/>
-                </a:solidFill>
-                <a:uFillTx/>
-                <a:latin typeface="Arial"/>
-                <a:ea typeface="DejaVu Sans"/>
-              </a:rPr>
-              <a:t>Yunan Jiang, Huang Chen</a:t>
-            </a:r>
-            <a:endParaRPr b="0" lang="en-US" sz="1200" strike="noStrike" u="none">
+              <a:t>  Yunan Jiang, Huang Chen</a:t>
+            </a:r>
+            <a:endParaRPr lang="en-US" sz="1200" b="0" u="none" strike="noStrike">
               <a:solidFill>
                 <a:srgbClr val="000000"/>
               </a:solidFill>
@@ -705,7 +2690,7 @@
       </p:sp>
       <p:sp>
         <p:nvSpPr>
-          <p:cNvPr id="9" name=""/>
+          <p:cNvPr id="9" name="直接连接符 8"/>
           <p:cNvSpPr/>
           <p:nvPr/>
         </p:nvSpPr>
@@ -725,17 +2710,24 @@
           </a:ln>
         </p:spPr>
         <p:style>
-          <a:lnRef idx="0"/>
-          <a:fillRef idx="0"/>
-          <a:effectRef idx="0"/>
+          <a:lnRef idx="0">
+            <a:scrgbClr r="0" g="0" b="0"/>
+          </a:lnRef>
+          <a:fillRef idx="0">
+            <a:scrgbClr r="0" g="0" b="0"/>
+          </a:fillRef>
+          <a:effectRef idx="0">
+            <a:scrgbClr r="0" g="0" b="0"/>
+          </a:effectRef>
           <a:fontRef idx="minor"/>
         </p:style>
         <p:txBody>
-          <a:bodyPr lIns="90000" rIns="90000" tIns="-45360" bIns="-45360" anchor="t">
+          <a:bodyPr lIns="90000" tIns="-45360" rIns="90000" bIns="-45360" anchor="t">
             <a:noAutofit/>
           </a:bodyPr>
-          <a:p>
-            <a:endParaRPr b="0" lang="en-US" sz="1800" strike="noStrike" u="none">
+          <a:lstStyle/>
+          <a:p>
+            <a:endParaRPr lang="en-US" sz="1800" b="0" u="none" strike="noStrike">
               <a:solidFill>
                 <a:srgbClr val="000000"/>
               </a:solidFill>
@@ -770,15 +2762,16 @@
           </a:ln>
         </p:spPr>
         <p:txBody>
-          <a:bodyPr lIns="0" rIns="0" tIns="0" bIns="0" anchor="ctr">
+          <a:bodyPr lIns="0" tIns="0" rIns="0" bIns="0" anchor="ctr">
             <a:noAutofit/>
           </a:bodyPr>
+          <a:lstStyle/>
           <a:p>
             <a:pPr indent="0">
               <a:buNone/>
             </a:pPr>
             <a:r>
-              <a:rPr b="0" lang="zh-CN" sz="1800" strike="noStrike" u="none">
+              <a:rPr lang="zh-CN" sz="1800" b="0" u="none" strike="noStrike">
                 <a:solidFill>
                   <a:srgbClr val="000000"/>
                 </a:solidFill>
@@ -787,7 +2780,7 @@
               </a:rPr>
               <a:t>单击以编辑标题文本格式</a:t>
             </a:r>
-            <a:endParaRPr b="0" lang="en-US" sz="1800" strike="noStrike" u="none">
+            <a:endParaRPr lang="en-US" sz="1800" b="0" u="none" strike="noStrike">
               <a:solidFill>
                 <a:srgbClr val="000000"/>
               </a:solidFill>
@@ -821,9 +2814,10 @@
           </a:ln>
         </p:spPr>
         <p:txBody>
-          <a:bodyPr lIns="0" rIns="0" tIns="0" bIns="0" anchor="t">
+          <a:bodyPr lIns="0" tIns="0" rIns="0" bIns="0" anchor="t">
             <a:normAutofit/>
           </a:bodyPr>
+          <a:lstStyle/>
           <a:p>
             <a:pPr marL="432000" indent="-324000">
               <a:spcBef>
@@ -837,7 +2831,7 @@
               <a:buChar char=""/>
             </a:pPr>
             <a:r>
-              <a:rPr b="0" lang="zh-CN" sz="1800" strike="noStrike" u="none">
+              <a:rPr lang="zh-CN" sz="1800" b="0" u="none" strike="noStrike">
                 <a:solidFill>
                   <a:srgbClr val="000000"/>
                 </a:solidFill>
@@ -846,7 +2840,7 @@
               </a:rPr>
               <a:t>点击以编辑提纲文本格式</a:t>
             </a:r>
-            <a:endParaRPr b="0" lang="en-US" sz="1800" strike="noStrike" u="none">
+            <a:endParaRPr lang="en-US" sz="1800" b="0" u="none" strike="noStrike">
               <a:solidFill>
                 <a:srgbClr val="000000"/>
               </a:solidFill>
@@ -855,7 +2849,7 @@
             </a:endParaRPr>
           </a:p>
           <a:p>
-            <a:pPr lvl="1" marL="864000" indent="-324000">
+            <a:pPr marL="864000" lvl="1" indent="-324000">
               <a:spcBef>
                 <a:spcPts val="1134"/>
               </a:spcBef>
@@ -867,7 +2861,7 @@
               <a:buChar char=""/>
             </a:pPr>
             <a:r>
-              <a:rPr b="0" lang="zh-CN" sz="1800" strike="noStrike" u="none">
+              <a:rPr lang="zh-CN" sz="1800" b="0" u="none" strike="noStrike">
                 <a:solidFill>
                   <a:srgbClr val="000000"/>
                 </a:solidFill>
@@ -876,7 +2870,7 @@
               </a:rPr>
               <a:t>第二提纲级别</a:t>
             </a:r>
-            <a:endParaRPr b="0" lang="en-US" sz="1800" strike="noStrike" u="none">
+            <a:endParaRPr lang="en-US" sz="1800" b="0" u="none" strike="noStrike">
               <a:solidFill>
                 <a:srgbClr val="000000"/>
               </a:solidFill>
@@ -885,7 +2879,7 @@
             </a:endParaRPr>
           </a:p>
           <a:p>
-            <a:pPr lvl="2" marL="1296000" indent="-288000">
+            <a:pPr marL="1296000" lvl="2" indent="-288000">
               <a:spcBef>
                 <a:spcPts val="850"/>
               </a:spcBef>
@@ -897,7 +2891,7 @@
               <a:buChar char=""/>
             </a:pPr>
             <a:r>
-              <a:rPr b="0" lang="zh-CN" sz="1800" strike="noStrike" u="none">
+              <a:rPr lang="zh-CN" sz="1800" b="0" u="none" strike="noStrike">
                 <a:solidFill>
                   <a:srgbClr val="000000"/>
                 </a:solidFill>
@@ -906,7 +2900,7 @@
               </a:rPr>
               <a:t>第三提纲级别</a:t>
             </a:r>
-            <a:endParaRPr b="0" lang="en-US" sz="1800" strike="noStrike" u="none">
+            <a:endParaRPr lang="en-US" sz="1800" b="0" u="none" strike="noStrike">
               <a:solidFill>
                 <a:srgbClr val="000000"/>
               </a:solidFill>
@@ -915,7 +2909,7 @@
             </a:endParaRPr>
           </a:p>
           <a:p>
-            <a:pPr lvl="3" marL="1728000" indent="-216000">
+            <a:pPr marL="1728000" lvl="3" indent="-216000">
               <a:spcBef>
                 <a:spcPts val="567"/>
               </a:spcBef>
@@ -927,7 +2921,7 @@
               <a:buChar char=""/>
             </a:pPr>
             <a:r>
-              <a:rPr b="0" lang="zh-CN" sz="1800" strike="noStrike" u="none">
+              <a:rPr lang="zh-CN" sz="1800" b="0" u="none" strike="noStrike">
                 <a:solidFill>
                   <a:srgbClr val="000000"/>
                 </a:solidFill>
@@ -936,7 +2930,7 @@
               </a:rPr>
               <a:t>第四提纲级别</a:t>
             </a:r>
-            <a:endParaRPr b="0" lang="en-US" sz="1800" strike="noStrike" u="none">
+            <a:endParaRPr lang="en-US" sz="1800" b="0" u="none" strike="noStrike">
               <a:solidFill>
                 <a:srgbClr val="000000"/>
               </a:solidFill>
@@ -945,7 +2939,7 @@
             </a:endParaRPr>
           </a:p>
           <a:p>
-            <a:pPr lvl="4" marL="2160000" indent="-216000">
+            <a:pPr marL="2160000" lvl="4" indent="-216000">
               <a:spcBef>
                 <a:spcPts val="283"/>
               </a:spcBef>
@@ -957,7 +2951,7 @@
               <a:buChar char=""/>
             </a:pPr>
             <a:r>
-              <a:rPr b="0" lang="zh-CN" sz="1800" strike="noStrike" u="none">
+              <a:rPr lang="zh-CN" sz="1800" b="0" u="none" strike="noStrike">
                 <a:solidFill>
                   <a:srgbClr val="000000"/>
                 </a:solidFill>
@@ -966,7 +2960,7 @@
               </a:rPr>
               <a:t>第五提纲级别</a:t>
             </a:r>
-            <a:endParaRPr b="0" lang="en-US" sz="1800" strike="noStrike" u="none">
+            <a:endParaRPr lang="en-US" sz="1800" b="0" u="none" strike="noStrike">
               <a:solidFill>
                 <a:srgbClr val="000000"/>
               </a:solidFill>
@@ -975,7 +2969,7 @@
             </a:endParaRPr>
           </a:p>
           <a:p>
-            <a:pPr lvl="5" marL="2592000" indent="-216000">
+            <a:pPr marL="2592000" lvl="5" indent="-216000">
               <a:spcBef>
                 <a:spcPts val="283"/>
               </a:spcBef>
@@ -987,7 +2981,7 @@
               <a:buChar char=""/>
             </a:pPr>
             <a:r>
-              <a:rPr b="0" lang="zh-CN" sz="1800" strike="noStrike" u="none">
+              <a:rPr lang="zh-CN" sz="1800" b="0" u="none" strike="noStrike">
                 <a:solidFill>
                   <a:srgbClr val="000000"/>
                 </a:solidFill>
@@ -996,7 +2990,7 @@
               </a:rPr>
               <a:t>第六提纲级别</a:t>
             </a:r>
-            <a:endParaRPr b="0" lang="en-US" sz="1800" strike="noStrike" u="none">
+            <a:endParaRPr lang="en-US" sz="1800" b="0" u="none" strike="noStrike">
               <a:solidFill>
                 <a:srgbClr val="000000"/>
               </a:solidFill>
@@ -1005,7 +2999,7 @@
             </a:endParaRPr>
           </a:p>
           <a:p>
-            <a:pPr lvl="6" marL="3024000" indent="-216000">
+            <a:pPr marL="3024000" lvl="6" indent="-216000">
               <a:spcBef>
                 <a:spcPts val="283"/>
               </a:spcBef>
@@ -1017,7 +3011,7 @@
               <a:buChar char=""/>
             </a:pPr>
             <a:r>
-              <a:rPr b="0" lang="zh-CN" sz="1800" strike="noStrike" u="none">
+              <a:rPr lang="zh-CN" sz="1800" b="0" u="none" strike="noStrike">
                 <a:solidFill>
                   <a:srgbClr val="000000"/>
                 </a:solidFill>
@@ -1026,7 +3020,7 @@
               </a:rPr>
               <a:t>第七提纲级别</a:t>
             </a:r>
-            <a:endParaRPr b="0" lang="en-US" sz="1800" strike="noStrike" u="none">
+            <a:endParaRPr lang="en-US" sz="1800" b="0" u="none" strike="noStrike">
               <a:solidFill>
                 <a:srgbClr val="000000"/>
               </a:solidFill>
@@ -1040,13 +3034,293 @@
   </p:cSld>
   <p:clrMap bg1="lt1" tx1="dk1" bg2="lt2" tx2="dk2" accent1="accent1" accent2="accent2" accent3="accent3" accent4="accent4" accent5="accent5" accent6="accent6" hlink="hlink" folHlink="folHlink"/>
   <p:sldLayoutIdLst>
-    <p:sldLayoutId id="2147483649" r:id="rId4"/>
+    <p:sldLayoutId id="2147483649" r:id="rId1"/>
   </p:sldLayoutIdLst>
+  <p:txStyles>
+    <p:titleStyle>
+      <a:lvl1pPr algn="l" defTabSz="914400" rtl="0" eaLnBrk="1" latinLnBrk="0" hangingPunct="1">
+        <a:lnSpc>
+          <a:spcPct val="90000"/>
+        </a:lnSpc>
+        <a:spcBef>
+          <a:spcPct val="0"/>
+        </a:spcBef>
+        <a:buNone/>
+        <a:defRPr sz="4400" kern="1200">
+          <a:solidFill>
+            <a:schemeClr val="tx1"/>
+          </a:solidFill>
+          <a:latin typeface="+mj-lt"/>
+          <a:ea typeface="+mj-ea"/>
+          <a:cs typeface="+mj-cs"/>
+        </a:defRPr>
+      </a:lvl1pPr>
+    </p:titleStyle>
+    <p:bodyStyle>
+      <a:lvl1pPr marL="228600" indent="-228600" algn="l" defTabSz="914400" rtl="0" eaLnBrk="1" latinLnBrk="0" hangingPunct="1">
+        <a:lnSpc>
+          <a:spcPct val="90000"/>
+        </a:lnSpc>
+        <a:spcBef>
+          <a:spcPts val="1000"/>
+        </a:spcBef>
+        <a:buFont typeface="Arial" panose="020B0604020202020204" pitchFamily="34" charset="0"/>
+        <a:buChar char="•"/>
+        <a:defRPr sz="2800" kern="1200">
+          <a:solidFill>
+            <a:schemeClr val="tx1"/>
+          </a:solidFill>
+          <a:latin typeface="+mn-lt"/>
+          <a:ea typeface="+mn-ea"/>
+          <a:cs typeface="+mn-cs"/>
+        </a:defRPr>
+      </a:lvl1pPr>
+      <a:lvl2pPr marL="685800" indent="-228600" algn="l" defTabSz="914400" rtl="0" eaLnBrk="1" latinLnBrk="0" hangingPunct="1">
+        <a:lnSpc>
+          <a:spcPct val="90000"/>
+        </a:lnSpc>
+        <a:spcBef>
+          <a:spcPts val="500"/>
+        </a:spcBef>
+        <a:buFont typeface="Arial" panose="020B0604020202020204" pitchFamily="34" charset="0"/>
+        <a:buChar char="•"/>
+        <a:defRPr sz="2400" kern="1200">
+          <a:solidFill>
+            <a:schemeClr val="tx1"/>
+          </a:solidFill>
+          <a:latin typeface="+mn-lt"/>
+          <a:ea typeface="+mn-ea"/>
+          <a:cs typeface="+mn-cs"/>
+        </a:defRPr>
+      </a:lvl2pPr>
+      <a:lvl3pPr marL="1143000" indent="-228600" algn="l" defTabSz="914400" rtl="0" eaLnBrk="1" latinLnBrk="0" hangingPunct="1">
+        <a:lnSpc>
+          <a:spcPct val="90000"/>
+        </a:lnSpc>
+        <a:spcBef>
+          <a:spcPts val="500"/>
+        </a:spcBef>
+        <a:buFont typeface="Arial" panose="020B0604020202020204" pitchFamily="34" charset="0"/>
+        <a:buChar char="•"/>
+        <a:defRPr sz="2000" kern="1200">
+          <a:solidFill>
+            <a:schemeClr val="tx1"/>
+          </a:solidFill>
+          <a:latin typeface="+mn-lt"/>
+          <a:ea typeface="+mn-ea"/>
+          <a:cs typeface="+mn-cs"/>
+        </a:defRPr>
+      </a:lvl3pPr>
+      <a:lvl4pPr marL="1600200" indent="-228600" algn="l" defTabSz="914400" rtl="0" eaLnBrk="1" latinLnBrk="0" hangingPunct="1">
+        <a:lnSpc>
+          <a:spcPct val="90000"/>
+        </a:lnSpc>
+        <a:spcBef>
+          <a:spcPts val="500"/>
+        </a:spcBef>
+        <a:buFont typeface="Arial" panose="020B0604020202020204" pitchFamily="34" charset="0"/>
+        <a:buChar char="•"/>
+        <a:defRPr sz="1800" kern="1200">
+          <a:solidFill>
+            <a:schemeClr val="tx1"/>
+          </a:solidFill>
+          <a:latin typeface="+mn-lt"/>
+          <a:ea typeface="+mn-ea"/>
+          <a:cs typeface="+mn-cs"/>
+        </a:defRPr>
+      </a:lvl4pPr>
+      <a:lvl5pPr marL="2057400" indent="-228600" algn="l" defTabSz="914400" rtl="0" eaLnBrk="1" latinLnBrk="0" hangingPunct="1">
+        <a:lnSpc>
+          <a:spcPct val="90000"/>
+        </a:lnSpc>
+        <a:spcBef>
+          <a:spcPts val="500"/>
+        </a:spcBef>
+        <a:buFont typeface="Arial" panose="020B0604020202020204" pitchFamily="34" charset="0"/>
+        <a:buChar char="•"/>
+        <a:defRPr sz="1800" kern="1200">
+          <a:solidFill>
+            <a:schemeClr val="tx1"/>
+          </a:solidFill>
+          <a:latin typeface="+mn-lt"/>
+          <a:ea typeface="+mn-ea"/>
+          <a:cs typeface="+mn-cs"/>
+        </a:defRPr>
+      </a:lvl5pPr>
+      <a:lvl6pPr marL="2514600" indent="-228600" algn="l" defTabSz="914400" rtl="0" eaLnBrk="1" latinLnBrk="0" hangingPunct="1">
+        <a:lnSpc>
+          <a:spcPct val="90000"/>
+        </a:lnSpc>
+        <a:spcBef>
+          <a:spcPts val="500"/>
+        </a:spcBef>
+        <a:buFont typeface="Arial" panose="020B0604020202020204" pitchFamily="34" charset="0"/>
+        <a:buChar char="•"/>
+        <a:defRPr sz="1800" kern="1200">
+          <a:solidFill>
+            <a:schemeClr val="tx1"/>
+          </a:solidFill>
+          <a:latin typeface="+mn-lt"/>
+          <a:ea typeface="+mn-ea"/>
+          <a:cs typeface="+mn-cs"/>
+        </a:defRPr>
+      </a:lvl6pPr>
+      <a:lvl7pPr marL="2971800" indent="-228600" algn="l" defTabSz="914400" rtl="0" eaLnBrk="1" latinLnBrk="0" hangingPunct="1">
+        <a:lnSpc>
+          <a:spcPct val="90000"/>
+        </a:lnSpc>
+        <a:spcBef>
+          <a:spcPts val="500"/>
+        </a:spcBef>
+        <a:buFont typeface="Arial" panose="020B0604020202020204" pitchFamily="34" charset="0"/>
+        <a:buChar char="•"/>
+        <a:defRPr sz="1800" kern="1200">
+          <a:solidFill>
+            <a:schemeClr val="tx1"/>
+          </a:solidFill>
+          <a:latin typeface="+mn-lt"/>
+          <a:ea typeface="+mn-ea"/>
+          <a:cs typeface="+mn-cs"/>
+        </a:defRPr>
+      </a:lvl7pPr>
+      <a:lvl8pPr marL="3429000" indent="-228600" algn="l" defTabSz="914400" rtl="0" eaLnBrk="1" latinLnBrk="0" hangingPunct="1">
+        <a:lnSpc>
+          <a:spcPct val="90000"/>
+        </a:lnSpc>
+        <a:spcBef>
+          <a:spcPts val="500"/>
+        </a:spcBef>
+        <a:buFont typeface="Arial" panose="020B0604020202020204" pitchFamily="34" charset="0"/>
+        <a:buChar char="•"/>
+        <a:defRPr sz="1800" kern="1200">
+          <a:solidFill>
+            <a:schemeClr val="tx1"/>
+          </a:solidFill>
+          <a:latin typeface="+mn-lt"/>
+          <a:ea typeface="+mn-ea"/>
+          <a:cs typeface="+mn-cs"/>
+        </a:defRPr>
+      </a:lvl8pPr>
+      <a:lvl9pPr marL="3886200" indent="-228600" algn="l" defTabSz="914400" rtl="0" eaLnBrk="1" latinLnBrk="0" hangingPunct="1">
+        <a:lnSpc>
+          <a:spcPct val="90000"/>
+        </a:lnSpc>
+        <a:spcBef>
+          <a:spcPts val="500"/>
+        </a:spcBef>
+        <a:buFont typeface="Arial" panose="020B0604020202020204" pitchFamily="34" charset="0"/>
+        <a:buChar char="•"/>
+        <a:defRPr sz="1800" kern="1200">
+          <a:solidFill>
+            <a:schemeClr val="tx1"/>
+          </a:solidFill>
+          <a:latin typeface="+mn-lt"/>
+          <a:ea typeface="+mn-ea"/>
+          <a:cs typeface="+mn-cs"/>
+        </a:defRPr>
+      </a:lvl9pPr>
+    </p:bodyStyle>
+    <p:otherStyle>
+      <a:defPPr>
+        <a:defRPr lang="zh-CN"/>
+      </a:defPPr>
+      <a:lvl1pPr marL="0" algn="l" defTabSz="914400" rtl="0" eaLnBrk="1" latinLnBrk="0" hangingPunct="1">
+        <a:defRPr sz="1800" kern="1200">
+          <a:solidFill>
+            <a:schemeClr val="tx1"/>
+          </a:solidFill>
+          <a:latin typeface="+mn-lt"/>
+          <a:ea typeface="+mn-ea"/>
+          <a:cs typeface="+mn-cs"/>
+        </a:defRPr>
+      </a:lvl1pPr>
+      <a:lvl2pPr marL="457200" algn="l" defTabSz="914400" rtl="0" eaLnBrk="1" latinLnBrk="0" hangingPunct="1">
+        <a:defRPr sz="1800" kern="1200">
+          <a:solidFill>
+            <a:schemeClr val="tx1"/>
+          </a:solidFill>
+          <a:latin typeface="+mn-lt"/>
+          <a:ea typeface="+mn-ea"/>
+          <a:cs typeface="+mn-cs"/>
+        </a:defRPr>
+      </a:lvl2pPr>
+      <a:lvl3pPr marL="914400" algn="l" defTabSz="914400" rtl="0" eaLnBrk="1" latinLnBrk="0" hangingPunct="1">
+        <a:defRPr sz="1800" kern="1200">
+          <a:solidFill>
+            <a:schemeClr val="tx1"/>
+          </a:solidFill>
+          <a:latin typeface="+mn-lt"/>
+          <a:ea typeface="+mn-ea"/>
+          <a:cs typeface="+mn-cs"/>
+        </a:defRPr>
+      </a:lvl3pPr>
+      <a:lvl4pPr marL="1371600" algn="l" defTabSz="914400" rtl="0" eaLnBrk="1" latinLnBrk="0" hangingPunct="1">
+        <a:defRPr sz="1800" kern="1200">
+          <a:solidFill>
+            <a:schemeClr val="tx1"/>
+          </a:solidFill>
+          <a:latin typeface="+mn-lt"/>
+          <a:ea typeface="+mn-ea"/>
+          <a:cs typeface="+mn-cs"/>
+        </a:defRPr>
+      </a:lvl4pPr>
+      <a:lvl5pPr marL="1828800" algn="l" defTabSz="914400" rtl="0" eaLnBrk="1" latinLnBrk="0" hangingPunct="1">
+        <a:defRPr sz="1800" kern="1200">
+          <a:solidFill>
+            <a:schemeClr val="tx1"/>
+          </a:solidFill>
+          <a:latin typeface="+mn-lt"/>
+          <a:ea typeface="+mn-ea"/>
+          <a:cs typeface="+mn-cs"/>
+        </a:defRPr>
+      </a:lvl5pPr>
+      <a:lvl6pPr marL="2286000" algn="l" defTabSz="914400" rtl="0" eaLnBrk="1" latinLnBrk="0" hangingPunct="1">
+        <a:defRPr sz="1800" kern="1200">
+          <a:solidFill>
+            <a:schemeClr val="tx1"/>
+          </a:solidFill>
+          <a:latin typeface="+mn-lt"/>
+          <a:ea typeface="+mn-ea"/>
+          <a:cs typeface="+mn-cs"/>
+        </a:defRPr>
+      </a:lvl6pPr>
+      <a:lvl7pPr marL="2743200" algn="l" defTabSz="914400" rtl="0" eaLnBrk="1" latinLnBrk="0" hangingPunct="1">
+        <a:defRPr sz="1800" kern="1200">
+          <a:solidFill>
+            <a:schemeClr val="tx1"/>
+          </a:solidFill>
+          <a:latin typeface="+mn-lt"/>
+          <a:ea typeface="+mn-ea"/>
+          <a:cs typeface="+mn-cs"/>
+        </a:defRPr>
+      </a:lvl7pPr>
+      <a:lvl8pPr marL="3200400" algn="l" defTabSz="914400" rtl="0" eaLnBrk="1" latinLnBrk="0" hangingPunct="1">
+        <a:defRPr sz="1800" kern="1200">
+          <a:solidFill>
+            <a:schemeClr val="tx1"/>
+          </a:solidFill>
+          <a:latin typeface="+mn-lt"/>
+          <a:ea typeface="+mn-ea"/>
+          <a:cs typeface="+mn-cs"/>
+        </a:defRPr>
+      </a:lvl8pPr>
+      <a:lvl9pPr marL="3657600" algn="l" defTabSz="914400" rtl="0" eaLnBrk="1" latinLnBrk="0" hangingPunct="1">
+        <a:defRPr sz="1800" kern="1200">
+          <a:solidFill>
+            <a:schemeClr val="tx1"/>
+          </a:solidFill>
+          <a:latin typeface="+mn-lt"/>
+          <a:ea typeface="+mn-ea"/>
+          <a:cs typeface="+mn-cs"/>
+        </a:defRPr>
+      </a:lvl9pPr>
+    </p:otherStyle>
+  </p:txStyles>
 </p:sldMaster>
 </file>
 
 <file path=ppt/slides/slide1.xml><?xml version="1.0" encoding="utf-8"?>
-<p:sld xmlns:a="http://schemas.openxmlformats.org/drawingml/2006/main" xmlns:p="http://schemas.openxmlformats.org/presentationml/2006/main" xmlns:r="http://schemas.openxmlformats.org/officeDocument/2006/relationships" xmlns:p14="http://schemas.microsoft.com/office/powerpoint/2010/main" xmlns:p15="http://schemas.microsoft.com/office/powerpoint/2012/main" xmlns:mc="http://schemas.openxmlformats.org/markup-compatibility/2006">
+<p:sld xmlns:a="http://schemas.openxmlformats.org/drawingml/2006/main" xmlns:r="http://schemas.openxmlformats.org/officeDocument/2006/relationships" xmlns:p="http://schemas.openxmlformats.org/presentationml/2006/main">
   <p:cSld>
     <p:spTree>
       <p:nvGrpSpPr>
@@ -1086,37 +3360,236 @@
           </a:ln>
         </p:spPr>
         <p:txBody>
-          <a:bodyPr lIns="0" rIns="0" tIns="0" bIns="0" anchor="ctr">
+          <a:bodyPr lIns="0" tIns="0" rIns="0" bIns="0" anchor="ctr">
             <a:noAutofit/>
           </a:bodyPr>
-          <a:p>
-            <a:pPr indent="0" algn="ctr">
-              <a:buNone/>
-            </a:pPr>
-            <a:endParaRPr b="0" lang="en-US" sz="1800" strike="noStrike" u="none">
-              <a:solidFill>
-                <a:srgbClr val="000000"/>
-              </a:solidFill>
-              <a:uFillTx/>
-              <a:latin typeface="Arial"/>
-            </a:endParaRPr>
+          <a:lstStyle/>
+          <a:p>
+            <a:r>
+              <a:rPr lang="en-US" altLang="zh-CN" sz="3600" b="1" dirty="0"/>
+              <a:t>Optimization method</a:t>
+            </a:r>
+            <a:endParaRPr lang="zh-CN" altLang="en-US" sz="3600" b="1" dirty="0"/>
           </a:p>
         </p:txBody>
       </p:sp>
       <p:sp>
         <p:nvSpPr>
-          <p:cNvPr id="15" name="PlaceHolder 2"/>
+          <p:cNvPr id="2" name="文本框 1">
+            <a:extLst>
+              <a:ext uri="{FF2B5EF4-FFF2-40B4-BE49-F238E27FC236}">
+                <a16:creationId xmlns:a16="http://schemas.microsoft.com/office/drawing/2014/main" id="{BC0D5269-FD72-0240-E47A-FEF0494AD112}"/>
+              </a:ext>
+            </a:extLst>
+          </p:cNvPr>
+          <p:cNvSpPr txBox="1"/>
+          <p:nvPr/>
+        </p:nvSpPr>
+        <p:spPr>
+          <a:xfrm>
+            <a:off x="382680" y="1838111"/>
+            <a:ext cx="8644289" cy="523220"/>
+          </a:xfrm>
+          <a:prstGeom prst="rect">
+            <a:avLst/>
+          </a:prstGeom>
+          <a:noFill/>
+        </p:spPr>
+        <p:txBody>
+          <a:bodyPr wrap="none" rtlCol="0">
+            <a:spAutoFit/>
+          </a:bodyPr>
+          <a:lstStyle/>
+          <a:p>
+            <a:r>
+              <a:rPr lang="en-US" altLang="zh-CN" sz="2800" dirty="0"/>
+              <a:t>Why Use </a:t>
+            </a:r>
+            <a:r>
+              <a:rPr lang="en-US" altLang="zh-CN" sz="2800" b="1" dirty="0" err="1"/>
+              <a:t>scipy.optimize.minimize</a:t>
+            </a:r>
+            <a:r>
+              <a:rPr lang="en-US" altLang="zh-CN" sz="2800" dirty="0"/>
+              <a:t> for Optimization?</a:t>
+            </a:r>
+            <a:endParaRPr lang="zh-CN" altLang="en-US" sz="2800" dirty="0"/>
+          </a:p>
+        </p:txBody>
+      </p:sp>
+      <p:sp>
+        <p:nvSpPr>
+          <p:cNvPr id="4" name="文本框 3">
+            <a:extLst>
+              <a:ext uri="{FF2B5EF4-FFF2-40B4-BE49-F238E27FC236}">
+                <a16:creationId xmlns:a16="http://schemas.microsoft.com/office/drawing/2014/main" id="{5B3341EF-8939-2C77-82E8-89C469A32663}"/>
+              </a:ext>
+            </a:extLst>
+          </p:cNvPr>
+          <p:cNvSpPr txBox="1"/>
+          <p:nvPr/>
+        </p:nvSpPr>
+        <p:spPr>
+          <a:xfrm>
+            <a:off x="625106" y="3825219"/>
+            <a:ext cx="8159436" cy="2369880"/>
+          </a:xfrm>
+          <a:prstGeom prst="rect">
+            <a:avLst/>
+          </a:prstGeom>
+          <a:noFill/>
+        </p:spPr>
+        <p:txBody>
+          <a:bodyPr wrap="square" rtlCol="0">
+            <a:spAutoFit/>
+          </a:bodyPr>
+          <a:lstStyle/>
+          <a:p>
+            <a:r>
+              <a:rPr lang="en-US" altLang="zh-CN" sz="2800" b="1" dirty="0"/>
+              <a:t>Advantages:</a:t>
+            </a:r>
+          </a:p>
+          <a:p>
+            <a:pPr marL="342900" indent="-342900">
+              <a:buFont typeface="Arial" panose="020B0604020202020204" pitchFamily="34" charset="0"/>
+              <a:buChar char="•"/>
+            </a:pPr>
+            <a:r>
+              <a:rPr lang="en-US" altLang="zh-CN" sz="2400" dirty="0"/>
+              <a:t>Simple algorithm, easy to deploy</a:t>
+            </a:r>
+          </a:p>
+          <a:p>
+            <a:pPr marL="342900" indent="-342900">
+              <a:buFont typeface="Arial" panose="020B0604020202020204" pitchFamily="34" charset="0"/>
+              <a:buChar char="•"/>
+            </a:pPr>
+            <a:r>
+              <a:rPr lang="en-US" altLang="zh-CN" sz="2400" dirty="0"/>
+              <a:t>High computational efficiency for small-scale problems</a:t>
+            </a:r>
+          </a:p>
+          <a:p>
+            <a:pPr marL="342900" indent="-342900">
+              <a:buFont typeface="Arial" panose="020B0604020202020204" pitchFamily="34" charset="0"/>
+              <a:buChar char="•"/>
+            </a:pPr>
+            <a:r>
+              <a:rPr lang="en-US" altLang="zh-CN" sz="2400" dirty="0"/>
+              <a:t>No need for large datasets or training</a:t>
+            </a:r>
+          </a:p>
+          <a:p>
+            <a:pPr marL="342900" indent="-342900">
+              <a:buFont typeface="Arial" panose="020B0604020202020204" pitchFamily="34" charset="0"/>
+              <a:buChar char="•"/>
+            </a:pPr>
+            <a:r>
+              <a:rPr lang="en-US" altLang="zh-CN" sz="2400" dirty="0"/>
+              <a:t>High interpretability, transparent optimization process</a:t>
+            </a:r>
+          </a:p>
+          <a:p>
+            <a:pPr marL="342900" indent="-342900">
+              <a:buFont typeface="Arial" panose="020B0604020202020204" pitchFamily="34" charset="0"/>
+              <a:buChar char="•"/>
+            </a:pPr>
+            <a:r>
+              <a:rPr lang="en-US" altLang="zh-CN" sz="2400" dirty="0"/>
+              <a:t>Suitable for short-term scheduling or online optimization</a:t>
+            </a:r>
+            <a:endParaRPr lang="zh-CN" altLang="en-US" sz="2400" dirty="0"/>
+          </a:p>
+        </p:txBody>
+      </p:sp>
+      <p:pic>
+        <p:nvPicPr>
+          <p:cNvPr id="8" name="图片 7">
+            <a:extLst>
+              <a:ext uri="{FF2B5EF4-FFF2-40B4-BE49-F238E27FC236}">
+                <a16:creationId xmlns:a16="http://schemas.microsoft.com/office/drawing/2014/main" id="{E2716801-7721-8BDE-B00E-19515BFAD769}"/>
+              </a:ext>
+            </a:extLst>
+          </p:cNvPr>
+          <p:cNvPicPr>
+            <a:picLocks noChangeAspect="1"/>
+          </p:cNvPicPr>
+          <p:nvPr/>
+        </p:nvPicPr>
+        <p:blipFill>
+          <a:blip r:embed="rId3">
+            <a:extLst>
+              <a:ext uri="{28A0092B-C50C-407E-A947-70E740481C1C}">
+                <a14:useLocalDpi xmlns:a14="http://schemas.microsoft.com/office/drawing/2010/main" val="0"/>
+              </a:ext>
+            </a:extLst>
+          </a:blip>
+          <a:stretch>
+            <a:fillRect/>
+          </a:stretch>
+        </p:blipFill>
+        <p:spPr>
+          <a:xfrm>
+            <a:off x="382680" y="2647489"/>
+            <a:ext cx="8804802" cy="824619"/>
+          </a:xfrm>
+          <a:prstGeom prst="rect">
+            <a:avLst/>
+          </a:prstGeom>
+        </p:spPr>
+      </p:pic>
+    </p:spTree>
+  </p:cSld>
+  <p:clrMapOvr>
+    <a:masterClrMapping/>
+  </p:clrMapOvr>
+</p:sld>
+</file>
+
+<file path=ppt/slides/slide2.xml><?xml version="1.0" encoding="utf-8"?>
+<p:sld xmlns:a="http://schemas.openxmlformats.org/drawingml/2006/main" xmlns:r="http://schemas.openxmlformats.org/officeDocument/2006/relationships" xmlns:p="http://schemas.openxmlformats.org/presentationml/2006/main">
+  <p:cSld>
+    <p:spTree>
+      <p:nvGrpSpPr>
+        <p:cNvPr id="1" name="">
+          <a:extLst>
+            <a:ext uri="{FF2B5EF4-FFF2-40B4-BE49-F238E27FC236}">
+              <a16:creationId xmlns:a16="http://schemas.microsoft.com/office/drawing/2014/main" id="{B125B773-C881-6A5E-F8B6-835459F23168}"/>
+            </a:ext>
+          </a:extLst>
+        </p:cNvPr>
+        <p:cNvGrpSpPr/>
+        <p:nvPr/>
+      </p:nvGrpSpPr>
+      <p:grpSpPr>
+        <a:xfrm>
+          <a:off x="0" y="0"/>
+          <a:ext cx="0" cy="0"/>
+          <a:chOff x="0" y="0"/>
+          <a:chExt cx="0" cy="0"/>
+        </a:xfrm>
+      </p:grpSpPr>
+      <p:sp>
+        <p:nvSpPr>
+          <p:cNvPr id="14" name="PlaceHolder 1">
+            <a:extLst>
+              <a:ext uri="{FF2B5EF4-FFF2-40B4-BE49-F238E27FC236}">
+                <a16:creationId xmlns:a16="http://schemas.microsoft.com/office/drawing/2014/main" id="{30E83DBE-D3B2-59EF-0922-A89513550457}"/>
+              </a:ext>
+            </a:extLst>
+          </p:cNvPr>
           <p:cNvSpPr>
             <a:spLocks noGrp="1"/>
           </p:cNvSpPr>
           <p:nvPr>
-            <p:ph/>
+            <p:ph type="title"/>
           </p:nvPr>
         </p:nvSpPr>
         <p:spPr>
           <a:xfrm>
-            <a:off x="334440" y="1731600"/>
-            <a:ext cx="9378000" cy="5186880"/>
+            <a:off x="382680" y="541440"/>
+            <a:ext cx="7469640" cy="943560"/>
           </a:xfrm>
           <a:prstGeom prst="rect">
             <a:avLst/>
@@ -1127,17 +3600,290 @@
           </a:ln>
         </p:spPr>
         <p:txBody>
-          <a:bodyPr lIns="0" rIns="0" tIns="28440" bIns="0" anchor="t">
-            <a:normAutofit/>
+          <a:bodyPr lIns="0" tIns="0" rIns="0" bIns="0" anchor="ctr">
+            <a:noAutofit/>
           </a:bodyPr>
+          <a:lstStyle/>
           <a:p>
             <a:pPr indent="0">
-              <a:spcBef>
-                <a:spcPts val="1417"/>
-              </a:spcBef>
               <a:buNone/>
             </a:pPr>
-            <a:endParaRPr b="0" lang="en-US" sz="1800" strike="noStrike" u="none">
+            <a:r>
+              <a:rPr lang="en-US" sz="3600" b="1" u="none" strike="noStrike" dirty="0">
+                <a:solidFill>
+                  <a:srgbClr val="000000"/>
+                </a:solidFill>
+                <a:uFillTx/>
+                <a:latin typeface="Arial"/>
+              </a:rPr>
+              <a:t>Optimization considerations</a:t>
+            </a:r>
+          </a:p>
+        </p:txBody>
+      </p:sp>
+      <p:sp>
+        <p:nvSpPr>
+          <p:cNvPr id="2" name="文本框 1">
+            <a:extLst>
+              <a:ext uri="{FF2B5EF4-FFF2-40B4-BE49-F238E27FC236}">
+                <a16:creationId xmlns:a16="http://schemas.microsoft.com/office/drawing/2014/main" id="{80FE491F-3CE7-74A2-49A0-5C83DB32CCCB}"/>
+              </a:ext>
+            </a:extLst>
+          </p:cNvPr>
+          <p:cNvSpPr txBox="1"/>
+          <p:nvPr/>
+        </p:nvSpPr>
+        <p:spPr>
+          <a:xfrm>
+            <a:off x="382680" y="1847589"/>
+            <a:ext cx="8774197" cy="5170646"/>
+          </a:xfrm>
+          <a:prstGeom prst="rect">
+            <a:avLst/>
+          </a:prstGeom>
+          <a:noFill/>
+        </p:spPr>
+        <p:txBody>
+          <a:bodyPr wrap="none" rtlCol="0">
+            <a:spAutoFit/>
+          </a:bodyPr>
+          <a:lstStyle/>
+          <a:p>
+            <a:pPr marL="457200" indent="-457200">
+              <a:buAutoNum type="arabicPeriod"/>
+            </a:pPr>
+            <a:r>
+              <a:rPr lang="en-US" altLang="zh-CN" sz="2400" b="1" dirty="0"/>
+              <a:t>Predict Charging Demand &amp; Balance Grid Load</a:t>
+            </a:r>
+            <a:br>
+              <a:rPr lang="en-US" altLang="zh-CN" sz="2400" dirty="0"/>
+            </a:br>
+            <a:r>
+              <a:rPr lang="en-US" altLang="zh-CN" sz="2400" dirty="0"/>
+              <a:t>→ Consider with historical data, user patterns, weather, etc.</a:t>
+            </a:r>
+            <a:br>
+              <a:rPr lang="en-US" altLang="zh-CN" sz="2400" dirty="0"/>
+            </a:br>
+            <a:r>
+              <a:rPr lang="en-US" altLang="zh-CN" sz="2400" dirty="0"/>
+              <a:t>→ </a:t>
+            </a:r>
+            <a:r>
+              <a:rPr lang="en-US" altLang="zh-CN" sz="2400" dirty="0" err="1"/>
+              <a:t>gene_his_usage</a:t>
+            </a:r>
+            <a:r>
+              <a:rPr lang="en-US" altLang="zh-CN" sz="2400" dirty="0"/>
+              <a:t>() generates realistic usage history</a:t>
+            </a:r>
+          </a:p>
+          <a:p>
+            <a:pPr marL="457200" indent="-457200">
+              <a:buAutoNum type="arabicPeriod"/>
+            </a:pPr>
+            <a:endParaRPr lang="en-US" altLang="zh-CN" sz="2400" dirty="0"/>
+          </a:p>
+          <a:p>
+            <a:pPr marL="457200" indent="-457200">
+              <a:buFontTx/>
+              <a:buAutoNum type="arabicPeriod"/>
+            </a:pPr>
+            <a:r>
+              <a:rPr lang="en-US" altLang="zh-CN" sz="2400" b="1" dirty="0"/>
+              <a:t>Optimize Charging Costs Under Dynamic Pricing</a:t>
+            </a:r>
+            <a:br>
+              <a:rPr lang="en-US" altLang="zh-CN" sz="2400" dirty="0"/>
+            </a:br>
+            <a:r>
+              <a:rPr lang="en-US" altLang="zh-CN" sz="2400" dirty="0"/>
+              <a:t>→ Adjust charging strategy across time periods</a:t>
+            </a:r>
+            <a:br>
+              <a:rPr lang="en-US" altLang="zh-CN" sz="2400" dirty="0"/>
+            </a:br>
+            <a:r>
+              <a:rPr lang="en-US" altLang="zh-CN" sz="2400" dirty="0"/>
+              <a:t>→ </a:t>
+            </a:r>
+            <a:r>
+              <a:rPr lang="en-US" altLang="zh-CN" sz="2400" dirty="0" err="1"/>
+              <a:t>gene_eprices</a:t>
+            </a:r>
+            <a:r>
+              <a:rPr lang="en-US" altLang="zh-CN" sz="2400" dirty="0"/>
+              <a:t>() simulates day/night dynamic pricing</a:t>
+            </a:r>
+          </a:p>
+          <a:p>
+            <a:pPr marL="457200" indent="-457200">
+              <a:buFontTx/>
+              <a:buAutoNum type="arabicPeriod"/>
+            </a:pPr>
+            <a:endParaRPr lang="en-US" altLang="zh-CN" sz="2400" dirty="0"/>
+          </a:p>
+          <a:p>
+            <a:pPr marL="457200" indent="-457200">
+              <a:buFontTx/>
+              <a:buAutoNum type="arabicPeriod"/>
+            </a:pPr>
+            <a:r>
+              <a:rPr lang="en-US" altLang="zh-CN" sz="2400" b="1" dirty="0"/>
+              <a:t>Address Diverse User Preferences</a:t>
+            </a:r>
+            <a:br>
+              <a:rPr lang="en-US" altLang="zh-CN" sz="2400" dirty="0"/>
+            </a:br>
+            <a:r>
+              <a:rPr lang="en-US" altLang="zh-CN" sz="2400" dirty="0"/>
+              <a:t>→ </a:t>
+            </a:r>
+            <a:r>
+              <a:rPr lang="en-US" altLang="zh-CN" sz="2400" dirty="0" err="1"/>
+              <a:t>customData.mode</a:t>
+            </a:r>
+            <a:r>
+              <a:rPr lang="en-US" altLang="zh-CN" sz="2400" dirty="0"/>
+              <a:t> supports 3 strategies:</a:t>
+            </a:r>
+            <a:br>
+              <a:rPr lang="en-US" altLang="zh-CN" sz="2400" dirty="0"/>
+            </a:br>
+            <a:r>
+              <a:rPr lang="en-US" altLang="zh-CN" sz="2400" dirty="0"/>
+              <a:t>    • </a:t>
+            </a:r>
+            <a:r>
+              <a:rPr lang="en-US" altLang="zh-CN" sz="2400" b="1" dirty="0"/>
+              <a:t>Fast Charge</a:t>
+            </a:r>
+            <a:r>
+              <a:rPr lang="en-US" altLang="zh-CN" sz="2400" dirty="0"/>
+              <a:t> (urgent needs)</a:t>
+            </a:r>
+            <a:br>
+              <a:rPr lang="en-US" altLang="zh-CN" sz="2400" dirty="0"/>
+            </a:br>
+            <a:r>
+              <a:rPr lang="en-US" altLang="zh-CN" sz="2400" dirty="0"/>
+              <a:t>    • </a:t>
+            </a:r>
+            <a:r>
+              <a:rPr lang="en-US" altLang="zh-CN" sz="2400" b="1" dirty="0"/>
+              <a:t>Cost-Saving</a:t>
+            </a:r>
+            <a:r>
+              <a:rPr lang="en-US" altLang="zh-CN" sz="2400" dirty="0"/>
+              <a:t> (low-price periods)</a:t>
+            </a:r>
+            <a:br>
+              <a:rPr lang="en-US" altLang="zh-CN" sz="2400" dirty="0"/>
+            </a:br>
+            <a:r>
+              <a:rPr lang="en-US" altLang="zh-CN" sz="2400" dirty="0"/>
+              <a:t>    • </a:t>
+            </a:r>
+            <a:r>
+              <a:rPr lang="en-US" altLang="zh-CN" sz="2400" b="1" dirty="0"/>
+              <a:t>Balanced</a:t>
+            </a:r>
+            <a:r>
+              <a:rPr lang="en-US" altLang="zh-CN" sz="2400" dirty="0"/>
+              <a:t> (time, cost, load)</a:t>
+            </a:r>
+          </a:p>
+          <a:p>
+            <a:endParaRPr lang="zh-CN" altLang="en-US" dirty="0"/>
+          </a:p>
+        </p:txBody>
+      </p:sp>
+    </p:spTree>
+    <p:extLst>
+      <p:ext uri="{BB962C8B-B14F-4D97-AF65-F5344CB8AC3E}">
+        <p14:creationId xmlns:p14="http://schemas.microsoft.com/office/powerpoint/2010/main" val="2860503683"/>
+      </p:ext>
+    </p:extLst>
+  </p:cSld>
+  <p:clrMapOvr>
+    <a:masterClrMapping/>
+  </p:clrMapOvr>
+</p:sld>
+</file>
+
+<file path=ppt/slides/slide3.xml><?xml version="1.0" encoding="utf-8"?>
+<p:sld xmlns:a="http://schemas.openxmlformats.org/drawingml/2006/main" xmlns:r="http://schemas.openxmlformats.org/officeDocument/2006/relationships" xmlns:p="http://schemas.openxmlformats.org/presentationml/2006/main">
+  <p:cSld>
+    <p:spTree>
+      <p:nvGrpSpPr>
+        <p:cNvPr id="1" name="">
+          <a:extLst>
+            <a:ext uri="{FF2B5EF4-FFF2-40B4-BE49-F238E27FC236}">
+              <a16:creationId xmlns:a16="http://schemas.microsoft.com/office/drawing/2014/main" id="{E5C30419-67CA-18CC-A7B4-38811B7571F3}"/>
+            </a:ext>
+          </a:extLst>
+        </p:cNvPr>
+        <p:cNvGrpSpPr/>
+        <p:nvPr/>
+      </p:nvGrpSpPr>
+      <p:grpSpPr>
+        <a:xfrm>
+          <a:off x="0" y="0"/>
+          <a:ext cx="0" cy="0"/>
+          <a:chOff x="0" y="0"/>
+          <a:chExt cx="0" cy="0"/>
+        </a:xfrm>
+      </p:grpSpPr>
+      <p:sp>
+        <p:nvSpPr>
+          <p:cNvPr id="14" name="PlaceHolder 1">
+            <a:extLst>
+              <a:ext uri="{FF2B5EF4-FFF2-40B4-BE49-F238E27FC236}">
+                <a16:creationId xmlns:a16="http://schemas.microsoft.com/office/drawing/2014/main" id="{78425D24-0126-D972-07F6-4C7E8F42A7B4}"/>
+              </a:ext>
+            </a:extLst>
+          </p:cNvPr>
+          <p:cNvSpPr>
+            <a:spLocks noGrp="1"/>
+          </p:cNvSpPr>
+          <p:nvPr>
+            <p:ph type="title"/>
+          </p:nvPr>
+        </p:nvSpPr>
+        <p:spPr>
+          <a:xfrm>
+            <a:off x="382680" y="541440"/>
+            <a:ext cx="7469640" cy="943560"/>
+          </a:xfrm>
+          <a:prstGeom prst="rect">
+            <a:avLst/>
+          </a:prstGeom>
+          <a:noFill/>
+          <a:ln w="0">
+            <a:noFill/>
+          </a:ln>
+        </p:spPr>
+        <p:txBody>
+          <a:bodyPr lIns="0" tIns="0" rIns="0" bIns="0" anchor="ctr">
+            <a:noAutofit/>
+          </a:bodyPr>
+          <a:lstStyle/>
+          <a:p>
+            <a:pPr indent="0">
+              <a:buNone/>
+            </a:pPr>
+            <a:r>
+              <a:rPr lang="en-US" altLang="zh-CN" sz="3600" b="1" u="none" strike="noStrike" dirty="0">
+                <a:solidFill>
+                  <a:srgbClr val="000000"/>
+                </a:solidFill>
+                <a:uFillTx/>
+                <a:latin typeface="Arial"/>
+              </a:rPr>
+              <a:t>Optimization considerations</a:t>
+            </a:r>
+            <a:endParaRPr lang="en-US" sz="3600" b="1" u="none" strike="noStrike" dirty="0">
               <a:solidFill>
                 <a:srgbClr val="000000"/>
               </a:solidFill>
@@ -1147,70 +3893,1085 @@
           </a:p>
         </p:txBody>
       </p:sp>
+      <p:sp>
+        <p:nvSpPr>
+          <p:cNvPr id="2" name="文本框 1">
+            <a:extLst>
+              <a:ext uri="{FF2B5EF4-FFF2-40B4-BE49-F238E27FC236}">
+                <a16:creationId xmlns:a16="http://schemas.microsoft.com/office/drawing/2014/main" id="{391B9032-D7B2-CF7A-8023-CA1F41569C23}"/>
+              </a:ext>
+            </a:extLst>
+          </p:cNvPr>
+          <p:cNvSpPr txBox="1"/>
+          <p:nvPr/>
+        </p:nvSpPr>
+        <p:spPr>
+          <a:xfrm>
+            <a:off x="382680" y="1968500"/>
+            <a:ext cx="9430787" cy="4801314"/>
+          </a:xfrm>
+          <a:prstGeom prst="rect">
+            <a:avLst/>
+          </a:prstGeom>
+          <a:noFill/>
+        </p:spPr>
+        <p:txBody>
+          <a:bodyPr wrap="none" rtlCol="0">
+            <a:spAutoFit/>
+          </a:bodyPr>
+          <a:lstStyle/>
+          <a:p>
+            <a:pPr>
+              <a:buNone/>
+            </a:pPr>
+            <a:r>
+              <a:rPr lang="en-US" altLang="zh-CN" sz="2400" b="1" dirty="0"/>
+              <a:t>4. Extend Battery Lifespan</a:t>
+            </a:r>
+            <a:br>
+              <a:rPr lang="en-US" altLang="zh-CN" sz="2400" dirty="0"/>
+            </a:br>
+            <a:r>
+              <a:rPr lang="en-US" altLang="zh-CN" sz="2400" dirty="0"/>
+              <a:t>→ Avoid deep discharge, high-rate charging</a:t>
+            </a:r>
+            <a:br>
+              <a:rPr lang="en-US" altLang="zh-CN" sz="2400" dirty="0"/>
+            </a:br>
+            <a:r>
+              <a:rPr lang="en-US" altLang="zh-CN" sz="2400" dirty="0"/>
+              <a:t>→ Intelligent post-full-charge trickle to reduce battery stress</a:t>
+            </a:r>
+          </a:p>
+          <a:p>
+            <a:pPr>
+              <a:buNone/>
+            </a:pPr>
+            <a:endParaRPr lang="en-US" altLang="zh-CN" sz="2400" dirty="0"/>
+          </a:p>
+          <a:p>
+            <a:pPr>
+              <a:buNone/>
+            </a:pPr>
+            <a:r>
+              <a:rPr lang="en-US" altLang="zh-CN" sz="2400" b="1" dirty="0"/>
+              <a:t>5. Achieve Grid Load Balancing (V2G)</a:t>
+            </a:r>
+            <a:br>
+              <a:rPr lang="en-US" altLang="zh-CN" sz="2400" dirty="0"/>
+            </a:br>
+            <a:r>
+              <a:rPr lang="en-US" altLang="zh-CN" sz="2400" dirty="0"/>
+              <a:t>→ Leverage V2G to feed power back to the grid at peak times</a:t>
+            </a:r>
+            <a:br>
+              <a:rPr lang="en-US" altLang="zh-CN" sz="2400" dirty="0"/>
+            </a:br>
+            <a:r>
+              <a:rPr lang="en-US" altLang="zh-CN" sz="2400" dirty="0"/>
+              <a:t>→ V2G not implemented due to vehicle limitations</a:t>
+            </a:r>
+          </a:p>
+          <a:p>
+            <a:pPr>
+              <a:buNone/>
+            </a:pPr>
+            <a:endParaRPr lang="en-US" altLang="zh-CN" sz="2400" dirty="0"/>
+          </a:p>
+          <a:p>
+            <a:pPr>
+              <a:buNone/>
+            </a:pPr>
+            <a:r>
+              <a:rPr lang="en-US" altLang="zh-CN" sz="2400" b="1" dirty="0"/>
+              <a:t>6. Improve User Experience</a:t>
+            </a:r>
+            <a:br>
+              <a:rPr lang="en-US" altLang="zh-CN" sz="2400" dirty="0"/>
+            </a:br>
+            <a:r>
+              <a:rPr lang="en-US" altLang="zh-CN" sz="2400" dirty="0"/>
+              <a:t>→ Analyze habits and history to suggest best time &amp; location</a:t>
+            </a:r>
+            <a:br>
+              <a:rPr lang="en-US" altLang="zh-CN" sz="2400" dirty="0"/>
+            </a:br>
+            <a:r>
+              <a:rPr lang="en-US" altLang="zh-CN" sz="2400" dirty="0"/>
+              <a:t>→ Real-time station recommendations, navigation integration</a:t>
+            </a:r>
+          </a:p>
+          <a:p>
+            <a:r>
+              <a:rPr lang="en-US" altLang="zh-CN" sz="2400" dirty="0"/>
+              <a:t>→ Future plan: Develop mobile app for smart personalized charging</a:t>
+            </a:r>
+          </a:p>
+          <a:p>
+            <a:endParaRPr lang="zh-CN" altLang="en-US" dirty="0"/>
+          </a:p>
+        </p:txBody>
+      </p:sp>
     </p:spTree>
+    <p:extLst>
+      <p:ext uri="{BB962C8B-B14F-4D97-AF65-F5344CB8AC3E}">
+        <p14:creationId xmlns:p14="http://schemas.microsoft.com/office/powerpoint/2010/main" val="3368080791"/>
+      </p:ext>
+    </p:extLst>
   </p:cSld>
-  <mc:AlternateContent>
-    <mc:Choice Requires="p14">
-      <p:transition spd="slow" p14:dur="2000"/>
-    </mc:Choice>
-    <mc:Fallback>
-      <p:transition spd="slow"/>
-    </mc:Fallback>
-  </mc:AlternateContent>
+  <p:clrMapOvr>
+    <a:masterClrMapping/>
+  </p:clrMapOvr>
+</p:sld>
+</file>
+
+<file path=ppt/slides/slide4.xml><?xml version="1.0" encoding="utf-8"?>
+<p:sld xmlns:a="http://schemas.openxmlformats.org/drawingml/2006/main" xmlns:r="http://schemas.openxmlformats.org/officeDocument/2006/relationships" xmlns:p="http://schemas.openxmlformats.org/presentationml/2006/main">
+  <p:cSld>
+    <p:spTree>
+      <p:nvGrpSpPr>
+        <p:cNvPr id="1" name="">
+          <a:extLst>
+            <a:ext uri="{FF2B5EF4-FFF2-40B4-BE49-F238E27FC236}">
+              <a16:creationId xmlns:a16="http://schemas.microsoft.com/office/drawing/2014/main" id="{5D634F25-51D6-72D6-2BA0-E3EC3BBB24AC}"/>
+            </a:ext>
+          </a:extLst>
+        </p:cNvPr>
+        <p:cNvGrpSpPr/>
+        <p:nvPr/>
+      </p:nvGrpSpPr>
+      <p:grpSpPr>
+        <a:xfrm>
+          <a:off x="0" y="0"/>
+          <a:ext cx="0" cy="0"/>
+          <a:chOff x="0" y="0"/>
+          <a:chExt cx="0" cy="0"/>
+        </a:xfrm>
+      </p:grpSpPr>
+      <p:sp>
+        <p:nvSpPr>
+          <p:cNvPr id="14" name="PlaceHolder 1">
+            <a:extLst>
+              <a:ext uri="{FF2B5EF4-FFF2-40B4-BE49-F238E27FC236}">
+                <a16:creationId xmlns:a16="http://schemas.microsoft.com/office/drawing/2014/main" id="{D6A41F40-99C5-E961-D9FA-EF151C1EEB4D}"/>
+              </a:ext>
+            </a:extLst>
+          </p:cNvPr>
+          <p:cNvSpPr>
+            <a:spLocks noGrp="1"/>
+          </p:cNvSpPr>
+          <p:nvPr>
+            <p:ph type="title"/>
+          </p:nvPr>
+        </p:nvSpPr>
+        <p:spPr>
+          <a:xfrm>
+            <a:off x="382680" y="541440"/>
+            <a:ext cx="7469640" cy="943560"/>
+          </a:xfrm>
+          <a:prstGeom prst="rect">
+            <a:avLst/>
+          </a:prstGeom>
+          <a:noFill/>
+          <a:ln w="0">
+            <a:noFill/>
+          </a:ln>
+        </p:spPr>
+        <p:txBody>
+          <a:bodyPr lIns="0" tIns="0" rIns="0" bIns="0" anchor="ctr">
+            <a:noAutofit/>
+          </a:bodyPr>
+          <a:lstStyle/>
+          <a:p>
+            <a:pPr indent="0">
+              <a:buNone/>
+            </a:pPr>
+            <a:r>
+              <a:rPr lang="en-US" sz="3600" b="1" u="none" strike="noStrike" dirty="0">
+                <a:solidFill>
+                  <a:srgbClr val="000000"/>
+                </a:solidFill>
+                <a:uFillTx/>
+                <a:latin typeface="Arial"/>
+              </a:rPr>
+              <a:t>Optimization objective</a:t>
+            </a:r>
+          </a:p>
+        </p:txBody>
+      </p:sp>
+      <p:pic>
+        <p:nvPicPr>
+          <p:cNvPr id="6" name="图片 5">
+            <a:extLst>
+              <a:ext uri="{FF2B5EF4-FFF2-40B4-BE49-F238E27FC236}">
+                <a16:creationId xmlns:a16="http://schemas.microsoft.com/office/drawing/2014/main" id="{DBB3EC9E-0CCE-23F9-28B2-4C6005A2EC86}"/>
+              </a:ext>
+            </a:extLst>
+          </p:cNvPr>
+          <p:cNvPicPr>
+            <a:picLocks noChangeAspect="1"/>
+          </p:cNvPicPr>
+          <p:nvPr/>
+        </p:nvPicPr>
+        <p:blipFill>
+          <a:blip r:embed="rId3">
+            <a:extLst>
+              <a:ext uri="{28A0092B-C50C-407E-A947-70E740481C1C}">
+                <a14:useLocalDpi xmlns:a14="http://schemas.microsoft.com/office/drawing/2010/main" val="0"/>
+              </a:ext>
+            </a:extLst>
+          </a:blip>
+          <a:srcRect r="9045"/>
+          <a:stretch/>
+        </p:blipFill>
+        <p:spPr>
+          <a:xfrm>
+            <a:off x="382680" y="2226815"/>
+            <a:ext cx="9002620" cy="4096322"/>
+          </a:xfrm>
+          <a:prstGeom prst="rect">
+            <a:avLst/>
+          </a:prstGeom>
+        </p:spPr>
+      </p:pic>
+    </p:spTree>
+    <p:extLst>
+      <p:ext uri="{BB962C8B-B14F-4D97-AF65-F5344CB8AC3E}">
+        <p14:creationId xmlns:p14="http://schemas.microsoft.com/office/powerpoint/2010/main" val="13937575"/>
+      </p:ext>
+    </p:extLst>
+  </p:cSld>
+  <p:clrMapOvr>
+    <a:masterClrMapping/>
+  </p:clrMapOvr>
+</p:sld>
+</file>
+
+<file path=ppt/slides/slide5.xml><?xml version="1.0" encoding="utf-8"?>
+<p:sld xmlns:a="http://schemas.openxmlformats.org/drawingml/2006/main" xmlns:r="http://schemas.openxmlformats.org/officeDocument/2006/relationships" xmlns:p="http://schemas.openxmlformats.org/presentationml/2006/main">
+  <p:cSld>
+    <p:spTree>
+      <p:nvGrpSpPr>
+        <p:cNvPr id="1" name="">
+          <a:extLst>
+            <a:ext uri="{FF2B5EF4-FFF2-40B4-BE49-F238E27FC236}">
+              <a16:creationId xmlns:a16="http://schemas.microsoft.com/office/drawing/2014/main" id="{4C8E5F8B-0900-570F-546A-AD118A3BF4ED}"/>
+            </a:ext>
+          </a:extLst>
+        </p:cNvPr>
+        <p:cNvGrpSpPr/>
+        <p:nvPr/>
+      </p:nvGrpSpPr>
+      <p:grpSpPr>
+        <a:xfrm>
+          <a:off x="0" y="0"/>
+          <a:ext cx="0" cy="0"/>
+          <a:chOff x="0" y="0"/>
+          <a:chExt cx="0" cy="0"/>
+        </a:xfrm>
+      </p:grpSpPr>
+      <p:sp>
+        <p:nvSpPr>
+          <p:cNvPr id="14" name="PlaceHolder 1">
+            <a:extLst>
+              <a:ext uri="{FF2B5EF4-FFF2-40B4-BE49-F238E27FC236}">
+                <a16:creationId xmlns:a16="http://schemas.microsoft.com/office/drawing/2014/main" id="{1482F9FF-4EC4-8CD1-138E-7E2377E0EB23}"/>
+              </a:ext>
+            </a:extLst>
+          </p:cNvPr>
+          <p:cNvSpPr>
+            <a:spLocks noGrp="1"/>
+          </p:cNvSpPr>
+          <p:nvPr>
+            <p:ph type="title"/>
+          </p:nvPr>
+        </p:nvSpPr>
+        <p:spPr>
+          <a:xfrm>
+            <a:off x="382680" y="541440"/>
+            <a:ext cx="7469640" cy="943560"/>
+          </a:xfrm>
+          <a:prstGeom prst="rect">
+            <a:avLst/>
+          </a:prstGeom>
+          <a:noFill/>
+          <a:ln w="0">
+            <a:noFill/>
+          </a:ln>
+        </p:spPr>
+        <p:txBody>
+          <a:bodyPr lIns="0" tIns="0" rIns="0" bIns="0" anchor="ctr">
+            <a:noAutofit/>
+          </a:bodyPr>
+          <a:lstStyle/>
+          <a:p>
+            <a:pPr indent="0">
+              <a:buNone/>
+            </a:pPr>
+            <a:r>
+              <a:rPr lang="en-US" altLang="zh-CN" sz="3600" b="1" u="none" strike="noStrike" dirty="0">
+                <a:solidFill>
+                  <a:srgbClr val="000000"/>
+                </a:solidFill>
+                <a:uFillTx/>
+                <a:latin typeface="Arial"/>
+              </a:rPr>
+              <a:t>Optimization objective</a:t>
+            </a:r>
+            <a:endParaRPr lang="en-US" sz="3600" b="0" u="none" strike="noStrike" dirty="0">
+              <a:solidFill>
+                <a:srgbClr val="000000"/>
+              </a:solidFill>
+              <a:uFillTx/>
+              <a:latin typeface="Arial"/>
+            </a:endParaRPr>
+          </a:p>
+        </p:txBody>
+      </p:sp>
+      <p:pic>
+        <p:nvPicPr>
+          <p:cNvPr id="3" name="图片 2">
+            <a:extLst>
+              <a:ext uri="{FF2B5EF4-FFF2-40B4-BE49-F238E27FC236}">
+                <a16:creationId xmlns:a16="http://schemas.microsoft.com/office/drawing/2014/main" id="{935FB12A-403A-28F8-ED89-BB2A85AE09C5}"/>
+              </a:ext>
+            </a:extLst>
+          </p:cNvPr>
+          <p:cNvPicPr>
+            <a:picLocks noChangeAspect="1"/>
+          </p:cNvPicPr>
+          <p:nvPr/>
+        </p:nvPicPr>
+        <p:blipFill>
+          <a:blip r:embed="rId3">
+            <a:extLst>
+              <a:ext uri="{28A0092B-C50C-407E-A947-70E740481C1C}">
+                <a14:useLocalDpi xmlns:a14="http://schemas.microsoft.com/office/drawing/2010/main" val="0"/>
+              </a:ext>
+            </a:extLst>
+          </a:blip>
+          <a:stretch>
+            <a:fillRect/>
+          </a:stretch>
+        </p:blipFill>
+        <p:spPr>
+          <a:xfrm>
+            <a:off x="67568" y="1673964"/>
+            <a:ext cx="9945488" cy="5344271"/>
+          </a:xfrm>
+          <a:prstGeom prst="rect">
+            <a:avLst/>
+          </a:prstGeom>
+        </p:spPr>
+      </p:pic>
+    </p:spTree>
+    <p:extLst>
+      <p:ext uri="{BB962C8B-B14F-4D97-AF65-F5344CB8AC3E}">
+        <p14:creationId xmlns:p14="http://schemas.microsoft.com/office/powerpoint/2010/main" val="2776173221"/>
+      </p:ext>
+    </p:extLst>
+  </p:cSld>
+  <p:clrMapOvr>
+    <a:masterClrMapping/>
+  </p:clrMapOvr>
+</p:sld>
+</file>
+
+<file path=ppt/slides/slide6.xml><?xml version="1.0" encoding="utf-8"?>
+<p:sld xmlns:a="http://schemas.openxmlformats.org/drawingml/2006/main" xmlns:r="http://schemas.openxmlformats.org/officeDocument/2006/relationships" xmlns:p="http://schemas.openxmlformats.org/presentationml/2006/main">
+  <p:cSld>
+    <p:spTree>
+      <p:nvGrpSpPr>
+        <p:cNvPr id="1" name="">
+          <a:extLst>
+            <a:ext uri="{FF2B5EF4-FFF2-40B4-BE49-F238E27FC236}">
+              <a16:creationId xmlns:a16="http://schemas.microsoft.com/office/drawing/2014/main" id="{38A23506-9D84-7D5A-079A-4B1B0B61F4CF}"/>
+            </a:ext>
+          </a:extLst>
+        </p:cNvPr>
+        <p:cNvGrpSpPr/>
+        <p:nvPr/>
+      </p:nvGrpSpPr>
+      <p:grpSpPr>
+        <a:xfrm>
+          <a:off x="0" y="0"/>
+          <a:ext cx="0" cy="0"/>
+          <a:chOff x="0" y="0"/>
+          <a:chExt cx="0" cy="0"/>
+        </a:xfrm>
+      </p:grpSpPr>
+      <p:sp>
+        <p:nvSpPr>
+          <p:cNvPr id="14" name="PlaceHolder 1">
+            <a:extLst>
+              <a:ext uri="{FF2B5EF4-FFF2-40B4-BE49-F238E27FC236}">
+                <a16:creationId xmlns:a16="http://schemas.microsoft.com/office/drawing/2014/main" id="{EDE8D9AF-BDB7-8000-4155-50C4E2107745}"/>
+              </a:ext>
+            </a:extLst>
+          </p:cNvPr>
+          <p:cNvSpPr>
+            <a:spLocks noGrp="1"/>
+          </p:cNvSpPr>
+          <p:nvPr>
+            <p:ph type="title"/>
+          </p:nvPr>
+        </p:nvSpPr>
+        <p:spPr>
+          <a:xfrm>
+            <a:off x="382680" y="541440"/>
+            <a:ext cx="7469640" cy="943560"/>
+          </a:xfrm>
+          <a:prstGeom prst="rect">
+            <a:avLst/>
+          </a:prstGeom>
+          <a:noFill/>
+          <a:ln w="0">
+            <a:noFill/>
+          </a:ln>
+        </p:spPr>
+        <p:txBody>
+          <a:bodyPr lIns="0" tIns="0" rIns="0" bIns="0" anchor="ctr">
+            <a:noAutofit/>
+          </a:bodyPr>
+          <a:lstStyle/>
+          <a:p>
+            <a:pPr indent="0">
+              <a:buNone/>
+            </a:pPr>
+            <a:r>
+              <a:rPr lang="en-US" altLang="zh-CN" sz="3600" b="1" u="none" strike="noStrike" dirty="0">
+                <a:solidFill>
+                  <a:srgbClr val="000000"/>
+                </a:solidFill>
+                <a:uFillTx/>
+                <a:latin typeface="Arial"/>
+              </a:rPr>
+              <a:t>Optimization objective</a:t>
+            </a:r>
+            <a:endParaRPr lang="en-US" sz="3600" b="0" u="none" strike="noStrike" dirty="0">
+              <a:solidFill>
+                <a:srgbClr val="000000"/>
+              </a:solidFill>
+              <a:uFillTx/>
+              <a:latin typeface="Arial"/>
+            </a:endParaRPr>
+          </a:p>
+        </p:txBody>
+      </p:sp>
+      <p:pic>
+        <p:nvPicPr>
+          <p:cNvPr id="4" name="图片 3">
+            <a:extLst>
+              <a:ext uri="{FF2B5EF4-FFF2-40B4-BE49-F238E27FC236}">
+                <a16:creationId xmlns:a16="http://schemas.microsoft.com/office/drawing/2014/main" id="{99076475-739A-6FA2-0BB5-2151A888ED89}"/>
+              </a:ext>
+            </a:extLst>
+          </p:cNvPr>
+          <p:cNvPicPr>
+            <a:picLocks noChangeAspect="1"/>
+          </p:cNvPicPr>
+          <p:nvPr/>
+        </p:nvPicPr>
+        <p:blipFill>
+          <a:blip r:embed="rId3">
+            <a:extLst>
+              <a:ext uri="{28A0092B-C50C-407E-A947-70E740481C1C}">
+                <a14:useLocalDpi xmlns:a14="http://schemas.microsoft.com/office/drawing/2010/main" val="0"/>
+              </a:ext>
+            </a:extLst>
+          </a:blip>
+          <a:srcRect r="11603"/>
+          <a:stretch/>
+        </p:blipFill>
+        <p:spPr>
+          <a:xfrm>
+            <a:off x="382680" y="2284156"/>
+            <a:ext cx="8833548" cy="3677163"/>
+          </a:xfrm>
+          <a:prstGeom prst="rect">
+            <a:avLst/>
+          </a:prstGeom>
+        </p:spPr>
+      </p:pic>
+    </p:spTree>
+    <p:extLst>
+      <p:ext uri="{BB962C8B-B14F-4D97-AF65-F5344CB8AC3E}">
+        <p14:creationId xmlns:p14="http://schemas.microsoft.com/office/powerpoint/2010/main" val="2059407276"/>
+      </p:ext>
+    </p:extLst>
+  </p:cSld>
+  <p:clrMapOvr>
+    <a:masterClrMapping/>
+  </p:clrMapOvr>
+</p:sld>
+</file>
+
+<file path=ppt/slides/slide7.xml><?xml version="1.0" encoding="utf-8"?>
+<p:sld xmlns:a="http://schemas.openxmlformats.org/drawingml/2006/main" xmlns:r="http://schemas.openxmlformats.org/officeDocument/2006/relationships" xmlns:p="http://schemas.openxmlformats.org/presentationml/2006/main">
+  <p:cSld>
+    <p:spTree>
+      <p:nvGrpSpPr>
+        <p:cNvPr id="1" name="">
+          <a:extLst>
+            <a:ext uri="{FF2B5EF4-FFF2-40B4-BE49-F238E27FC236}">
+              <a16:creationId xmlns:a16="http://schemas.microsoft.com/office/drawing/2014/main" id="{33887EAC-89D3-C346-01FB-C29E4375EE11}"/>
+            </a:ext>
+          </a:extLst>
+        </p:cNvPr>
+        <p:cNvGrpSpPr/>
+        <p:nvPr/>
+      </p:nvGrpSpPr>
+      <p:grpSpPr>
+        <a:xfrm>
+          <a:off x="0" y="0"/>
+          <a:ext cx="0" cy="0"/>
+          <a:chOff x="0" y="0"/>
+          <a:chExt cx="0" cy="0"/>
+        </a:xfrm>
+      </p:grpSpPr>
+      <p:sp>
+        <p:nvSpPr>
+          <p:cNvPr id="14" name="PlaceHolder 1">
+            <a:extLst>
+              <a:ext uri="{FF2B5EF4-FFF2-40B4-BE49-F238E27FC236}">
+                <a16:creationId xmlns:a16="http://schemas.microsoft.com/office/drawing/2014/main" id="{3453CE0F-F078-A071-ED14-F5EAB8390F80}"/>
+              </a:ext>
+            </a:extLst>
+          </p:cNvPr>
+          <p:cNvSpPr>
+            <a:spLocks noGrp="1"/>
+          </p:cNvSpPr>
+          <p:nvPr>
+            <p:ph type="title"/>
+          </p:nvPr>
+        </p:nvSpPr>
+        <p:spPr>
+          <a:xfrm>
+            <a:off x="382680" y="541440"/>
+            <a:ext cx="7469640" cy="943560"/>
+          </a:xfrm>
+          <a:prstGeom prst="rect">
+            <a:avLst/>
+          </a:prstGeom>
+          <a:noFill/>
+          <a:ln w="0">
+            <a:noFill/>
+          </a:ln>
+        </p:spPr>
+        <p:txBody>
+          <a:bodyPr lIns="0" tIns="0" rIns="0" bIns="0" anchor="ctr">
+            <a:noAutofit/>
+          </a:bodyPr>
+          <a:lstStyle/>
+          <a:p>
+            <a:pPr indent="0">
+              <a:buNone/>
+            </a:pPr>
+            <a:r>
+              <a:rPr lang="en-US" altLang="zh-CN" sz="3600" b="1" u="none" strike="noStrike" dirty="0">
+                <a:solidFill>
+                  <a:srgbClr val="000000"/>
+                </a:solidFill>
+                <a:uFillTx/>
+                <a:latin typeface="Arial"/>
+              </a:rPr>
+              <a:t>Optimization objective</a:t>
+            </a:r>
+            <a:endParaRPr lang="en-US" sz="3600" b="0" u="none" strike="noStrike" dirty="0">
+              <a:solidFill>
+                <a:srgbClr val="000000"/>
+              </a:solidFill>
+              <a:uFillTx/>
+              <a:latin typeface="Arial"/>
+            </a:endParaRPr>
+          </a:p>
+        </p:txBody>
+      </p:sp>
+      <p:pic>
+        <p:nvPicPr>
+          <p:cNvPr id="3" name="图片 2">
+            <a:extLst>
+              <a:ext uri="{FF2B5EF4-FFF2-40B4-BE49-F238E27FC236}">
+                <a16:creationId xmlns:a16="http://schemas.microsoft.com/office/drawing/2014/main" id="{FA00AC1C-1D39-44C8-4F96-42C8601D1EC7}"/>
+              </a:ext>
+            </a:extLst>
+          </p:cNvPr>
+          <p:cNvPicPr>
+            <a:picLocks noChangeAspect="1"/>
+          </p:cNvPicPr>
+          <p:nvPr/>
+        </p:nvPicPr>
+        <p:blipFill>
+          <a:blip r:embed="rId3">
+            <a:extLst>
+              <a:ext uri="{28A0092B-C50C-407E-A947-70E740481C1C}">
+                <a14:useLocalDpi xmlns:a14="http://schemas.microsoft.com/office/drawing/2010/main" val="0"/>
+              </a:ext>
+            </a:extLst>
+          </a:blip>
+          <a:stretch>
+            <a:fillRect/>
+          </a:stretch>
+        </p:blipFill>
+        <p:spPr>
+          <a:xfrm>
+            <a:off x="53278" y="2317625"/>
+            <a:ext cx="9974067" cy="1781424"/>
+          </a:xfrm>
+          <a:prstGeom prst="rect">
+            <a:avLst/>
+          </a:prstGeom>
+        </p:spPr>
+      </p:pic>
+      <p:pic>
+        <p:nvPicPr>
+          <p:cNvPr id="6" name="图片 5">
+            <a:extLst>
+              <a:ext uri="{FF2B5EF4-FFF2-40B4-BE49-F238E27FC236}">
+                <a16:creationId xmlns:a16="http://schemas.microsoft.com/office/drawing/2014/main" id="{F525B56E-FBD1-B414-A81D-95AE65DB1CE8}"/>
+              </a:ext>
+            </a:extLst>
+          </p:cNvPr>
+          <p:cNvPicPr>
+            <a:picLocks noChangeAspect="1"/>
+          </p:cNvPicPr>
+          <p:nvPr/>
+        </p:nvPicPr>
+        <p:blipFill>
+          <a:blip r:embed="rId4">
+            <a:extLst>
+              <a:ext uri="{28A0092B-C50C-407E-A947-70E740481C1C}">
+                <a14:useLocalDpi xmlns:a14="http://schemas.microsoft.com/office/drawing/2010/main" val="0"/>
+              </a:ext>
+            </a:extLst>
+          </a:blip>
+          <a:stretch>
+            <a:fillRect/>
+          </a:stretch>
+        </p:blipFill>
+        <p:spPr>
+          <a:xfrm>
+            <a:off x="201821" y="4641757"/>
+            <a:ext cx="9878804" cy="1324160"/>
+          </a:xfrm>
+          <a:prstGeom prst="rect">
+            <a:avLst/>
+          </a:prstGeom>
+        </p:spPr>
+      </p:pic>
+    </p:spTree>
+    <p:extLst>
+      <p:ext uri="{BB962C8B-B14F-4D97-AF65-F5344CB8AC3E}">
+        <p14:creationId xmlns:p14="http://schemas.microsoft.com/office/powerpoint/2010/main" val="1528976833"/>
+      </p:ext>
+    </p:extLst>
+  </p:cSld>
+  <p:clrMapOvr>
+    <a:masterClrMapping/>
+  </p:clrMapOvr>
+</p:sld>
+</file>
+
+<file path=ppt/slides/slide8.xml><?xml version="1.0" encoding="utf-8"?>
+<p:sld xmlns:a="http://schemas.openxmlformats.org/drawingml/2006/main" xmlns:r="http://schemas.openxmlformats.org/officeDocument/2006/relationships" xmlns:p="http://schemas.openxmlformats.org/presentationml/2006/main">
+  <p:cSld>
+    <p:spTree>
+      <p:nvGrpSpPr>
+        <p:cNvPr id="1" name="">
+          <a:extLst>
+            <a:ext uri="{FF2B5EF4-FFF2-40B4-BE49-F238E27FC236}">
+              <a16:creationId xmlns:a16="http://schemas.microsoft.com/office/drawing/2014/main" id="{F84D8BE0-D473-410D-A763-55442CA9321E}"/>
+            </a:ext>
+          </a:extLst>
+        </p:cNvPr>
+        <p:cNvGrpSpPr/>
+        <p:nvPr/>
+      </p:nvGrpSpPr>
+      <p:grpSpPr>
+        <a:xfrm>
+          <a:off x="0" y="0"/>
+          <a:ext cx="0" cy="0"/>
+          <a:chOff x="0" y="0"/>
+          <a:chExt cx="0" cy="0"/>
+        </a:xfrm>
+      </p:grpSpPr>
+      <p:sp>
+        <p:nvSpPr>
+          <p:cNvPr id="14" name="PlaceHolder 1">
+            <a:extLst>
+              <a:ext uri="{FF2B5EF4-FFF2-40B4-BE49-F238E27FC236}">
+                <a16:creationId xmlns:a16="http://schemas.microsoft.com/office/drawing/2014/main" id="{700CB0B9-F03D-A8BD-42A2-AE0621821268}"/>
+              </a:ext>
+            </a:extLst>
+          </p:cNvPr>
+          <p:cNvSpPr>
+            <a:spLocks noGrp="1"/>
+          </p:cNvSpPr>
+          <p:nvPr>
+            <p:ph type="title"/>
+          </p:nvPr>
+        </p:nvSpPr>
+        <p:spPr>
+          <a:xfrm>
+            <a:off x="382680" y="541440"/>
+            <a:ext cx="7469640" cy="943560"/>
+          </a:xfrm>
+          <a:prstGeom prst="rect">
+            <a:avLst/>
+          </a:prstGeom>
+          <a:noFill/>
+          <a:ln w="0">
+            <a:noFill/>
+          </a:ln>
+        </p:spPr>
+        <p:txBody>
+          <a:bodyPr lIns="0" tIns="0" rIns="0" bIns="0" anchor="ctr">
+            <a:noAutofit/>
+          </a:bodyPr>
+          <a:lstStyle/>
+          <a:p>
+            <a:pPr indent="0">
+              <a:buNone/>
+            </a:pPr>
+            <a:r>
+              <a:rPr lang="en-US" altLang="zh-CN" sz="3600" b="1" u="none" strike="noStrike" dirty="0">
+                <a:solidFill>
+                  <a:srgbClr val="000000"/>
+                </a:solidFill>
+                <a:uFillTx/>
+                <a:latin typeface="Arial"/>
+              </a:rPr>
+              <a:t>Optimization result</a:t>
+            </a:r>
+            <a:endParaRPr lang="en-US" sz="3600" b="0" u="none" strike="noStrike" dirty="0">
+              <a:solidFill>
+                <a:srgbClr val="000000"/>
+              </a:solidFill>
+              <a:uFillTx/>
+              <a:latin typeface="Arial"/>
+            </a:endParaRPr>
+          </a:p>
+        </p:txBody>
+      </p:sp>
+      <p:pic>
+        <p:nvPicPr>
+          <p:cNvPr id="4" name="图片 3">
+            <a:extLst>
+              <a:ext uri="{FF2B5EF4-FFF2-40B4-BE49-F238E27FC236}">
+                <a16:creationId xmlns:a16="http://schemas.microsoft.com/office/drawing/2014/main" id="{46DE82BF-CC97-0FD1-52AD-5912C2E5546A}"/>
+              </a:ext>
+            </a:extLst>
+          </p:cNvPr>
+          <p:cNvPicPr>
+            <a:picLocks noChangeAspect="1"/>
+          </p:cNvPicPr>
+          <p:nvPr/>
+        </p:nvPicPr>
+        <p:blipFill>
+          <a:blip r:embed="rId3">
+            <a:clrChange>
+              <a:clrFrom>
+                <a:srgbClr val="FFFFFF"/>
+              </a:clrFrom>
+              <a:clrTo>
+                <a:srgbClr val="FFFFFF">
+                  <a:alpha val="0"/>
+                </a:srgbClr>
+              </a:clrTo>
+            </a:clrChange>
+            <a:extLst>
+              <a:ext uri="{28A0092B-C50C-407E-A947-70E740481C1C}">
+                <a14:useLocalDpi xmlns:a14="http://schemas.microsoft.com/office/drawing/2010/main" val="0"/>
+              </a:ext>
+            </a:extLst>
+          </a:blip>
+          <a:srcRect/>
+          <a:stretch/>
+        </p:blipFill>
+        <p:spPr>
+          <a:xfrm>
+            <a:off x="2168003" y="1599624"/>
+            <a:ext cx="5534359" cy="2767179"/>
+          </a:xfrm>
+          <a:prstGeom prst="rect">
+            <a:avLst/>
+          </a:prstGeom>
+        </p:spPr>
+      </p:pic>
+      <p:pic>
+        <p:nvPicPr>
+          <p:cNvPr id="7" name="图片 6">
+            <a:extLst>
+              <a:ext uri="{FF2B5EF4-FFF2-40B4-BE49-F238E27FC236}">
+                <a16:creationId xmlns:a16="http://schemas.microsoft.com/office/drawing/2014/main" id="{715295C6-FBB8-D136-D963-A8530A9F9535}"/>
+              </a:ext>
+            </a:extLst>
+          </p:cNvPr>
+          <p:cNvPicPr>
+            <a:picLocks noChangeAspect="1"/>
+          </p:cNvPicPr>
+          <p:nvPr/>
+        </p:nvPicPr>
+        <p:blipFill>
+          <a:blip r:embed="rId4">
+            <a:clrChange>
+              <a:clrFrom>
+                <a:srgbClr val="FFFFFF"/>
+              </a:clrFrom>
+              <a:clrTo>
+                <a:srgbClr val="FFFFFF">
+                  <a:alpha val="0"/>
+                </a:srgbClr>
+              </a:clrTo>
+            </a:clrChange>
+            <a:extLst>
+              <a:ext uri="{28A0092B-C50C-407E-A947-70E740481C1C}">
+                <a14:useLocalDpi xmlns:a14="http://schemas.microsoft.com/office/drawing/2010/main" val="0"/>
+              </a:ext>
+            </a:extLst>
+          </a:blip>
+          <a:srcRect/>
+          <a:stretch/>
+        </p:blipFill>
+        <p:spPr>
+          <a:xfrm>
+            <a:off x="2168003" y="4251056"/>
+            <a:ext cx="5534359" cy="2767179"/>
+          </a:xfrm>
+          <a:prstGeom prst="rect">
+            <a:avLst/>
+          </a:prstGeom>
+        </p:spPr>
+      </p:pic>
+    </p:spTree>
+    <p:extLst>
+      <p:ext uri="{BB962C8B-B14F-4D97-AF65-F5344CB8AC3E}">
+        <p14:creationId xmlns:p14="http://schemas.microsoft.com/office/powerpoint/2010/main" val="4181511124"/>
+      </p:ext>
+    </p:extLst>
+  </p:cSld>
+  <p:clrMapOvr>
+    <a:masterClrMapping/>
+  </p:clrMapOvr>
+</p:sld>
+</file>
+
+<file path=ppt/slides/slide9.xml><?xml version="1.0" encoding="utf-8"?>
+<p:sld xmlns:a="http://schemas.openxmlformats.org/drawingml/2006/main" xmlns:r="http://schemas.openxmlformats.org/officeDocument/2006/relationships" xmlns:p="http://schemas.openxmlformats.org/presentationml/2006/main">
+  <p:cSld>
+    <p:spTree>
+      <p:nvGrpSpPr>
+        <p:cNvPr id="1" name="">
+          <a:extLst>
+            <a:ext uri="{FF2B5EF4-FFF2-40B4-BE49-F238E27FC236}">
+              <a16:creationId xmlns:a16="http://schemas.microsoft.com/office/drawing/2014/main" id="{75929476-95E4-22F6-F247-28E597EDF4A8}"/>
+            </a:ext>
+          </a:extLst>
+        </p:cNvPr>
+        <p:cNvGrpSpPr/>
+        <p:nvPr/>
+      </p:nvGrpSpPr>
+      <p:grpSpPr>
+        <a:xfrm>
+          <a:off x="0" y="0"/>
+          <a:ext cx="0" cy="0"/>
+          <a:chOff x="0" y="0"/>
+          <a:chExt cx="0" cy="0"/>
+        </a:xfrm>
+      </p:grpSpPr>
+      <p:sp>
+        <p:nvSpPr>
+          <p:cNvPr id="14" name="PlaceHolder 1">
+            <a:extLst>
+              <a:ext uri="{FF2B5EF4-FFF2-40B4-BE49-F238E27FC236}">
+                <a16:creationId xmlns:a16="http://schemas.microsoft.com/office/drawing/2014/main" id="{78702292-4929-E635-1039-22D6E82B8253}"/>
+              </a:ext>
+            </a:extLst>
+          </p:cNvPr>
+          <p:cNvSpPr>
+            <a:spLocks noGrp="1"/>
+          </p:cNvSpPr>
+          <p:nvPr>
+            <p:ph type="title"/>
+          </p:nvPr>
+        </p:nvSpPr>
+        <p:spPr>
+          <a:xfrm>
+            <a:off x="382680" y="541440"/>
+            <a:ext cx="7469640" cy="943560"/>
+          </a:xfrm>
+          <a:prstGeom prst="rect">
+            <a:avLst/>
+          </a:prstGeom>
+          <a:noFill/>
+          <a:ln w="0">
+            <a:noFill/>
+          </a:ln>
+        </p:spPr>
+        <p:txBody>
+          <a:bodyPr lIns="0" tIns="0" rIns="0" bIns="0" anchor="ctr">
+            <a:noAutofit/>
+          </a:bodyPr>
+          <a:lstStyle/>
+          <a:p>
+            <a:pPr indent="0">
+              <a:buNone/>
+            </a:pPr>
+            <a:r>
+              <a:rPr lang="en-US" altLang="zh-CN" sz="3600" b="1" dirty="0">
+                <a:solidFill>
+                  <a:srgbClr val="000000"/>
+                </a:solidFill>
+                <a:latin typeface="Arial"/>
+              </a:rPr>
+              <a:t>Simulation</a:t>
+            </a:r>
+            <a:endParaRPr lang="en-US" sz="3600" b="0" u="none" strike="noStrike" dirty="0">
+              <a:solidFill>
+                <a:srgbClr val="000000"/>
+              </a:solidFill>
+              <a:uFillTx/>
+              <a:latin typeface="Arial"/>
+            </a:endParaRPr>
+          </a:p>
+        </p:txBody>
+      </p:sp>
+      <p:pic>
+        <p:nvPicPr>
+          <p:cNvPr id="4" name="图片 3">
+            <a:extLst>
+              <a:ext uri="{FF2B5EF4-FFF2-40B4-BE49-F238E27FC236}">
+                <a16:creationId xmlns:a16="http://schemas.microsoft.com/office/drawing/2014/main" id="{5F6D3710-95F7-192C-3086-AD9BF2BF87CD}"/>
+              </a:ext>
+            </a:extLst>
+          </p:cNvPr>
+          <p:cNvPicPr>
+            <a:picLocks noChangeAspect="1"/>
+          </p:cNvPicPr>
+          <p:nvPr/>
+        </p:nvPicPr>
+        <p:blipFill>
+          <a:blip r:embed="rId3">
+            <a:extLst>
+              <a:ext uri="{28A0092B-C50C-407E-A947-70E740481C1C}">
+                <a14:useLocalDpi xmlns:a14="http://schemas.microsoft.com/office/drawing/2010/main" val="0"/>
+              </a:ext>
+            </a:extLst>
+          </a:blip>
+          <a:stretch>
+            <a:fillRect/>
+          </a:stretch>
+        </p:blipFill>
+        <p:spPr>
+          <a:xfrm>
+            <a:off x="2248913" y="2551697"/>
+            <a:ext cx="5404734" cy="4217402"/>
+          </a:xfrm>
+          <a:prstGeom prst="rect">
+            <a:avLst/>
+          </a:prstGeom>
+        </p:spPr>
+      </p:pic>
+      <p:sp>
+        <p:nvSpPr>
+          <p:cNvPr id="5" name="文本框 4">
+            <a:extLst>
+              <a:ext uri="{FF2B5EF4-FFF2-40B4-BE49-F238E27FC236}">
+                <a16:creationId xmlns:a16="http://schemas.microsoft.com/office/drawing/2014/main" id="{864236CC-418F-DC52-B8B8-450F9D4FDE5A}"/>
+              </a:ext>
+            </a:extLst>
+          </p:cNvPr>
+          <p:cNvSpPr txBox="1"/>
+          <p:nvPr/>
+        </p:nvSpPr>
+        <p:spPr>
+          <a:xfrm>
+            <a:off x="382680" y="1787516"/>
+            <a:ext cx="8051800" cy="461665"/>
+          </a:xfrm>
+          <a:prstGeom prst="rect">
+            <a:avLst/>
+          </a:prstGeom>
+          <a:noFill/>
+        </p:spPr>
+        <p:txBody>
+          <a:bodyPr wrap="square" rtlCol="0">
+            <a:spAutoFit/>
+          </a:bodyPr>
+          <a:lstStyle/>
+          <a:p>
+            <a:r>
+              <a:rPr lang="en-US" altLang="zh-CN" sz="2400" b="1" dirty="0"/>
+              <a:t>EVSE &amp; Shelly Simulator</a:t>
+            </a:r>
+            <a:endParaRPr lang="zh-CN" altLang="en-US" sz="2400" b="1" dirty="0"/>
+          </a:p>
+        </p:txBody>
+      </p:sp>
+    </p:spTree>
+    <p:extLst>
+      <p:ext uri="{BB962C8B-B14F-4D97-AF65-F5344CB8AC3E}">
+        <p14:creationId xmlns:p14="http://schemas.microsoft.com/office/powerpoint/2010/main" val="3866794268"/>
+      </p:ext>
+    </p:extLst>
+  </p:cSld>
+  <p:clrMapOvr>
+    <a:masterClrMapping/>
+  </p:clrMapOvr>
 </p:sld>
 </file>
 
 <file path=ppt/theme/theme1.xml><?xml version="1.0" encoding="utf-8"?>
-<a:theme xmlns:a="http://schemas.openxmlformats.org/drawingml/2006/main" xmlns:r="http://schemas.openxmlformats.org/officeDocument/2006/relationships" name="Office">
+<a:theme xmlns:a="http://schemas.openxmlformats.org/drawingml/2006/main" name="Office">
   <a:themeElements>
     <a:clrScheme name="LibreOffice">
       <a:dk1>
         <a:srgbClr val="000000"/>
       </a:dk1>
       <a:lt1>
-        <a:srgbClr val="ffffff"/>
+        <a:srgbClr val="FFFFFF"/>
       </a:lt1>
       <a:dk2>
         <a:srgbClr val="000000"/>
       </a:dk2>
       <a:lt2>
-        <a:srgbClr val="ffffff"/>
+        <a:srgbClr val="FFFFFF"/>
       </a:lt2>
       <a:accent1>
-        <a:srgbClr val="18a303"/>
+        <a:srgbClr val="18A303"/>
       </a:accent1>
       <a:accent2>
-        <a:srgbClr val="0369a3"/>
+        <a:srgbClr val="0369A3"/>
       </a:accent2>
       <a:accent3>
-        <a:srgbClr val="a33e03"/>
+        <a:srgbClr val="A33E03"/>
       </a:accent3>
       <a:accent4>
-        <a:srgbClr val="8e03a3"/>
+        <a:srgbClr val="8E03A3"/>
       </a:accent4>
       <a:accent5>
-        <a:srgbClr val="c99c00"/>
+        <a:srgbClr val="C99C00"/>
       </a:accent5>
       <a:accent6>
-        <a:srgbClr val="c9211e"/>
+        <a:srgbClr val="C9211E"/>
       </a:accent6>
       <a:hlink>
-        <a:srgbClr val="0000ee"/>
+        <a:srgbClr val="0000EE"/>
       </a:hlink>
       <a:folHlink>
-        <a:srgbClr val="551a8b"/>
+        <a:srgbClr val="551A8B"/>
       </a:folHlink>
     </a:clrScheme>
     <a:fontScheme name="Office">
       <a:majorFont>
-        <a:latin typeface="Arial" pitchFamily="0" charset="1"/>
-        <a:ea typeface="DejaVu Sans" pitchFamily="0" charset="1"/>
-        <a:cs typeface="DejaVu Sans" pitchFamily="0" charset="1"/>
+        <a:latin typeface="Arial"/>
+        <a:ea typeface="DejaVu Sans"/>
+        <a:cs typeface="DejaVu Sans"/>
       </a:majorFont>
       <a:minorFont>
-        <a:latin typeface="Arial" pitchFamily="0" charset="1"/>
-        <a:ea typeface="DejaVu Sans" pitchFamily="0" charset="1"/>
-        <a:cs typeface="DejaVu Sans" pitchFamily="0" charset="1"/>
+        <a:latin typeface="Arial"/>
+        <a:ea typeface="DejaVu Sans"/>
+        <a:cs typeface="DejaVu Sans"/>
       </a:minorFont>
     </a:fontScheme>
     <a:fmtScheme>
@@ -1263,5 +5024,302 @@
       </a:bgFillStyleLst>
     </a:fmtScheme>
   </a:themeElements>
+  <a:objectDefaults/>
+  <a:extraClrSchemeLst/>
+</a:theme>
+</file>
+
+<file path=ppt/theme/theme2.xml><?xml version="1.0" encoding="utf-8"?>
+<a:theme xmlns:a="http://schemas.openxmlformats.org/drawingml/2006/main" name="Office 主题​​">
+  <a:themeElements>
+    <a:clrScheme name="Office">
+      <a:dk1>
+        <a:sysClr val="windowText" lastClr="000000"/>
+      </a:dk1>
+      <a:lt1>
+        <a:sysClr val="window" lastClr="FFFFFF"/>
+      </a:lt1>
+      <a:dk2>
+        <a:srgbClr val="44546A"/>
+      </a:dk2>
+      <a:lt2>
+        <a:srgbClr val="E7E6E6"/>
+      </a:lt2>
+      <a:accent1>
+        <a:srgbClr val="4472C4"/>
+      </a:accent1>
+      <a:accent2>
+        <a:srgbClr val="ED7D31"/>
+      </a:accent2>
+      <a:accent3>
+        <a:srgbClr val="A5A5A5"/>
+      </a:accent3>
+      <a:accent4>
+        <a:srgbClr val="FFC000"/>
+      </a:accent4>
+      <a:accent5>
+        <a:srgbClr val="5B9BD5"/>
+      </a:accent5>
+      <a:accent6>
+        <a:srgbClr val="70AD47"/>
+      </a:accent6>
+      <a:hlink>
+        <a:srgbClr val="0563C1"/>
+      </a:hlink>
+      <a:folHlink>
+        <a:srgbClr val="954F72"/>
+      </a:folHlink>
+    </a:clrScheme>
+    <a:fontScheme name="Office">
+      <a:majorFont>
+        <a:latin typeface="等线 Light" panose="020F0302020204030204"/>
+        <a:ea typeface=""/>
+        <a:cs typeface=""/>
+        <a:font script="Jpan" typeface="游ゴシック Light"/>
+        <a:font script="Hang" typeface="맑은 고딕"/>
+        <a:font script="Hans" typeface="等线 Light"/>
+        <a:font script="Hant" typeface="新細明體"/>
+        <a:font script="Arab" typeface="Times New Roman"/>
+        <a:font script="Hebr" typeface="Times New Roman"/>
+        <a:font script="Thai" typeface="Angsana New"/>
+        <a:font script="Ethi" typeface="Nyala"/>
+        <a:font script="Beng" typeface="Vrinda"/>
+        <a:font script="Gujr" typeface="Shruti"/>
+        <a:font script="Khmr" typeface="MoolBoran"/>
+        <a:font script="Knda" typeface="Tunga"/>
+        <a:font script="Guru" typeface="Raavi"/>
+        <a:font script="Cans" typeface="Euphemia"/>
+        <a:font script="Cher" typeface="Plantagenet Cherokee"/>
+        <a:font script="Yiii" typeface="Microsoft Yi Baiti"/>
+        <a:font script="Tibt" typeface="Microsoft Himalaya"/>
+        <a:font script="Thaa" typeface="MV Boli"/>
+        <a:font script="Deva" typeface="Mangal"/>
+        <a:font script="Telu" typeface="Gautami"/>
+        <a:font script="Taml" typeface="Latha"/>
+        <a:font script="Syrc" typeface="Estrangelo Edessa"/>
+        <a:font script="Orya" typeface="Kalinga"/>
+        <a:font script="Mlym" typeface="Kartika"/>
+        <a:font script="Laoo" typeface="DokChampa"/>
+        <a:font script="Sinh" typeface="Iskoola Pota"/>
+        <a:font script="Mong" typeface="Mongolian Baiti"/>
+        <a:font script="Viet" typeface="Times New Roman"/>
+        <a:font script="Uigh" typeface="Microsoft Uighur"/>
+        <a:font script="Geor" typeface="Sylfaen"/>
+        <a:font script="Armn" typeface="Arial"/>
+        <a:font script="Bugi" typeface="Leelawadee UI"/>
+        <a:font script="Bopo" typeface="Microsoft JhengHei"/>
+        <a:font script="Java" typeface="Javanese Text"/>
+        <a:font script="Lisu" typeface="Segoe UI"/>
+        <a:font script="Mymr" typeface="Myanmar Text"/>
+        <a:font script="Nkoo" typeface="Ebrima"/>
+        <a:font script="Olck" typeface="Nirmala UI"/>
+        <a:font script="Osma" typeface="Ebrima"/>
+        <a:font script="Phag" typeface="Phagspa"/>
+        <a:font script="Syrn" typeface="Estrangelo Edessa"/>
+        <a:font script="Syrj" typeface="Estrangelo Edessa"/>
+        <a:font script="Syre" typeface="Estrangelo Edessa"/>
+        <a:font script="Sora" typeface="Nirmala UI"/>
+        <a:font script="Tale" typeface="Microsoft Tai Le"/>
+        <a:font script="Talu" typeface="Microsoft New Tai Lue"/>
+        <a:font script="Tfng" typeface="Ebrima"/>
+      </a:majorFont>
+      <a:minorFont>
+        <a:latin typeface="等线" panose="020F0502020204030204"/>
+        <a:ea typeface=""/>
+        <a:cs typeface=""/>
+        <a:font script="Jpan" typeface="游ゴシック"/>
+        <a:font script="Hang" typeface="맑은 고딕"/>
+        <a:font script="Hans" typeface="等线"/>
+        <a:font script="Hant" typeface="新細明體"/>
+        <a:font script="Arab" typeface="Arial"/>
+        <a:font script="Hebr" typeface="Arial"/>
+        <a:font script="Thai" typeface="Cordia New"/>
+        <a:font script="Ethi" typeface="Nyala"/>
+        <a:font script="Beng" typeface="Vrinda"/>
+        <a:font script="Gujr" typeface="Shruti"/>
+        <a:font script="Khmr" typeface="DaunPenh"/>
+        <a:font script="Knda" typeface="Tunga"/>
+        <a:font script="Guru" typeface="Raavi"/>
+        <a:font script="Cans" typeface="Euphemia"/>
+        <a:font script="Cher" typeface="Plantagenet Cherokee"/>
+        <a:font script="Yiii" typeface="Microsoft Yi Baiti"/>
+        <a:font script="Tibt" typeface="Microsoft Himalaya"/>
+        <a:font script="Thaa" typeface="MV Boli"/>
+        <a:font script="Deva" typeface="Mangal"/>
+        <a:font script="Telu" typeface="Gautami"/>
+        <a:font script="Taml" typeface="Latha"/>
+        <a:font script="Syrc" typeface="Estrangelo Edessa"/>
+        <a:font script="Orya" typeface="Kalinga"/>
+        <a:font script="Mlym" typeface="Kartika"/>
+        <a:font script="Laoo" typeface="DokChampa"/>
+        <a:font script="Sinh" typeface="Iskoola Pota"/>
+        <a:font script="Mong" typeface="Mongolian Baiti"/>
+        <a:font script="Viet" typeface="Arial"/>
+        <a:font script="Uigh" typeface="Microsoft Uighur"/>
+        <a:font script="Geor" typeface="Sylfaen"/>
+        <a:font script="Armn" typeface="Arial"/>
+        <a:font script="Bugi" typeface="Leelawadee UI"/>
+        <a:font script="Bopo" typeface="Microsoft JhengHei"/>
+        <a:font script="Java" typeface="Javanese Text"/>
+        <a:font script="Lisu" typeface="Segoe UI"/>
+        <a:font script="Mymr" typeface="Myanmar Text"/>
+        <a:font script="Nkoo" typeface="Ebrima"/>
+        <a:font script="Olck" typeface="Nirmala UI"/>
+        <a:font script="Osma" typeface="Ebrima"/>
+        <a:font script="Phag" typeface="Phagspa"/>
+        <a:font script="Syrn" typeface="Estrangelo Edessa"/>
+        <a:font script="Syrj" typeface="Estrangelo Edessa"/>
+        <a:font script="Syre" typeface="Estrangelo Edessa"/>
+        <a:font script="Sora" typeface="Nirmala UI"/>
+        <a:font script="Tale" typeface="Microsoft Tai Le"/>
+        <a:font script="Talu" typeface="Microsoft New Tai Lue"/>
+        <a:font script="Tfng" typeface="Ebrima"/>
+      </a:minorFont>
+    </a:fontScheme>
+    <a:fmtScheme name="Office">
+      <a:fillStyleLst>
+        <a:solidFill>
+          <a:schemeClr val="phClr"/>
+        </a:solidFill>
+        <a:gradFill rotWithShape="1">
+          <a:gsLst>
+            <a:gs pos="0">
+              <a:schemeClr val="phClr">
+                <a:lumMod val="110000"/>
+                <a:satMod val="105000"/>
+                <a:tint val="67000"/>
+              </a:schemeClr>
+            </a:gs>
+            <a:gs pos="50000">
+              <a:schemeClr val="phClr">
+                <a:lumMod val="105000"/>
+                <a:satMod val="103000"/>
+                <a:tint val="73000"/>
+              </a:schemeClr>
+            </a:gs>
+            <a:gs pos="100000">
+              <a:schemeClr val="phClr">
+                <a:lumMod val="105000"/>
+                <a:satMod val="109000"/>
+                <a:tint val="81000"/>
+              </a:schemeClr>
+            </a:gs>
+          </a:gsLst>
+          <a:lin ang="5400000" scaled="0"/>
+        </a:gradFill>
+        <a:gradFill rotWithShape="1">
+          <a:gsLst>
+            <a:gs pos="0">
+              <a:schemeClr val="phClr">
+                <a:satMod val="103000"/>
+                <a:lumMod val="102000"/>
+                <a:tint val="94000"/>
+              </a:schemeClr>
+            </a:gs>
+            <a:gs pos="50000">
+              <a:schemeClr val="phClr">
+                <a:satMod val="110000"/>
+                <a:lumMod val="100000"/>
+                <a:shade val="100000"/>
+              </a:schemeClr>
+            </a:gs>
+            <a:gs pos="100000">
+              <a:schemeClr val="phClr">
+                <a:lumMod val="99000"/>
+                <a:satMod val="120000"/>
+                <a:shade val="78000"/>
+              </a:schemeClr>
+            </a:gs>
+          </a:gsLst>
+          <a:lin ang="5400000" scaled="0"/>
+        </a:gradFill>
+      </a:fillStyleLst>
+      <a:lnStyleLst>
+        <a:ln w="6350" cap="flat" cmpd="sng" algn="ctr">
+          <a:solidFill>
+            <a:schemeClr val="phClr"/>
+          </a:solidFill>
+          <a:prstDash val="solid"/>
+          <a:miter lim="800000"/>
+        </a:ln>
+        <a:ln w="12700" cap="flat" cmpd="sng" algn="ctr">
+          <a:solidFill>
+            <a:schemeClr val="phClr"/>
+          </a:solidFill>
+          <a:prstDash val="solid"/>
+          <a:miter lim="800000"/>
+        </a:ln>
+        <a:ln w="19050" cap="flat" cmpd="sng" algn="ctr">
+          <a:solidFill>
+            <a:schemeClr val="phClr"/>
+          </a:solidFill>
+          <a:prstDash val="solid"/>
+          <a:miter lim="800000"/>
+        </a:ln>
+      </a:lnStyleLst>
+      <a:effectStyleLst>
+        <a:effectStyle>
+          <a:effectLst/>
+        </a:effectStyle>
+        <a:effectStyle>
+          <a:effectLst/>
+        </a:effectStyle>
+        <a:effectStyle>
+          <a:effectLst>
+            <a:outerShdw blurRad="57150" dist="19050" dir="5400000" algn="ctr" rotWithShape="0">
+              <a:srgbClr val="000000">
+                <a:alpha val="63000"/>
+              </a:srgbClr>
+            </a:outerShdw>
+          </a:effectLst>
+        </a:effectStyle>
+      </a:effectStyleLst>
+      <a:bgFillStyleLst>
+        <a:solidFill>
+          <a:schemeClr val="phClr"/>
+        </a:solidFill>
+        <a:solidFill>
+          <a:schemeClr val="phClr">
+            <a:tint val="95000"/>
+            <a:satMod val="170000"/>
+          </a:schemeClr>
+        </a:solidFill>
+        <a:gradFill rotWithShape="1">
+          <a:gsLst>
+            <a:gs pos="0">
+              <a:schemeClr val="phClr">
+                <a:tint val="93000"/>
+                <a:satMod val="150000"/>
+                <a:shade val="98000"/>
+                <a:lumMod val="102000"/>
+              </a:schemeClr>
+            </a:gs>
+            <a:gs pos="50000">
+              <a:schemeClr val="phClr">
+                <a:tint val="98000"/>
+                <a:satMod val="130000"/>
+                <a:shade val="90000"/>
+                <a:lumMod val="103000"/>
+              </a:schemeClr>
+            </a:gs>
+            <a:gs pos="100000">
+              <a:schemeClr val="phClr">
+                <a:shade val="63000"/>
+                <a:satMod val="120000"/>
+              </a:schemeClr>
+            </a:gs>
+          </a:gsLst>
+          <a:lin ang="5400000" scaled="0"/>
+        </a:gradFill>
+      </a:bgFillStyleLst>
+    </a:fmtScheme>
+  </a:themeElements>
+  <a:objectDefaults/>
+  <a:extraClrSchemeLst/>
+  <a:extLst>
+    <a:ext uri="{05A4C25C-085E-4340-85A3-A5531E510DB2}">
+      <thm15:themeFamily xmlns:thm15="http://schemas.microsoft.com/office/thememl/2012/main" name="Office Theme" id="{62F939B6-93AF-4DB8-9C6B-D6C7DFDC589F}" vid="{4A3C46E8-61CC-4603-A589-7422A47A8E4A}"/>
+    </a:ext>
+  </a:extLst>
 </a:theme>
 </file>
--- a/ppt/Zeng_Can.pptx
+++ b/ppt/Zeng_Can.pptx
@@ -8,13 +8,13 @@
     <p:notesMasterId r:id="rId11"/>
   </p:notesMasterIdLst>
   <p:sldIdLst>
-    <p:sldId id="256" r:id="rId2"/>
-    <p:sldId id="257" r:id="rId3"/>
-    <p:sldId id="258" r:id="rId4"/>
-    <p:sldId id="259" r:id="rId5"/>
-    <p:sldId id="260" r:id="rId6"/>
-    <p:sldId id="261" r:id="rId7"/>
-    <p:sldId id="262" r:id="rId8"/>
+    <p:sldId id="257" r:id="rId2"/>
+    <p:sldId id="256" r:id="rId3"/>
+    <p:sldId id="259" r:id="rId4"/>
+    <p:sldId id="260" r:id="rId5"/>
+    <p:sldId id="261" r:id="rId6"/>
+    <p:sldId id="262" r:id="rId7"/>
+    <p:sldId id="265" r:id="rId8"/>
     <p:sldId id="264" r:id="rId9"/>
     <p:sldId id="263" r:id="rId10"/>
   </p:sldIdLst>
@@ -117,7 +117,13 @@
   </p:defaultTextStyle>
   <p:extLst>
     <p:ext uri="{EFAFB233-063F-42B5-8137-9DF3F51BA10A}">
-      <p15:sldGuideLst xmlns:p15="http://schemas.microsoft.com/office/powerpoint/2012/main"/>
+      <p15:sldGuideLst xmlns:p15="http://schemas.microsoft.com/office/powerpoint/2012/main">
+        <p15:guide id="1" pos="227" userDrawn="1">
+          <p15:clr>
+            <a:srgbClr val="A4A3A4"/>
+          </p15:clr>
+        </p15:guide>
+      </p15:sldGuideLst>
     </p:ext>
   </p:extLst>
 </p:presentation>
@@ -205,7 +211,7 @@
           <a:p>
             <a:fld id="{A6CC78DB-6CE6-4200-807F-16C69AB204D3}" type="datetimeFigureOut">
               <a:rPr lang="zh-CN" altLang="en-US" smtClean="0"/>
-              <a:t>2025/5/4</a:t>
+              <a:t>2025/5/5</a:t>
             </a:fld>
             <a:endParaRPr lang="zh-CN" altLang="en-US"/>
           </a:p>
@@ -516,26 +522,157 @@
           <a:bodyPr/>
           <a:lstStyle/>
           <a:p>
-            <a:pPr>
-              <a:buNone/>
-            </a:pPr>
-            <a:r>
-              <a:rPr lang="en-US" altLang="zh-CN" dirty="0"/>
-              <a:t>We ultimately chose to use </a:t>
-            </a:r>
-            <a:r>
-              <a:rPr lang="en-US" altLang="zh-CN" dirty="0" err="1"/>
-              <a:t>scipy.optimize.minimize</a:t>
-            </a:r>
-            <a:r>
-              <a:rPr lang="en-US" altLang="zh-CN" dirty="0"/>
-              <a:t> for our optimization task because it’s simple, efficient, and well-suited for small-scale, short-term problems. Unlike deep learning, it doesn’t require large datasets or a training phase, which makes it quick to deploy. Its optimization process is also highly interpretable—we can easily track the objective function values and gradients.</a:t>
-            </a:r>
-          </a:p>
-          <a:p>
-            <a:r>
-              <a:rPr lang="en-US" altLang="zh-CN" dirty="0"/>
-              <a:t>However, there are limitations. When dealing with multiple uncertainties—like price forecasts or user behavior—this method can get stuck in local optima. It also relies heavily on gradient information, which isn’t ideal for non-differentiable or non-smooth functions. Most importantly, it lacks the ability to learn from historical patterns, making it less suitable for long-term predictive optimization where deep learning excels.</a:t>
+            <a:r>
+              <a:rPr lang="en-US" altLang="zh-CN" dirty="0"/>
+              <a:t>In the optimizer part, we considered 6 optimization directions:</a:t>
+            </a:r>
+          </a:p>
+          <a:p>
+            <a:r>
+              <a:rPr lang="en-US" altLang="zh-CN" dirty="0"/>
+              <a:t>1. Predict charging demand through the user's historical electricity usage. In this project, we wrote a function to generate random electricity </a:t>
+            </a:r>
+            <a:r>
+              <a:rPr lang="en-US" altLang="zh-CN"/>
+              <a:t>history usage </a:t>
+            </a:r>
+            <a:r>
+              <a:rPr lang="en-US" altLang="zh-CN" dirty="0"/>
+              <a:t>as one of the input parameters of the optimizer</a:t>
+            </a:r>
+          </a:p>
+          <a:p>
+            <a:r>
+              <a:rPr lang="en-US" altLang="zh-CN" dirty="0"/>
+              <a:t>2. Optimize charging costs based on dynamic electricity prices. In this project, the electricity price is converted into a list as one of the inputs of the optimizer</a:t>
+            </a:r>
+          </a:p>
+          <a:p>
+            <a:r>
+              <a:rPr lang="en-US" altLang="zh-CN" dirty="0"/>
+              <a:t>3. Provide users with different mode options. There are 3 modes: shortest charging time, minimum charging cost and dynamic adjustment</a:t>
+            </a:r>
+          </a:p>
+          <a:p>
+            <a:r>
+              <a:rPr lang="en-US" altLang="zh-CN" dirty="0"/>
+              <a:t>4. Improve battery life. We consider continuing to charge at the minimum current after full charge to extend battery life</a:t>
+            </a:r>
+          </a:p>
+          <a:p>
+            <a:r>
+              <a:rPr lang="en-US" altLang="zh-CN" dirty="0"/>
+              <a:t>5. Use V2G to balance the grid load, but in actual testing, our car does not have hardware support, so it is not used</a:t>
+            </a:r>
+          </a:p>
+          <a:p>
+            <a:r>
+              <a:rPr lang="en-US" altLang="zh-CN" dirty="0"/>
+              <a:t>6. Improve user experience. We hope to develop a mobile app in the future to intelligently recommend charging modes based on user habits, etc.</a:t>
+            </a:r>
+          </a:p>
+          <a:p>
+            <a:r>
+              <a:rPr lang="zh-CN" altLang="en-US" dirty="0"/>
+              <a:t>在优化器部分，我们考虑了</a:t>
+            </a:r>
+            <a:r>
+              <a:rPr lang="en-US" altLang="zh-CN" dirty="0"/>
+              <a:t>6</a:t>
+            </a:r>
+            <a:r>
+              <a:rPr lang="zh-CN" altLang="en-US" dirty="0"/>
+              <a:t>点优化方向：</a:t>
+            </a:r>
+            <a:endParaRPr lang="en-US" altLang="zh-CN" dirty="0"/>
+          </a:p>
+          <a:p>
+            <a:r>
+              <a:rPr lang="en-US" altLang="zh-CN" dirty="0"/>
+              <a:t>1</a:t>
+            </a:r>
+            <a:r>
+              <a:rPr lang="zh-CN" altLang="en-US" dirty="0"/>
+              <a:t>，通过用户的历史用电记录来预测充电需求，在本项目中，我们写了一个函数来生成随机的用电历史记录，作为优化器的输入参数之一</a:t>
+            </a:r>
+            <a:endParaRPr lang="en-US" altLang="zh-CN" dirty="0"/>
+          </a:p>
+          <a:p>
+            <a:r>
+              <a:rPr lang="en-US" altLang="zh-CN" dirty="0"/>
+              <a:t>2</a:t>
+            </a:r>
+            <a:r>
+              <a:rPr lang="zh-CN" altLang="en-US" dirty="0"/>
+              <a:t>，根据动态电价来优化充电开销，本项目中将电价变为一个列表成为优化器的输入之一</a:t>
+            </a:r>
+            <a:endParaRPr lang="en-US" altLang="zh-CN" dirty="0"/>
+          </a:p>
+          <a:p>
+            <a:r>
+              <a:rPr lang="en-US" altLang="zh-CN" dirty="0"/>
+              <a:t>3</a:t>
+            </a:r>
+            <a:r>
+              <a:rPr lang="zh-CN" altLang="en-US" dirty="0"/>
+              <a:t>，提供用户不同的模式选择，有</a:t>
+            </a:r>
+            <a:r>
+              <a:rPr lang="en-US" altLang="zh-CN" dirty="0"/>
+              <a:t>3</a:t>
+            </a:r>
+            <a:r>
+              <a:rPr lang="zh-CN" altLang="en-US" dirty="0"/>
+              <a:t>种模式：最短充电时间，最小充电花销和动态调整</a:t>
+            </a:r>
+            <a:endParaRPr lang="en-US" altLang="zh-CN" dirty="0"/>
+          </a:p>
+          <a:p>
+            <a:r>
+              <a:rPr lang="en-US" altLang="zh-CN" dirty="0"/>
+              <a:t>4</a:t>
+            </a:r>
+            <a:r>
+              <a:rPr lang="zh-CN" altLang="en-US" dirty="0"/>
+              <a:t>，提高电池寿命，我们考虑在充满电之后持续以最小电流继续充电来延长电池寿命</a:t>
+            </a:r>
+            <a:endParaRPr lang="en-US" altLang="zh-CN" dirty="0"/>
+          </a:p>
+          <a:p>
+            <a:r>
+              <a:rPr lang="en-US" altLang="zh-CN" dirty="0"/>
+              <a:t>5</a:t>
+            </a:r>
+            <a:r>
+              <a:rPr lang="zh-CN" altLang="en-US" dirty="0"/>
+              <a:t>，使用</a:t>
+            </a:r>
+            <a:r>
+              <a:rPr lang="en-US" altLang="zh-CN" dirty="0"/>
+              <a:t>V2G</a:t>
+            </a:r>
+            <a:r>
+              <a:rPr lang="zh-CN" altLang="en-US" dirty="0"/>
+              <a:t>来平衡电网负载，但在实际测试中我们的汽车没有硬件支持，所以没有使用</a:t>
+            </a:r>
+            <a:endParaRPr lang="en-US" altLang="zh-CN" dirty="0"/>
+          </a:p>
+          <a:p>
+            <a:r>
+              <a:rPr lang="en-US" altLang="zh-CN" dirty="0"/>
+              <a:t>6</a:t>
+            </a:r>
+            <a:r>
+              <a:rPr lang="zh-CN" altLang="en-US" dirty="0"/>
+              <a:t>，提高用户体验，我们希望后续开发手机</a:t>
+            </a:r>
+            <a:r>
+              <a:rPr lang="en-US" altLang="zh-CN" dirty="0"/>
+              <a:t>app</a:t>
+            </a:r>
+            <a:r>
+              <a:rPr lang="zh-CN" altLang="en-US" dirty="0"/>
+              <a:t>，根据用户习惯来智能推荐充电模式等</a:t>
             </a:r>
           </a:p>
         </p:txBody>
@@ -566,7 +703,7 @@
     </p:spTree>
     <p:extLst>
       <p:ext uri="{BB962C8B-B14F-4D97-AF65-F5344CB8AC3E}">
-        <p14:creationId xmlns:p14="http://schemas.microsoft.com/office/powerpoint/2010/main" val="3946723655"/>
+        <p14:creationId xmlns:p14="http://schemas.microsoft.com/office/powerpoint/2010/main" val="869415676"/>
       </p:ext>
     </p:extLst>
   </p:cSld>
@@ -625,7 +762,15 @@
             </a:pPr>
             <a:r>
               <a:rPr lang="en-US" altLang="zh-CN" dirty="0"/>
-              <a:t>In this project, we addressed six major challenges in EV charging optimization.</a:t>
+              <a:t>After careful consideration, we chose the minimize function in </a:t>
+            </a:r>
+            <a:r>
+              <a:rPr lang="en-US" altLang="zh-CN" dirty="0" err="1"/>
+              <a:t>scipy</a:t>
+            </a:r>
+            <a:r>
+              <a:rPr lang="en-US" altLang="zh-CN" dirty="0"/>
+              <a:t> for optimization. </a:t>
             </a:r>
           </a:p>
           <a:p>
@@ -634,15 +779,7 @@
             </a:pPr>
             <a:r>
               <a:rPr lang="en-US" altLang="zh-CN" dirty="0"/>
-              <a:t>First, to forecast future charging demand and balance the grid, we use historical usage data and dynamic scheduling algorithms. Our </a:t>
-            </a:r>
-            <a:r>
-              <a:rPr lang="en-US" altLang="zh-CN" dirty="0" err="1"/>
-              <a:t>gene_his_usage</a:t>
-            </a:r>
-            <a:r>
-              <a:rPr lang="en-US" altLang="zh-CN" dirty="0"/>
-              <a:t>() function simulates realistic consumption profiles, laying the foundation for intelligent decisions.</a:t>
+              <a:t>Its biggest advantage is that it is easy to develop and has fast calculation speed.</a:t>
             </a:r>
           </a:p>
           <a:p>
@@ -650,29 +787,26 @@
               <a:buNone/>
             </a:pPr>
             <a:r>
-              <a:rPr lang="en-US" altLang="zh-CN" dirty="0"/>
-              <a:t>Second, for optimizing charging costs under dynamic electricity pricing, we employ predictive models. Our </a:t>
+              <a:rPr lang="zh-CN" altLang="en-US" dirty="0"/>
+              <a:t>在经过考虑后，我们选择了</a:t>
             </a:r>
             <a:r>
               <a:rPr lang="en-US" altLang="zh-CN" dirty="0" err="1"/>
-              <a:t>gene_eprices</a:t>
-            </a:r>
-            <a:r>
-              <a:rPr lang="en-US" altLang="zh-CN" dirty="0"/>
-              <a:t>() method simulates price changes between day and night, helping the optimizer adjust for cost efficiency.</a:t>
-            </a:r>
-          </a:p>
-          <a:p>
-            <a:pPr>
-              <a:buNone/>
-            </a:pPr>
-            <a:r>
-              <a:rPr lang="en-US" altLang="zh-CN" dirty="0"/>
-              <a:t>Third, we recognize users have different preferences. By extending the OCPP message with a mode field, we support three strategies: fast charging, cost-saving, and balanced.</a:t>
-            </a:r>
-          </a:p>
-          <a:p>
-            <a:endParaRPr lang="zh-CN" altLang="en-US" dirty="0"/>
+              <a:t>scipy</a:t>
+            </a:r>
+            <a:r>
+              <a:rPr lang="zh-CN" altLang="en-US" dirty="0"/>
+              <a:t>中的</a:t>
+            </a:r>
+            <a:r>
+              <a:rPr lang="en-US" altLang="zh-CN" dirty="0"/>
+              <a:t>minimize</a:t>
+            </a:r>
+            <a:r>
+              <a:rPr lang="zh-CN" altLang="en-US" dirty="0"/>
+              <a:t>函数来进行优化，其最大的优点在于容易开发和计算速度快</a:t>
+            </a:r>
+            <a:endParaRPr lang="en-US" altLang="zh-CN" dirty="0"/>
           </a:p>
         </p:txBody>
       </p:sp>
@@ -702,7 +836,7 @@
     </p:spTree>
     <p:extLst>
       <p:ext uri="{BB962C8B-B14F-4D97-AF65-F5344CB8AC3E}">
-        <p14:creationId xmlns:p14="http://schemas.microsoft.com/office/powerpoint/2010/main" val="869415676"/>
+        <p14:creationId xmlns:p14="http://schemas.microsoft.com/office/powerpoint/2010/main" val="1957689955"/>
       </p:ext>
     </p:extLst>
   </p:cSld>
@@ -756,40 +890,88 @@
           <a:bodyPr/>
           <a:lstStyle/>
           <a:p>
-            <a:pPr>
-              <a:buNone/>
-            </a:pPr>
-            <a:r>
-              <a:rPr lang="en-US" altLang="zh-CN" dirty="0"/>
-              <a:t>Fourth, to protect battery health, our strategy includes continuing low-current charging after the battery is full, reducing degradation.</a:t>
-            </a:r>
-          </a:p>
-          <a:p>
-            <a:pPr>
-              <a:buNone/>
-            </a:pPr>
-            <a:r>
-              <a:rPr lang="en-US" altLang="zh-CN" dirty="0"/>
-              <a:t>Fifth, although we explored V2G concepts for load balancing, this was not implemented due to vehicle limitations.</a:t>
-            </a:r>
-          </a:p>
-          <a:p>
-            <a:pPr>
-              <a:buNone/>
-            </a:pPr>
-            <a:r>
-              <a:rPr lang="en-US" altLang="zh-CN" dirty="0"/>
-              <a:t>Lastly, we aim to enhance user experience through personalization. While this feature is not yet complete, we plan to develop a mobile app that suggests optimal charging locations and times based on user habits and real-time availability.</a:t>
-            </a:r>
-          </a:p>
-          <a:p>
-            <a:r>
-              <a:rPr lang="en-US" altLang="zh-CN" dirty="0"/>
-              <a:t>Together, these strategies form a smart, adaptable EV charging system focused on efficiency, user needs, and grid stability.</a:t>
-            </a:r>
-          </a:p>
-          <a:p>
-            <a:endParaRPr lang="zh-CN" altLang="en-US" dirty="0"/>
+            <a:r>
+              <a:rPr lang="en-US" altLang="zh-CN" dirty="0"/>
+              <a:t>Our final optimization objective function is shown in the figure. </a:t>
+            </a:r>
+          </a:p>
+          <a:p>
+            <a:r>
+              <a:rPr lang="en-US" altLang="zh-CN" dirty="0"/>
+              <a:t>This cost function consists of two parts. T represents the time required to reach the target charging amount, and C represents the total charging cost. </a:t>
+            </a:r>
+          </a:p>
+          <a:p>
+            <a:r>
+              <a:rPr lang="en-US" altLang="zh-CN" dirty="0"/>
+              <a:t>The sum of these two parts multiplied by weights w1 and w2 is our optimization goal. </a:t>
+            </a:r>
+          </a:p>
+          <a:p>
+            <a:r>
+              <a:rPr lang="en-US" altLang="zh-CN" dirty="0"/>
+              <a:t>Other specific parameters are shown in the figure</a:t>
+            </a:r>
+          </a:p>
+          <a:p>
+            <a:r>
+              <a:rPr lang="zh-CN" altLang="en-US" dirty="0"/>
+              <a:t>我们最终的优化目标函数如图，</a:t>
+            </a:r>
+            <a:endParaRPr lang="en-US" altLang="zh-CN" dirty="0"/>
+          </a:p>
+          <a:p>
+            <a:r>
+              <a:rPr lang="zh-CN" altLang="en-US" dirty="0"/>
+              <a:t>这个</a:t>
+            </a:r>
+            <a:r>
+              <a:rPr lang="en-US" altLang="zh-CN" dirty="0" err="1"/>
+              <a:t>costfunction</a:t>
+            </a:r>
+            <a:r>
+              <a:rPr lang="zh-CN" altLang="en-US" dirty="0"/>
+              <a:t>由两部分组成，</a:t>
+            </a:r>
+            <a:r>
+              <a:rPr lang="en-US" altLang="zh-CN" dirty="0"/>
+              <a:t>T</a:t>
+            </a:r>
+            <a:r>
+              <a:rPr lang="zh-CN" altLang="en-US" dirty="0"/>
+              <a:t>代表了达到目标充电量所需的时间，</a:t>
+            </a:r>
+            <a:r>
+              <a:rPr lang="en-US" altLang="zh-CN" dirty="0"/>
+              <a:t>C</a:t>
+            </a:r>
+            <a:r>
+              <a:rPr lang="zh-CN" altLang="en-US" dirty="0"/>
+              <a:t>代表了总共的充电花销，将这两部分分别乘以权重</a:t>
+            </a:r>
+            <a:r>
+              <a:rPr lang="en-US" altLang="zh-CN" dirty="0"/>
+              <a:t>w1</a:t>
+            </a:r>
+            <a:r>
+              <a:rPr lang="zh-CN" altLang="en-US" dirty="0"/>
+              <a:t>和</a:t>
+            </a:r>
+            <a:r>
+              <a:rPr lang="en-US" altLang="zh-CN" dirty="0"/>
+              <a:t>w2</a:t>
+            </a:r>
+            <a:r>
+              <a:rPr lang="zh-CN" altLang="en-US" dirty="0"/>
+              <a:t>相加便是我们的优化目标，</a:t>
+            </a:r>
+            <a:endParaRPr lang="en-US" altLang="zh-CN" dirty="0"/>
+          </a:p>
+          <a:p>
+            <a:r>
+              <a:rPr lang="zh-CN" altLang="en-US" dirty="0"/>
+              <a:t>其他的具体参数如图</a:t>
+            </a:r>
           </a:p>
         </p:txBody>
       </p:sp>
@@ -819,7 +1001,7 @@
     </p:spTree>
     <p:extLst>
       <p:ext uri="{BB962C8B-B14F-4D97-AF65-F5344CB8AC3E}">
-        <p14:creationId xmlns:p14="http://schemas.microsoft.com/office/powerpoint/2010/main" val="2945034298"/>
+        <p14:creationId xmlns:p14="http://schemas.microsoft.com/office/powerpoint/2010/main" val="646612565"/>
       </p:ext>
     </p:extLst>
   </p:cSld>
@@ -878,7 +1060,15 @@
             </a:pPr>
             <a:r>
               <a:rPr lang="en-US" altLang="zh-CN" dirty="0"/>
-              <a:t>This is the core optimization objective of our charging strategy.</a:t>
+              <a:t>This equation defines how we calculate the </a:t>
+            </a:r>
+            <a:r>
+              <a:rPr lang="en-US" altLang="zh-CN" b="1" dirty="0"/>
+              <a:t>charging time</a:t>
+            </a:r>
+            <a:r>
+              <a:rPr lang="en-US" altLang="zh-CN" dirty="0"/>
+              <a:t> required to reach the energy target.</a:t>
             </a:r>
           </a:p>
           <a:p>
@@ -887,38 +1077,82 @@
             </a:pPr>
             <a:r>
               <a:rPr lang="en-US" altLang="zh-CN" dirty="0"/>
-              <a:t>We aim to </a:t>
+              <a:t>First, we identify the earliest time index </a:t>
+            </a:r>
+            <a:r>
+              <a:rPr lang="en-US" altLang="zh-CN" dirty="0" err="1"/>
+              <a:t>i</a:t>
+            </a:r>
+            <a:r>
+              <a:rPr lang="en-US" altLang="zh-CN" dirty="0"/>
+              <a:t>‾\overline{</a:t>
+            </a:r>
+            <a:r>
+              <a:rPr lang="en-US" altLang="zh-CN" dirty="0" err="1"/>
+              <a:t>i</a:t>
+            </a:r>
+            <a:r>
+              <a:rPr lang="en-US" altLang="zh-CN" dirty="0"/>
+              <a:t>}</a:t>
+            </a:r>
+            <a:r>
+              <a:rPr lang="en-US" altLang="zh-CN" dirty="0" err="1"/>
+              <a:t>i</a:t>
+            </a:r>
+            <a:r>
+              <a:rPr lang="en-US" altLang="zh-CN" dirty="0"/>
+              <a:t> at which the </a:t>
             </a:r>
             <a:r>
               <a:rPr lang="en-US" altLang="zh-CN" b="1" dirty="0"/>
-              <a:t>minimize a weighted sum</a:t>
-            </a:r>
-            <a:r>
-              <a:rPr lang="en-US" altLang="zh-CN" dirty="0"/>
-              <a:t> of two key factors:</a:t>
+              <a:t>accumulated energy</a:t>
             </a:r>
             <a:br>
               <a:rPr lang="en-US" altLang="zh-CN" dirty="0"/>
             </a:br>
             <a:r>
               <a:rPr lang="en-US" altLang="zh-CN" dirty="0"/>
-              <a:t>the </a:t>
-            </a:r>
-            <a:r>
-              <a:rPr lang="en-US" altLang="zh-CN" b="1" dirty="0"/>
-              <a:t>charging completion time</a:t>
-            </a:r>
-            <a:r>
-              <a:rPr lang="en-US" altLang="zh-CN" dirty="0"/>
-              <a:t> T and the </a:t>
-            </a:r>
-            <a:r>
-              <a:rPr lang="en-US" altLang="zh-CN" b="1" dirty="0"/>
-              <a:t>charging cost</a:t>
-            </a:r>
-            <a:r>
-              <a:rPr lang="en-US" altLang="zh-CN" dirty="0"/>
-              <a:t> C.</a:t>
+              <a:t>from charging—calculated as the sum of </a:t>
+            </a:r>
+            <a:r>
+              <a:rPr lang="en-US" altLang="zh-CN" dirty="0" err="1"/>
+              <a:t>PjΔtjP_j</a:t>
+            </a:r>
+            <a:r>
+              <a:rPr lang="en-US" altLang="zh-CN" dirty="0"/>
+              <a:t> \Delta </a:t>
+            </a:r>
+            <a:r>
+              <a:rPr lang="en-US" altLang="zh-CN" dirty="0" err="1"/>
+              <a:t>t_jPj</a:t>
+            </a:r>
+            <a:r>
+              <a:rPr lang="en-US" altLang="zh-CN" dirty="0"/>
+              <a:t>​</a:t>
+            </a:r>
+            <a:r>
+              <a:rPr lang="en-US" altLang="zh-CN" dirty="0" err="1"/>
+              <a:t>Δtj</a:t>
+            </a:r>
+            <a:r>
+              <a:rPr lang="en-US" altLang="zh-CN" dirty="0"/>
+              <a:t>​—meets or exceeds the target energy </a:t>
+            </a:r>
+            <a:r>
+              <a:rPr lang="en-US" altLang="zh-CN" dirty="0" err="1"/>
+              <a:t>EtargetE</a:t>
+            </a:r>
+            <a:r>
+              <a:rPr lang="en-US" altLang="zh-CN" dirty="0"/>
+              <a:t>_{\text{target}}</a:t>
+            </a:r>
+            <a:r>
+              <a:rPr lang="en-US" altLang="zh-CN" dirty="0" err="1"/>
+              <a:t>Etarget</a:t>
+            </a:r>
+            <a:r>
+              <a:rPr lang="en-US" altLang="zh-CN" dirty="0"/>
+              <a:t>​.</a:t>
             </a:r>
           </a:p>
           <a:p>
@@ -927,33 +1161,77 @@
             </a:pPr>
             <a:r>
               <a:rPr lang="en-US" altLang="zh-CN" dirty="0"/>
-              <a:t>The variables we optimize are the charging powers P1,P2,…,PNP_1, P_2, \dots, P_NP1​,P2​,…,PN​ across NNN time periods.</a:t>
-            </a:r>
-          </a:p>
-          <a:p>
-            <a:r>
-              <a:rPr lang="en-US" altLang="zh-CN" dirty="0"/>
-              <a:t>The weights w1w_1w1​ and w2w_2w2​ allow us to adjust the priority between speed and cost—</a:t>
+              <a:t>If the target is never met, we assume the full schedule is used.</a:t>
+            </a:r>
+          </a:p>
+          <a:p>
+            <a:pPr>
+              <a:buNone/>
+            </a:pPr>
+            <a:r>
+              <a:rPr lang="en-US" altLang="zh-CN" dirty="0"/>
+              <a:t>Then, we compute the total charging time </a:t>
+            </a:r>
+            <a:r>
+              <a:rPr lang="en-US" altLang="zh-CN" dirty="0" err="1"/>
+              <a:t>Tby</a:t>
+            </a:r>
+            <a:r>
+              <a:rPr lang="en-US" altLang="zh-CN" dirty="0"/>
+              <a:t> multiplying </a:t>
+            </a:r>
+            <a:r>
+              <a:rPr lang="en-US" altLang="zh-CN" dirty="0" err="1"/>
+              <a:t>i</a:t>
+            </a:r>
+            <a:r>
+              <a:rPr lang="en-US" altLang="zh-CN" dirty="0"/>
+              <a:t>‾\overline{</a:t>
+            </a:r>
+            <a:r>
+              <a:rPr lang="en-US" altLang="zh-CN" dirty="0" err="1"/>
+              <a:t>i</a:t>
+            </a:r>
+            <a:r>
+              <a:rPr lang="en-US" altLang="zh-CN" dirty="0"/>
+              <a:t>}</a:t>
+            </a:r>
+            <a:r>
+              <a:rPr lang="en-US" altLang="zh-CN" dirty="0" err="1"/>
+              <a:t>i</a:t>
+            </a:r>
+            <a:r>
+              <a:rPr lang="en-US" altLang="zh-CN" dirty="0"/>
+              <a:t> with the average time step </a:t>
+            </a:r>
+            <a:r>
+              <a:rPr lang="en-US" altLang="zh-CN" dirty="0" err="1"/>
+              <a:t>Δt</a:t>
+            </a:r>
+            <a:r>
+              <a:rPr lang="en-US" altLang="zh-CN" dirty="0"/>
+              <a:t>ˉ\bar{\Delta t}</a:t>
+            </a:r>
+            <a:r>
+              <a:rPr lang="en-US" altLang="zh-CN" dirty="0" err="1"/>
+              <a:t>Δt</a:t>
+            </a:r>
+            <a:r>
+              <a:rPr lang="en-US" altLang="zh-CN" dirty="0"/>
+              <a:t>ˉ</a:t>
             </a:r>
             <a:br>
               <a:rPr lang="en-US" altLang="zh-CN" dirty="0"/>
             </a:br>
             <a:r>
               <a:rPr lang="en-US" altLang="zh-CN" dirty="0"/>
-              <a:t>for example, in fast charge mode, we assign a higher weight to time;</a:t>
-            </a:r>
-            <a:br>
-              <a:rPr lang="en-US" altLang="zh-CN" dirty="0"/>
-            </a:br>
-            <a:r>
-              <a:rPr lang="en-US" altLang="zh-CN" dirty="0"/>
-              <a:t>in cost-saving mode, the cost term becomes more important.</a:t>
-            </a:r>
-          </a:p>
-          <a:p>
-            <a:r>
-              <a:rPr lang="en-US" altLang="zh-CN" dirty="0"/>
-              <a:t>This flexible formulation lets us tailor the strategy based on user preferences or grid conditions.</a:t>
+              <a:t>and a factor k, which adjusts the time units to match our system output—such as converting hours to time slots or cost units.</a:t>
+            </a:r>
+          </a:p>
+          <a:p>
+            <a:r>
+              <a:rPr lang="en-US" altLang="zh-CN" dirty="0"/>
+              <a:t>This approach allows us to evaluate and minimize charging duration as part of the overall optimization.</a:t>
             </a:r>
           </a:p>
           <a:p>
@@ -987,7 +1265,7 @@
     </p:spTree>
     <p:extLst>
       <p:ext uri="{BB962C8B-B14F-4D97-AF65-F5344CB8AC3E}">
-        <p14:creationId xmlns:p14="http://schemas.microsoft.com/office/powerpoint/2010/main" val="646612565"/>
+        <p14:creationId xmlns:p14="http://schemas.microsoft.com/office/powerpoint/2010/main" val="3769798863"/>
       </p:ext>
     </p:extLst>
   </p:cSld>
@@ -1046,15 +1324,15 @@
             </a:pPr>
             <a:r>
               <a:rPr lang="en-US" altLang="zh-CN" dirty="0"/>
-              <a:t>This equation defines how we calculate the </a:t>
+              <a:t>This equation defines the </a:t>
             </a:r>
             <a:r>
               <a:rPr lang="en-US" altLang="zh-CN" b="1" dirty="0"/>
-              <a:t>charging time</a:t>
-            </a:r>
-            <a:r>
-              <a:rPr lang="en-US" altLang="zh-CN" dirty="0"/>
-              <a:t> required to reach the energy target.</a:t>
+              <a:t>charging cost</a:t>
+            </a:r>
+            <a:r>
+              <a:rPr lang="en-US" altLang="zh-CN" dirty="0"/>
+              <a:t> CCC as a normalized sum of energy consumption over time.</a:t>
             </a:r>
           </a:p>
           <a:p>
@@ -1063,78 +1341,42 @@
             </a:pPr>
             <a:r>
               <a:rPr lang="en-US" altLang="zh-CN" dirty="0"/>
-              <a:t>First, we identify the earliest time index </a:t>
+              <a:t>In each time period iii, the cost is calculated as the product of the charging power </a:t>
             </a:r>
             <a:r>
               <a:rPr lang="en-US" altLang="zh-CN" dirty="0" err="1"/>
-              <a:t>i</a:t>
-            </a:r>
-            <a:r>
-              <a:rPr lang="en-US" altLang="zh-CN" dirty="0"/>
-              <a:t>‾\overline{</a:t>
+              <a:t>PiP_iPi</a:t>
+            </a:r>
+            <a:r>
+              <a:rPr lang="en-US" altLang="zh-CN" dirty="0"/>
+              <a:t>​,</a:t>
+            </a:r>
+            <a:br>
+              <a:rPr lang="en-US" altLang="zh-CN" dirty="0"/>
+            </a:br>
+            <a:r>
+              <a:rPr lang="en-US" altLang="zh-CN" dirty="0"/>
+              <a:t>the electricity price </a:t>
             </a:r>
             <a:r>
               <a:rPr lang="en-US" altLang="zh-CN" dirty="0" err="1"/>
-              <a:t>i</a:t>
-            </a:r>
-            <a:r>
-              <a:rPr lang="en-US" altLang="zh-CN" dirty="0"/>
-              <a:t>}</a:t>
+              <a:t>pip_ipi</a:t>
+            </a:r>
+            <a:r>
+              <a:rPr lang="en-US" altLang="zh-CN" dirty="0"/>
+              <a:t>​, and the duration </a:t>
             </a:r>
             <a:r>
               <a:rPr lang="en-US" altLang="zh-CN" dirty="0" err="1"/>
-              <a:t>i</a:t>
-            </a:r>
-            <a:r>
-              <a:rPr lang="en-US" altLang="zh-CN" dirty="0"/>
-              <a:t> at which the </a:t>
-            </a:r>
-            <a:r>
-              <a:rPr lang="en-US" altLang="zh-CN" b="1" dirty="0"/>
-              <a:t>accumulated energy</a:t>
-            </a:r>
-            <a:br>
-              <a:rPr lang="en-US" altLang="zh-CN" dirty="0"/>
-            </a:br>
-            <a:r>
-              <a:rPr lang="en-US" altLang="zh-CN" dirty="0"/>
-              <a:t>from charging—calculated as the sum of </a:t>
+              <a:t>Δti</a:t>
+            </a:r>
+            <a:r>
+              <a:rPr lang="en-US" altLang="zh-CN" dirty="0"/>
+              <a:t>\Delta </a:t>
             </a:r>
             <a:r>
               <a:rPr lang="en-US" altLang="zh-CN" dirty="0" err="1"/>
-              <a:t>PjΔtjP_j</a:t>
-            </a:r>
-            <a:r>
-              <a:rPr lang="en-US" altLang="zh-CN" dirty="0"/>
-              <a:t> \Delta </a:t>
-            </a:r>
-            <a:r>
-              <a:rPr lang="en-US" altLang="zh-CN" dirty="0" err="1"/>
-              <a:t>t_jPj</a:t>
-            </a:r>
-            <a:r>
-              <a:rPr lang="en-US" altLang="zh-CN" dirty="0"/>
-              <a:t>​</a:t>
-            </a:r>
-            <a:r>
-              <a:rPr lang="en-US" altLang="zh-CN" dirty="0" err="1"/>
-              <a:t>Δtj</a:t>
-            </a:r>
-            <a:r>
-              <a:rPr lang="en-US" altLang="zh-CN" dirty="0"/>
-              <a:t>​—meets or exceeds the target energy </a:t>
-            </a:r>
-            <a:r>
-              <a:rPr lang="en-US" altLang="zh-CN" dirty="0" err="1"/>
-              <a:t>EtargetE</a:t>
-            </a:r>
-            <a:r>
-              <a:rPr lang="en-US" altLang="zh-CN" dirty="0"/>
-              <a:t>_{\text{target}}</a:t>
-            </a:r>
-            <a:r>
-              <a:rPr lang="en-US" altLang="zh-CN" dirty="0" err="1"/>
-              <a:t>Etarget</a:t>
+              <a:t>t_iΔti</a:t>
             </a:r>
             <a:r>
               <a:rPr lang="en-US" altLang="zh-CN" dirty="0"/>
@@ -1147,7 +1389,15 @@
             </a:pPr>
             <a:r>
               <a:rPr lang="en-US" altLang="zh-CN" dirty="0"/>
-              <a:t>If the target is never met, we assume the full schedule is used.</a:t>
+              <a:t>We then sum this over all time periods and </a:t>
+            </a:r>
+            <a:r>
+              <a:rPr lang="en-US" altLang="zh-CN" b="1" dirty="0"/>
+              <a:t>normalize it by the average electricity price</a:t>
+            </a:r>
+            <a:r>
+              <a:rPr lang="en-US" altLang="zh-CN" dirty="0"/>
+              <a:t> pˉ\bar{p}pˉ​.</a:t>
             </a:r>
           </a:p>
           <a:p>
@@ -1156,68 +1406,27 @@
             </a:pPr>
             <a:r>
               <a:rPr lang="en-US" altLang="zh-CN" dirty="0"/>
-              <a:t>Then, we compute the total charging time </a:t>
-            </a:r>
-            <a:r>
-              <a:rPr lang="en-US" altLang="zh-CN" dirty="0" err="1"/>
-              <a:t>Tby</a:t>
-            </a:r>
-            <a:r>
-              <a:rPr lang="en-US" altLang="zh-CN" dirty="0"/>
-              <a:t> multiplying </a:t>
-            </a:r>
-            <a:r>
-              <a:rPr lang="en-US" altLang="zh-CN" dirty="0" err="1"/>
-              <a:t>i</a:t>
-            </a:r>
-            <a:r>
-              <a:rPr lang="en-US" altLang="zh-CN" dirty="0"/>
-              <a:t>‾\overline{</a:t>
-            </a:r>
-            <a:r>
-              <a:rPr lang="en-US" altLang="zh-CN" dirty="0" err="1"/>
-              <a:t>i</a:t>
-            </a:r>
-            <a:r>
-              <a:rPr lang="en-US" altLang="zh-CN" dirty="0"/>
-              <a:t>}</a:t>
-            </a:r>
-            <a:r>
-              <a:rPr lang="en-US" altLang="zh-CN" dirty="0" err="1"/>
-              <a:t>i</a:t>
-            </a:r>
-            <a:r>
-              <a:rPr lang="en-US" altLang="zh-CN" dirty="0"/>
-              <a:t> with the average time step </a:t>
-            </a:r>
-            <a:r>
-              <a:rPr lang="en-US" altLang="zh-CN" dirty="0" err="1"/>
-              <a:t>Δt</a:t>
-            </a:r>
-            <a:r>
-              <a:rPr lang="en-US" altLang="zh-CN" dirty="0"/>
-              <a:t>ˉ\bar{\Delta t}</a:t>
-            </a:r>
-            <a:r>
-              <a:rPr lang="en-US" altLang="zh-CN" dirty="0" err="1"/>
-              <a:t>Δt</a:t>
-            </a:r>
-            <a:r>
-              <a:rPr lang="en-US" altLang="zh-CN" dirty="0"/>
-              <a:t>ˉ</a:t>
+              <a:t>This normalization allows us to compare cost-effectiveness under different pricing conditions</a:t>
             </a:r>
             <a:br>
               <a:rPr lang="en-US" altLang="zh-CN" dirty="0"/>
             </a:br>
             <a:r>
               <a:rPr lang="en-US" altLang="zh-CN" dirty="0"/>
-              <a:t>and a factor k, which adjusts the time units to match our system output—such as converting hours to time slots or cost units.</a:t>
-            </a:r>
-          </a:p>
-          <a:p>
-            <a:r>
-              <a:rPr lang="en-US" altLang="zh-CN" dirty="0"/>
-              <a:t>This approach allows us to evaluate and minimize charging duration as part of the overall optimization.</a:t>
+              <a:t>and ensures the cost term is consistent with other terms in the objective function.</a:t>
+            </a:r>
+          </a:p>
+          <a:p>
+            <a:r>
+              <a:rPr lang="en-US" altLang="zh-CN" dirty="0"/>
+              <a:t>By optimizing this term, the system prefers charging during low-price periods</a:t>
+            </a:r>
+            <a:br>
+              <a:rPr lang="en-US" altLang="zh-CN" dirty="0"/>
+            </a:br>
+            <a:r>
+              <a:rPr lang="en-US" altLang="zh-CN" dirty="0"/>
+              <a:t>while still ensuring the energy demand is met efficiently.</a:t>
             </a:r>
           </a:p>
           <a:p>
@@ -1251,7 +1460,7 @@
     </p:spTree>
     <p:extLst>
       <p:ext uri="{BB962C8B-B14F-4D97-AF65-F5344CB8AC3E}">
-        <p14:creationId xmlns:p14="http://schemas.microsoft.com/office/powerpoint/2010/main" val="3769798863"/>
+        <p14:creationId xmlns:p14="http://schemas.microsoft.com/office/powerpoint/2010/main" val="16565165"/>
       </p:ext>
     </p:extLst>
   </p:cSld>
@@ -1310,15 +1519,7 @@
             </a:pPr>
             <a:r>
               <a:rPr lang="en-US" altLang="zh-CN" dirty="0"/>
-              <a:t>This equation defines the </a:t>
-            </a:r>
-            <a:r>
-              <a:rPr lang="en-US" altLang="zh-CN" b="1" dirty="0"/>
-              <a:t>charging cost</a:t>
-            </a:r>
-            <a:r>
-              <a:rPr lang="en-US" altLang="zh-CN" dirty="0"/>
-              <a:t> CCC as a normalized sum of energy consumption over time.</a:t>
+              <a:t>To ensure feasibility and safety, our optimization includes two key constraints.</a:t>
             </a:r>
           </a:p>
           <a:p>
@@ -1327,30 +1528,39 @@
             </a:pPr>
             <a:r>
               <a:rPr lang="en-US" altLang="zh-CN" dirty="0"/>
-              <a:t>In each time period iii, the cost is calculated as the product of the charging power </a:t>
+              <a:t>First, the </a:t>
+            </a:r>
+            <a:r>
+              <a:rPr lang="en-US" altLang="zh-CN" b="1" dirty="0"/>
+              <a:t>total charged energy</a:t>
+            </a:r>
+            <a:r>
+              <a:rPr lang="en-US" altLang="zh-CN" dirty="0"/>
+              <a:t>—the sum of </a:t>
             </a:r>
             <a:r>
               <a:rPr lang="en-US" altLang="zh-CN" dirty="0" err="1"/>
-              <a:t>PiP_iPi</a:t>
-            </a:r>
-            <a:r>
-              <a:rPr lang="en-US" altLang="zh-CN" dirty="0"/>
-              <a:t>​,</a:t>
-            </a:r>
-            <a:br>
-              <a:rPr lang="en-US" altLang="zh-CN" dirty="0"/>
-            </a:br>
-            <a:r>
-              <a:rPr lang="en-US" altLang="zh-CN" dirty="0"/>
-              <a:t>the electricity price </a:t>
+              <a:t>Pi⋅ΔtiP_i</a:t>
+            </a:r>
+            <a:r>
+              <a:rPr lang="en-US" altLang="zh-CN" dirty="0"/>
+              <a:t> \</a:t>
             </a:r>
             <a:r>
               <a:rPr lang="en-US" altLang="zh-CN" dirty="0" err="1"/>
-              <a:t>pip_ipi</a:t>
-            </a:r>
-            <a:r>
-              <a:rPr lang="en-US" altLang="zh-CN" dirty="0"/>
-              <a:t>​, and the duration </a:t>
+              <a:t>cdot</a:t>
+            </a:r>
+            <a:r>
+              <a:rPr lang="en-US" altLang="zh-CN" dirty="0"/>
+              <a:t> \Delta </a:t>
+            </a:r>
+            <a:r>
+              <a:rPr lang="en-US" altLang="zh-CN" dirty="0" err="1"/>
+              <a:t>t_iPi</a:t>
+            </a:r>
+            <a:r>
+              <a:rPr lang="en-US" altLang="zh-CN" dirty="0"/>
+              <a:t>​⋅</a:t>
             </a:r>
             <a:r>
               <a:rPr lang="en-US" altLang="zh-CN" dirty="0" err="1"/>
@@ -1358,11 +1568,27 @@
             </a:r>
             <a:r>
               <a:rPr lang="en-US" altLang="zh-CN" dirty="0"/>
-              <a:t>\Delta </a:t>
+              <a:t>​ over all time periods—must meet or exceed the </a:t>
+            </a:r>
+            <a:r>
+              <a:rPr lang="en-US" altLang="zh-CN" b="1" dirty="0"/>
+              <a:t>target energy</a:t>
+            </a:r>
+            <a:r>
+              <a:rPr lang="en-US" altLang="zh-CN" dirty="0"/>
+              <a:t> </a:t>
             </a:r>
             <a:r>
               <a:rPr lang="en-US" altLang="zh-CN" dirty="0" err="1"/>
-              <a:t>t_iΔti</a:t>
+              <a:t>EtargetE</a:t>
+            </a:r>
+            <a:r>
+              <a:rPr lang="en-US" altLang="zh-CN" dirty="0"/>
+              <a:t>_{\text{target}}</a:t>
+            </a:r>
+            <a:r>
+              <a:rPr lang="en-US" altLang="zh-CN" dirty="0" err="1"/>
+              <a:t>Etarget</a:t>
             </a:r>
             <a:r>
               <a:rPr lang="en-US" altLang="zh-CN" dirty="0"/>
@@ -1375,15 +1601,109 @@
             </a:pPr>
             <a:r>
               <a:rPr lang="en-US" altLang="zh-CN" dirty="0"/>
-              <a:t>We then sum this over all time periods and </a:t>
+              <a:t>Second, in each time period, the </a:t>
             </a:r>
             <a:r>
               <a:rPr lang="en-US" altLang="zh-CN" b="1" dirty="0"/>
-              <a:t>normalize it by the average electricity price</a:t>
-            </a:r>
-            <a:r>
-              <a:rPr lang="en-US" altLang="zh-CN" dirty="0"/>
-              <a:t> pˉ\bar{p}pˉ​.</a:t>
+              <a:t>charging power</a:t>
+            </a:r>
+            <a:r>
+              <a:rPr lang="en-US" altLang="zh-CN" dirty="0"/>
+              <a:t> </a:t>
+            </a:r>
+            <a:r>
+              <a:rPr lang="en-US" altLang="zh-CN" dirty="0" err="1"/>
+              <a:t>PiP_iPi</a:t>
+            </a:r>
+            <a:r>
+              <a:rPr lang="en-US" altLang="zh-CN" dirty="0"/>
+              <a:t>​ must stay within its allowed range,</a:t>
+            </a:r>
+            <a:br>
+              <a:rPr lang="en-US" altLang="zh-CN" dirty="0"/>
+            </a:br>
+            <a:r>
+              <a:rPr lang="en-US" altLang="zh-CN" dirty="0"/>
+              <a:t>defined by a </a:t>
+            </a:r>
+            <a:r>
+              <a:rPr lang="en-US" altLang="zh-CN" b="1" dirty="0"/>
+              <a:t>minimum</a:t>
+            </a:r>
+            <a:r>
+              <a:rPr lang="en-US" altLang="zh-CN" dirty="0"/>
+              <a:t> and </a:t>
+            </a:r>
+            <a:r>
+              <a:rPr lang="en-US" altLang="zh-CN" b="1" dirty="0"/>
+              <a:t>maximum power limit</a:t>
+            </a:r>
+            <a:r>
+              <a:rPr lang="en-US" altLang="zh-CN" dirty="0"/>
+              <a:t>, </a:t>
+            </a:r>
+            <a:r>
+              <a:rPr lang="en-US" altLang="zh-CN" dirty="0" err="1"/>
+              <a:t>Pmin</a:t>
+            </a:r>
+            <a:r>
+              <a:rPr lang="en-US" altLang="zh-CN" dirty="0"/>
+              <a:t>⁡,</a:t>
+            </a:r>
+            <a:r>
+              <a:rPr lang="en-US" altLang="zh-CN" dirty="0" err="1"/>
+              <a:t>iP</a:t>
+            </a:r>
+            <a:r>
+              <a:rPr lang="en-US" altLang="zh-CN" dirty="0"/>
+              <a:t>_{\min, </a:t>
+            </a:r>
+            <a:r>
+              <a:rPr lang="en-US" altLang="zh-CN" dirty="0" err="1"/>
+              <a:t>i</a:t>
+            </a:r>
+            <a:r>
+              <a:rPr lang="en-US" altLang="zh-CN" dirty="0"/>
+              <a:t>}</a:t>
+            </a:r>
+            <a:r>
+              <a:rPr lang="en-US" altLang="zh-CN" dirty="0" err="1"/>
+              <a:t>Pmin,i</a:t>
+            </a:r>
+            <a:r>
+              <a:rPr lang="en-US" altLang="zh-CN" dirty="0"/>
+              <a:t>​ and Pmax⁡,</a:t>
+            </a:r>
+            <a:r>
+              <a:rPr lang="en-US" altLang="zh-CN" dirty="0" err="1"/>
+              <a:t>iP</a:t>
+            </a:r>
+            <a:r>
+              <a:rPr lang="en-US" altLang="zh-CN" dirty="0"/>
+              <a:t>_{\max, </a:t>
+            </a:r>
+            <a:r>
+              <a:rPr lang="en-US" altLang="zh-CN" dirty="0" err="1"/>
+              <a:t>i</a:t>
+            </a:r>
+            <a:r>
+              <a:rPr lang="en-US" altLang="zh-CN" dirty="0"/>
+              <a:t>}</a:t>
+            </a:r>
+            <a:r>
+              <a:rPr lang="en-US" altLang="zh-CN" dirty="0" err="1"/>
+              <a:t>Pmax,i</a:t>
+            </a:r>
+            <a:r>
+              <a:rPr lang="en-US" altLang="zh-CN" dirty="0"/>
+              <a:t>​.</a:t>
+            </a:r>
+            <a:br>
+              <a:rPr lang="en-US" altLang="zh-CN" dirty="0"/>
+            </a:br>
+            <a:r>
+              <a:rPr lang="en-US" altLang="zh-CN" dirty="0"/>
+              <a:t>These bounds can vary depending on hardware limits or grid constraints.</a:t>
             </a:r>
           </a:p>
           <a:p>
@@ -1392,27 +1712,13 @@
             </a:pPr>
             <a:r>
               <a:rPr lang="en-US" altLang="zh-CN" dirty="0"/>
-              <a:t>This normalization allows us to compare cost-effectiveness under different pricing conditions</a:t>
-            </a:r>
-            <a:br>
-              <a:rPr lang="en-US" altLang="zh-CN" dirty="0"/>
-            </a:br>
-            <a:r>
-              <a:rPr lang="en-US" altLang="zh-CN" dirty="0"/>
-              <a:t>and ensures the cost term is consistent with other terms in the objective function.</a:t>
-            </a:r>
-          </a:p>
-          <a:p>
-            <a:r>
-              <a:rPr lang="en-US" altLang="zh-CN" dirty="0"/>
-              <a:t>By optimizing this term, the system prefers charging during low-price periods</a:t>
-            </a:r>
-            <a:br>
-              <a:rPr lang="en-US" altLang="zh-CN" dirty="0"/>
-            </a:br>
-            <a:r>
-              <a:rPr lang="en-US" altLang="zh-CN" dirty="0"/>
-              <a:t>while still ensuring the energy demand is met efficiently.</a:t>
+              <a:t>For the initial guess used by the optimizer, we simply set P0P_0P0​ as the average of all maximum powers across the time horizon.</a:t>
+            </a:r>
+          </a:p>
+          <a:p>
+            <a:r>
+              <a:rPr lang="en-US" altLang="zh-CN" dirty="0"/>
+              <a:t>This initialization provides a reasonable starting point for the solver to quickly converge to an efficient solution.</a:t>
             </a:r>
           </a:p>
           <a:p>
@@ -1446,7 +1752,7 @@
     </p:spTree>
     <p:extLst>
       <p:ext uri="{BB962C8B-B14F-4D97-AF65-F5344CB8AC3E}">
-        <p14:creationId xmlns:p14="http://schemas.microsoft.com/office/powerpoint/2010/main" val="16565165"/>
+        <p14:creationId xmlns:p14="http://schemas.microsoft.com/office/powerpoint/2010/main" val="1915580122"/>
       </p:ext>
     </p:extLst>
   </p:cSld>
@@ -1461,7 +1767,13 @@
   <p:cSld>
     <p:spTree>
       <p:nvGrpSpPr>
-        <p:cNvPr id="1" name=""/>
+        <p:cNvPr id="1" name="">
+          <a:extLst>
+            <a:ext uri="{FF2B5EF4-FFF2-40B4-BE49-F238E27FC236}">
+              <a16:creationId xmlns:a16="http://schemas.microsoft.com/office/drawing/2014/main" id="{697CF6EB-8C87-72EB-A048-462D8311FB59}"/>
+            </a:ext>
+          </a:extLst>
+        </p:cNvPr>
         <p:cNvGrpSpPr/>
         <p:nvPr/>
       </p:nvGrpSpPr>
@@ -1475,7 +1787,13 @@
       </p:grpSpPr>
       <p:sp>
         <p:nvSpPr>
-          <p:cNvPr id="2" name="幻灯片图像占位符 1"/>
+          <p:cNvPr id="2" name="幻灯片图像占位符 1">
+            <a:extLst>
+              <a:ext uri="{FF2B5EF4-FFF2-40B4-BE49-F238E27FC236}">
+                <a16:creationId xmlns:a16="http://schemas.microsoft.com/office/drawing/2014/main" id="{2D225C46-AD32-07E2-B1FE-FBC02199C373}"/>
+              </a:ext>
+            </a:extLst>
+          </p:cNvPr>
           <p:cNvSpPr>
             <a:spLocks noGrp="1" noRot="1" noChangeAspect="1"/>
           </p:cNvSpPr>
@@ -1487,7 +1805,13 @@
       </p:sp>
       <p:sp>
         <p:nvSpPr>
-          <p:cNvPr id="3" name="备注占位符 2"/>
+          <p:cNvPr id="3" name="备注占位符 2">
+            <a:extLst>
+              <a:ext uri="{FF2B5EF4-FFF2-40B4-BE49-F238E27FC236}">
+                <a16:creationId xmlns:a16="http://schemas.microsoft.com/office/drawing/2014/main" id="{49C97608-B44E-E046-67AE-E629BE5E008C}"/>
+              </a:ext>
+            </a:extLst>
+          </p:cNvPr>
           <p:cNvSpPr>
             <a:spLocks noGrp="1"/>
           </p:cNvSpPr>
@@ -1500,221 +1824,34 @@
           <a:bodyPr/>
           <a:lstStyle/>
           <a:p>
-            <a:pPr>
-              <a:buNone/>
-            </a:pPr>
-            <a:r>
-              <a:rPr lang="en-US" altLang="zh-CN" dirty="0"/>
-              <a:t>To ensure feasibility and safety, our optimization includes two key constraints.</a:t>
-            </a:r>
-          </a:p>
-          <a:p>
-            <a:pPr>
-              <a:buNone/>
-            </a:pPr>
-            <a:r>
-              <a:rPr lang="en-US" altLang="zh-CN" dirty="0"/>
-              <a:t>First, the </a:t>
-            </a:r>
-            <a:r>
-              <a:rPr lang="en-US" altLang="zh-CN" b="1" dirty="0"/>
-              <a:t>total charged energy</a:t>
-            </a:r>
-            <a:r>
-              <a:rPr lang="en-US" altLang="zh-CN" dirty="0"/>
-              <a:t>—the sum of </a:t>
-            </a:r>
-            <a:r>
-              <a:rPr lang="en-US" altLang="zh-CN" dirty="0" err="1"/>
-              <a:t>Pi⋅ΔtiP_i</a:t>
-            </a:r>
-            <a:r>
-              <a:rPr lang="en-US" altLang="zh-CN" dirty="0"/>
-              <a:t> \</a:t>
-            </a:r>
-            <a:r>
-              <a:rPr lang="en-US" altLang="zh-CN" dirty="0" err="1"/>
-              <a:t>cdot</a:t>
-            </a:r>
-            <a:r>
-              <a:rPr lang="en-US" altLang="zh-CN" dirty="0"/>
-              <a:t> \Delta </a:t>
-            </a:r>
-            <a:r>
-              <a:rPr lang="en-US" altLang="zh-CN" dirty="0" err="1"/>
-              <a:t>t_iPi</a:t>
-            </a:r>
-            <a:r>
-              <a:rPr lang="en-US" altLang="zh-CN" dirty="0"/>
-              <a:t>​⋅</a:t>
-            </a:r>
-            <a:r>
-              <a:rPr lang="en-US" altLang="zh-CN" dirty="0" err="1"/>
-              <a:t>Δti</a:t>
-            </a:r>
-            <a:r>
-              <a:rPr lang="en-US" altLang="zh-CN" dirty="0"/>
-              <a:t>​ over all time periods—must meet or exceed the </a:t>
-            </a:r>
-            <a:r>
-              <a:rPr lang="en-US" altLang="zh-CN" b="1" dirty="0"/>
-              <a:t>target energy</a:t>
-            </a:r>
-            <a:r>
-              <a:rPr lang="en-US" altLang="zh-CN" dirty="0"/>
-              <a:t> </a:t>
-            </a:r>
-            <a:r>
-              <a:rPr lang="en-US" altLang="zh-CN" dirty="0" err="1"/>
-              <a:t>EtargetE</a:t>
-            </a:r>
-            <a:r>
-              <a:rPr lang="en-US" altLang="zh-CN" dirty="0"/>
-              <a:t>_{\text{target}}</a:t>
-            </a:r>
-            <a:r>
-              <a:rPr lang="en-US" altLang="zh-CN" dirty="0" err="1"/>
-              <a:t>Etarget</a:t>
-            </a:r>
-            <a:r>
-              <a:rPr lang="en-US" altLang="zh-CN" dirty="0"/>
-              <a:t>​.</a:t>
-            </a:r>
-          </a:p>
-          <a:p>
-            <a:pPr>
-              <a:buNone/>
-            </a:pPr>
-            <a:r>
-              <a:rPr lang="en-US" altLang="zh-CN" dirty="0"/>
-              <a:t>Second, in each time period, the </a:t>
-            </a:r>
-            <a:r>
-              <a:rPr lang="en-US" altLang="zh-CN" b="1" dirty="0"/>
-              <a:t>charging power</a:t>
-            </a:r>
-            <a:r>
-              <a:rPr lang="en-US" altLang="zh-CN" dirty="0"/>
-              <a:t> </a:t>
-            </a:r>
-            <a:r>
-              <a:rPr lang="en-US" altLang="zh-CN" dirty="0" err="1"/>
-              <a:t>PiP_iPi</a:t>
-            </a:r>
-            <a:r>
-              <a:rPr lang="en-US" altLang="zh-CN" dirty="0"/>
-              <a:t>​ must stay within its allowed range,</a:t>
-            </a:r>
-            <a:br>
-              <a:rPr lang="en-US" altLang="zh-CN" dirty="0"/>
-            </a:br>
-            <a:r>
-              <a:rPr lang="en-US" altLang="zh-CN" dirty="0"/>
-              <a:t>defined by a </a:t>
-            </a:r>
-            <a:r>
-              <a:rPr lang="en-US" altLang="zh-CN" b="1" dirty="0"/>
-              <a:t>minimum</a:t>
-            </a:r>
-            <a:r>
-              <a:rPr lang="en-US" altLang="zh-CN" dirty="0"/>
-              <a:t> and </a:t>
-            </a:r>
-            <a:r>
-              <a:rPr lang="en-US" altLang="zh-CN" b="1" dirty="0"/>
-              <a:t>maximum power limit</a:t>
-            </a:r>
-            <a:r>
-              <a:rPr lang="en-US" altLang="zh-CN" dirty="0"/>
-              <a:t>, </a:t>
-            </a:r>
-            <a:r>
-              <a:rPr lang="en-US" altLang="zh-CN" dirty="0" err="1"/>
-              <a:t>Pmin</a:t>
-            </a:r>
-            <a:r>
-              <a:rPr lang="en-US" altLang="zh-CN" dirty="0"/>
-              <a:t>⁡,</a:t>
-            </a:r>
-            <a:r>
-              <a:rPr lang="en-US" altLang="zh-CN" dirty="0" err="1"/>
-              <a:t>iP</a:t>
-            </a:r>
-            <a:r>
-              <a:rPr lang="en-US" altLang="zh-CN" dirty="0"/>
-              <a:t>_{\min, </a:t>
-            </a:r>
-            <a:r>
-              <a:rPr lang="en-US" altLang="zh-CN" dirty="0" err="1"/>
-              <a:t>i</a:t>
-            </a:r>
-            <a:r>
-              <a:rPr lang="en-US" altLang="zh-CN" dirty="0"/>
-              <a:t>}</a:t>
-            </a:r>
-            <a:r>
-              <a:rPr lang="en-US" altLang="zh-CN" dirty="0" err="1"/>
-              <a:t>Pmin,i</a:t>
-            </a:r>
-            <a:r>
-              <a:rPr lang="en-US" altLang="zh-CN" dirty="0"/>
-              <a:t>​ and Pmax⁡,</a:t>
-            </a:r>
-            <a:r>
-              <a:rPr lang="en-US" altLang="zh-CN" dirty="0" err="1"/>
-              <a:t>iP</a:t>
-            </a:r>
-            <a:r>
-              <a:rPr lang="en-US" altLang="zh-CN" dirty="0"/>
-              <a:t>_{\max, </a:t>
-            </a:r>
-            <a:r>
-              <a:rPr lang="en-US" altLang="zh-CN" dirty="0" err="1"/>
-              <a:t>i</a:t>
-            </a:r>
-            <a:r>
-              <a:rPr lang="en-US" altLang="zh-CN" dirty="0"/>
-              <a:t>}</a:t>
-            </a:r>
-            <a:r>
-              <a:rPr lang="en-US" altLang="zh-CN" dirty="0" err="1"/>
-              <a:t>Pmax,i</a:t>
-            </a:r>
-            <a:r>
-              <a:rPr lang="en-US" altLang="zh-CN" dirty="0"/>
-              <a:t>​.</a:t>
-            </a:r>
-            <a:br>
-              <a:rPr lang="en-US" altLang="zh-CN" dirty="0"/>
-            </a:br>
-            <a:r>
-              <a:rPr lang="en-US" altLang="zh-CN" dirty="0"/>
-              <a:t>These bounds can vary depending on hardware limits or grid constraints.</a:t>
-            </a:r>
-          </a:p>
-          <a:p>
-            <a:pPr>
-              <a:buNone/>
-            </a:pPr>
-            <a:r>
-              <a:rPr lang="en-US" altLang="zh-CN" dirty="0"/>
-              <a:t>For the initial guess used by the optimizer, we simply set P0P_0P0​ as the average of all maximum powers across the time horizon.</a:t>
-            </a:r>
-          </a:p>
-          <a:p>
-            <a:r>
-              <a:rPr lang="en-US" altLang="zh-CN" dirty="0"/>
-              <a:t>This initialization provides a reasonable starting point for the solver to quickly converge to an efficient solution.</a:t>
-            </a:r>
-          </a:p>
-          <a:p>
-            <a:endParaRPr lang="zh-CN" altLang="en-US" dirty="0"/>
+            <a:r>
+              <a:rPr lang="en-US" altLang="zh-CN" dirty="0"/>
+              <a:t>This picture shows the charging amount in different modes. </a:t>
+            </a:r>
+          </a:p>
+          <a:p>
+            <a:r>
+              <a:rPr lang="en-US" altLang="zh-CN" dirty="0"/>
+              <a:t>You can see that the functions of different modes are perfectly realized.</a:t>
+            </a:r>
+          </a:p>
+          <a:p>
+            <a:r>
+              <a:rPr lang="zh-CN" altLang="en-US" dirty="0"/>
+              <a:t>这张图片展示了不同模式下的充电量，可以看到完美的实现了不同模式的功能</a:t>
+            </a:r>
           </a:p>
         </p:txBody>
       </p:sp>
       <p:sp>
         <p:nvSpPr>
-          <p:cNvPr id="4" name="灯片编号占位符 3"/>
+          <p:cNvPr id="4" name="灯片编号占位符 3">
+            <a:extLst>
+              <a:ext uri="{FF2B5EF4-FFF2-40B4-BE49-F238E27FC236}">
+                <a16:creationId xmlns:a16="http://schemas.microsoft.com/office/drawing/2014/main" id="{6955ECCA-9DAB-110C-35D2-E6E109D39C7E}"/>
+              </a:ext>
+            </a:extLst>
+          </p:cNvPr>
           <p:cNvSpPr>
             <a:spLocks noGrp="1"/>
           </p:cNvSpPr>
@@ -1738,7 +1875,7 @@
     </p:spTree>
     <p:extLst>
       <p:ext uri="{BB962C8B-B14F-4D97-AF65-F5344CB8AC3E}">
-        <p14:creationId xmlns:p14="http://schemas.microsoft.com/office/powerpoint/2010/main" val="1915580122"/>
+        <p14:creationId xmlns:p14="http://schemas.microsoft.com/office/powerpoint/2010/main" val="426142154"/>
       </p:ext>
     </p:extLst>
   </p:cSld>
@@ -1810,7 +1947,46 @@
           <a:bodyPr/>
           <a:lstStyle/>
           <a:p>
-            <a:endParaRPr lang="zh-CN" altLang="en-US" dirty="0"/>
+            <a:r>
+              <a:rPr lang="en-US" altLang="zh-CN" dirty="0"/>
+              <a:t>This picture shows the user's grid power. </a:t>
+            </a:r>
+          </a:p>
+          <a:p>
+            <a:r>
+              <a:rPr lang="en-US" altLang="zh-CN" dirty="0"/>
+              <a:t>The green line represents the user's historical power consumption when not charging, </a:t>
+            </a:r>
+          </a:p>
+          <a:p>
+            <a:r>
+              <a:rPr lang="en-US" altLang="zh-CN" dirty="0"/>
+              <a:t>the red line represents the maximum power, </a:t>
+            </a:r>
+          </a:p>
+          <a:p>
+            <a:r>
+              <a:rPr lang="en-US" altLang="zh-CN" dirty="0"/>
+              <a:t>and the blue line represents the power load after adding car charging. </a:t>
+            </a:r>
+          </a:p>
+          <a:p>
+            <a:r>
+              <a:rPr lang="en-US" altLang="zh-CN" dirty="0"/>
+              <a:t>It can be seen that the final power does not exceed the maximum power, </a:t>
+            </a:r>
+          </a:p>
+          <a:p>
+            <a:r>
+              <a:rPr lang="en-US" altLang="zh-CN" dirty="0"/>
+              <a:t>and charging stops after reaching the target charging amount.</a:t>
+            </a:r>
+          </a:p>
+          <a:p>
+            <a:r>
+              <a:rPr lang="zh-CN" altLang="en-US" dirty="0"/>
+              <a:t>这张图片展示了用户的电网功率，图中绿线代表未充电时用户的历史用电，红线代表了最大功率，而蓝线表示了加入汽车充电后的用电负载，可以看到最终的功率没有超过最大功率，并且在达到目标充电量之后就停止充电了。</a:t>
+            </a:r>
           </a:p>
         </p:txBody>
       </p:sp>
@@ -1902,7 +2078,7 @@
           <a:p>
             <a:r>
               <a:rPr lang="en-US" altLang="zh-CN" dirty="0"/>
-              <a:t>We wrote a software to simulate the reading and writing of </a:t>
+              <a:t>In order to simulate the test without hardware, we wrote a software to simulate the functions of </a:t>
             </a:r>
             <a:r>
               <a:rPr lang="en-US" altLang="zh-CN" dirty="0" err="1"/>
@@ -1910,21 +2086,59 @@
             </a:r>
             <a:r>
               <a:rPr lang="en-US" altLang="zh-CN" dirty="0"/>
-              <a:t> and shelly, which is convenient for debugging algorithms without hardware.</a:t>
-            </a:r>
-          </a:p>
-          <a:p>
-            <a:r>
-              <a:rPr lang="en-US" altLang="zh-CN" dirty="0"/>
-              <a:t>The simulator is developed using PyQt5 and provides a visual interface, allowing users to view and adjust simulation parameters. </a:t>
-            </a:r>
-          </a:p>
-          <a:p>
-            <a:r>
-              <a:rPr lang="en-US" altLang="zh-CN" dirty="0"/>
-              <a:t>This simulator allows for the debugging and optimization of the system’s charging control logic in a safe testing environment, ensuring functionality correctness and reducing the safety risks associated with direct live testing.</a:t>
-            </a:r>
-            <a:endParaRPr lang="zh-CN" altLang="en-US" dirty="0"/>
+              <a:t> and shelly. </a:t>
+            </a:r>
+          </a:p>
+          <a:p>
+            <a:r>
+              <a:rPr lang="en-US" altLang="zh-CN" dirty="0"/>
+              <a:t>It is mainly realized by reading and writing fixed </a:t>
+            </a:r>
+            <a:r>
+              <a:rPr lang="en-US" altLang="zh-CN" dirty="0" err="1"/>
+              <a:t>json</a:t>
+            </a:r>
+            <a:r>
+              <a:rPr lang="en-US" altLang="zh-CN" dirty="0"/>
+              <a:t> files and transferring them to the Raspberry Pi. </a:t>
+            </a:r>
+          </a:p>
+          <a:p>
+            <a:r>
+              <a:rPr lang="en-US" altLang="zh-CN" dirty="0"/>
+              <a:t>Later, Chen Huang will talk about things related to testing.</a:t>
+            </a:r>
+          </a:p>
+          <a:p>
+            <a:r>
+              <a:rPr lang="zh-CN" altLang="en-US" dirty="0"/>
+              <a:t>为了在脱离硬件也能模拟测试，我们写了一个软件来模拟</a:t>
+            </a:r>
+            <a:r>
+              <a:rPr lang="en-US" altLang="zh-CN" dirty="0" err="1"/>
+              <a:t>evse</a:t>
+            </a:r>
+            <a:r>
+              <a:rPr lang="zh-CN" altLang="en-US" dirty="0"/>
+              <a:t>和</a:t>
+            </a:r>
+            <a:r>
+              <a:rPr lang="en-US" altLang="zh-CN" dirty="0"/>
+              <a:t>shelly</a:t>
+            </a:r>
+            <a:r>
+              <a:rPr lang="zh-CN" altLang="en-US" dirty="0"/>
+              <a:t>的功能。主要是通过读写固定的</a:t>
+            </a:r>
+            <a:r>
+              <a:rPr lang="en-US" altLang="zh-CN" dirty="0" err="1"/>
+              <a:t>json</a:t>
+            </a:r>
+            <a:r>
+              <a:rPr lang="zh-CN" altLang="en-US" dirty="0"/>
+              <a:t>文件传输给树莓派来实现。后面由陈煌来讲和测试有关的东西</a:t>
+            </a:r>
+            <a:endParaRPr lang="en-US" altLang="zh-CN" dirty="0"/>
           </a:p>
         </p:txBody>
       </p:sp>
@@ -3324,7 +3538,13 @@
   <p:cSld>
     <p:spTree>
       <p:nvGrpSpPr>
-        <p:cNvPr id="1" name=""/>
+        <p:cNvPr id="1" name="">
+          <a:extLst>
+            <a:ext uri="{FF2B5EF4-FFF2-40B4-BE49-F238E27FC236}">
+              <a16:creationId xmlns:a16="http://schemas.microsoft.com/office/drawing/2014/main" id="{B125B773-C881-6A5E-F8B6-835459F23168}"/>
+            </a:ext>
+          </a:extLst>
+        </p:cNvPr>
         <p:cNvGrpSpPr/>
         <p:nvPr/>
       </p:nvGrpSpPr>
@@ -3338,7 +3558,13 @@
       </p:grpSpPr>
       <p:sp>
         <p:nvSpPr>
-          <p:cNvPr id="14" name="PlaceHolder 1"/>
+          <p:cNvPr id="14" name="PlaceHolder 1">
+            <a:extLst>
+              <a:ext uri="{FF2B5EF4-FFF2-40B4-BE49-F238E27FC236}">
+                <a16:creationId xmlns:a16="http://schemas.microsoft.com/office/drawing/2014/main" id="{30E83DBE-D3B2-59EF-0922-A89513550457}"/>
+              </a:ext>
+            </a:extLst>
+          </p:cNvPr>
           <p:cNvSpPr>
             <a:spLocks noGrp="1"/>
           </p:cNvSpPr>
@@ -3365,20 +3591,1411 @@
           </a:bodyPr>
           <a:lstStyle/>
           <a:p>
-            <a:r>
-              <a:rPr lang="en-US" altLang="zh-CN" sz="3600" b="1" dirty="0"/>
-              <a:t>Optimization method</a:t>
-            </a:r>
-            <a:endParaRPr lang="zh-CN" altLang="en-US" sz="3600" b="1" dirty="0"/>
+            <a:pPr indent="0">
+              <a:buNone/>
+            </a:pPr>
+            <a:r>
+              <a:rPr lang="en-US" sz="3600" b="1" u="none" strike="noStrike" dirty="0">
+                <a:solidFill>
+                  <a:srgbClr val="000000"/>
+                </a:solidFill>
+                <a:uFillTx/>
+                <a:latin typeface="Arial"/>
+              </a:rPr>
+              <a:t>Optimization considerations</a:t>
+            </a:r>
           </a:p>
         </p:txBody>
       </p:sp>
-      <p:sp>
-        <p:nvSpPr>
-          <p:cNvPr id="2" name="文本框 1">
+      <p:grpSp>
+        <p:nvGrpSpPr>
+          <p:cNvPr id="122" name="组合 121">
             <a:extLst>
               <a:ext uri="{FF2B5EF4-FFF2-40B4-BE49-F238E27FC236}">
-                <a16:creationId xmlns:a16="http://schemas.microsoft.com/office/drawing/2014/main" id="{BC0D5269-FD72-0240-E47A-FEF0494AD112}"/>
+                <a16:creationId xmlns:a16="http://schemas.microsoft.com/office/drawing/2014/main" id="{0CAAB5F6-9DAD-969D-8E5C-750E5BD994CF}"/>
+              </a:ext>
+            </a:extLst>
+          </p:cNvPr>
+          <p:cNvGrpSpPr/>
+          <p:nvPr/>
+        </p:nvGrpSpPr>
+        <p:grpSpPr>
+          <a:xfrm>
+            <a:off x="3456615" y="2164741"/>
+            <a:ext cx="3111006" cy="4378230"/>
+            <a:chOff x="3323601" y="2086357"/>
+            <a:chExt cx="3111006" cy="4378230"/>
+          </a:xfrm>
+        </p:grpSpPr>
+        <p:grpSp>
+          <p:nvGrpSpPr>
+            <p:cNvPr id="43" name="组合 42">
+              <a:extLst>
+                <a:ext uri="{FF2B5EF4-FFF2-40B4-BE49-F238E27FC236}">
+                  <a16:creationId xmlns:a16="http://schemas.microsoft.com/office/drawing/2014/main" id="{19F81271-0572-FF52-417F-4E9F648D1E28}"/>
+                </a:ext>
+              </a:extLst>
+            </p:cNvPr>
+            <p:cNvGrpSpPr/>
+            <p:nvPr/>
+          </p:nvGrpSpPr>
+          <p:grpSpPr>
+            <a:xfrm>
+              <a:off x="5007499" y="2086357"/>
+              <a:ext cx="1126734" cy="1000378"/>
+              <a:chOff x="6961290" y="4115480"/>
+              <a:chExt cx="891030" cy="791107"/>
+            </a:xfrm>
+          </p:grpSpPr>
+          <p:sp>
+            <p:nvSpPr>
+              <p:cNvPr id="16" name="六边形 15">
+                <a:extLst>
+                  <a:ext uri="{FF2B5EF4-FFF2-40B4-BE49-F238E27FC236}">
+                    <a16:creationId xmlns:a16="http://schemas.microsoft.com/office/drawing/2014/main" id="{4FB6879F-D4C6-A409-A1A7-8A819D0D1DF5}"/>
+                  </a:ext>
+                </a:extLst>
+              </p:cNvPr>
+              <p:cNvSpPr/>
+              <p:nvPr/>
+            </p:nvSpPr>
+            <p:spPr>
+              <a:xfrm>
+                <a:off x="6961290" y="4115480"/>
+                <a:ext cx="891030" cy="791107"/>
+              </a:xfrm>
+              <a:prstGeom prst="hexagon">
+                <a:avLst/>
+              </a:prstGeom>
+              <a:noFill/>
+              <a:ln w="57150">
+                <a:solidFill>
+                  <a:schemeClr val="accent2"/>
+                </a:solidFill>
+              </a:ln>
+            </p:spPr>
+            <p:style>
+              <a:lnRef idx="2">
+                <a:schemeClr val="accent1">
+                  <a:shade val="15000"/>
+                </a:schemeClr>
+              </a:lnRef>
+              <a:fillRef idx="1">
+                <a:schemeClr val="accent1"/>
+              </a:fillRef>
+              <a:effectRef idx="0">
+                <a:schemeClr val="accent1"/>
+              </a:effectRef>
+              <a:fontRef idx="minor">
+                <a:schemeClr val="lt1"/>
+              </a:fontRef>
+            </p:style>
+            <p:txBody>
+              <a:bodyPr rtlCol="0" anchor="ctr"/>
+              <a:lstStyle/>
+              <a:p>
+                <a:pPr algn="ctr"/>
+                <a:endParaRPr lang="zh-CN" altLang="en-US"/>
+              </a:p>
+            </p:txBody>
+          </p:sp>
+          <p:pic>
+            <p:nvPicPr>
+              <p:cNvPr id="24" name="图形 23">
+                <a:extLst>
+                  <a:ext uri="{FF2B5EF4-FFF2-40B4-BE49-F238E27FC236}">
+                    <a16:creationId xmlns:a16="http://schemas.microsoft.com/office/drawing/2014/main" id="{FEFA7742-D4C1-E447-2B25-0F53D29CF171}"/>
+                  </a:ext>
+                </a:extLst>
+              </p:cNvPr>
+              <p:cNvPicPr>
+                <a:picLocks noChangeAspect="1"/>
+              </p:cNvPicPr>
+              <p:nvPr/>
+            </p:nvPicPr>
+            <p:blipFill>
+              <a:blip r:embed="rId3">
+                <a:extLst>
+                  <a:ext uri="{96DAC541-7B7A-43D3-8B79-37D633B846F1}">
+                    <asvg:svgBlip xmlns:asvg="http://schemas.microsoft.com/office/drawing/2016/SVG/main" r:embed="rId4"/>
+                  </a:ext>
+                </a:extLst>
+              </a:blip>
+              <a:stretch>
+                <a:fillRect/>
+              </a:stretch>
+            </p:blipFill>
+            <p:spPr>
+              <a:xfrm>
+                <a:off x="7134653" y="4234392"/>
+                <a:ext cx="544303" cy="544303"/>
+              </a:xfrm>
+              <a:prstGeom prst="rect">
+                <a:avLst/>
+              </a:prstGeom>
+            </p:spPr>
+          </p:pic>
+        </p:grpSp>
+        <p:grpSp>
+          <p:nvGrpSpPr>
+            <p:cNvPr id="44" name="组合 43">
+              <a:extLst>
+                <a:ext uri="{FF2B5EF4-FFF2-40B4-BE49-F238E27FC236}">
+                  <a16:creationId xmlns:a16="http://schemas.microsoft.com/office/drawing/2014/main" id="{2BD158ED-F161-B045-FF20-8C868F2944B5}"/>
+                </a:ext>
+              </a:extLst>
+            </p:cNvPr>
+            <p:cNvGrpSpPr/>
+            <p:nvPr/>
+          </p:nvGrpSpPr>
+          <p:grpSpPr>
+            <a:xfrm>
+              <a:off x="3323601" y="2608477"/>
+              <a:ext cx="1126734" cy="1000378"/>
+              <a:chOff x="3461086" y="5508029"/>
+              <a:chExt cx="891030" cy="791107"/>
+            </a:xfrm>
+          </p:grpSpPr>
+          <p:sp>
+            <p:nvSpPr>
+              <p:cNvPr id="17" name="六边形 16">
+                <a:extLst>
+                  <a:ext uri="{FF2B5EF4-FFF2-40B4-BE49-F238E27FC236}">
+                    <a16:creationId xmlns:a16="http://schemas.microsoft.com/office/drawing/2014/main" id="{99FD028D-24F6-3102-3357-D1278BC9EDB1}"/>
+                  </a:ext>
+                </a:extLst>
+              </p:cNvPr>
+              <p:cNvSpPr/>
+              <p:nvPr/>
+            </p:nvSpPr>
+            <p:spPr>
+              <a:xfrm>
+                <a:off x="3461086" y="5508029"/>
+                <a:ext cx="891030" cy="791107"/>
+              </a:xfrm>
+              <a:prstGeom prst="hexagon">
+                <a:avLst/>
+              </a:prstGeom>
+              <a:noFill/>
+              <a:ln w="57150">
+                <a:solidFill>
+                  <a:schemeClr val="accent2"/>
+                </a:solidFill>
+              </a:ln>
+            </p:spPr>
+            <p:style>
+              <a:lnRef idx="2">
+                <a:schemeClr val="accent1">
+                  <a:shade val="15000"/>
+                </a:schemeClr>
+              </a:lnRef>
+              <a:fillRef idx="1">
+                <a:schemeClr val="accent1"/>
+              </a:fillRef>
+              <a:effectRef idx="0">
+                <a:schemeClr val="accent1"/>
+              </a:effectRef>
+              <a:fontRef idx="minor">
+                <a:schemeClr val="lt1"/>
+              </a:fontRef>
+            </p:style>
+            <p:txBody>
+              <a:bodyPr rtlCol="0" anchor="ctr"/>
+              <a:lstStyle/>
+              <a:p>
+                <a:pPr algn="ctr"/>
+                <a:endParaRPr lang="zh-CN" altLang="en-US"/>
+              </a:p>
+            </p:txBody>
+          </p:sp>
+          <p:pic>
+            <p:nvPicPr>
+              <p:cNvPr id="26" name="图形 25">
+                <a:extLst>
+                  <a:ext uri="{FF2B5EF4-FFF2-40B4-BE49-F238E27FC236}">
+                    <a16:creationId xmlns:a16="http://schemas.microsoft.com/office/drawing/2014/main" id="{3BB3599A-6B3E-7A0A-DA2C-70589FDBE4D9}"/>
+                  </a:ext>
+                </a:extLst>
+              </p:cNvPr>
+              <p:cNvPicPr>
+                <a:picLocks noChangeAspect="1"/>
+              </p:cNvPicPr>
+              <p:nvPr/>
+            </p:nvPicPr>
+            <p:blipFill>
+              <a:blip r:embed="rId5">
+                <a:extLst>
+                  <a:ext uri="{96DAC541-7B7A-43D3-8B79-37D633B846F1}">
+                    <asvg:svgBlip xmlns:asvg="http://schemas.microsoft.com/office/drawing/2016/SVG/main" r:embed="rId6"/>
+                  </a:ext>
+                </a:extLst>
+              </a:blip>
+              <a:stretch>
+                <a:fillRect/>
+              </a:stretch>
+            </p:blipFill>
+            <p:spPr>
+              <a:xfrm>
+                <a:off x="3650343" y="5647324"/>
+                <a:ext cx="512516" cy="512516"/>
+              </a:xfrm>
+              <a:prstGeom prst="rect">
+                <a:avLst/>
+              </a:prstGeom>
+            </p:spPr>
+          </p:pic>
+        </p:grpSp>
+        <p:grpSp>
+          <p:nvGrpSpPr>
+            <p:cNvPr id="40" name="组合 39">
+              <a:extLst>
+                <a:ext uri="{FF2B5EF4-FFF2-40B4-BE49-F238E27FC236}">
+                  <a16:creationId xmlns:a16="http://schemas.microsoft.com/office/drawing/2014/main" id="{50394AD7-DB15-C3A5-6EB1-EB434570969D}"/>
+                </a:ext>
+              </a:extLst>
+            </p:cNvPr>
+            <p:cNvGrpSpPr/>
+            <p:nvPr/>
+          </p:nvGrpSpPr>
+          <p:grpSpPr>
+            <a:xfrm>
+              <a:off x="4326018" y="4344914"/>
+              <a:ext cx="1126734" cy="1000378"/>
+              <a:chOff x="1234101" y="2369072"/>
+              <a:chExt cx="891030" cy="791107"/>
+            </a:xfrm>
+          </p:grpSpPr>
+          <p:sp>
+            <p:nvSpPr>
+              <p:cNvPr id="3" name="六边形 2">
+                <a:extLst>
+                  <a:ext uri="{FF2B5EF4-FFF2-40B4-BE49-F238E27FC236}">
+                    <a16:creationId xmlns:a16="http://schemas.microsoft.com/office/drawing/2014/main" id="{E50DB5AC-B989-510C-EF9C-A2DC6E8ACF39}"/>
+                  </a:ext>
+                </a:extLst>
+              </p:cNvPr>
+              <p:cNvSpPr/>
+              <p:nvPr/>
+            </p:nvSpPr>
+            <p:spPr>
+              <a:xfrm>
+                <a:off x="1234101" y="2369072"/>
+                <a:ext cx="891030" cy="791107"/>
+              </a:xfrm>
+              <a:prstGeom prst="hexagon">
+                <a:avLst/>
+              </a:prstGeom>
+              <a:noFill/>
+              <a:ln w="57150">
+                <a:solidFill>
+                  <a:schemeClr val="accent2"/>
+                </a:solidFill>
+              </a:ln>
+            </p:spPr>
+            <p:style>
+              <a:lnRef idx="2">
+                <a:schemeClr val="accent1">
+                  <a:shade val="15000"/>
+                </a:schemeClr>
+              </a:lnRef>
+              <a:fillRef idx="1">
+                <a:schemeClr val="accent1"/>
+              </a:fillRef>
+              <a:effectRef idx="0">
+                <a:schemeClr val="accent1"/>
+              </a:effectRef>
+              <a:fontRef idx="minor">
+                <a:schemeClr val="lt1"/>
+              </a:fontRef>
+            </p:style>
+            <p:txBody>
+              <a:bodyPr rtlCol="0" anchor="ctr"/>
+              <a:lstStyle/>
+              <a:p>
+                <a:pPr algn="ctr"/>
+                <a:endParaRPr lang="zh-CN" altLang="en-US"/>
+              </a:p>
+            </p:txBody>
+          </p:sp>
+          <p:pic>
+            <p:nvPicPr>
+              <p:cNvPr id="32" name="图形 31">
+                <a:extLst>
+                  <a:ext uri="{FF2B5EF4-FFF2-40B4-BE49-F238E27FC236}">
+                    <a16:creationId xmlns:a16="http://schemas.microsoft.com/office/drawing/2014/main" id="{B7D033AD-9E11-4914-F05A-3302AC234373}"/>
+                  </a:ext>
+                </a:extLst>
+              </p:cNvPr>
+              <p:cNvPicPr>
+                <a:picLocks noChangeAspect="1"/>
+              </p:cNvPicPr>
+              <p:nvPr/>
+            </p:nvPicPr>
+            <p:blipFill>
+              <a:blip r:embed="rId7">
+                <a:extLst>
+                  <a:ext uri="{96DAC541-7B7A-43D3-8B79-37D633B846F1}">
+                    <asvg:svgBlip xmlns:asvg="http://schemas.microsoft.com/office/drawing/2016/SVG/main" r:embed="rId8"/>
+                  </a:ext>
+                </a:extLst>
+              </a:blip>
+              <a:stretch>
+                <a:fillRect/>
+              </a:stretch>
+            </p:blipFill>
+            <p:spPr>
+              <a:xfrm>
+                <a:off x="1431340" y="2526805"/>
+                <a:ext cx="496552" cy="484441"/>
+              </a:xfrm>
+              <a:prstGeom prst="rect">
+                <a:avLst/>
+              </a:prstGeom>
+            </p:spPr>
+          </p:pic>
+        </p:grpSp>
+        <p:grpSp>
+          <p:nvGrpSpPr>
+            <p:cNvPr id="45" name="组合 44">
+              <a:extLst>
+                <a:ext uri="{FF2B5EF4-FFF2-40B4-BE49-F238E27FC236}">
+                  <a16:creationId xmlns:a16="http://schemas.microsoft.com/office/drawing/2014/main" id="{404B5746-9062-E8C4-14C3-F19865530157}"/>
+                </a:ext>
+              </a:extLst>
+            </p:cNvPr>
+            <p:cNvGrpSpPr/>
+            <p:nvPr/>
+          </p:nvGrpSpPr>
+          <p:grpSpPr>
+            <a:xfrm>
+              <a:off x="5307873" y="4942309"/>
+              <a:ext cx="1126734" cy="1000378"/>
+              <a:chOff x="5626845" y="5389276"/>
+              <a:chExt cx="891030" cy="791107"/>
+            </a:xfrm>
+          </p:grpSpPr>
+          <p:sp>
+            <p:nvSpPr>
+              <p:cNvPr id="18" name="六边形 17">
+                <a:extLst>
+                  <a:ext uri="{FF2B5EF4-FFF2-40B4-BE49-F238E27FC236}">
+                    <a16:creationId xmlns:a16="http://schemas.microsoft.com/office/drawing/2014/main" id="{E0D2BD4D-AD0A-090D-DB95-219736208344}"/>
+                  </a:ext>
+                </a:extLst>
+              </p:cNvPr>
+              <p:cNvSpPr/>
+              <p:nvPr/>
+            </p:nvSpPr>
+            <p:spPr>
+              <a:xfrm>
+                <a:off x="5626845" y="5389276"/>
+                <a:ext cx="891030" cy="791107"/>
+              </a:xfrm>
+              <a:prstGeom prst="hexagon">
+                <a:avLst/>
+              </a:prstGeom>
+              <a:noFill/>
+              <a:ln w="57150">
+                <a:solidFill>
+                  <a:schemeClr val="accent2"/>
+                </a:solidFill>
+              </a:ln>
+            </p:spPr>
+            <p:style>
+              <a:lnRef idx="2">
+                <a:schemeClr val="accent1">
+                  <a:shade val="15000"/>
+                </a:schemeClr>
+              </a:lnRef>
+              <a:fillRef idx="1">
+                <a:schemeClr val="accent1"/>
+              </a:fillRef>
+              <a:effectRef idx="0">
+                <a:schemeClr val="accent1"/>
+              </a:effectRef>
+              <a:fontRef idx="minor">
+                <a:schemeClr val="lt1"/>
+              </a:fontRef>
+            </p:style>
+            <p:txBody>
+              <a:bodyPr rtlCol="0" anchor="ctr"/>
+              <a:lstStyle/>
+              <a:p>
+                <a:pPr algn="ctr"/>
+                <a:endParaRPr lang="zh-CN" altLang="en-US"/>
+              </a:p>
+            </p:txBody>
+          </p:sp>
+          <p:pic>
+            <p:nvPicPr>
+              <p:cNvPr id="34" name="图形 33">
+                <a:extLst>
+                  <a:ext uri="{FF2B5EF4-FFF2-40B4-BE49-F238E27FC236}">
+                    <a16:creationId xmlns:a16="http://schemas.microsoft.com/office/drawing/2014/main" id="{C2D029E1-D831-BFC3-3711-FBD1F5EB422C}"/>
+                  </a:ext>
+                </a:extLst>
+              </p:cNvPr>
+              <p:cNvPicPr>
+                <a:picLocks noChangeAspect="1"/>
+              </p:cNvPicPr>
+              <p:nvPr/>
+            </p:nvPicPr>
+            <p:blipFill>
+              <a:blip r:embed="rId9">
+                <a:extLst>
+                  <a:ext uri="{96DAC541-7B7A-43D3-8B79-37D633B846F1}">
+                    <asvg:svgBlip xmlns:asvg="http://schemas.microsoft.com/office/drawing/2016/SVG/main" r:embed="rId10"/>
+                  </a:ext>
+                </a:extLst>
+              </a:blip>
+              <a:stretch>
+                <a:fillRect/>
+              </a:stretch>
+            </p:blipFill>
+            <p:spPr>
+              <a:xfrm>
+                <a:off x="5742061" y="5454530"/>
+                <a:ext cx="660598" cy="660598"/>
+              </a:xfrm>
+              <a:prstGeom prst="rect">
+                <a:avLst/>
+              </a:prstGeom>
+            </p:spPr>
+          </p:pic>
+        </p:grpSp>
+        <p:grpSp>
+          <p:nvGrpSpPr>
+            <p:cNvPr id="41" name="组合 40">
+              <a:extLst>
+                <a:ext uri="{FF2B5EF4-FFF2-40B4-BE49-F238E27FC236}">
+                  <a16:creationId xmlns:a16="http://schemas.microsoft.com/office/drawing/2014/main" id="{3D743100-5886-8C6F-0F7F-23DB670AA692}"/>
+                </a:ext>
+              </a:extLst>
+            </p:cNvPr>
+            <p:cNvGrpSpPr/>
+            <p:nvPr/>
+          </p:nvGrpSpPr>
+          <p:grpSpPr>
+            <a:xfrm>
+              <a:off x="4325152" y="3185176"/>
+              <a:ext cx="1126734" cy="1000378"/>
+              <a:chOff x="6840512" y="2302691"/>
+              <a:chExt cx="891030" cy="791107"/>
+            </a:xfrm>
+          </p:grpSpPr>
+          <p:sp>
+            <p:nvSpPr>
+              <p:cNvPr id="13" name="六边形 12">
+                <a:extLst>
+                  <a:ext uri="{FF2B5EF4-FFF2-40B4-BE49-F238E27FC236}">
+                    <a16:creationId xmlns:a16="http://schemas.microsoft.com/office/drawing/2014/main" id="{77E151DA-AE0A-CCB1-760F-5D5683BC0732}"/>
+                  </a:ext>
+                </a:extLst>
+              </p:cNvPr>
+              <p:cNvSpPr/>
+              <p:nvPr/>
+            </p:nvSpPr>
+            <p:spPr>
+              <a:xfrm>
+                <a:off x="6840512" y="2302691"/>
+                <a:ext cx="891030" cy="791107"/>
+              </a:xfrm>
+              <a:prstGeom prst="hexagon">
+                <a:avLst/>
+              </a:prstGeom>
+              <a:noFill/>
+              <a:ln w="57150">
+                <a:solidFill>
+                  <a:schemeClr val="accent2"/>
+                </a:solidFill>
+              </a:ln>
+            </p:spPr>
+            <p:style>
+              <a:lnRef idx="2">
+                <a:schemeClr val="accent1">
+                  <a:shade val="15000"/>
+                </a:schemeClr>
+              </a:lnRef>
+              <a:fillRef idx="1">
+                <a:schemeClr val="accent1"/>
+              </a:fillRef>
+              <a:effectRef idx="0">
+                <a:schemeClr val="accent1"/>
+              </a:effectRef>
+              <a:fontRef idx="minor">
+                <a:schemeClr val="lt1"/>
+              </a:fontRef>
+            </p:style>
+            <p:txBody>
+              <a:bodyPr rtlCol="0" anchor="ctr"/>
+              <a:lstStyle/>
+              <a:p>
+                <a:pPr algn="ctr"/>
+                <a:endParaRPr lang="zh-CN" altLang="en-US"/>
+              </a:p>
+            </p:txBody>
+          </p:sp>
+          <p:pic>
+            <p:nvPicPr>
+              <p:cNvPr id="36" name="图形 35">
+                <a:extLst>
+                  <a:ext uri="{FF2B5EF4-FFF2-40B4-BE49-F238E27FC236}">
+                    <a16:creationId xmlns:a16="http://schemas.microsoft.com/office/drawing/2014/main" id="{78553FAD-F150-B9BA-B07E-8C7F5365FE6D}"/>
+                  </a:ext>
+                </a:extLst>
+              </p:cNvPr>
+              <p:cNvPicPr>
+                <a:picLocks noChangeAspect="1"/>
+              </p:cNvPicPr>
+              <p:nvPr/>
+            </p:nvPicPr>
+            <p:blipFill>
+              <a:blip r:embed="rId11">
+                <a:extLst>
+                  <a:ext uri="{96DAC541-7B7A-43D3-8B79-37D633B846F1}">
+                    <asvg:svgBlip xmlns:asvg="http://schemas.microsoft.com/office/drawing/2016/SVG/main" r:embed="rId12"/>
+                  </a:ext>
+                </a:extLst>
+              </a:blip>
+              <a:stretch>
+                <a:fillRect/>
+              </a:stretch>
+            </p:blipFill>
+            <p:spPr>
+              <a:xfrm>
+                <a:off x="7038503" y="2455454"/>
+                <a:ext cx="495048" cy="495048"/>
+              </a:xfrm>
+              <a:prstGeom prst="rect">
+                <a:avLst/>
+              </a:prstGeom>
+            </p:spPr>
+          </p:pic>
+        </p:grpSp>
+        <p:grpSp>
+          <p:nvGrpSpPr>
+            <p:cNvPr id="42" name="组合 41">
+              <a:extLst>
+                <a:ext uri="{FF2B5EF4-FFF2-40B4-BE49-F238E27FC236}">
+                  <a16:creationId xmlns:a16="http://schemas.microsoft.com/office/drawing/2014/main" id="{CA0A166F-06A7-95C0-D858-0E15AB5A98E3}"/>
+                </a:ext>
+              </a:extLst>
+            </p:cNvPr>
+            <p:cNvGrpSpPr/>
+            <p:nvPr/>
+          </p:nvGrpSpPr>
+          <p:grpSpPr>
+            <a:xfrm>
+              <a:off x="3579689" y="5464209"/>
+              <a:ext cx="1126734" cy="1000378"/>
+              <a:chOff x="2502878" y="4205850"/>
+              <a:chExt cx="891030" cy="791107"/>
+            </a:xfrm>
+          </p:grpSpPr>
+          <p:sp>
+            <p:nvSpPr>
+              <p:cNvPr id="15" name="六边形 14">
+                <a:extLst>
+                  <a:ext uri="{FF2B5EF4-FFF2-40B4-BE49-F238E27FC236}">
+                    <a16:creationId xmlns:a16="http://schemas.microsoft.com/office/drawing/2014/main" id="{721F62D5-D31E-8647-E437-C12F96A7A6A7}"/>
+                  </a:ext>
+                </a:extLst>
+              </p:cNvPr>
+              <p:cNvSpPr/>
+              <p:nvPr/>
+            </p:nvSpPr>
+            <p:spPr>
+              <a:xfrm>
+                <a:off x="2502878" y="4205850"/>
+                <a:ext cx="891030" cy="791107"/>
+              </a:xfrm>
+              <a:prstGeom prst="hexagon">
+                <a:avLst/>
+              </a:prstGeom>
+              <a:noFill/>
+              <a:ln w="57150">
+                <a:solidFill>
+                  <a:schemeClr val="accent2"/>
+                </a:solidFill>
+              </a:ln>
+            </p:spPr>
+            <p:style>
+              <a:lnRef idx="2">
+                <a:schemeClr val="accent1">
+                  <a:shade val="15000"/>
+                </a:schemeClr>
+              </a:lnRef>
+              <a:fillRef idx="1">
+                <a:schemeClr val="accent1"/>
+              </a:fillRef>
+              <a:effectRef idx="0">
+                <a:schemeClr val="accent1"/>
+              </a:effectRef>
+              <a:fontRef idx="minor">
+                <a:schemeClr val="lt1"/>
+              </a:fontRef>
+            </p:style>
+            <p:txBody>
+              <a:bodyPr rtlCol="0" anchor="ctr"/>
+              <a:lstStyle/>
+              <a:p>
+                <a:pPr algn="ctr"/>
+                <a:endParaRPr lang="zh-CN" altLang="en-US"/>
+              </a:p>
+            </p:txBody>
+          </p:sp>
+          <p:pic>
+            <p:nvPicPr>
+              <p:cNvPr id="38" name="图形 37">
+                <a:extLst>
+                  <a:ext uri="{FF2B5EF4-FFF2-40B4-BE49-F238E27FC236}">
+                    <a16:creationId xmlns:a16="http://schemas.microsoft.com/office/drawing/2014/main" id="{96400925-2958-6C2D-C467-719DBF34666F}"/>
+                  </a:ext>
+                </a:extLst>
+              </p:cNvPr>
+              <p:cNvPicPr>
+                <a:picLocks noChangeAspect="1"/>
+              </p:cNvPicPr>
+              <p:nvPr/>
+            </p:nvPicPr>
+            <p:blipFill>
+              <a:blip r:embed="rId13">
+                <a:extLst>
+                  <a:ext uri="{96DAC541-7B7A-43D3-8B79-37D633B846F1}">
+                    <asvg:svgBlip xmlns:asvg="http://schemas.microsoft.com/office/drawing/2016/SVG/main" r:embed="rId14"/>
+                  </a:ext>
+                </a:extLst>
+              </a:blip>
+              <a:stretch>
+                <a:fillRect/>
+              </a:stretch>
+            </p:blipFill>
+            <p:spPr>
+              <a:xfrm>
+                <a:off x="2643211" y="4296222"/>
+                <a:ext cx="610365" cy="610365"/>
+              </a:xfrm>
+              <a:prstGeom prst="rect">
+                <a:avLst/>
+              </a:prstGeom>
+            </p:spPr>
+          </p:pic>
+        </p:grpSp>
+      </p:grpSp>
+      <p:grpSp>
+        <p:nvGrpSpPr>
+          <p:cNvPr id="111" name="组合 110">
+            <a:extLst>
+              <a:ext uri="{FF2B5EF4-FFF2-40B4-BE49-F238E27FC236}">
+                <a16:creationId xmlns:a16="http://schemas.microsoft.com/office/drawing/2014/main" id="{777BADCE-2D41-4475-3267-145835E65182}"/>
+              </a:ext>
+            </a:extLst>
+          </p:cNvPr>
+          <p:cNvGrpSpPr/>
+          <p:nvPr/>
+        </p:nvGrpSpPr>
+        <p:grpSpPr>
+          <a:xfrm>
+            <a:off x="196489" y="2739944"/>
+            <a:ext cx="3286971" cy="362138"/>
+            <a:chOff x="330228" y="2700697"/>
+            <a:chExt cx="3286971" cy="362138"/>
+          </a:xfrm>
+        </p:grpSpPr>
+        <p:cxnSp>
+          <p:nvCxnSpPr>
+            <p:cNvPr id="64" name="连接符: 肘形 63">
+              <a:extLst>
+                <a:ext uri="{FF2B5EF4-FFF2-40B4-BE49-F238E27FC236}">
+                  <a16:creationId xmlns:a16="http://schemas.microsoft.com/office/drawing/2014/main" id="{E2071CB3-755F-8A55-7F98-2888A2246627}"/>
+                </a:ext>
+              </a:extLst>
+            </p:cNvPr>
+            <p:cNvCxnSpPr>
+              <a:cxnSpLocks/>
+            </p:cNvCxnSpPr>
+            <p:nvPr/>
+          </p:nvCxnSpPr>
+          <p:spPr>
+            <a:xfrm flipV="1">
+              <a:off x="474996" y="2700697"/>
+              <a:ext cx="3142203" cy="172713"/>
+            </a:xfrm>
+            <a:prstGeom prst="bentConnector3">
+              <a:avLst>
+                <a:gd name="adj1" fmla="val 691"/>
+              </a:avLst>
+            </a:prstGeom>
+            <a:ln w="19050">
+              <a:solidFill>
+                <a:schemeClr val="tx1"/>
+              </a:solidFill>
+              <a:headEnd type="oval" w="med" len="med"/>
+              <a:tailEnd type="oval" w="med" len="med"/>
+            </a:ln>
+          </p:spPr>
+          <p:style>
+            <a:lnRef idx="1">
+              <a:schemeClr val="accent1"/>
+            </a:lnRef>
+            <a:fillRef idx="0">
+              <a:schemeClr val="accent1"/>
+            </a:fillRef>
+            <a:effectRef idx="0">
+              <a:schemeClr val="accent1"/>
+            </a:effectRef>
+            <a:fontRef idx="minor">
+              <a:schemeClr val="tx1"/>
+            </a:fontRef>
+          </p:style>
+        </p:cxnSp>
+        <p:sp>
+          <p:nvSpPr>
+            <p:cNvPr id="63" name="椭圆 62">
+              <a:extLst>
+                <a:ext uri="{FF2B5EF4-FFF2-40B4-BE49-F238E27FC236}">
+                  <a16:creationId xmlns:a16="http://schemas.microsoft.com/office/drawing/2014/main" id="{01F13163-B433-7FAF-0DE9-F3B9257831B9}"/>
+                </a:ext>
+              </a:extLst>
+            </p:cNvPr>
+            <p:cNvSpPr/>
+            <p:nvPr/>
+          </p:nvSpPr>
+          <p:spPr>
+            <a:xfrm>
+              <a:off x="330228" y="2806577"/>
+              <a:ext cx="288032" cy="256258"/>
+            </a:xfrm>
+            <a:prstGeom prst="ellipse">
+              <a:avLst/>
+            </a:prstGeom>
+          </p:spPr>
+          <p:style>
+            <a:lnRef idx="2">
+              <a:schemeClr val="accent2">
+                <a:shade val="15000"/>
+              </a:schemeClr>
+            </a:lnRef>
+            <a:fillRef idx="1">
+              <a:schemeClr val="accent2"/>
+            </a:fillRef>
+            <a:effectRef idx="0">
+              <a:schemeClr val="accent2"/>
+            </a:effectRef>
+            <a:fontRef idx="minor">
+              <a:schemeClr val="lt1"/>
+            </a:fontRef>
+          </p:style>
+          <p:txBody>
+            <a:bodyPr rtlCol="0" anchor="ctr"/>
+            <a:lstStyle/>
+            <a:p>
+              <a:pPr algn="ctr"/>
+              <a:r>
+                <a:rPr lang="en-US" altLang="zh-CN" dirty="0"/>
+                <a:t>1</a:t>
+              </a:r>
+              <a:endParaRPr lang="zh-CN" altLang="en-US" dirty="0"/>
+            </a:p>
+          </p:txBody>
+        </p:sp>
+      </p:grpSp>
+      <p:grpSp>
+        <p:nvGrpSpPr>
+          <p:cNvPr id="112" name="组合 111">
+            <a:extLst>
+              <a:ext uri="{FF2B5EF4-FFF2-40B4-BE49-F238E27FC236}">
+                <a16:creationId xmlns:a16="http://schemas.microsoft.com/office/drawing/2014/main" id="{7E02E07C-ADAE-E8BA-53D9-A2EFE7041A12}"/>
+              </a:ext>
+            </a:extLst>
+          </p:cNvPr>
+          <p:cNvGrpSpPr/>
+          <p:nvPr/>
+        </p:nvGrpSpPr>
+        <p:grpSpPr>
+          <a:xfrm>
+            <a:off x="1010537" y="4060904"/>
+            <a:ext cx="3411687" cy="355559"/>
+            <a:chOff x="642635" y="3928334"/>
+            <a:chExt cx="3411687" cy="355559"/>
+          </a:xfrm>
+        </p:grpSpPr>
+        <p:cxnSp>
+          <p:nvCxnSpPr>
+            <p:cNvPr id="67" name="连接符: 肘形 66">
+              <a:extLst>
+                <a:ext uri="{FF2B5EF4-FFF2-40B4-BE49-F238E27FC236}">
+                  <a16:creationId xmlns:a16="http://schemas.microsoft.com/office/drawing/2014/main" id="{B90826C1-011F-242E-B89F-E055E8E42CED}"/>
+                </a:ext>
+              </a:extLst>
+            </p:cNvPr>
+            <p:cNvCxnSpPr>
+              <a:cxnSpLocks/>
+            </p:cNvCxnSpPr>
+            <p:nvPr/>
+          </p:nvCxnSpPr>
+          <p:spPr>
+            <a:xfrm flipV="1">
+              <a:off x="796180" y="3928334"/>
+              <a:ext cx="3258142" cy="186804"/>
+            </a:xfrm>
+            <a:prstGeom prst="bentConnector3">
+              <a:avLst>
+                <a:gd name="adj1" fmla="val 107"/>
+              </a:avLst>
+            </a:prstGeom>
+            <a:ln w="19050">
+              <a:solidFill>
+                <a:schemeClr val="tx1"/>
+              </a:solidFill>
+              <a:headEnd type="oval" w="med" len="med"/>
+              <a:tailEnd type="oval" w="med" len="med"/>
+            </a:ln>
+          </p:spPr>
+          <p:style>
+            <a:lnRef idx="1">
+              <a:schemeClr val="accent1"/>
+            </a:lnRef>
+            <a:fillRef idx="0">
+              <a:schemeClr val="accent1"/>
+            </a:fillRef>
+            <a:effectRef idx="0">
+              <a:schemeClr val="accent1"/>
+            </a:effectRef>
+            <a:fontRef idx="minor">
+              <a:schemeClr val="tx1"/>
+            </a:fontRef>
+          </p:style>
+        </p:cxnSp>
+        <p:sp>
+          <p:nvSpPr>
+            <p:cNvPr id="70" name="椭圆 69">
+              <a:extLst>
+                <a:ext uri="{FF2B5EF4-FFF2-40B4-BE49-F238E27FC236}">
+                  <a16:creationId xmlns:a16="http://schemas.microsoft.com/office/drawing/2014/main" id="{6135E194-1A86-0AB3-A771-9B016F2772C3}"/>
+                </a:ext>
+              </a:extLst>
+            </p:cNvPr>
+            <p:cNvSpPr/>
+            <p:nvPr/>
+          </p:nvSpPr>
+          <p:spPr>
+            <a:xfrm>
+              <a:off x="642635" y="4027635"/>
+              <a:ext cx="288032" cy="256258"/>
+            </a:xfrm>
+            <a:prstGeom prst="ellipse">
+              <a:avLst/>
+            </a:prstGeom>
+          </p:spPr>
+          <p:style>
+            <a:lnRef idx="2">
+              <a:schemeClr val="accent2">
+                <a:shade val="15000"/>
+              </a:schemeClr>
+            </a:lnRef>
+            <a:fillRef idx="1">
+              <a:schemeClr val="accent2"/>
+            </a:fillRef>
+            <a:effectRef idx="0">
+              <a:schemeClr val="accent2"/>
+            </a:effectRef>
+            <a:fontRef idx="minor">
+              <a:schemeClr val="lt1"/>
+            </a:fontRef>
+          </p:style>
+          <p:txBody>
+            <a:bodyPr rtlCol="0" anchor="ctr"/>
+            <a:lstStyle/>
+            <a:p>
+              <a:pPr algn="ctr"/>
+              <a:r>
+                <a:rPr lang="en-US" altLang="zh-CN" dirty="0"/>
+                <a:t>2</a:t>
+              </a:r>
+              <a:endParaRPr lang="zh-CN" altLang="en-US" dirty="0"/>
+            </a:p>
+          </p:txBody>
+        </p:sp>
+      </p:grpSp>
+      <p:grpSp>
+        <p:nvGrpSpPr>
+          <p:cNvPr id="120" name="组合 119">
+            <a:extLst>
+              <a:ext uri="{FF2B5EF4-FFF2-40B4-BE49-F238E27FC236}">
+                <a16:creationId xmlns:a16="http://schemas.microsoft.com/office/drawing/2014/main" id="{B0FACB0A-A7E1-31AD-9A9A-EE5A1938CE80}"/>
+              </a:ext>
+            </a:extLst>
+          </p:cNvPr>
+          <p:cNvGrpSpPr/>
+          <p:nvPr/>
+        </p:nvGrpSpPr>
+        <p:grpSpPr>
+          <a:xfrm>
+            <a:off x="242474" y="5730935"/>
+            <a:ext cx="3408820" cy="321147"/>
+            <a:chOff x="360363" y="5932831"/>
+            <a:chExt cx="3408820" cy="321147"/>
+          </a:xfrm>
+        </p:grpSpPr>
+        <p:cxnSp>
+          <p:nvCxnSpPr>
+            <p:cNvPr id="115" name="连接符: 肘形 114">
+              <a:extLst>
+                <a:ext uri="{FF2B5EF4-FFF2-40B4-BE49-F238E27FC236}">
+                  <a16:creationId xmlns:a16="http://schemas.microsoft.com/office/drawing/2014/main" id="{6AB80BAF-2E8E-F118-DFEE-096DC883FCA5}"/>
+                </a:ext>
+              </a:extLst>
+            </p:cNvPr>
+            <p:cNvCxnSpPr>
+              <a:cxnSpLocks/>
+            </p:cNvCxnSpPr>
+            <p:nvPr/>
+          </p:nvCxnSpPr>
+          <p:spPr>
+            <a:xfrm rot="10800000" flipV="1">
+              <a:off x="482696" y="5932831"/>
+              <a:ext cx="3286487" cy="173693"/>
+            </a:xfrm>
+            <a:prstGeom prst="bentConnector3">
+              <a:avLst>
+                <a:gd name="adj1" fmla="val 99849"/>
+              </a:avLst>
+            </a:prstGeom>
+            <a:ln w="28575">
+              <a:solidFill>
+                <a:schemeClr val="tx1"/>
+              </a:solidFill>
+              <a:headEnd type="oval" w="med" len="med"/>
+              <a:tailEnd type="oval" w="med" len="med"/>
+            </a:ln>
+          </p:spPr>
+          <p:style>
+            <a:lnRef idx="1">
+              <a:schemeClr val="accent1"/>
+            </a:lnRef>
+            <a:fillRef idx="0">
+              <a:schemeClr val="accent1"/>
+            </a:fillRef>
+            <a:effectRef idx="0">
+              <a:schemeClr val="accent1"/>
+            </a:effectRef>
+            <a:fontRef idx="minor">
+              <a:schemeClr val="tx1"/>
+            </a:fontRef>
+          </p:style>
+        </p:cxnSp>
+        <p:sp>
+          <p:nvSpPr>
+            <p:cNvPr id="71" name="椭圆 70">
+              <a:extLst>
+                <a:ext uri="{FF2B5EF4-FFF2-40B4-BE49-F238E27FC236}">
+                  <a16:creationId xmlns:a16="http://schemas.microsoft.com/office/drawing/2014/main" id="{30809BDD-39A1-99C0-50A9-419132813BE1}"/>
+                </a:ext>
+              </a:extLst>
+            </p:cNvPr>
+            <p:cNvSpPr/>
+            <p:nvPr/>
+          </p:nvSpPr>
+          <p:spPr>
+            <a:xfrm>
+              <a:off x="360363" y="5997720"/>
+              <a:ext cx="288032" cy="256258"/>
+            </a:xfrm>
+            <a:prstGeom prst="ellipse">
+              <a:avLst/>
+            </a:prstGeom>
+          </p:spPr>
+          <p:style>
+            <a:lnRef idx="2">
+              <a:schemeClr val="accent2">
+                <a:shade val="15000"/>
+              </a:schemeClr>
+            </a:lnRef>
+            <a:fillRef idx="1">
+              <a:schemeClr val="accent2"/>
+            </a:fillRef>
+            <a:effectRef idx="0">
+              <a:schemeClr val="accent2"/>
+            </a:effectRef>
+            <a:fontRef idx="minor">
+              <a:schemeClr val="lt1"/>
+            </a:fontRef>
+          </p:style>
+          <p:txBody>
+            <a:bodyPr rtlCol="0" anchor="ctr"/>
+            <a:lstStyle/>
+            <a:p>
+              <a:pPr algn="ctr"/>
+              <a:r>
+                <a:rPr lang="en-US" altLang="zh-CN" dirty="0"/>
+                <a:t>3</a:t>
+              </a:r>
+              <a:endParaRPr lang="zh-CN" altLang="en-US" dirty="0"/>
+            </a:p>
+          </p:txBody>
+        </p:sp>
+      </p:grpSp>
+      <p:grpSp>
+        <p:nvGrpSpPr>
+          <p:cNvPr id="110" name="组合 109">
+            <a:extLst>
+              <a:ext uri="{FF2B5EF4-FFF2-40B4-BE49-F238E27FC236}">
+                <a16:creationId xmlns:a16="http://schemas.microsoft.com/office/drawing/2014/main" id="{45BD224C-5D89-3331-4DF4-18737706937E}"/>
+              </a:ext>
+            </a:extLst>
+          </p:cNvPr>
+          <p:cNvGrpSpPr/>
+          <p:nvPr/>
+        </p:nvGrpSpPr>
+        <p:grpSpPr>
+          <a:xfrm>
+            <a:off x="6333739" y="2230515"/>
+            <a:ext cx="3038580" cy="360573"/>
+            <a:chOff x="6178196" y="2409964"/>
+            <a:chExt cx="3038580" cy="360573"/>
+          </a:xfrm>
+        </p:grpSpPr>
+        <p:cxnSp>
+          <p:nvCxnSpPr>
+            <p:cNvPr id="72" name="连接符: 肘形 71">
+              <a:extLst>
+                <a:ext uri="{FF2B5EF4-FFF2-40B4-BE49-F238E27FC236}">
+                  <a16:creationId xmlns:a16="http://schemas.microsoft.com/office/drawing/2014/main" id="{697D611B-82BA-3518-F12C-6008181A3706}"/>
+                </a:ext>
+              </a:extLst>
+            </p:cNvPr>
+            <p:cNvCxnSpPr>
+              <a:cxnSpLocks/>
+            </p:cNvCxnSpPr>
+            <p:nvPr/>
+          </p:nvCxnSpPr>
+          <p:spPr>
+            <a:xfrm>
+              <a:off x="6178196" y="2409964"/>
+              <a:ext cx="2894564" cy="217745"/>
+            </a:xfrm>
+            <a:prstGeom prst="bentConnector3">
+              <a:avLst>
+                <a:gd name="adj1" fmla="val 100018"/>
+              </a:avLst>
+            </a:prstGeom>
+            <a:ln w="19050">
+              <a:solidFill>
+                <a:schemeClr val="tx1"/>
+              </a:solidFill>
+              <a:headEnd type="oval" w="med" len="med"/>
+              <a:tailEnd type="oval" w="med" len="med"/>
+            </a:ln>
+          </p:spPr>
+          <p:style>
+            <a:lnRef idx="1">
+              <a:schemeClr val="accent1"/>
+            </a:lnRef>
+            <a:fillRef idx="0">
+              <a:schemeClr val="accent1"/>
+            </a:fillRef>
+            <a:effectRef idx="0">
+              <a:schemeClr val="accent1"/>
+            </a:effectRef>
+            <a:fontRef idx="minor">
+              <a:schemeClr val="tx1"/>
+            </a:fontRef>
+          </p:style>
+        </p:cxnSp>
+        <p:sp>
+          <p:nvSpPr>
+            <p:cNvPr id="86" name="椭圆 85">
+              <a:extLst>
+                <a:ext uri="{FF2B5EF4-FFF2-40B4-BE49-F238E27FC236}">
+                  <a16:creationId xmlns:a16="http://schemas.microsoft.com/office/drawing/2014/main" id="{DF2B49D7-29A5-1642-3F11-CCA9C26E22F0}"/>
+                </a:ext>
+              </a:extLst>
+            </p:cNvPr>
+            <p:cNvSpPr/>
+            <p:nvPr/>
+          </p:nvSpPr>
+          <p:spPr>
+            <a:xfrm>
+              <a:off x="8928744" y="2514279"/>
+              <a:ext cx="288032" cy="256258"/>
+            </a:xfrm>
+            <a:prstGeom prst="ellipse">
+              <a:avLst/>
+            </a:prstGeom>
+          </p:spPr>
+          <p:style>
+            <a:lnRef idx="2">
+              <a:schemeClr val="accent2">
+                <a:shade val="15000"/>
+              </a:schemeClr>
+            </a:lnRef>
+            <a:fillRef idx="1">
+              <a:schemeClr val="accent2"/>
+            </a:fillRef>
+            <a:effectRef idx="0">
+              <a:schemeClr val="accent2"/>
+            </a:effectRef>
+            <a:fontRef idx="minor">
+              <a:schemeClr val="lt1"/>
+            </a:fontRef>
+          </p:style>
+          <p:txBody>
+            <a:bodyPr rtlCol="0" anchor="ctr"/>
+            <a:lstStyle/>
+            <a:p>
+              <a:pPr algn="ctr"/>
+              <a:r>
+                <a:rPr lang="en-US" altLang="zh-CN" dirty="0"/>
+                <a:t>4</a:t>
+              </a:r>
+              <a:endParaRPr lang="zh-CN" altLang="en-US" dirty="0"/>
+            </a:p>
+          </p:txBody>
+        </p:sp>
+      </p:grpSp>
+      <p:grpSp>
+        <p:nvGrpSpPr>
+          <p:cNvPr id="121" name="组合 120">
+            <a:extLst>
+              <a:ext uri="{FF2B5EF4-FFF2-40B4-BE49-F238E27FC236}">
+                <a16:creationId xmlns:a16="http://schemas.microsoft.com/office/drawing/2014/main" id="{B8797F42-FBDB-E74C-AB2D-9A212E2C069F}"/>
+              </a:ext>
+            </a:extLst>
+          </p:cNvPr>
+          <p:cNvGrpSpPr/>
+          <p:nvPr/>
+        </p:nvGrpSpPr>
+        <p:grpSpPr>
+          <a:xfrm>
+            <a:off x="5480364" y="4470309"/>
+            <a:ext cx="4541600" cy="363271"/>
+            <a:chOff x="5368236" y="4353856"/>
+            <a:chExt cx="4541600" cy="363271"/>
+          </a:xfrm>
+        </p:grpSpPr>
+        <p:cxnSp>
+          <p:nvCxnSpPr>
+            <p:cNvPr id="76" name="连接符: 肘形 75">
+              <a:extLst>
+                <a:ext uri="{FF2B5EF4-FFF2-40B4-BE49-F238E27FC236}">
+                  <a16:creationId xmlns:a16="http://schemas.microsoft.com/office/drawing/2014/main" id="{FE05CE62-C29E-1493-2F2D-0EE403E833D1}"/>
+                </a:ext>
+              </a:extLst>
+            </p:cNvPr>
+            <p:cNvCxnSpPr>
+              <a:cxnSpLocks/>
+            </p:cNvCxnSpPr>
+            <p:nvPr/>
+          </p:nvCxnSpPr>
+          <p:spPr>
+            <a:xfrm>
+              <a:off x="5368236" y="4353856"/>
+              <a:ext cx="4383626" cy="147458"/>
+            </a:xfrm>
+            <a:prstGeom prst="bentConnector3">
+              <a:avLst>
+                <a:gd name="adj1" fmla="val 99831"/>
+              </a:avLst>
+            </a:prstGeom>
+            <a:ln w="19050">
+              <a:solidFill>
+                <a:schemeClr val="tx1"/>
+              </a:solidFill>
+              <a:headEnd type="oval" w="med" len="med"/>
+              <a:tailEnd type="oval" w="med" len="med"/>
+            </a:ln>
+          </p:spPr>
+          <p:style>
+            <a:lnRef idx="1">
+              <a:schemeClr val="accent1"/>
+            </a:lnRef>
+            <a:fillRef idx="0">
+              <a:schemeClr val="accent1"/>
+            </a:fillRef>
+            <a:effectRef idx="0">
+              <a:schemeClr val="accent1"/>
+            </a:effectRef>
+            <a:fontRef idx="minor">
+              <a:schemeClr val="tx1"/>
+            </a:fontRef>
+          </p:style>
+        </p:cxnSp>
+        <p:sp>
+          <p:nvSpPr>
+            <p:cNvPr id="87" name="椭圆 86">
+              <a:extLst>
+                <a:ext uri="{FF2B5EF4-FFF2-40B4-BE49-F238E27FC236}">
+                  <a16:creationId xmlns:a16="http://schemas.microsoft.com/office/drawing/2014/main" id="{AADE1875-9482-441C-AD30-AC813E5D8CB8}"/>
+                </a:ext>
+              </a:extLst>
+            </p:cNvPr>
+            <p:cNvSpPr/>
+            <p:nvPr/>
+          </p:nvSpPr>
+          <p:spPr>
+            <a:xfrm>
+              <a:off x="9621804" y="4460869"/>
+              <a:ext cx="288032" cy="256258"/>
+            </a:xfrm>
+            <a:prstGeom prst="ellipse">
+              <a:avLst/>
+            </a:prstGeom>
+          </p:spPr>
+          <p:style>
+            <a:lnRef idx="2">
+              <a:schemeClr val="accent2">
+                <a:shade val="15000"/>
+              </a:schemeClr>
+            </a:lnRef>
+            <a:fillRef idx="1">
+              <a:schemeClr val="accent2"/>
+            </a:fillRef>
+            <a:effectRef idx="0">
+              <a:schemeClr val="accent2"/>
+            </a:effectRef>
+            <a:fontRef idx="minor">
+              <a:schemeClr val="lt1"/>
+            </a:fontRef>
+          </p:style>
+          <p:txBody>
+            <a:bodyPr rtlCol="0" anchor="ctr"/>
+            <a:lstStyle/>
+            <a:p>
+              <a:pPr algn="ctr"/>
+              <a:r>
+                <a:rPr lang="en-US" altLang="zh-CN" dirty="0"/>
+                <a:t>5</a:t>
+              </a:r>
+              <a:endParaRPr lang="zh-CN" altLang="en-US" dirty="0"/>
+            </a:p>
+          </p:txBody>
+        </p:sp>
+      </p:grpSp>
+      <p:grpSp>
+        <p:nvGrpSpPr>
+          <p:cNvPr id="109" name="组合 108">
+            <a:extLst>
+              <a:ext uri="{FF2B5EF4-FFF2-40B4-BE49-F238E27FC236}">
+                <a16:creationId xmlns:a16="http://schemas.microsoft.com/office/drawing/2014/main" id="{1F3FD642-23D6-5529-C2BE-412A46F648D5}"/>
+              </a:ext>
+            </a:extLst>
+          </p:cNvPr>
+          <p:cNvGrpSpPr/>
+          <p:nvPr/>
+        </p:nvGrpSpPr>
+        <p:grpSpPr>
+          <a:xfrm>
+            <a:off x="6479775" y="5964398"/>
+            <a:ext cx="3393119" cy="343942"/>
+            <a:chOff x="5819604" y="5306812"/>
+            <a:chExt cx="3393119" cy="343942"/>
+          </a:xfrm>
+        </p:grpSpPr>
+        <p:cxnSp>
+          <p:nvCxnSpPr>
+            <p:cNvPr id="80" name="连接符: 肘形 79">
+              <a:extLst>
+                <a:ext uri="{FF2B5EF4-FFF2-40B4-BE49-F238E27FC236}">
+                  <a16:creationId xmlns:a16="http://schemas.microsoft.com/office/drawing/2014/main" id="{D7505002-9033-0AD3-75DD-0C707EC9A494}"/>
+                </a:ext>
+              </a:extLst>
+            </p:cNvPr>
+            <p:cNvCxnSpPr>
+              <a:cxnSpLocks/>
+            </p:cNvCxnSpPr>
+            <p:nvPr/>
+          </p:nvCxnSpPr>
+          <p:spPr>
+            <a:xfrm>
+              <a:off x="5819604" y="5306812"/>
+              <a:ext cx="3253156" cy="215813"/>
+            </a:xfrm>
+            <a:prstGeom prst="bentConnector3">
+              <a:avLst>
+                <a:gd name="adj1" fmla="val 99970"/>
+              </a:avLst>
+            </a:prstGeom>
+            <a:ln w="19050">
+              <a:solidFill>
+                <a:schemeClr val="tx1"/>
+              </a:solidFill>
+              <a:headEnd type="oval" w="med" len="med"/>
+              <a:tailEnd type="oval" w="med" len="med"/>
+            </a:ln>
+          </p:spPr>
+          <p:style>
+            <a:lnRef idx="1">
+              <a:schemeClr val="accent1"/>
+            </a:lnRef>
+            <a:fillRef idx="0">
+              <a:schemeClr val="accent1"/>
+            </a:fillRef>
+            <a:effectRef idx="0">
+              <a:schemeClr val="accent1"/>
+            </a:effectRef>
+            <a:fontRef idx="minor">
+              <a:schemeClr val="tx1"/>
+            </a:fontRef>
+          </p:style>
+        </p:cxnSp>
+        <p:sp>
+          <p:nvSpPr>
+            <p:cNvPr id="88" name="椭圆 87">
+              <a:extLst>
+                <a:ext uri="{FF2B5EF4-FFF2-40B4-BE49-F238E27FC236}">
+                  <a16:creationId xmlns:a16="http://schemas.microsoft.com/office/drawing/2014/main" id="{392B2DD0-173E-C304-E4B8-094B742AA4D4}"/>
+                </a:ext>
+              </a:extLst>
+            </p:cNvPr>
+            <p:cNvSpPr/>
+            <p:nvPr/>
+          </p:nvSpPr>
+          <p:spPr>
+            <a:xfrm>
+              <a:off x="8924691" y="5394496"/>
+              <a:ext cx="288032" cy="256258"/>
+            </a:xfrm>
+            <a:prstGeom prst="ellipse">
+              <a:avLst/>
+            </a:prstGeom>
+          </p:spPr>
+          <p:style>
+            <a:lnRef idx="2">
+              <a:schemeClr val="accent2">
+                <a:shade val="15000"/>
+              </a:schemeClr>
+            </a:lnRef>
+            <a:fillRef idx="1">
+              <a:schemeClr val="accent2"/>
+            </a:fillRef>
+            <a:effectRef idx="0">
+              <a:schemeClr val="accent2"/>
+            </a:effectRef>
+            <a:fontRef idx="minor">
+              <a:schemeClr val="lt1"/>
+            </a:fontRef>
+          </p:style>
+          <p:txBody>
+            <a:bodyPr rtlCol="0" anchor="ctr"/>
+            <a:lstStyle/>
+            <a:p>
+              <a:pPr algn="ctr"/>
+              <a:r>
+                <a:rPr lang="en-US" altLang="zh-CN" dirty="0"/>
+                <a:t>6</a:t>
+              </a:r>
+              <a:endParaRPr lang="zh-CN" altLang="en-US" dirty="0"/>
+            </a:p>
+          </p:txBody>
+        </p:sp>
+      </p:grpSp>
+      <p:sp>
+        <p:nvSpPr>
+          <p:cNvPr id="89" name="文本框 88">
+            <a:extLst>
+              <a:ext uri="{FF2B5EF4-FFF2-40B4-BE49-F238E27FC236}">
+                <a16:creationId xmlns:a16="http://schemas.microsoft.com/office/drawing/2014/main" id="{ED3BB63B-E5A8-E3EF-B336-F72FB7FB6D61}"/>
               </a:ext>
             </a:extLst>
           </p:cNvPr>
@@ -3387,8 +5004,8 @@
         </p:nvSpPr>
         <p:spPr>
           <a:xfrm>
-            <a:off x="382680" y="1838111"/>
-            <a:ext cx="8644289" cy="523220"/>
+            <a:off x="453152" y="2800739"/>
+            <a:ext cx="3082895" cy="369332"/>
           </a:xfrm>
           <a:prstGeom prst="rect">
             <a:avLst/>
@@ -3402,27 +5019,23 @@
           <a:lstStyle/>
           <a:p>
             <a:r>
-              <a:rPr lang="en-US" altLang="zh-CN" sz="2800" dirty="0"/>
-              <a:t>Why Use </a:t>
-            </a:r>
-            <a:r>
-              <a:rPr lang="en-US" altLang="zh-CN" sz="2800" b="1" dirty="0" err="1"/>
-              <a:t>scipy.optimize.minimize</a:t>
-            </a:r>
-            <a:r>
-              <a:rPr lang="en-US" altLang="zh-CN" sz="2800" dirty="0"/>
-              <a:t> for Optimization?</a:t>
-            </a:r>
-            <a:endParaRPr lang="zh-CN" altLang="en-US" sz="2800" dirty="0"/>
+              <a:rPr lang="en-US" altLang="zh-CN" sz="1800" b="1" dirty="0"/>
+              <a:t>Predict Charging Demand</a:t>
+            </a:r>
+            <a:r>
+              <a:rPr lang="en-US" altLang="zh-CN" dirty="0"/>
+              <a:t> </a:t>
+            </a:r>
+            <a:endParaRPr lang="zh-CN" altLang="en-US" dirty="0"/>
           </a:p>
         </p:txBody>
       </p:sp>
       <p:sp>
         <p:nvSpPr>
-          <p:cNvPr id="4" name="文本框 3">
+          <p:cNvPr id="90" name="文本框 89">
             <a:extLst>
               <a:ext uri="{FF2B5EF4-FFF2-40B4-BE49-F238E27FC236}">
-                <a16:creationId xmlns:a16="http://schemas.microsoft.com/office/drawing/2014/main" id="{5B3341EF-8939-2C77-82E8-89C469A32663}"/>
+                <a16:creationId xmlns:a16="http://schemas.microsoft.com/office/drawing/2014/main" id="{4C9DA9D0-BF2B-E08B-53FD-CCE1734C7F9B}"/>
               </a:ext>
             </a:extLst>
           </p:cNvPr>
@@ -3431,8 +5044,8 @@
         </p:nvSpPr>
         <p:spPr>
           <a:xfrm>
-            <a:off x="625106" y="3825219"/>
-            <a:ext cx="8159436" cy="2369880"/>
+            <a:off x="1298569" y="4103817"/>
+            <a:ext cx="2941831" cy="369332"/>
           </a:xfrm>
           <a:prstGeom prst="rect">
             <a:avLst/>
@@ -3440,106 +5053,169 @@
           <a:noFill/>
         </p:spPr>
         <p:txBody>
-          <a:bodyPr wrap="square" rtlCol="0">
+          <a:bodyPr wrap="none" rtlCol="0">
             <a:spAutoFit/>
           </a:bodyPr>
           <a:lstStyle/>
           <a:p>
             <a:r>
-              <a:rPr lang="en-US" altLang="zh-CN" sz="2800" b="1" dirty="0"/>
-              <a:t>Advantages:</a:t>
-            </a:r>
-          </a:p>
-          <a:p>
-            <a:pPr marL="342900" indent="-342900">
-              <a:buFont typeface="Arial" panose="020B0604020202020204" pitchFamily="34" charset="0"/>
-              <a:buChar char="•"/>
-            </a:pPr>
-            <a:r>
-              <a:rPr lang="en-US" altLang="zh-CN" sz="2400" dirty="0"/>
-              <a:t>Simple algorithm, easy to deploy</a:t>
-            </a:r>
-          </a:p>
-          <a:p>
-            <a:pPr marL="342900" indent="-342900">
-              <a:buFont typeface="Arial" panose="020B0604020202020204" pitchFamily="34" charset="0"/>
-              <a:buChar char="•"/>
-            </a:pPr>
-            <a:r>
-              <a:rPr lang="en-US" altLang="zh-CN" sz="2400" dirty="0"/>
-              <a:t>High computational efficiency for small-scale problems</a:t>
-            </a:r>
-          </a:p>
-          <a:p>
-            <a:pPr marL="342900" indent="-342900">
-              <a:buFont typeface="Arial" panose="020B0604020202020204" pitchFamily="34" charset="0"/>
-              <a:buChar char="•"/>
-            </a:pPr>
-            <a:r>
-              <a:rPr lang="en-US" altLang="zh-CN" sz="2400" dirty="0"/>
-              <a:t>No need for large datasets or training</a:t>
-            </a:r>
-          </a:p>
-          <a:p>
-            <a:pPr marL="342900" indent="-342900">
-              <a:buFont typeface="Arial" panose="020B0604020202020204" pitchFamily="34" charset="0"/>
-              <a:buChar char="•"/>
-            </a:pPr>
-            <a:r>
-              <a:rPr lang="en-US" altLang="zh-CN" sz="2400" dirty="0"/>
-              <a:t>High interpretability, transparent optimization process</a:t>
-            </a:r>
-          </a:p>
-          <a:p>
-            <a:pPr marL="342900" indent="-342900">
-              <a:buFont typeface="Arial" panose="020B0604020202020204" pitchFamily="34" charset="0"/>
-              <a:buChar char="•"/>
-            </a:pPr>
-            <a:r>
-              <a:rPr lang="en-US" altLang="zh-CN" sz="2400" dirty="0"/>
-              <a:t>Suitable for short-term scheduling or online optimization</a:t>
-            </a:r>
-            <a:endParaRPr lang="zh-CN" altLang="en-US" sz="2400" dirty="0"/>
+              <a:rPr lang="en-US" altLang="zh-CN" sz="1800" b="1" dirty="0"/>
+              <a:t>Optimize Charging Costs</a:t>
+            </a:r>
+            <a:endParaRPr lang="zh-CN" altLang="en-US" dirty="0"/>
           </a:p>
         </p:txBody>
       </p:sp>
-      <p:pic>
-        <p:nvPicPr>
-          <p:cNvPr id="8" name="图片 7">
+      <p:sp>
+        <p:nvSpPr>
+          <p:cNvPr id="91" name="文本框 90">
             <a:extLst>
               <a:ext uri="{FF2B5EF4-FFF2-40B4-BE49-F238E27FC236}">
-                <a16:creationId xmlns:a16="http://schemas.microsoft.com/office/drawing/2014/main" id="{E2716801-7721-8BDE-B00E-19515BFAD769}"/>
+                <a16:creationId xmlns:a16="http://schemas.microsoft.com/office/drawing/2014/main" id="{3FECDD2F-1E97-E731-80C6-6C96B99253DA}"/>
               </a:ext>
             </a:extLst>
           </p:cNvPr>
-          <p:cNvPicPr>
-            <a:picLocks noChangeAspect="1"/>
-          </p:cNvPicPr>
+          <p:cNvSpPr txBox="1"/>
           <p:nvPr/>
-        </p:nvPicPr>
-        <p:blipFill>
-          <a:blip r:embed="rId3">
-            <a:extLst>
-              <a:ext uri="{28A0092B-C50C-407E-A947-70E740481C1C}">
-                <a14:useLocalDpi xmlns:a14="http://schemas.microsoft.com/office/drawing/2010/main" val="0"/>
-              </a:ext>
-            </a:extLst>
-          </a:blip>
-          <a:stretch>
-            <a:fillRect/>
-          </a:stretch>
-        </p:blipFill>
+        </p:nvSpPr>
         <p:spPr>
           <a:xfrm>
-            <a:off x="382680" y="2647489"/>
-            <a:ext cx="8804802" cy="824619"/>
+            <a:off x="530506" y="5739287"/>
+            <a:ext cx="3070071" cy="369332"/>
           </a:xfrm>
           <a:prstGeom prst="rect">
             <a:avLst/>
           </a:prstGeom>
+          <a:noFill/>
         </p:spPr>
-      </p:pic>
+        <p:txBody>
+          <a:bodyPr wrap="none" rtlCol="0">
+            <a:spAutoFit/>
+          </a:bodyPr>
+          <a:lstStyle/>
+          <a:p>
+            <a:r>
+              <a:rPr lang="en-US" altLang="zh-CN" sz="1800" b="1" dirty="0"/>
+              <a:t>Different charging options</a:t>
+            </a:r>
+            <a:endParaRPr lang="zh-CN" altLang="en-US" dirty="0"/>
+          </a:p>
+        </p:txBody>
+      </p:sp>
+      <p:sp>
+        <p:nvSpPr>
+          <p:cNvPr id="92" name="文本框 91">
+            <a:extLst>
+              <a:ext uri="{FF2B5EF4-FFF2-40B4-BE49-F238E27FC236}">
+                <a16:creationId xmlns:a16="http://schemas.microsoft.com/office/drawing/2014/main" id="{0BFF73FB-D83E-2CCC-098E-CC2FDF5A7415}"/>
+              </a:ext>
+            </a:extLst>
+          </p:cNvPr>
+          <p:cNvSpPr txBox="1"/>
+          <p:nvPr/>
+        </p:nvSpPr>
+        <p:spPr>
+          <a:xfrm>
+            <a:off x="6288602" y="2283117"/>
+            <a:ext cx="2826415" cy="369332"/>
+          </a:xfrm>
+          <a:prstGeom prst="rect">
+            <a:avLst/>
+          </a:prstGeom>
+          <a:noFill/>
+        </p:spPr>
+        <p:txBody>
+          <a:bodyPr wrap="none" rtlCol="0">
+            <a:spAutoFit/>
+          </a:bodyPr>
+          <a:lstStyle/>
+          <a:p>
+            <a:r>
+              <a:rPr lang="en-US" altLang="zh-CN" sz="1800" b="1" dirty="0"/>
+              <a:t>Extend Battery Lifespan</a:t>
+            </a:r>
+            <a:endParaRPr lang="zh-CN" altLang="en-US" dirty="0"/>
+          </a:p>
+        </p:txBody>
+      </p:sp>
+      <p:sp>
+        <p:nvSpPr>
+          <p:cNvPr id="93" name="文本框 92">
+            <a:extLst>
+              <a:ext uri="{FF2B5EF4-FFF2-40B4-BE49-F238E27FC236}">
+                <a16:creationId xmlns:a16="http://schemas.microsoft.com/office/drawing/2014/main" id="{A1496B08-B111-99E7-82D8-F8356A3BA54A}"/>
+              </a:ext>
+            </a:extLst>
+          </p:cNvPr>
+          <p:cNvSpPr txBox="1"/>
+          <p:nvPr/>
+        </p:nvSpPr>
+        <p:spPr>
+          <a:xfrm>
+            <a:off x="5668358" y="4489638"/>
+            <a:ext cx="4070345" cy="369332"/>
+          </a:xfrm>
+          <a:prstGeom prst="rect">
+            <a:avLst/>
+          </a:prstGeom>
+          <a:noFill/>
+        </p:spPr>
+        <p:txBody>
+          <a:bodyPr wrap="none" rtlCol="0">
+            <a:spAutoFit/>
+          </a:bodyPr>
+          <a:lstStyle/>
+          <a:p>
+            <a:r>
+              <a:rPr lang="en-US" altLang="zh-CN" sz="1800" b="1" dirty="0"/>
+              <a:t>Achieve Grid Load Balancing (V2G)</a:t>
+            </a:r>
+            <a:endParaRPr lang="zh-CN" altLang="en-US" dirty="0"/>
+          </a:p>
+        </p:txBody>
+      </p:sp>
+      <p:sp>
+        <p:nvSpPr>
+          <p:cNvPr id="94" name="文本框 93">
+            <a:extLst>
+              <a:ext uri="{FF2B5EF4-FFF2-40B4-BE49-F238E27FC236}">
+                <a16:creationId xmlns:a16="http://schemas.microsoft.com/office/drawing/2014/main" id="{D8F95BA5-98A1-E045-8B17-88D7302DB5DF}"/>
+              </a:ext>
+            </a:extLst>
+          </p:cNvPr>
+          <p:cNvSpPr txBox="1"/>
+          <p:nvPr/>
+        </p:nvSpPr>
+        <p:spPr>
+          <a:xfrm>
+            <a:off x="6568798" y="5949021"/>
+            <a:ext cx="2954655" cy="369332"/>
+          </a:xfrm>
+          <a:prstGeom prst="rect">
+            <a:avLst/>
+          </a:prstGeom>
+          <a:noFill/>
+        </p:spPr>
+        <p:txBody>
+          <a:bodyPr wrap="none" rtlCol="0">
+            <a:spAutoFit/>
+          </a:bodyPr>
+          <a:lstStyle/>
+          <a:p>
+            <a:r>
+              <a:rPr lang="en-US" altLang="zh-CN" sz="1800" b="1" dirty="0"/>
+              <a:t>Improve User Experience</a:t>
+            </a:r>
+            <a:endParaRPr lang="zh-CN" altLang="en-US" dirty="0"/>
+          </a:p>
+        </p:txBody>
+      </p:sp>
     </p:spTree>
+    <p:extLst>
+      <p:ext uri="{BB962C8B-B14F-4D97-AF65-F5344CB8AC3E}">
+        <p14:creationId xmlns:p14="http://schemas.microsoft.com/office/powerpoint/2010/main" val="2860503683"/>
+      </p:ext>
+    </p:extLst>
   </p:cSld>
   <p:clrMapOvr>
     <a:masterClrMapping/>
@@ -3552,13 +5228,7 @@
   <p:cSld>
     <p:spTree>
       <p:nvGrpSpPr>
-        <p:cNvPr id="1" name="">
-          <a:extLst>
-            <a:ext uri="{FF2B5EF4-FFF2-40B4-BE49-F238E27FC236}">
-              <a16:creationId xmlns:a16="http://schemas.microsoft.com/office/drawing/2014/main" id="{B125B773-C881-6A5E-F8B6-835459F23168}"/>
-            </a:ext>
-          </a:extLst>
-        </p:cNvPr>
+        <p:cNvPr id="1" name=""/>
         <p:cNvGrpSpPr/>
         <p:nvPr/>
       </p:nvGrpSpPr>
@@ -3572,13 +5242,7 @@
       </p:grpSpPr>
       <p:sp>
         <p:nvSpPr>
-          <p:cNvPr id="14" name="PlaceHolder 1">
-            <a:extLst>
-              <a:ext uri="{FF2B5EF4-FFF2-40B4-BE49-F238E27FC236}">
-                <a16:creationId xmlns:a16="http://schemas.microsoft.com/office/drawing/2014/main" id="{30E83DBE-D3B2-59EF-0922-A89513550457}"/>
-              </a:ext>
-            </a:extLst>
-          </p:cNvPr>
+          <p:cNvPr id="14" name="PlaceHolder 1"/>
           <p:cNvSpPr>
             <a:spLocks noGrp="1"/>
           </p:cNvSpPr>
@@ -3605,19 +5269,11 @@
           </a:bodyPr>
           <a:lstStyle/>
           <a:p>
-            <a:pPr indent="0">
-              <a:buNone/>
-            </a:pPr>
-            <a:r>
-              <a:rPr lang="en-US" sz="3600" b="1" u="none" strike="noStrike" dirty="0">
-                <a:solidFill>
-                  <a:srgbClr val="000000"/>
-                </a:solidFill>
-                <a:uFillTx/>
-                <a:latin typeface="Arial"/>
-              </a:rPr>
-              <a:t>Optimization considerations</a:t>
-            </a:r>
+            <a:r>
+              <a:rPr lang="en-US" altLang="zh-CN" sz="3600" b="1" dirty="0"/>
+              <a:t>Optimization method</a:t>
+            </a:r>
+            <a:endParaRPr lang="zh-CN" altLang="en-US" sz="3600" b="1" dirty="0"/>
           </a:p>
         </p:txBody>
       </p:sp>
@@ -3626,7 +5282,7 @@
           <p:cNvPr id="2" name="文本框 1">
             <a:extLst>
               <a:ext uri="{FF2B5EF4-FFF2-40B4-BE49-F238E27FC236}">
-                <a16:creationId xmlns:a16="http://schemas.microsoft.com/office/drawing/2014/main" id="{80FE491F-3CE7-74A2-49A0-5C83DB32CCCB}"/>
+                <a16:creationId xmlns:a16="http://schemas.microsoft.com/office/drawing/2014/main" id="{BC0D5269-FD72-0240-E47A-FEF0494AD112}"/>
               </a:ext>
             </a:extLst>
           </p:cNvPr>
@@ -3635,8 +5291,8 @@
         </p:nvSpPr>
         <p:spPr>
           <a:xfrm>
-            <a:off x="382680" y="1847589"/>
-            <a:ext cx="8774197" cy="5170646"/>
+            <a:off x="355215" y="1975406"/>
+            <a:ext cx="5617756" cy="369332"/>
           </a:xfrm>
           <a:prstGeom prst="rect">
             <a:avLst/>
@@ -3649,256 +5305,131 @@
           </a:bodyPr>
           <a:lstStyle/>
           <a:p>
-            <a:pPr marL="457200" indent="-457200">
-              <a:buAutoNum type="arabicPeriod"/>
-            </a:pPr>
-            <a:r>
-              <a:rPr lang="en-US" altLang="zh-CN" sz="2400" b="1" dirty="0"/>
-              <a:t>Predict Charging Demand &amp; Balance Grid Load</a:t>
-            </a:r>
-            <a:br>
-              <a:rPr lang="en-US" altLang="zh-CN" sz="2400" dirty="0"/>
-            </a:br>
-            <a:r>
-              <a:rPr lang="en-US" altLang="zh-CN" sz="2400" dirty="0"/>
-              <a:t>→ Consider with historical data, user patterns, weather, etc.</a:t>
-            </a:r>
-            <a:br>
-              <a:rPr lang="en-US" altLang="zh-CN" sz="2400" dirty="0"/>
-            </a:br>
-            <a:r>
-              <a:rPr lang="en-US" altLang="zh-CN" sz="2400" dirty="0"/>
-              <a:t>→ </a:t>
-            </a:r>
-            <a:r>
-              <a:rPr lang="en-US" altLang="zh-CN" sz="2400" dirty="0" err="1"/>
-              <a:t>gene_his_usage</a:t>
-            </a:r>
-            <a:r>
-              <a:rPr lang="en-US" altLang="zh-CN" sz="2400" dirty="0"/>
-              <a:t>() generates realistic usage history</a:t>
-            </a:r>
-          </a:p>
-          <a:p>
-            <a:pPr marL="457200" indent="-457200">
-              <a:buAutoNum type="arabicPeriod"/>
-            </a:pPr>
-            <a:endParaRPr lang="en-US" altLang="zh-CN" sz="2400" dirty="0"/>
-          </a:p>
-          <a:p>
-            <a:pPr marL="457200" indent="-457200">
-              <a:buFontTx/>
-              <a:buAutoNum type="arabicPeriod"/>
-            </a:pPr>
-            <a:r>
-              <a:rPr lang="en-US" altLang="zh-CN" sz="2400" b="1" dirty="0"/>
-              <a:t>Optimize Charging Costs Under Dynamic Pricing</a:t>
-            </a:r>
-            <a:br>
-              <a:rPr lang="en-US" altLang="zh-CN" sz="2400" dirty="0"/>
-            </a:br>
-            <a:r>
-              <a:rPr lang="en-US" altLang="zh-CN" sz="2400" dirty="0"/>
-              <a:t>→ Adjust charging strategy across time periods</a:t>
-            </a:r>
-            <a:br>
-              <a:rPr lang="en-US" altLang="zh-CN" sz="2400" dirty="0"/>
-            </a:br>
-            <a:r>
-              <a:rPr lang="en-US" altLang="zh-CN" sz="2400" dirty="0"/>
-              <a:t>→ </a:t>
-            </a:r>
-            <a:r>
-              <a:rPr lang="en-US" altLang="zh-CN" sz="2400" dirty="0" err="1"/>
-              <a:t>gene_eprices</a:t>
-            </a:r>
-            <a:r>
-              <a:rPr lang="en-US" altLang="zh-CN" sz="2400" dirty="0"/>
-              <a:t>() simulates day/night dynamic pricing</a:t>
-            </a:r>
-          </a:p>
-          <a:p>
-            <a:pPr marL="457200" indent="-457200">
-              <a:buFontTx/>
-              <a:buAutoNum type="arabicPeriod"/>
-            </a:pPr>
-            <a:endParaRPr lang="en-US" altLang="zh-CN" sz="2400" dirty="0"/>
-          </a:p>
-          <a:p>
-            <a:pPr marL="457200" indent="-457200">
-              <a:buFontTx/>
-              <a:buAutoNum type="arabicPeriod"/>
-            </a:pPr>
-            <a:r>
-              <a:rPr lang="en-US" altLang="zh-CN" sz="2400" b="1" dirty="0"/>
-              <a:t>Address Diverse User Preferences</a:t>
-            </a:r>
-            <a:br>
-              <a:rPr lang="en-US" altLang="zh-CN" sz="2400" dirty="0"/>
-            </a:br>
-            <a:r>
-              <a:rPr lang="en-US" altLang="zh-CN" sz="2400" dirty="0"/>
-              <a:t>→ </a:t>
-            </a:r>
-            <a:r>
-              <a:rPr lang="en-US" altLang="zh-CN" sz="2400" dirty="0" err="1"/>
-              <a:t>customData.mode</a:t>
-            </a:r>
-            <a:r>
-              <a:rPr lang="en-US" altLang="zh-CN" sz="2400" dirty="0"/>
-              <a:t> supports 3 strategies:</a:t>
-            </a:r>
-            <a:br>
-              <a:rPr lang="en-US" altLang="zh-CN" sz="2400" dirty="0"/>
-            </a:br>
-            <a:r>
-              <a:rPr lang="en-US" altLang="zh-CN" sz="2400" dirty="0"/>
-              <a:t>    • </a:t>
-            </a:r>
-            <a:r>
-              <a:rPr lang="en-US" altLang="zh-CN" sz="2400" b="1" dirty="0"/>
-              <a:t>Fast Charge</a:t>
-            </a:r>
-            <a:r>
-              <a:rPr lang="en-US" altLang="zh-CN" sz="2400" dirty="0"/>
-              <a:t> (urgent needs)</a:t>
-            </a:r>
-            <a:br>
-              <a:rPr lang="en-US" altLang="zh-CN" sz="2400" dirty="0"/>
-            </a:br>
-            <a:r>
-              <a:rPr lang="en-US" altLang="zh-CN" sz="2400" dirty="0"/>
-              <a:t>    • </a:t>
-            </a:r>
-            <a:r>
-              <a:rPr lang="en-US" altLang="zh-CN" sz="2400" b="1" dirty="0"/>
-              <a:t>Cost-Saving</a:t>
-            </a:r>
-            <a:r>
-              <a:rPr lang="en-US" altLang="zh-CN" sz="2400" dirty="0"/>
-              <a:t> (low-price periods)</a:t>
-            </a:r>
-            <a:br>
-              <a:rPr lang="en-US" altLang="zh-CN" sz="2400" dirty="0"/>
-            </a:br>
-            <a:r>
-              <a:rPr lang="en-US" altLang="zh-CN" sz="2400" dirty="0"/>
-              <a:t>    • </a:t>
-            </a:r>
-            <a:r>
-              <a:rPr lang="en-US" altLang="zh-CN" sz="2400" b="1" dirty="0"/>
-              <a:t>Balanced</a:t>
-            </a:r>
-            <a:r>
-              <a:rPr lang="en-US" altLang="zh-CN" sz="2400" dirty="0"/>
-              <a:t> (time, cost, load)</a:t>
-            </a:r>
-          </a:p>
-          <a:p>
+            <a:r>
+              <a:rPr lang="en-US" altLang="zh-CN" dirty="0"/>
+              <a:t>Why Use </a:t>
+            </a:r>
+            <a:r>
+              <a:rPr lang="en-US" altLang="zh-CN" b="1" dirty="0" err="1"/>
+              <a:t>scipy.optimize.minimize</a:t>
+            </a:r>
+            <a:r>
+              <a:rPr lang="en-US" altLang="zh-CN" dirty="0"/>
+              <a:t> for Optimization?</a:t>
+            </a:r>
             <a:endParaRPr lang="zh-CN" altLang="en-US" dirty="0"/>
           </a:p>
         </p:txBody>
       </p:sp>
-    </p:spTree>
-    <p:extLst>
-      <p:ext uri="{BB962C8B-B14F-4D97-AF65-F5344CB8AC3E}">
-        <p14:creationId xmlns:p14="http://schemas.microsoft.com/office/powerpoint/2010/main" val="2860503683"/>
-      </p:ext>
-    </p:extLst>
-  </p:cSld>
-  <p:clrMapOvr>
-    <a:masterClrMapping/>
-  </p:clrMapOvr>
-</p:sld>
-</file>
-
-<file path=ppt/slides/slide3.xml><?xml version="1.0" encoding="utf-8"?>
-<p:sld xmlns:a="http://schemas.openxmlformats.org/drawingml/2006/main" xmlns:r="http://schemas.openxmlformats.org/officeDocument/2006/relationships" xmlns:p="http://schemas.openxmlformats.org/presentationml/2006/main">
-  <p:cSld>
-    <p:spTree>
-      <p:nvGrpSpPr>
-        <p:cNvPr id="1" name="">
-          <a:extLst>
-            <a:ext uri="{FF2B5EF4-FFF2-40B4-BE49-F238E27FC236}">
-              <a16:creationId xmlns:a16="http://schemas.microsoft.com/office/drawing/2014/main" id="{E5C30419-67CA-18CC-A7B4-38811B7571F3}"/>
-            </a:ext>
-          </a:extLst>
-        </p:cNvPr>
-        <p:cNvGrpSpPr/>
-        <p:nvPr/>
-      </p:nvGrpSpPr>
-      <p:grpSpPr>
-        <a:xfrm>
-          <a:off x="0" y="0"/>
-          <a:ext cx="0" cy="0"/>
-          <a:chOff x="0" y="0"/>
-          <a:chExt cx="0" cy="0"/>
-        </a:xfrm>
-      </p:grpSpPr>
-      <p:sp>
-        <p:nvSpPr>
-          <p:cNvPr id="14" name="PlaceHolder 1">
+      <p:sp>
+        <p:nvSpPr>
+          <p:cNvPr id="9" name="椭圆 8">
             <a:extLst>
               <a:ext uri="{FF2B5EF4-FFF2-40B4-BE49-F238E27FC236}">
-                <a16:creationId xmlns:a16="http://schemas.microsoft.com/office/drawing/2014/main" id="{78425D24-0126-D972-07F6-4C7E8F42A7B4}"/>
+                <a16:creationId xmlns:a16="http://schemas.microsoft.com/office/drawing/2014/main" id="{42A19CF5-34DD-BE4B-E920-961B6440A33F}"/>
               </a:ext>
             </a:extLst>
           </p:cNvPr>
-          <p:cNvSpPr>
-            <a:spLocks noGrp="1"/>
-          </p:cNvSpPr>
-          <p:nvPr>
-            <p:ph type="title"/>
-          </p:nvPr>
+          <p:cNvSpPr/>
+          <p:nvPr/>
         </p:nvSpPr>
         <p:spPr>
           <a:xfrm>
-            <a:off x="382680" y="541440"/>
-            <a:ext cx="7469640" cy="943560"/>
+            <a:off x="3272443" y="3750388"/>
+            <a:ext cx="1577011" cy="1512168"/>
           </a:xfrm>
-          <a:prstGeom prst="rect">
+          <a:prstGeom prst="ellipse">
             <a:avLst/>
           </a:prstGeom>
-          <a:noFill/>
-          <a:ln w="0">
-            <a:noFill/>
-          </a:ln>
         </p:spPr>
+        <p:style>
+          <a:lnRef idx="2">
+            <a:schemeClr val="accent2">
+              <a:shade val="15000"/>
+            </a:schemeClr>
+          </a:lnRef>
+          <a:fillRef idx="1">
+            <a:schemeClr val="accent2"/>
+          </a:fillRef>
+          <a:effectRef idx="0">
+            <a:schemeClr val="accent2"/>
+          </a:effectRef>
+          <a:fontRef idx="minor">
+            <a:schemeClr val="lt1"/>
+          </a:fontRef>
+        </p:style>
         <p:txBody>
-          <a:bodyPr lIns="0" tIns="0" rIns="0" bIns="0" anchor="ctr">
-            <a:noAutofit/>
-          </a:bodyPr>
+          <a:bodyPr rtlCol="0" anchor="ctr"/>
           <a:lstStyle/>
           <a:p>
-            <a:pPr indent="0">
-              <a:buNone/>
-            </a:pPr>
-            <a:r>
-              <a:rPr lang="en-US" altLang="zh-CN" sz="3600" b="1" u="none" strike="noStrike" dirty="0">
-                <a:solidFill>
-                  <a:srgbClr val="000000"/>
-                </a:solidFill>
-                <a:uFillTx/>
-                <a:latin typeface="Arial"/>
-              </a:rPr>
-              <a:t>Optimization considerations</a:t>
-            </a:r>
-            <a:endParaRPr lang="en-US" sz="3600" b="1" u="none" strike="noStrike" dirty="0">
-              <a:solidFill>
-                <a:srgbClr val="000000"/>
-              </a:solidFill>
-              <a:uFillTx/>
-              <a:latin typeface="Arial"/>
-            </a:endParaRPr>
+            <a:pPr algn="ctr"/>
+            <a:r>
+              <a:rPr lang="en-US" altLang="zh-CN" dirty="0"/>
+              <a:t>Pros</a:t>
+            </a:r>
+            <a:endParaRPr lang="zh-CN" altLang="en-US" dirty="0"/>
           </a:p>
         </p:txBody>
       </p:sp>
       <p:sp>
         <p:nvSpPr>
-          <p:cNvPr id="2" name="文本框 1">
+          <p:cNvPr id="5" name="椭圆 4">
             <a:extLst>
               <a:ext uri="{FF2B5EF4-FFF2-40B4-BE49-F238E27FC236}">
-                <a16:creationId xmlns:a16="http://schemas.microsoft.com/office/drawing/2014/main" id="{391B9032-D7B2-CF7A-8023-CA1F41569C23}"/>
+                <a16:creationId xmlns:a16="http://schemas.microsoft.com/office/drawing/2014/main" id="{DC509302-6DA8-D0F2-7526-7D6BA39C06A1}"/>
+              </a:ext>
+            </a:extLst>
+          </p:cNvPr>
+          <p:cNvSpPr/>
+          <p:nvPr/>
+        </p:nvSpPr>
+        <p:spPr>
+          <a:xfrm>
+            <a:off x="5441642" y="3965922"/>
+            <a:ext cx="1072953" cy="1059359"/>
+          </a:xfrm>
+          <a:prstGeom prst="ellipse">
+            <a:avLst/>
+          </a:prstGeom>
+          <a:solidFill>
+            <a:schemeClr val="accent5"/>
+          </a:solidFill>
+        </p:spPr>
+        <p:style>
+          <a:lnRef idx="2">
+            <a:schemeClr val="accent2">
+              <a:shade val="15000"/>
+            </a:schemeClr>
+          </a:lnRef>
+          <a:fillRef idx="1">
+            <a:schemeClr val="accent2"/>
+          </a:fillRef>
+          <a:effectRef idx="0">
+            <a:schemeClr val="accent2"/>
+          </a:effectRef>
+          <a:fontRef idx="minor">
+            <a:schemeClr val="lt1"/>
+          </a:fontRef>
+        </p:style>
+        <p:txBody>
+          <a:bodyPr rtlCol="0" anchor="ctr"/>
+          <a:lstStyle/>
+          <a:p>
+            <a:pPr algn="ctr"/>
+            <a:r>
+              <a:rPr lang="en-US" altLang="zh-CN" dirty="0"/>
+              <a:t>Cons</a:t>
+            </a:r>
+            <a:endParaRPr lang="zh-CN" altLang="en-US" dirty="0"/>
+          </a:p>
+        </p:txBody>
+      </p:sp>
+      <p:sp>
+        <p:nvSpPr>
+          <p:cNvPr id="6" name="文本框 5">
+            <a:extLst>
+              <a:ext uri="{FF2B5EF4-FFF2-40B4-BE49-F238E27FC236}">
+                <a16:creationId xmlns:a16="http://schemas.microsoft.com/office/drawing/2014/main" id="{BCEB1CC7-A6EE-9F90-872F-6A52B13E5927}"/>
               </a:ext>
             </a:extLst>
           </p:cNvPr>
@@ -3907,8 +5438,8 @@
         </p:nvSpPr>
         <p:spPr>
           <a:xfrm>
-            <a:off x="382680" y="1968500"/>
-            <a:ext cx="9430787" cy="4801314"/>
+            <a:off x="1367904" y="3635821"/>
+            <a:ext cx="1697901" cy="369332"/>
           </a:xfrm>
           <a:prstGeom prst="rect">
             <a:avLst/>
@@ -3921,101 +5452,427 @@
           </a:bodyPr>
           <a:lstStyle/>
           <a:p>
-            <a:pPr>
-              <a:buNone/>
-            </a:pPr>
-            <a:r>
-              <a:rPr lang="en-US" altLang="zh-CN" sz="2400" b="1" dirty="0"/>
-              <a:t>4. Extend Battery Lifespan</a:t>
-            </a:r>
-            <a:br>
-              <a:rPr lang="en-US" altLang="zh-CN" sz="2400" dirty="0"/>
-            </a:br>
-            <a:r>
-              <a:rPr lang="en-US" altLang="zh-CN" sz="2400" dirty="0"/>
-              <a:t>→ Avoid deep discharge, high-rate charging</a:t>
-            </a:r>
-            <a:br>
-              <a:rPr lang="en-US" altLang="zh-CN" sz="2400" dirty="0"/>
-            </a:br>
-            <a:r>
-              <a:rPr lang="en-US" altLang="zh-CN" sz="2400" dirty="0"/>
-              <a:t>→ Intelligent post-full-charge trickle to reduce battery stress</a:t>
-            </a:r>
-          </a:p>
-          <a:p>
-            <a:pPr>
-              <a:buNone/>
-            </a:pPr>
-            <a:endParaRPr lang="en-US" altLang="zh-CN" sz="2400" dirty="0"/>
-          </a:p>
-          <a:p>
-            <a:pPr>
-              <a:buNone/>
-            </a:pPr>
-            <a:r>
-              <a:rPr lang="en-US" altLang="zh-CN" sz="2400" b="1" dirty="0"/>
-              <a:t>5. Achieve Grid Load Balancing (V2G)</a:t>
-            </a:r>
-            <a:br>
-              <a:rPr lang="en-US" altLang="zh-CN" sz="2400" dirty="0"/>
-            </a:br>
-            <a:r>
-              <a:rPr lang="en-US" altLang="zh-CN" sz="2400" dirty="0"/>
-              <a:t>→ Leverage V2G to feed power back to the grid at peak times</a:t>
-            </a:r>
-            <a:br>
-              <a:rPr lang="en-US" altLang="zh-CN" sz="2400" dirty="0"/>
-            </a:br>
-            <a:r>
-              <a:rPr lang="en-US" altLang="zh-CN" sz="2400" dirty="0"/>
-              <a:t>→ V2G not implemented due to vehicle limitations</a:t>
-            </a:r>
-          </a:p>
-          <a:p>
-            <a:pPr>
-              <a:buNone/>
-            </a:pPr>
-            <a:endParaRPr lang="en-US" altLang="zh-CN" sz="2400" dirty="0"/>
-          </a:p>
-          <a:p>
-            <a:pPr>
-              <a:buNone/>
-            </a:pPr>
-            <a:r>
-              <a:rPr lang="en-US" altLang="zh-CN" sz="2400" b="1" dirty="0"/>
-              <a:t>6. Improve User Experience</a:t>
-            </a:r>
-            <a:br>
-              <a:rPr lang="en-US" altLang="zh-CN" sz="2400" dirty="0"/>
-            </a:br>
-            <a:r>
-              <a:rPr lang="en-US" altLang="zh-CN" sz="2400" dirty="0"/>
-              <a:t>→ Analyze habits and history to suggest best time &amp; location</a:t>
-            </a:r>
-            <a:br>
-              <a:rPr lang="en-US" altLang="zh-CN" sz="2400" dirty="0"/>
-            </a:br>
-            <a:r>
-              <a:rPr lang="en-US" altLang="zh-CN" sz="2400" dirty="0"/>
-              <a:t>→ Real-time station recommendations, navigation integration</a:t>
-            </a:r>
-          </a:p>
-          <a:p>
-            <a:r>
-              <a:rPr lang="en-US" altLang="zh-CN" sz="2400" dirty="0"/>
-              <a:t>→ Future plan: Develop mobile app for smart personalized charging</a:t>
-            </a:r>
-          </a:p>
-          <a:p>
+            <a:r>
+              <a:rPr lang="en-US" altLang="zh-CN" sz="1800" b="1" dirty="0"/>
+              <a:t>easy</a:t>
+            </a:r>
+            <a:r>
+              <a:rPr lang="en-US" altLang="zh-CN" sz="1800" dirty="0"/>
+              <a:t> to deploy</a:t>
+            </a:r>
             <a:endParaRPr lang="zh-CN" altLang="en-US" dirty="0"/>
+          </a:p>
+        </p:txBody>
+      </p:sp>
+      <p:sp>
+        <p:nvSpPr>
+          <p:cNvPr id="7" name="文本框 6">
+            <a:extLst>
+              <a:ext uri="{FF2B5EF4-FFF2-40B4-BE49-F238E27FC236}">
+                <a16:creationId xmlns:a16="http://schemas.microsoft.com/office/drawing/2014/main" id="{BCEF24CD-AA70-7685-A01F-7B315F5746C4}"/>
+              </a:ext>
+            </a:extLst>
+          </p:cNvPr>
+          <p:cNvSpPr txBox="1"/>
+          <p:nvPr/>
+        </p:nvSpPr>
+        <p:spPr>
+          <a:xfrm>
+            <a:off x="237915" y="4930781"/>
+            <a:ext cx="2826415" cy="369332"/>
+          </a:xfrm>
+          <a:prstGeom prst="rect">
+            <a:avLst/>
+          </a:prstGeom>
+          <a:noFill/>
+        </p:spPr>
+        <p:txBody>
+          <a:bodyPr wrap="none" rtlCol="0">
+            <a:spAutoFit/>
+          </a:bodyPr>
+          <a:lstStyle/>
+          <a:p>
+            <a:r>
+              <a:rPr lang="en-US" altLang="zh-CN" b="1" dirty="0"/>
+              <a:t>Fast</a:t>
+            </a:r>
+            <a:r>
+              <a:rPr lang="en-US" altLang="zh-CN" dirty="0"/>
+              <a:t> computational speed</a:t>
+            </a:r>
+            <a:endParaRPr lang="zh-CN" altLang="en-US" dirty="0"/>
+          </a:p>
+        </p:txBody>
+      </p:sp>
+      <p:sp>
+        <p:nvSpPr>
+          <p:cNvPr id="8" name="文本框 7">
+            <a:extLst>
+              <a:ext uri="{FF2B5EF4-FFF2-40B4-BE49-F238E27FC236}">
+                <a16:creationId xmlns:a16="http://schemas.microsoft.com/office/drawing/2014/main" id="{CBC402B0-77B2-5B34-CC98-4DDD434998FA}"/>
+              </a:ext>
+            </a:extLst>
+          </p:cNvPr>
+          <p:cNvSpPr txBox="1"/>
+          <p:nvPr/>
+        </p:nvSpPr>
+        <p:spPr>
+          <a:xfrm>
+            <a:off x="655598" y="4281382"/>
+            <a:ext cx="2249334" cy="369332"/>
+          </a:xfrm>
+          <a:prstGeom prst="rect">
+            <a:avLst/>
+          </a:prstGeom>
+          <a:noFill/>
+        </p:spPr>
+        <p:txBody>
+          <a:bodyPr wrap="none" rtlCol="0">
+            <a:spAutoFit/>
+          </a:bodyPr>
+          <a:lstStyle/>
+          <a:p>
+            <a:r>
+              <a:rPr lang="en-US" altLang="zh-CN" b="1" dirty="0"/>
+              <a:t>No need</a:t>
+            </a:r>
+            <a:r>
+              <a:rPr lang="en-US" altLang="zh-CN" dirty="0"/>
+              <a:t> for training</a:t>
+            </a:r>
+            <a:endParaRPr lang="zh-CN" altLang="en-US" dirty="0"/>
+          </a:p>
+        </p:txBody>
+      </p:sp>
+      <p:sp>
+        <p:nvSpPr>
+          <p:cNvPr id="10" name="文本框 9">
+            <a:extLst>
+              <a:ext uri="{FF2B5EF4-FFF2-40B4-BE49-F238E27FC236}">
+                <a16:creationId xmlns:a16="http://schemas.microsoft.com/office/drawing/2014/main" id="{A99F612B-D4D0-8382-CF45-9DBCDC452B2C}"/>
+              </a:ext>
+            </a:extLst>
+          </p:cNvPr>
+          <p:cNvSpPr txBox="1"/>
+          <p:nvPr/>
+        </p:nvSpPr>
+        <p:spPr>
+          <a:xfrm>
+            <a:off x="6840512" y="3874337"/>
+            <a:ext cx="2326278" cy="369332"/>
+          </a:xfrm>
+          <a:prstGeom prst="rect">
+            <a:avLst/>
+          </a:prstGeom>
+          <a:noFill/>
+        </p:spPr>
+        <p:txBody>
+          <a:bodyPr wrap="none" rtlCol="0">
+            <a:spAutoFit/>
+          </a:bodyPr>
+          <a:lstStyle/>
+          <a:p>
+            <a:r>
+              <a:rPr lang="en-US" altLang="zh-CN" dirty="0"/>
+              <a:t>Lacks learning ability</a:t>
+            </a:r>
+            <a:endParaRPr lang="zh-CN" altLang="en-US" dirty="0"/>
+          </a:p>
+        </p:txBody>
+      </p:sp>
+      <p:sp>
+        <p:nvSpPr>
+          <p:cNvPr id="11" name="文本框 10">
+            <a:extLst>
+              <a:ext uri="{FF2B5EF4-FFF2-40B4-BE49-F238E27FC236}">
+                <a16:creationId xmlns:a16="http://schemas.microsoft.com/office/drawing/2014/main" id="{78F7CA1A-90FC-BA3B-41EB-AAD2E3181EB0}"/>
+              </a:ext>
+            </a:extLst>
+          </p:cNvPr>
+          <p:cNvSpPr txBox="1"/>
+          <p:nvPr/>
+        </p:nvSpPr>
+        <p:spPr>
+          <a:xfrm>
+            <a:off x="6570110" y="4645674"/>
+            <a:ext cx="2826415" cy="646331"/>
+          </a:xfrm>
+          <a:prstGeom prst="rect">
+            <a:avLst/>
+          </a:prstGeom>
+          <a:noFill/>
+        </p:spPr>
+        <p:txBody>
+          <a:bodyPr wrap="none" rtlCol="0">
+            <a:spAutoFit/>
+          </a:bodyPr>
+          <a:lstStyle/>
+          <a:p>
+            <a:pPr algn="ctr"/>
+            <a:r>
+              <a:rPr lang="en-US" altLang="zh-CN" dirty="0"/>
+              <a:t>Optimization failed </a:t>
+            </a:r>
+          </a:p>
+          <a:p>
+            <a:pPr algn="ctr"/>
+            <a:r>
+              <a:rPr lang="en-US" altLang="zh-CN" dirty="0"/>
+              <a:t>with multiple uncertainties</a:t>
+            </a:r>
+            <a:endParaRPr lang="zh-CN" altLang="en-US" dirty="0"/>
+          </a:p>
+        </p:txBody>
+      </p:sp>
+      <p:sp>
+        <p:nvSpPr>
+          <p:cNvPr id="12" name="椭圆 11">
+            <a:extLst>
+              <a:ext uri="{FF2B5EF4-FFF2-40B4-BE49-F238E27FC236}">
+                <a16:creationId xmlns:a16="http://schemas.microsoft.com/office/drawing/2014/main" id="{729099AB-C74E-31E3-F220-ACDBF3663DDB}"/>
+              </a:ext>
+            </a:extLst>
+          </p:cNvPr>
+          <p:cNvSpPr/>
+          <p:nvPr/>
+        </p:nvSpPr>
+        <p:spPr>
+          <a:xfrm>
+            <a:off x="3081829" y="3727264"/>
+            <a:ext cx="214887" cy="216024"/>
+          </a:xfrm>
+          <a:prstGeom prst="ellipse">
+            <a:avLst/>
+          </a:prstGeom>
+          <a:solidFill>
+            <a:schemeClr val="accent2"/>
+          </a:solidFill>
+        </p:spPr>
+        <p:style>
+          <a:lnRef idx="2">
+            <a:schemeClr val="accent1">
+              <a:shade val="15000"/>
+            </a:schemeClr>
+          </a:lnRef>
+          <a:fillRef idx="1">
+            <a:schemeClr val="accent1"/>
+          </a:fillRef>
+          <a:effectRef idx="0">
+            <a:schemeClr val="accent1"/>
+          </a:effectRef>
+          <a:fontRef idx="minor">
+            <a:schemeClr val="lt1"/>
+          </a:fontRef>
+        </p:style>
+        <p:txBody>
+          <a:bodyPr rtlCol="0" anchor="ctr"/>
+          <a:lstStyle/>
+          <a:p>
+            <a:pPr algn="ctr"/>
+            <a:endParaRPr lang="zh-CN" altLang="en-US"/>
+          </a:p>
+        </p:txBody>
+      </p:sp>
+      <p:sp>
+        <p:nvSpPr>
+          <p:cNvPr id="13" name="椭圆 12">
+            <a:extLst>
+              <a:ext uri="{FF2B5EF4-FFF2-40B4-BE49-F238E27FC236}">
+                <a16:creationId xmlns:a16="http://schemas.microsoft.com/office/drawing/2014/main" id="{EE884C78-40F8-6928-1DAE-1672654E0EFE}"/>
+              </a:ext>
+            </a:extLst>
+          </p:cNvPr>
+          <p:cNvSpPr/>
+          <p:nvPr/>
+        </p:nvSpPr>
+        <p:spPr>
+          <a:xfrm>
+            <a:off x="2886509" y="4358036"/>
+            <a:ext cx="214887" cy="216024"/>
+          </a:xfrm>
+          <a:prstGeom prst="ellipse">
+            <a:avLst/>
+          </a:prstGeom>
+          <a:solidFill>
+            <a:schemeClr val="accent2"/>
+          </a:solidFill>
+        </p:spPr>
+        <p:style>
+          <a:lnRef idx="2">
+            <a:schemeClr val="accent1">
+              <a:shade val="15000"/>
+            </a:schemeClr>
+          </a:lnRef>
+          <a:fillRef idx="1">
+            <a:schemeClr val="accent1"/>
+          </a:fillRef>
+          <a:effectRef idx="0">
+            <a:schemeClr val="accent1"/>
+          </a:effectRef>
+          <a:fontRef idx="minor">
+            <a:schemeClr val="lt1"/>
+          </a:fontRef>
+        </p:style>
+        <p:txBody>
+          <a:bodyPr rtlCol="0" anchor="ctr"/>
+          <a:lstStyle/>
+          <a:p>
+            <a:pPr algn="ctr"/>
+            <a:endParaRPr lang="zh-CN" altLang="en-US"/>
+          </a:p>
+        </p:txBody>
+      </p:sp>
+      <p:sp>
+        <p:nvSpPr>
+          <p:cNvPr id="15" name="椭圆 14">
+            <a:extLst>
+              <a:ext uri="{FF2B5EF4-FFF2-40B4-BE49-F238E27FC236}">
+                <a16:creationId xmlns:a16="http://schemas.microsoft.com/office/drawing/2014/main" id="{4128A7E3-BBC7-A279-E535-3413286C9E06}"/>
+              </a:ext>
+            </a:extLst>
+          </p:cNvPr>
+          <p:cNvSpPr/>
+          <p:nvPr/>
+        </p:nvSpPr>
+        <p:spPr>
+          <a:xfrm>
+            <a:off x="3056650" y="5020450"/>
+            <a:ext cx="214887" cy="216024"/>
+          </a:xfrm>
+          <a:prstGeom prst="ellipse">
+            <a:avLst/>
+          </a:prstGeom>
+          <a:solidFill>
+            <a:schemeClr val="accent2"/>
+          </a:solidFill>
+        </p:spPr>
+        <p:style>
+          <a:lnRef idx="2">
+            <a:schemeClr val="accent1">
+              <a:shade val="15000"/>
+            </a:schemeClr>
+          </a:lnRef>
+          <a:fillRef idx="1">
+            <a:schemeClr val="accent1"/>
+          </a:fillRef>
+          <a:effectRef idx="0">
+            <a:schemeClr val="accent1"/>
+          </a:effectRef>
+          <a:fontRef idx="minor">
+            <a:schemeClr val="lt1"/>
+          </a:fontRef>
+        </p:style>
+        <p:txBody>
+          <a:bodyPr rtlCol="0" anchor="ctr"/>
+          <a:lstStyle/>
+          <a:p>
+            <a:pPr algn="ctr"/>
+            <a:endParaRPr lang="zh-CN" altLang="en-US"/>
+          </a:p>
+        </p:txBody>
+      </p:sp>
+      <p:sp>
+        <p:nvSpPr>
+          <p:cNvPr id="16" name="椭圆 15">
+            <a:extLst>
+              <a:ext uri="{FF2B5EF4-FFF2-40B4-BE49-F238E27FC236}">
+                <a16:creationId xmlns:a16="http://schemas.microsoft.com/office/drawing/2014/main" id="{277D9B23-622D-794D-F55E-DCF9434621C0}"/>
+              </a:ext>
+            </a:extLst>
+          </p:cNvPr>
+          <p:cNvSpPr/>
+          <p:nvPr/>
+        </p:nvSpPr>
+        <p:spPr>
+          <a:xfrm>
+            <a:off x="6570110" y="3950991"/>
+            <a:ext cx="214887" cy="216024"/>
+          </a:xfrm>
+          <a:prstGeom prst="ellipse">
+            <a:avLst/>
+          </a:prstGeom>
+          <a:solidFill>
+            <a:schemeClr val="accent5"/>
+          </a:solidFill>
+        </p:spPr>
+        <p:style>
+          <a:lnRef idx="2">
+            <a:schemeClr val="accent1">
+              <a:shade val="15000"/>
+            </a:schemeClr>
+          </a:lnRef>
+          <a:fillRef idx="1">
+            <a:schemeClr val="accent1"/>
+          </a:fillRef>
+          <a:effectRef idx="0">
+            <a:schemeClr val="accent1"/>
+          </a:effectRef>
+          <a:fontRef idx="minor">
+            <a:schemeClr val="lt1"/>
+          </a:fontRef>
+        </p:style>
+        <p:txBody>
+          <a:bodyPr rtlCol="0" anchor="ctr"/>
+          <a:lstStyle/>
+          <a:p>
+            <a:pPr algn="ctr"/>
+            <a:endParaRPr lang="zh-CN" altLang="en-US"/>
+          </a:p>
+        </p:txBody>
+      </p:sp>
+      <p:sp>
+        <p:nvSpPr>
+          <p:cNvPr id="17" name="椭圆 16">
+            <a:extLst>
+              <a:ext uri="{FF2B5EF4-FFF2-40B4-BE49-F238E27FC236}">
+                <a16:creationId xmlns:a16="http://schemas.microsoft.com/office/drawing/2014/main" id="{1B0667E9-367B-49AF-78BD-110490A0E6F8}"/>
+              </a:ext>
+            </a:extLst>
+          </p:cNvPr>
+          <p:cNvSpPr/>
+          <p:nvPr/>
+        </p:nvSpPr>
+        <p:spPr>
+          <a:xfrm>
+            <a:off x="6625625" y="4745214"/>
+            <a:ext cx="214887" cy="216024"/>
+          </a:xfrm>
+          <a:prstGeom prst="ellipse">
+            <a:avLst/>
+          </a:prstGeom>
+          <a:solidFill>
+            <a:schemeClr val="accent5"/>
+          </a:solidFill>
+        </p:spPr>
+        <p:style>
+          <a:lnRef idx="2">
+            <a:schemeClr val="accent1">
+              <a:shade val="15000"/>
+            </a:schemeClr>
+          </a:lnRef>
+          <a:fillRef idx="1">
+            <a:schemeClr val="accent1"/>
+          </a:fillRef>
+          <a:effectRef idx="0">
+            <a:schemeClr val="accent1"/>
+          </a:effectRef>
+          <a:fontRef idx="minor">
+            <a:schemeClr val="lt1"/>
+          </a:fontRef>
+        </p:style>
+        <p:txBody>
+          <a:bodyPr rtlCol="0" anchor="ctr"/>
+          <a:lstStyle/>
+          <a:p>
+            <a:pPr algn="ctr"/>
+            <a:endParaRPr lang="zh-CN" altLang="en-US"/>
           </a:p>
         </p:txBody>
       </p:sp>
     </p:spTree>
     <p:extLst>
       <p:ext uri="{BB962C8B-B14F-4D97-AF65-F5344CB8AC3E}">
-        <p14:creationId xmlns:p14="http://schemas.microsoft.com/office/powerpoint/2010/main" val="3368080791"/>
+        <p14:creationId xmlns:p14="http://schemas.microsoft.com/office/powerpoint/2010/main" val="1874890582"/>
       </p:ext>
     </p:extLst>
   </p:cSld>
@@ -4025,7 +5882,7 @@
 </p:sld>
 </file>
 
-<file path=ppt/slides/slide4.xml><?xml version="1.0" encoding="utf-8"?>
+<file path=ppt/slides/slide3.xml><?xml version="1.0" encoding="utf-8"?>
 <p:sld xmlns:a="http://schemas.openxmlformats.org/drawingml/2006/main" xmlns:r="http://schemas.openxmlformats.org/officeDocument/2006/relationships" xmlns:p="http://schemas.openxmlformats.org/presentationml/2006/main">
   <p:cSld>
     <p:spTree>
@@ -4126,7 +5983,7 @@
         </p:blipFill>
         <p:spPr>
           <a:xfrm>
-            <a:off x="382680" y="2226815"/>
+            <a:off x="382680" y="2123653"/>
             <a:ext cx="9002620" cy="4096322"/>
           </a:xfrm>
           <a:prstGeom prst="rect">
@@ -4147,7 +6004,7 @@
 </p:sld>
 </file>
 
-<file path=ppt/slides/slide5.xml><?xml version="1.0" encoding="utf-8"?>
+<file path=ppt/slides/slide4.xml><?xml version="1.0" encoding="utf-8"?>
 <p:sld xmlns:a="http://schemas.openxmlformats.org/drawingml/2006/main" xmlns:r="http://schemas.openxmlformats.org/officeDocument/2006/relationships" xmlns:p="http://schemas.openxmlformats.org/presentationml/2006/main">
   <p:cSld>
     <p:spTree>
@@ -4277,7 +6134,7 @@
 </p:sld>
 </file>
 
-<file path=ppt/slides/slide6.xml><?xml version="1.0" encoding="utf-8"?>
+<file path=ppt/slides/slide5.xml><?xml version="1.0" encoding="utf-8"?>
 <p:sld xmlns:a="http://schemas.openxmlformats.org/drawingml/2006/main" xmlns:r="http://schemas.openxmlformats.org/officeDocument/2006/relationships" xmlns:p="http://schemas.openxmlformats.org/presentationml/2006/main">
   <p:cSld>
     <p:spTree>
@@ -4406,7 +6263,7 @@
 </p:sld>
 </file>
 
-<file path=ppt/slides/slide7.xml><?xml version="1.0" encoding="utf-8"?>
+<file path=ppt/slides/slide6.xml><?xml version="1.0" encoding="utf-8"?>
 <p:sld xmlns:a="http://schemas.openxmlformats.org/drawingml/2006/main" xmlns:r="http://schemas.openxmlformats.org/officeDocument/2006/relationships" xmlns:p="http://schemas.openxmlformats.org/presentationml/2006/main">
   <p:cSld>
     <p:spTree>
@@ -4572,7 +6429,7 @@
 </p:sld>
 </file>
 
-<file path=ppt/slides/slide8.xml><?xml version="1.0" encoding="utf-8"?>
+<file path=ppt/slides/slide7.xml><?xml version="1.0" encoding="utf-8"?>
 <p:sld xmlns:a="http://schemas.openxmlformats.org/drawingml/2006/main" xmlns:r="http://schemas.openxmlformats.org/officeDocument/2006/relationships" xmlns:p="http://schemas.openxmlformats.org/presentationml/2006/main">
   <p:cSld>
     <p:spTree>
@@ -4580,7 +6437,7 @@
         <p:cNvPr id="1" name="">
           <a:extLst>
             <a:ext uri="{FF2B5EF4-FFF2-40B4-BE49-F238E27FC236}">
-              <a16:creationId xmlns:a16="http://schemas.microsoft.com/office/drawing/2014/main" id="{F84D8BE0-D473-410D-A763-55442CA9321E}"/>
+              <a16:creationId xmlns:a16="http://schemas.microsoft.com/office/drawing/2014/main" id="{53CAC005-5B89-2516-878A-3369E91E9596}"/>
             </a:ext>
           </a:extLst>
         </p:cNvPr>
@@ -4600,7 +6457,7 @@
           <p:cNvPr id="14" name="PlaceHolder 1">
             <a:extLst>
               <a:ext uri="{FF2B5EF4-FFF2-40B4-BE49-F238E27FC236}">
-                <a16:creationId xmlns:a16="http://schemas.microsoft.com/office/drawing/2014/main" id="{700CB0B9-F03D-A8BD-42A2-AE0621821268}"/>
+                <a16:creationId xmlns:a16="http://schemas.microsoft.com/office/drawing/2014/main" id="{B9D6C825-D729-25AC-4044-3E610BB006DD}"/>
               </a:ext>
             </a:extLst>
           </p:cNvPr>
@@ -4658,7 +6515,7 @@
           <p:cNvPr id="4" name="图片 3">
             <a:extLst>
               <a:ext uri="{FF2B5EF4-FFF2-40B4-BE49-F238E27FC236}">
-                <a16:creationId xmlns:a16="http://schemas.microsoft.com/office/drawing/2014/main" id="{46DE82BF-CC97-0FD1-52AD-5912C2E5546A}"/>
+                <a16:creationId xmlns:a16="http://schemas.microsoft.com/office/drawing/2014/main" id="{41AC4C06-7FD8-998F-44F0-DBCBA713E80C}"/>
               </a:ext>
             </a:extLst>
           </p:cNvPr>
@@ -4690,14 +6547,108 @@
         </p:blipFill>
         <p:spPr>
           <a:xfrm>
-            <a:off x="2168003" y="1599624"/>
-            <a:ext cx="5534359" cy="2767179"/>
+            <a:off x="791839" y="2123653"/>
+            <a:ext cx="8496946" cy="4248472"/>
           </a:xfrm>
           <a:prstGeom prst="rect">
             <a:avLst/>
           </a:prstGeom>
         </p:spPr>
       </p:pic>
+    </p:spTree>
+    <p:extLst>
+      <p:ext uri="{BB962C8B-B14F-4D97-AF65-F5344CB8AC3E}">
+        <p14:creationId xmlns:p14="http://schemas.microsoft.com/office/powerpoint/2010/main" val="954639878"/>
+      </p:ext>
+    </p:extLst>
+  </p:cSld>
+  <p:clrMapOvr>
+    <a:masterClrMapping/>
+  </p:clrMapOvr>
+</p:sld>
+</file>
+
+<file path=ppt/slides/slide8.xml><?xml version="1.0" encoding="utf-8"?>
+<p:sld xmlns:a="http://schemas.openxmlformats.org/drawingml/2006/main" xmlns:r="http://schemas.openxmlformats.org/officeDocument/2006/relationships" xmlns:p="http://schemas.openxmlformats.org/presentationml/2006/main">
+  <p:cSld>
+    <p:spTree>
+      <p:nvGrpSpPr>
+        <p:cNvPr id="1" name="">
+          <a:extLst>
+            <a:ext uri="{FF2B5EF4-FFF2-40B4-BE49-F238E27FC236}">
+              <a16:creationId xmlns:a16="http://schemas.microsoft.com/office/drawing/2014/main" id="{F84D8BE0-D473-410D-A763-55442CA9321E}"/>
+            </a:ext>
+          </a:extLst>
+        </p:cNvPr>
+        <p:cNvGrpSpPr/>
+        <p:nvPr/>
+      </p:nvGrpSpPr>
+      <p:grpSpPr>
+        <a:xfrm>
+          <a:off x="0" y="0"/>
+          <a:ext cx="0" cy="0"/>
+          <a:chOff x="0" y="0"/>
+          <a:chExt cx="0" cy="0"/>
+        </a:xfrm>
+      </p:grpSpPr>
+      <p:sp>
+        <p:nvSpPr>
+          <p:cNvPr id="14" name="PlaceHolder 1">
+            <a:extLst>
+              <a:ext uri="{FF2B5EF4-FFF2-40B4-BE49-F238E27FC236}">
+                <a16:creationId xmlns:a16="http://schemas.microsoft.com/office/drawing/2014/main" id="{700CB0B9-F03D-A8BD-42A2-AE0621821268}"/>
+              </a:ext>
+            </a:extLst>
+          </p:cNvPr>
+          <p:cNvSpPr>
+            <a:spLocks noGrp="1"/>
+          </p:cNvSpPr>
+          <p:nvPr>
+            <p:ph type="title"/>
+          </p:nvPr>
+        </p:nvSpPr>
+        <p:spPr>
+          <a:xfrm>
+            <a:off x="382680" y="541440"/>
+            <a:ext cx="7469640" cy="943560"/>
+          </a:xfrm>
+          <a:prstGeom prst="rect">
+            <a:avLst/>
+          </a:prstGeom>
+          <a:noFill/>
+          <a:ln w="0">
+            <a:noFill/>
+          </a:ln>
+        </p:spPr>
+        <p:txBody>
+          <a:bodyPr lIns="0" tIns="0" rIns="0" bIns="0" anchor="ctr">
+            <a:noAutofit/>
+          </a:bodyPr>
+          <a:lstStyle/>
+          <a:p>
+            <a:pPr indent="0">
+              <a:buNone/>
+            </a:pPr>
+            <a:r>
+              <a:rPr lang="en-US" altLang="zh-CN" sz="3600" b="1" u="none" strike="noStrike" dirty="0">
+                <a:solidFill>
+                  <a:srgbClr val="000000"/>
+                </a:solidFill>
+                <a:uFillTx/>
+                <a:latin typeface="Arial"/>
+              </a:rPr>
+              <a:t>Optimization result</a:t>
+            </a:r>
+            <a:endParaRPr lang="en-US" sz="3600" b="0" u="none" strike="noStrike" dirty="0">
+              <a:solidFill>
+                <a:srgbClr val="000000"/>
+              </a:solidFill>
+              <a:uFillTx/>
+              <a:latin typeface="Arial"/>
+            </a:endParaRPr>
+          </a:p>
+        </p:txBody>
+      </p:sp>
       <p:pic>
         <p:nvPicPr>
           <p:cNvPr id="7" name="图片 6">
@@ -4713,7 +6664,7 @@
           <p:nvPr/>
         </p:nvPicPr>
         <p:blipFill>
-          <a:blip r:embed="rId4">
+          <a:blip r:embed="rId3">
             <a:clrChange>
               <a:clrFrom>
                 <a:srgbClr val="FFFFFF"/>
@@ -4735,8 +6686,8 @@
         </p:blipFill>
         <p:spPr>
           <a:xfrm>
-            <a:off x="2168003" y="4251056"/>
-            <a:ext cx="5534359" cy="2767179"/>
+            <a:off x="287783" y="1835621"/>
+            <a:ext cx="9505058" cy="4752528"/>
           </a:xfrm>
           <a:prstGeom prst="rect">
             <a:avLst/>
